--- a/Diplom_Presentation.pptx
+++ b/Diplom_Presentation.pptx
@@ -6,15 +6,26 @@
     <p:sldMasterId id="2147483659" r:id="rId2"/>
   </p:sldMasterIdLst>
   <p:notesMasterIdLst>
-    <p:notesMasterId r:id="rId9"/>
+    <p:notesMasterId r:id="rId20"/>
   </p:notesMasterIdLst>
   <p:sldIdLst>
     <p:sldId id="256" r:id="rId3"/>
     <p:sldId id="261" r:id="rId4"/>
     <p:sldId id="257" r:id="rId5"/>
     <p:sldId id="260" r:id="rId6"/>
-    <p:sldId id="258" r:id="rId7"/>
-    <p:sldId id="259" r:id="rId8"/>
+    <p:sldId id="262" r:id="rId7"/>
+    <p:sldId id="263" r:id="rId8"/>
+    <p:sldId id="258" r:id="rId9"/>
+    <p:sldId id="264" r:id="rId10"/>
+    <p:sldId id="266" r:id="rId11"/>
+    <p:sldId id="268" r:id="rId12"/>
+    <p:sldId id="269" r:id="rId13"/>
+    <p:sldId id="270" r:id="rId14"/>
+    <p:sldId id="271" r:id="rId15"/>
+    <p:sldId id="272" r:id="rId16"/>
+    <p:sldId id="274" r:id="rId17"/>
+    <p:sldId id="275" r:id="rId18"/>
+    <p:sldId id="259" r:id="rId19"/>
   </p:sldIdLst>
   <p:sldSz cx="9144000" cy="5143500" type="screen16x9"/>
   <p:notesSz cx="6858000" cy="9144000"/>
@@ -264,6 +275,60 @@
     </p:ext>
   </p:extLst>
 </p:presentation>
+</file>
+
+<file path=ppt/commentAuthors.xml><?xml version="1.0" encoding="utf-8"?>
+<p:cmAuthorLst xmlns:a="http://schemas.openxmlformats.org/drawingml/2006/main" xmlns:r="http://schemas.openxmlformats.org/officeDocument/2006/relationships" xmlns:p="http://schemas.openxmlformats.org/presentationml/2006/main">
+  <p:cmAuthor id="1" name="Stoianov Dmitrii" initials="SD" lastIdx="1" clrIdx="0">
+    <p:extLst>
+      <p:ext uri="{19B8F6BF-5375-455C-9EA6-DF929625EA0E}">
+        <p15:presenceInfo xmlns:p15="http://schemas.microsoft.com/office/powerpoint/2012/main" userId="S-1-5-21-2025429265-1364589140-1801674531-41173" providerId="AD"/>
+      </p:ext>
+    </p:extLst>
+  </p:cmAuthor>
+</p:cmAuthorLst>
+</file>
+
+<file path=ppt/comments/comment1.xml><?xml version="1.0" encoding="utf-8"?>
+<p:cmLst xmlns:a="http://schemas.openxmlformats.org/drawingml/2006/main" xmlns:r="http://schemas.openxmlformats.org/officeDocument/2006/relationships" xmlns:p="http://schemas.openxmlformats.org/presentationml/2006/main">
+  <p:cm authorId="1" dt="2019-05-23T16:39:12.177" idx="1">
+    <p:pos x="10" y="10"/>
+    <p:text/>
+    <p:extLst>
+      <p:ext uri="{C676402C-5697-4E1C-873F-D02D1690AC5C}">
+        <p15:threadingInfo xmlns:p15="http://schemas.microsoft.com/office/powerpoint/2012/main" timeZoneBias="-180"/>
+      </p:ext>
+    </p:extLst>
+  </p:cm>
+</p:cmLst>
+</file>
+
+<file path=ppt/comments/comment2.xml><?xml version="1.0" encoding="utf-8"?>
+<p:cmLst xmlns:a="http://schemas.openxmlformats.org/drawingml/2006/main" xmlns:r="http://schemas.openxmlformats.org/officeDocument/2006/relationships" xmlns:p="http://schemas.openxmlformats.org/presentationml/2006/main">
+  <p:cm authorId="1" dt="2019-05-23T16:39:12.177" idx="1">
+    <p:pos x="10" y="10"/>
+    <p:text/>
+    <p:extLst>
+      <p:ext uri="{C676402C-5697-4E1C-873F-D02D1690AC5C}">
+        <p15:threadingInfo xmlns:p15="http://schemas.microsoft.com/office/powerpoint/2012/main" timeZoneBias="-180"/>
+      </p:ext>
+    </p:extLst>
+  </p:cm>
+</p:cmLst>
+</file>
+
+<file path=ppt/comments/comment3.xml><?xml version="1.0" encoding="utf-8"?>
+<p:cmLst xmlns:a="http://schemas.openxmlformats.org/drawingml/2006/main" xmlns:r="http://schemas.openxmlformats.org/officeDocument/2006/relationships" xmlns:p="http://schemas.openxmlformats.org/presentationml/2006/main">
+  <p:cm authorId="1" dt="2019-05-23T16:39:12.177" idx="1">
+    <p:pos x="10" y="10"/>
+    <p:text/>
+    <p:extLst>
+      <p:ext uri="{C676402C-5697-4E1C-873F-D02D1690AC5C}">
+        <p15:threadingInfo xmlns:p15="http://schemas.microsoft.com/office/powerpoint/2012/main" timeZoneBias="-180"/>
+      </p:ext>
+    </p:extLst>
+  </p:cm>
+</p:cmLst>
 </file>
 
 <file path=ppt/notesMasters/notesMaster1.xml><?xml version="1.0" encoding="utf-8"?>
@@ -1850,6 +1915,608 @@
 </p:notes>
 </file>
 
+<file path=ppt/notesSlides/notesSlide10.xml><?xml version="1.0" encoding="utf-8"?>
+<p:notes xmlns:a="http://schemas.openxmlformats.org/drawingml/2006/main" xmlns:r="http://schemas.openxmlformats.org/officeDocument/2006/relationships" xmlns:p="http://schemas.openxmlformats.org/presentationml/2006/main">
+  <p:cSld>
+    <p:spTree>
+      <p:nvGrpSpPr>
+        <p:cNvPr id="1" name=""/>
+        <p:cNvGrpSpPr/>
+        <p:nvPr/>
+      </p:nvGrpSpPr>
+      <p:grpSpPr>
+        <a:xfrm>
+          <a:off x="0" y="0"/>
+          <a:ext cx="0" cy="0"/>
+          <a:chOff x="0" y="0"/>
+          <a:chExt cx="0" cy="0"/>
+        </a:xfrm>
+      </p:grpSpPr>
+      <p:sp>
+        <p:nvSpPr>
+          <p:cNvPr id="2" name="Slide Image Placeholder 1"/>
+          <p:cNvSpPr>
+            <a:spLocks noGrp="1" noRot="1" noChangeAspect="1"/>
+          </p:cNvSpPr>
+          <p:nvPr>
+            <p:ph type="sldImg"/>
+          </p:nvPr>
+        </p:nvSpPr>
+        <p:spPr/>
+      </p:sp>
+      <p:sp>
+        <p:nvSpPr>
+          <p:cNvPr id="3" name="Notes Placeholder 2"/>
+          <p:cNvSpPr>
+            <a:spLocks noGrp="1"/>
+          </p:cNvSpPr>
+          <p:nvPr>
+            <p:ph type="body" idx="1"/>
+          </p:nvPr>
+        </p:nvSpPr>
+        <p:spPr/>
+        <p:txBody>
+          <a:bodyPr/>
+          <a:lstStyle/>
+          <a:p>
+            <a:endParaRPr lang="ru-RU" dirty="0"/>
+          </a:p>
+        </p:txBody>
+      </p:sp>
+      <p:sp>
+        <p:nvSpPr>
+          <p:cNvPr id="4" name="Slide Number Placeholder 3"/>
+          <p:cNvSpPr>
+            <a:spLocks noGrp="1"/>
+          </p:cNvSpPr>
+          <p:nvPr>
+            <p:ph type="sldNum" idx="10"/>
+          </p:nvPr>
+        </p:nvSpPr>
+        <p:spPr/>
+        <p:txBody>
+          <a:bodyPr/>
+          <a:lstStyle/>
+          <a:p>
+            <a:pPr marL="0" marR="0" lvl="0" indent="0" algn="r" rtl="0">
+              <a:lnSpc>
+                <a:spcPct val="100000"/>
+              </a:lnSpc>
+              <a:spcBef>
+                <a:spcPts val="0"/>
+              </a:spcBef>
+              <a:spcAft>
+                <a:spcPts val="0"/>
+              </a:spcAft>
+              <a:buClr>
+                <a:srgbClr val="000000"/>
+              </a:buClr>
+              <a:buSzPts val="1200"/>
+              <a:buFont typeface="Arial"/>
+              <a:buNone/>
+            </a:pPr>
+            <a:fld id="{00000000-1234-1234-1234-123412341234}" type="slidenum">
+              <a:rPr lang="ru-RU" sz="1200" b="0" i="0" u="none" strike="noStrike" cap="none" smtClean="0">
+                <a:solidFill>
+                  <a:schemeClr val="dk1"/>
+                </a:solidFill>
+                <a:latin typeface="Calibri"/>
+                <a:ea typeface="Calibri"/>
+                <a:cs typeface="Calibri"/>
+                <a:sym typeface="Calibri"/>
+              </a:rPr>
+              <a:t>12</a:t>
+            </a:fld>
+            <a:endParaRPr lang="ru-RU" sz="1200" b="0" i="0" u="none" strike="noStrike" cap="none">
+              <a:solidFill>
+                <a:schemeClr val="dk1"/>
+              </a:solidFill>
+              <a:latin typeface="Calibri"/>
+              <a:ea typeface="Calibri"/>
+              <a:cs typeface="Calibri"/>
+              <a:sym typeface="Calibri"/>
+            </a:endParaRPr>
+          </a:p>
+        </p:txBody>
+      </p:sp>
+    </p:spTree>
+    <p:extLst>
+      <p:ext uri="{BB962C8B-B14F-4D97-AF65-F5344CB8AC3E}">
+        <p14:creationId xmlns:p14="http://schemas.microsoft.com/office/powerpoint/2010/main" val="2571201289"/>
+      </p:ext>
+    </p:extLst>
+  </p:cSld>
+  <p:clrMapOvr>
+    <a:masterClrMapping/>
+  </p:clrMapOvr>
+</p:notes>
+</file>
+
+<file path=ppt/notesSlides/notesSlide11.xml><?xml version="1.0" encoding="utf-8"?>
+<p:notes xmlns:a="http://schemas.openxmlformats.org/drawingml/2006/main" xmlns:r="http://schemas.openxmlformats.org/officeDocument/2006/relationships" xmlns:p="http://schemas.openxmlformats.org/presentationml/2006/main">
+  <p:cSld>
+    <p:spTree>
+      <p:nvGrpSpPr>
+        <p:cNvPr id="1" name=""/>
+        <p:cNvGrpSpPr/>
+        <p:nvPr/>
+      </p:nvGrpSpPr>
+      <p:grpSpPr>
+        <a:xfrm>
+          <a:off x="0" y="0"/>
+          <a:ext cx="0" cy="0"/>
+          <a:chOff x="0" y="0"/>
+          <a:chExt cx="0" cy="0"/>
+        </a:xfrm>
+      </p:grpSpPr>
+      <p:sp>
+        <p:nvSpPr>
+          <p:cNvPr id="2" name="Slide Image Placeholder 1"/>
+          <p:cNvSpPr>
+            <a:spLocks noGrp="1" noRot="1" noChangeAspect="1"/>
+          </p:cNvSpPr>
+          <p:nvPr>
+            <p:ph type="sldImg"/>
+          </p:nvPr>
+        </p:nvSpPr>
+        <p:spPr/>
+      </p:sp>
+      <p:sp>
+        <p:nvSpPr>
+          <p:cNvPr id="3" name="Notes Placeholder 2"/>
+          <p:cNvSpPr>
+            <a:spLocks noGrp="1"/>
+          </p:cNvSpPr>
+          <p:nvPr>
+            <p:ph type="body" idx="1"/>
+          </p:nvPr>
+        </p:nvSpPr>
+        <p:spPr/>
+        <p:txBody>
+          <a:bodyPr/>
+          <a:lstStyle/>
+          <a:p>
+            <a:endParaRPr lang="ru-RU" dirty="0"/>
+          </a:p>
+        </p:txBody>
+      </p:sp>
+      <p:sp>
+        <p:nvSpPr>
+          <p:cNvPr id="4" name="Slide Number Placeholder 3"/>
+          <p:cNvSpPr>
+            <a:spLocks noGrp="1"/>
+          </p:cNvSpPr>
+          <p:nvPr>
+            <p:ph type="sldNum" idx="10"/>
+          </p:nvPr>
+        </p:nvSpPr>
+        <p:spPr/>
+        <p:txBody>
+          <a:bodyPr/>
+          <a:lstStyle/>
+          <a:p>
+            <a:pPr marL="0" marR="0" lvl="0" indent="0" algn="r" rtl="0">
+              <a:lnSpc>
+                <a:spcPct val="100000"/>
+              </a:lnSpc>
+              <a:spcBef>
+                <a:spcPts val="0"/>
+              </a:spcBef>
+              <a:spcAft>
+                <a:spcPts val="0"/>
+              </a:spcAft>
+              <a:buClr>
+                <a:srgbClr val="000000"/>
+              </a:buClr>
+              <a:buSzPts val="1200"/>
+              <a:buFont typeface="Arial"/>
+              <a:buNone/>
+            </a:pPr>
+            <a:fld id="{00000000-1234-1234-1234-123412341234}" type="slidenum">
+              <a:rPr lang="ru-RU" sz="1200" b="0" i="0" u="none" strike="noStrike" cap="none" smtClean="0">
+                <a:solidFill>
+                  <a:schemeClr val="dk1"/>
+                </a:solidFill>
+                <a:latin typeface="Calibri"/>
+                <a:ea typeface="Calibri"/>
+                <a:cs typeface="Calibri"/>
+                <a:sym typeface="Calibri"/>
+              </a:rPr>
+              <a:t>13</a:t>
+            </a:fld>
+            <a:endParaRPr lang="ru-RU" sz="1200" b="0" i="0" u="none" strike="noStrike" cap="none">
+              <a:solidFill>
+                <a:schemeClr val="dk1"/>
+              </a:solidFill>
+              <a:latin typeface="Calibri"/>
+              <a:ea typeface="Calibri"/>
+              <a:cs typeface="Calibri"/>
+              <a:sym typeface="Calibri"/>
+            </a:endParaRPr>
+          </a:p>
+        </p:txBody>
+      </p:sp>
+    </p:spTree>
+    <p:extLst>
+      <p:ext uri="{BB962C8B-B14F-4D97-AF65-F5344CB8AC3E}">
+        <p14:creationId xmlns:p14="http://schemas.microsoft.com/office/powerpoint/2010/main" val="759168582"/>
+      </p:ext>
+    </p:extLst>
+  </p:cSld>
+  <p:clrMapOvr>
+    <a:masterClrMapping/>
+  </p:clrMapOvr>
+</p:notes>
+</file>
+
+<file path=ppt/notesSlides/notesSlide12.xml><?xml version="1.0" encoding="utf-8"?>
+<p:notes xmlns:a="http://schemas.openxmlformats.org/drawingml/2006/main" xmlns:r="http://schemas.openxmlformats.org/officeDocument/2006/relationships" xmlns:p="http://schemas.openxmlformats.org/presentationml/2006/main">
+  <p:cSld>
+    <p:spTree>
+      <p:nvGrpSpPr>
+        <p:cNvPr id="1" name=""/>
+        <p:cNvGrpSpPr/>
+        <p:nvPr/>
+      </p:nvGrpSpPr>
+      <p:grpSpPr>
+        <a:xfrm>
+          <a:off x="0" y="0"/>
+          <a:ext cx="0" cy="0"/>
+          <a:chOff x="0" y="0"/>
+          <a:chExt cx="0" cy="0"/>
+        </a:xfrm>
+      </p:grpSpPr>
+      <p:sp>
+        <p:nvSpPr>
+          <p:cNvPr id="2" name="Slide Image Placeholder 1"/>
+          <p:cNvSpPr>
+            <a:spLocks noGrp="1" noRot="1" noChangeAspect="1"/>
+          </p:cNvSpPr>
+          <p:nvPr>
+            <p:ph type="sldImg"/>
+          </p:nvPr>
+        </p:nvSpPr>
+        <p:spPr/>
+      </p:sp>
+      <p:sp>
+        <p:nvSpPr>
+          <p:cNvPr id="3" name="Notes Placeholder 2"/>
+          <p:cNvSpPr>
+            <a:spLocks noGrp="1"/>
+          </p:cNvSpPr>
+          <p:nvPr>
+            <p:ph type="body" idx="1"/>
+          </p:nvPr>
+        </p:nvSpPr>
+        <p:spPr/>
+        <p:txBody>
+          <a:bodyPr/>
+          <a:lstStyle/>
+          <a:p>
+            <a:endParaRPr lang="ru-RU" dirty="0"/>
+          </a:p>
+        </p:txBody>
+      </p:sp>
+      <p:sp>
+        <p:nvSpPr>
+          <p:cNvPr id="4" name="Slide Number Placeholder 3"/>
+          <p:cNvSpPr>
+            <a:spLocks noGrp="1"/>
+          </p:cNvSpPr>
+          <p:nvPr>
+            <p:ph type="sldNum" idx="10"/>
+          </p:nvPr>
+        </p:nvSpPr>
+        <p:spPr/>
+        <p:txBody>
+          <a:bodyPr/>
+          <a:lstStyle/>
+          <a:p>
+            <a:pPr marL="0" marR="0" lvl="0" indent="0" algn="r" rtl="0">
+              <a:lnSpc>
+                <a:spcPct val="100000"/>
+              </a:lnSpc>
+              <a:spcBef>
+                <a:spcPts val="0"/>
+              </a:spcBef>
+              <a:spcAft>
+                <a:spcPts val="0"/>
+              </a:spcAft>
+              <a:buClr>
+                <a:srgbClr val="000000"/>
+              </a:buClr>
+              <a:buSzPts val="1200"/>
+              <a:buFont typeface="Arial"/>
+              <a:buNone/>
+            </a:pPr>
+            <a:fld id="{00000000-1234-1234-1234-123412341234}" type="slidenum">
+              <a:rPr lang="ru-RU" sz="1200" b="0" i="0" u="none" strike="noStrike" cap="none" smtClean="0">
+                <a:solidFill>
+                  <a:schemeClr val="dk1"/>
+                </a:solidFill>
+                <a:latin typeface="Calibri"/>
+                <a:ea typeface="Calibri"/>
+                <a:cs typeface="Calibri"/>
+                <a:sym typeface="Calibri"/>
+              </a:rPr>
+              <a:t>14</a:t>
+            </a:fld>
+            <a:endParaRPr lang="ru-RU" sz="1200" b="0" i="0" u="none" strike="noStrike" cap="none">
+              <a:solidFill>
+                <a:schemeClr val="dk1"/>
+              </a:solidFill>
+              <a:latin typeface="Calibri"/>
+              <a:ea typeface="Calibri"/>
+              <a:cs typeface="Calibri"/>
+              <a:sym typeface="Calibri"/>
+            </a:endParaRPr>
+          </a:p>
+        </p:txBody>
+      </p:sp>
+    </p:spTree>
+    <p:extLst>
+      <p:ext uri="{BB962C8B-B14F-4D97-AF65-F5344CB8AC3E}">
+        <p14:creationId xmlns:p14="http://schemas.microsoft.com/office/powerpoint/2010/main" val="1647889392"/>
+      </p:ext>
+    </p:extLst>
+  </p:cSld>
+  <p:clrMapOvr>
+    <a:masterClrMapping/>
+  </p:clrMapOvr>
+</p:notes>
+</file>
+
+<file path=ppt/notesSlides/notesSlide13.xml><?xml version="1.0" encoding="utf-8"?>
+<p:notes xmlns:a="http://schemas.openxmlformats.org/drawingml/2006/main" xmlns:r="http://schemas.openxmlformats.org/officeDocument/2006/relationships" xmlns:p="http://schemas.openxmlformats.org/presentationml/2006/main">
+  <p:cSld>
+    <p:spTree>
+      <p:nvGrpSpPr>
+        <p:cNvPr id="1" name=""/>
+        <p:cNvGrpSpPr/>
+        <p:nvPr/>
+      </p:nvGrpSpPr>
+      <p:grpSpPr>
+        <a:xfrm>
+          <a:off x="0" y="0"/>
+          <a:ext cx="0" cy="0"/>
+          <a:chOff x="0" y="0"/>
+          <a:chExt cx="0" cy="0"/>
+        </a:xfrm>
+      </p:grpSpPr>
+      <p:sp>
+        <p:nvSpPr>
+          <p:cNvPr id="2" name="Slide Image Placeholder 1"/>
+          <p:cNvSpPr>
+            <a:spLocks noGrp="1" noRot="1" noChangeAspect="1"/>
+          </p:cNvSpPr>
+          <p:nvPr>
+            <p:ph type="sldImg"/>
+          </p:nvPr>
+        </p:nvSpPr>
+        <p:spPr/>
+      </p:sp>
+      <p:sp>
+        <p:nvSpPr>
+          <p:cNvPr id="3" name="Notes Placeholder 2"/>
+          <p:cNvSpPr>
+            <a:spLocks noGrp="1"/>
+          </p:cNvSpPr>
+          <p:nvPr>
+            <p:ph type="body" idx="1"/>
+          </p:nvPr>
+        </p:nvSpPr>
+        <p:spPr/>
+        <p:txBody>
+          <a:bodyPr/>
+          <a:lstStyle/>
+          <a:p>
+            <a:endParaRPr lang="ru-RU" dirty="0"/>
+          </a:p>
+        </p:txBody>
+      </p:sp>
+      <p:sp>
+        <p:nvSpPr>
+          <p:cNvPr id="4" name="Slide Number Placeholder 3"/>
+          <p:cNvSpPr>
+            <a:spLocks noGrp="1"/>
+          </p:cNvSpPr>
+          <p:nvPr>
+            <p:ph type="sldNum" idx="10"/>
+          </p:nvPr>
+        </p:nvSpPr>
+        <p:spPr/>
+        <p:txBody>
+          <a:bodyPr/>
+          <a:lstStyle/>
+          <a:p>
+            <a:pPr marL="0" marR="0" lvl="0" indent="0" algn="r" rtl="0">
+              <a:lnSpc>
+                <a:spcPct val="100000"/>
+              </a:lnSpc>
+              <a:spcBef>
+                <a:spcPts val="0"/>
+              </a:spcBef>
+              <a:spcAft>
+                <a:spcPts val="0"/>
+              </a:spcAft>
+              <a:buClr>
+                <a:srgbClr val="000000"/>
+              </a:buClr>
+              <a:buSzPts val="1200"/>
+              <a:buFont typeface="Arial"/>
+              <a:buNone/>
+            </a:pPr>
+            <a:fld id="{00000000-1234-1234-1234-123412341234}" type="slidenum">
+              <a:rPr lang="ru-RU" sz="1200" b="0" i="0" u="none" strike="noStrike" cap="none" smtClean="0">
+                <a:solidFill>
+                  <a:schemeClr val="dk1"/>
+                </a:solidFill>
+                <a:latin typeface="Calibri"/>
+                <a:ea typeface="Calibri"/>
+                <a:cs typeface="Calibri"/>
+                <a:sym typeface="Calibri"/>
+              </a:rPr>
+              <a:t>15</a:t>
+            </a:fld>
+            <a:endParaRPr lang="ru-RU" sz="1200" b="0" i="0" u="none" strike="noStrike" cap="none">
+              <a:solidFill>
+                <a:schemeClr val="dk1"/>
+              </a:solidFill>
+              <a:latin typeface="Calibri"/>
+              <a:ea typeface="Calibri"/>
+              <a:cs typeface="Calibri"/>
+              <a:sym typeface="Calibri"/>
+            </a:endParaRPr>
+          </a:p>
+        </p:txBody>
+      </p:sp>
+    </p:spTree>
+    <p:extLst>
+      <p:ext uri="{BB962C8B-B14F-4D97-AF65-F5344CB8AC3E}">
+        <p14:creationId xmlns:p14="http://schemas.microsoft.com/office/powerpoint/2010/main" val="1769449479"/>
+      </p:ext>
+    </p:extLst>
+  </p:cSld>
+  <p:clrMapOvr>
+    <a:masterClrMapping/>
+  </p:clrMapOvr>
+</p:notes>
+</file>
+
+<file path=ppt/notesSlides/notesSlide14.xml><?xml version="1.0" encoding="utf-8"?>
+<p:notes xmlns:a="http://schemas.openxmlformats.org/drawingml/2006/main" xmlns:r="http://schemas.openxmlformats.org/officeDocument/2006/relationships" xmlns:p="http://schemas.openxmlformats.org/presentationml/2006/main" showMasterSp="0" showMasterPhAnim="0">
+  <p:cSld>
+    <p:spTree>
+      <p:nvGrpSpPr>
+        <p:cNvPr id="1" name="Shape 112"/>
+        <p:cNvGrpSpPr/>
+        <p:nvPr/>
+      </p:nvGrpSpPr>
+      <p:grpSpPr>
+        <a:xfrm>
+          <a:off x="0" y="0"/>
+          <a:ext cx="0" cy="0"/>
+          <a:chOff x="0" y="0"/>
+          <a:chExt cx="0" cy="0"/>
+        </a:xfrm>
+      </p:grpSpPr>
+      <p:sp>
+        <p:nvSpPr>
+          <p:cNvPr id="113" name="Google Shape;113;p6:notes"/>
+          <p:cNvSpPr txBox="1">
+            <a:spLocks noGrp="1"/>
+          </p:cNvSpPr>
+          <p:nvPr>
+            <p:ph type="body" idx="1"/>
+          </p:nvPr>
+        </p:nvSpPr>
+        <p:spPr>
+          <a:xfrm>
+            <a:off x="685800" y="4343400"/>
+            <a:ext cx="5486400" cy="4114800"/>
+          </a:xfrm>
+          <a:prstGeom prst="rect">
+            <a:avLst/>
+          </a:prstGeom>
+          <a:noFill/>
+          <a:ln>
+            <a:noFill/>
+          </a:ln>
+        </p:spPr>
+        <p:txBody>
+          <a:bodyPr spcFirstLastPara="1" wrap="square" lIns="91425" tIns="45700" rIns="91425" bIns="45700" anchor="t" anchorCtr="0">
+            <a:noAutofit/>
+          </a:bodyPr>
+          <a:lstStyle/>
+          <a:p>
+            <a:pPr marL="0" marR="0" lvl="0" indent="0" algn="l" rtl="0">
+              <a:lnSpc>
+                <a:spcPct val="100000"/>
+              </a:lnSpc>
+              <a:spcBef>
+                <a:spcPts val="0"/>
+              </a:spcBef>
+              <a:spcAft>
+                <a:spcPts val="0"/>
+              </a:spcAft>
+              <a:buClr>
+                <a:srgbClr val="000000"/>
+              </a:buClr>
+              <a:buSzPts val="1400"/>
+              <a:buFont typeface="Arial"/>
+              <a:buNone/>
+            </a:pPr>
+            <a:endParaRPr sz="1200" b="0" i="0" u="none" strike="noStrike" cap="none">
+              <a:solidFill>
+                <a:schemeClr val="dk1"/>
+              </a:solidFill>
+              <a:latin typeface="Calibri"/>
+              <a:ea typeface="Calibri"/>
+              <a:cs typeface="Calibri"/>
+              <a:sym typeface="Calibri"/>
+            </a:endParaRPr>
+          </a:p>
+        </p:txBody>
+      </p:sp>
+      <p:sp>
+        <p:nvSpPr>
+          <p:cNvPr id="114" name="Google Shape;114;p6:notes"/>
+          <p:cNvSpPr>
+            <a:spLocks noGrp="1" noRot="1" noChangeAspect="1"/>
+          </p:cNvSpPr>
+          <p:nvPr>
+            <p:ph type="sldImg" idx="2"/>
+          </p:nvPr>
+        </p:nvSpPr>
+        <p:spPr>
+          <a:xfrm>
+            <a:off x="381000" y="685800"/>
+            <a:ext cx="6096000" cy="3429000"/>
+          </a:xfrm>
+          <a:custGeom>
+            <a:avLst/>
+            <a:gdLst/>
+            <a:ahLst/>
+            <a:cxnLst/>
+            <a:rect l="l" t="t" r="r" b="b"/>
+            <a:pathLst>
+              <a:path w="120000" h="120000" extrusionOk="0">
+                <a:moveTo>
+                  <a:pt x="0" y="0"/>
+                </a:moveTo>
+                <a:lnTo>
+                  <a:pt x="120000" y="0"/>
+                </a:lnTo>
+                <a:lnTo>
+                  <a:pt x="120000" y="120000"/>
+                </a:lnTo>
+                <a:lnTo>
+                  <a:pt x="0" y="120000"/>
+                </a:lnTo>
+                <a:close/>
+              </a:path>
+            </a:pathLst>
+          </a:custGeom>
+          <a:noFill/>
+          <a:ln w="12700" cap="flat" cmpd="sng">
+            <a:solidFill>
+              <a:srgbClr val="000000"/>
+            </a:solidFill>
+            <a:prstDash val="solid"/>
+            <a:round/>
+            <a:headEnd type="none" w="sm" len="sm"/>
+            <a:tailEnd type="none" w="sm" len="sm"/>
+          </a:ln>
+        </p:spPr>
+      </p:sp>
+    </p:spTree>
+  </p:cSld>
+  <p:clrMapOvr>
+    <a:masterClrMapping/>
+  </p:clrMapOvr>
+</p:notes>
+</file>
+
 <file path=ppt/notesSlides/notesSlide2.xml><?xml version="1.0" encoding="utf-8"?>
 <p:notes xmlns:a="http://schemas.openxmlformats.org/drawingml/2006/main" xmlns:r="http://schemas.openxmlformats.org/officeDocument/2006/relationships" xmlns:p="http://schemas.openxmlformats.org/presentationml/2006/main" showMasterSp="0" showMasterPhAnim="0">
   <p:cSld>
@@ -2181,7 +2848,7 @@
               <a:buFont typeface="Arial"/>
               <a:buNone/>
             </a:pPr>
-            <a:endParaRPr sz="1200" b="0" i="0" u="none" strike="noStrike" cap="none">
+            <a:endParaRPr sz="1200" b="0" i="0" u="none" strike="noStrike" cap="none" dirty="0">
               <a:solidFill>
                 <a:schemeClr val="dk1"/>
               </a:solidFill>
@@ -2253,11 +2920,11 @@
 </file>
 
 <file path=ppt/notesSlides/notesSlide5.xml><?xml version="1.0" encoding="utf-8"?>
-<p:notes xmlns:a="http://schemas.openxmlformats.org/drawingml/2006/main" xmlns:r="http://schemas.openxmlformats.org/officeDocument/2006/relationships" xmlns:p="http://schemas.openxmlformats.org/presentationml/2006/main" showMasterSp="0" showMasterPhAnim="0">
+<p:notes xmlns:a="http://schemas.openxmlformats.org/drawingml/2006/main" xmlns:r="http://schemas.openxmlformats.org/officeDocument/2006/relationships" xmlns:p="http://schemas.openxmlformats.org/presentationml/2006/main">
   <p:cSld>
     <p:spTree>
       <p:nvGrpSpPr>
-        <p:cNvPr id="1" name="Shape 112"/>
+        <p:cNvPr id="1" name=""/>
         <p:cNvGrpSpPr/>
         <p:nvPr/>
       </p:nvGrpSpPr>
@@ -2271,34 +2938,51 @@
       </p:grpSpPr>
       <p:sp>
         <p:nvSpPr>
-          <p:cNvPr id="113" name="Google Shape;113;p6:notes"/>
-          <p:cNvSpPr txBox="1">
+          <p:cNvPr id="2" name="Slide Image Placeholder 1"/>
+          <p:cNvSpPr>
+            <a:spLocks noGrp="1" noRot="1" noChangeAspect="1"/>
+          </p:cNvSpPr>
+          <p:nvPr>
+            <p:ph type="sldImg"/>
+          </p:nvPr>
+        </p:nvSpPr>
+        <p:spPr/>
+      </p:sp>
+      <p:sp>
+        <p:nvSpPr>
+          <p:cNvPr id="3" name="Notes Placeholder 2"/>
+          <p:cNvSpPr>
             <a:spLocks noGrp="1"/>
           </p:cNvSpPr>
           <p:nvPr>
             <p:ph type="body" idx="1"/>
           </p:nvPr>
         </p:nvSpPr>
-        <p:spPr>
-          <a:xfrm>
-            <a:off x="685800" y="4343400"/>
-            <a:ext cx="5486400" cy="4114800"/>
-          </a:xfrm>
-          <a:prstGeom prst="rect">
-            <a:avLst/>
-          </a:prstGeom>
-          <a:noFill/>
-          <a:ln>
-            <a:noFill/>
-          </a:ln>
-        </p:spPr>
+        <p:spPr/>
         <p:txBody>
-          <a:bodyPr spcFirstLastPara="1" wrap="square" lIns="91425" tIns="45700" rIns="91425" bIns="45700" anchor="t" anchorCtr="0">
-            <a:noAutofit/>
-          </a:bodyPr>
+          <a:bodyPr/>
           <a:lstStyle/>
           <a:p>
-            <a:pPr marL="0" marR="0" lvl="0" indent="0" algn="l" rtl="0">
+            <a:endParaRPr lang="ru-RU" dirty="0"/>
+          </a:p>
+        </p:txBody>
+      </p:sp>
+      <p:sp>
+        <p:nvSpPr>
+          <p:cNvPr id="4" name="Slide Number Placeholder 3"/>
+          <p:cNvSpPr>
+            <a:spLocks noGrp="1"/>
+          </p:cNvSpPr>
+          <p:nvPr>
+            <p:ph type="sldNum" idx="10"/>
+          </p:nvPr>
+        </p:nvSpPr>
+        <p:spPr/>
+        <p:txBody>
+          <a:bodyPr/>
+          <a:lstStyle/>
+          <a:p>
+            <a:pPr marL="0" marR="0" lvl="0" indent="0" algn="r" rtl="0">
               <a:lnSpc>
                 <a:spcPct val="100000"/>
               </a:lnSpc>
@@ -2311,11 +2995,23 @@
               <a:buClr>
                 <a:srgbClr val="000000"/>
               </a:buClr>
-              <a:buSzPts val="1400"/>
+              <a:buSzPts val="1200"/>
               <a:buFont typeface="Arial"/>
               <a:buNone/>
             </a:pPr>
-            <a:endParaRPr sz="1200" b="0" i="0" u="none" strike="noStrike" cap="none">
+            <a:fld id="{00000000-1234-1234-1234-123412341234}" type="slidenum">
+              <a:rPr lang="ru-RU" sz="1200" b="0" i="0" u="none" strike="noStrike" cap="none" smtClean="0">
+                <a:solidFill>
+                  <a:schemeClr val="dk1"/>
+                </a:solidFill>
+                <a:latin typeface="Calibri"/>
+                <a:ea typeface="Calibri"/>
+                <a:cs typeface="Calibri"/>
+                <a:sym typeface="Calibri"/>
+              </a:rPr>
+              <a:t>7</a:t>
+            </a:fld>
+            <a:endParaRPr lang="ru-RU" sz="1200" b="0" i="0" u="none" strike="noStrike" cap="none">
               <a:solidFill>
                 <a:schemeClr val="dk1"/>
               </a:solidFill>
@@ -2327,58 +3023,480 @@
           </a:p>
         </p:txBody>
       </p:sp>
+    </p:spTree>
+    <p:extLst>
+      <p:ext uri="{BB962C8B-B14F-4D97-AF65-F5344CB8AC3E}">
+        <p14:creationId xmlns:p14="http://schemas.microsoft.com/office/powerpoint/2010/main" val="1116535754"/>
+      </p:ext>
+    </p:extLst>
+  </p:cSld>
+  <p:clrMapOvr>
+    <a:masterClrMapping/>
+  </p:clrMapOvr>
+</p:notes>
+</file>
+
+<file path=ppt/notesSlides/notesSlide6.xml><?xml version="1.0" encoding="utf-8"?>
+<p:notes xmlns:a="http://schemas.openxmlformats.org/drawingml/2006/main" xmlns:r="http://schemas.openxmlformats.org/officeDocument/2006/relationships" xmlns:p="http://schemas.openxmlformats.org/presentationml/2006/main">
+  <p:cSld>
+    <p:spTree>
+      <p:nvGrpSpPr>
+        <p:cNvPr id="1" name=""/>
+        <p:cNvGrpSpPr/>
+        <p:nvPr/>
+      </p:nvGrpSpPr>
+      <p:grpSpPr>
+        <a:xfrm>
+          <a:off x="0" y="0"/>
+          <a:ext cx="0" cy="0"/>
+          <a:chOff x="0" y="0"/>
+          <a:chExt cx="0" cy="0"/>
+        </a:xfrm>
+      </p:grpSpPr>
       <p:sp>
         <p:nvSpPr>
-          <p:cNvPr id="114" name="Google Shape;114;p6:notes"/>
+          <p:cNvPr id="2" name="Slide Image Placeholder 1"/>
           <p:cNvSpPr>
             <a:spLocks noGrp="1" noRot="1" noChangeAspect="1"/>
           </p:cNvSpPr>
           <p:nvPr>
-            <p:ph type="sldImg" idx="2"/>
+            <p:ph type="sldImg"/>
           </p:nvPr>
         </p:nvSpPr>
-        <p:spPr>
-          <a:xfrm>
-            <a:off x="381000" y="685800"/>
-            <a:ext cx="6096000" cy="3429000"/>
-          </a:xfrm>
-          <a:custGeom>
-            <a:avLst/>
-            <a:gdLst/>
-            <a:ahLst/>
-            <a:cxnLst/>
-            <a:rect l="l" t="t" r="r" b="b"/>
-            <a:pathLst>
-              <a:path w="120000" h="120000" extrusionOk="0">
-                <a:moveTo>
-                  <a:pt x="0" y="0"/>
-                </a:moveTo>
-                <a:lnTo>
-                  <a:pt x="120000" y="0"/>
-                </a:lnTo>
-                <a:lnTo>
-                  <a:pt x="120000" y="120000"/>
-                </a:lnTo>
-                <a:lnTo>
-                  <a:pt x="0" y="120000"/>
-                </a:lnTo>
-                <a:close/>
-              </a:path>
-            </a:pathLst>
-          </a:custGeom>
-          <a:noFill/>
-          <a:ln w="12700" cap="flat" cmpd="sng">
-            <a:solidFill>
-              <a:srgbClr val="000000"/>
-            </a:solidFill>
-            <a:prstDash val="solid"/>
-            <a:round/>
-            <a:headEnd type="none" w="sm" len="sm"/>
-            <a:tailEnd type="none" w="sm" len="sm"/>
-          </a:ln>
-        </p:spPr>
+        <p:spPr/>
+      </p:sp>
+      <p:sp>
+        <p:nvSpPr>
+          <p:cNvPr id="3" name="Notes Placeholder 2"/>
+          <p:cNvSpPr>
+            <a:spLocks noGrp="1"/>
+          </p:cNvSpPr>
+          <p:nvPr>
+            <p:ph type="body" idx="1"/>
+          </p:nvPr>
+        </p:nvSpPr>
+        <p:spPr/>
+        <p:txBody>
+          <a:bodyPr/>
+          <a:lstStyle/>
+          <a:p>
+            <a:endParaRPr lang="ru-RU" dirty="0"/>
+          </a:p>
+        </p:txBody>
+      </p:sp>
+      <p:sp>
+        <p:nvSpPr>
+          <p:cNvPr id="4" name="Slide Number Placeholder 3"/>
+          <p:cNvSpPr>
+            <a:spLocks noGrp="1"/>
+          </p:cNvSpPr>
+          <p:nvPr>
+            <p:ph type="sldNum" idx="10"/>
+          </p:nvPr>
+        </p:nvSpPr>
+        <p:spPr/>
+        <p:txBody>
+          <a:bodyPr/>
+          <a:lstStyle/>
+          <a:p>
+            <a:pPr marL="0" marR="0" lvl="0" indent="0" algn="r" rtl="0">
+              <a:lnSpc>
+                <a:spcPct val="100000"/>
+              </a:lnSpc>
+              <a:spcBef>
+                <a:spcPts val="0"/>
+              </a:spcBef>
+              <a:spcAft>
+                <a:spcPts val="0"/>
+              </a:spcAft>
+              <a:buClr>
+                <a:srgbClr val="000000"/>
+              </a:buClr>
+              <a:buSzPts val="1200"/>
+              <a:buFont typeface="Arial"/>
+              <a:buNone/>
+            </a:pPr>
+            <a:fld id="{00000000-1234-1234-1234-123412341234}" type="slidenum">
+              <a:rPr lang="ru-RU" sz="1200" b="0" i="0" u="none" strike="noStrike" cap="none" smtClean="0">
+                <a:solidFill>
+                  <a:schemeClr val="dk1"/>
+                </a:solidFill>
+                <a:latin typeface="Calibri"/>
+                <a:ea typeface="Calibri"/>
+                <a:cs typeface="Calibri"/>
+                <a:sym typeface="Calibri"/>
+              </a:rPr>
+              <a:t>8</a:t>
+            </a:fld>
+            <a:endParaRPr lang="ru-RU" sz="1200" b="0" i="0" u="none" strike="noStrike" cap="none">
+              <a:solidFill>
+                <a:schemeClr val="dk1"/>
+              </a:solidFill>
+              <a:latin typeface="Calibri"/>
+              <a:ea typeface="Calibri"/>
+              <a:cs typeface="Calibri"/>
+              <a:sym typeface="Calibri"/>
+            </a:endParaRPr>
+          </a:p>
+        </p:txBody>
       </p:sp>
     </p:spTree>
+    <p:extLst>
+      <p:ext uri="{BB962C8B-B14F-4D97-AF65-F5344CB8AC3E}">
+        <p14:creationId xmlns:p14="http://schemas.microsoft.com/office/powerpoint/2010/main" val="631038363"/>
+      </p:ext>
+    </p:extLst>
+  </p:cSld>
+  <p:clrMapOvr>
+    <a:masterClrMapping/>
+  </p:clrMapOvr>
+</p:notes>
+</file>
+
+<file path=ppt/notesSlides/notesSlide7.xml><?xml version="1.0" encoding="utf-8"?>
+<p:notes xmlns:a="http://schemas.openxmlformats.org/drawingml/2006/main" xmlns:r="http://schemas.openxmlformats.org/officeDocument/2006/relationships" xmlns:p="http://schemas.openxmlformats.org/presentationml/2006/main">
+  <p:cSld>
+    <p:spTree>
+      <p:nvGrpSpPr>
+        <p:cNvPr id="1" name=""/>
+        <p:cNvGrpSpPr/>
+        <p:nvPr/>
+      </p:nvGrpSpPr>
+      <p:grpSpPr>
+        <a:xfrm>
+          <a:off x="0" y="0"/>
+          <a:ext cx="0" cy="0"/>
+          <a:chOff x="0" y="0"/>
+          <a:chExt cx="0" cy="0"/>
+        </a:xfrm>
+      </p:grpSpPr>
+      <p:sp>
+        <p:nvSpPr>
+          <p:cNvPr id="2" name="Slide Image Placeholder 1"/>
+          <p:cNvSpPr>
+            <a:spLocks noGrp="1" noRot="1" noChangeAspect="1"/>
+          </p:cNvSpPr>
+          <p:nvPr>
+            <p:ph type="sldImg"/>
+          </p:nvPr>
+        </p:nvSpPr>
+        <p:spPr/>
+      </p:sp>
+      <p:sp>
+        <p:nvSpPr>
+          <p:cNvPr id="3" name="Notes Placeholder 2"/>
+          <p:cNvSpPr>
+            <a:spLocks noGrp="1"/>
+          </p:cNvSpPr>
+          <p:nvPr>
+            <p:ph type="body" idx="1"/>
+          </p:nvPr>
+        </p:nvSpPr>
+        <p:spPr/>
+        <p:txBody>
+          <a:bodyPr/>
+          <a:lstStyle/>
+          <a:p>
+            <a:endParaRPr lang="ru-RU" dirty="0"/>
+          </a:p>
+        </p:txBody>
+      </p:sp>
+      <p:sp>
+        <p:nvSpPr>
+          <p:cNvPr id="4" name="Slide Number Placeholder 3"/>
+          <p:cNvSpPr>
+            <a:spLocks noGrp="1"/>
+          </p:cNvSpPr>
+          <p:nvPr>
+            <p:ph type="sldNum" idx="10"/>
+          </p:nvPr>
+        </p:nvSpPr>
+        <p:spPr/>
+        <p:txBody>
+          <a:bodyPr/>
+          <a:lstStyle/>
+          <a:p>
+            <a:pPr marL="0" marR="0" lvl="0" indent="0" algn="r" rtl="0">
+              <a:lnSpc>
+                <a:spcPct val="100000"/>
+              </a:lnSpc>
+              <a:spcBef>
+                <a:spcPts val="0"/>
+              </a:spcBef>
+              <a:spcAft>
+                <a:spcPts val="0"/>
+              </a:spcAft>
+              <a:buClr>
+                <a:srgbClr val="000000"/>
+              </a:buClr>
+              <a:buSzPts val="1200"/>
+              <a:buFont typeface="Arial"/>
+              <a:buNone/>
+            </a:pPr>
+            <a:fld id="{00000000-1234-1234-1234-123412341234}" type="slidenum">
+              <a:rPr lang="ru-RU" sz="1200" b="0" i="0" u="none" strike="noStrike" cap="none" smtClean="0">
+                <a:solidFill>
+                  <a:schemeClr val="dk1"/>
+                </a:solidFill>
+                <a:latin typeface="Calibri"/>
+                <a:ea typeface="Calibri"/>
+                <a:cs typeface="Calibri"/>
+                <a:sym typeface="Calibri"/>
+              </a:rPr>
+              <a:t>9</a:t>
+            </a:fld>
+            <a:endParaRPr lang="ru-RU" sz="1200" b="0" i="0" u="none" strike="noStrike" cap="none">
+              <a:solidFill>
+                <a:schemeClr val="dk1"/>
+              </a:solidFill>
+              <a:latin typeface="Calibri"/>
+              <a:ea typeface="Calibri"/>
+              <a:cs typeface="Calibri"/>
+              <a:sym typeface="Calibri"/>
+            </a:endParaRPr>
+          </a:p>
+        </p:txBody>
+      </p:sp>
+    </p:spTree>
+    <p:extLst>
+      <p:ext uri="{BB962C8B-B14F-4D97-AF65-F5344CB8AC3E}">
+        <p14:creationId xmlns:p14="http://schemas.microsoft.com/office/powerpoint/2010/main" val="3790851454"/>
+      </p:ext>
+    </p:extLst>
+  </p:cSld>
+  <p:clrMapOvr>
+    <a:masterClrMapping/>
+  </p:clrMapOvr>
+</p:notes>
+</file>
+
+<file path=ppt/notesSlides/notesSlide8.xml><?xml version="1.0" encoding="utf-8"?>
+<p:notes xmlns:a="http://schemas.openxmlformats.org/drawingml/2006/main" xmlns:r="http://schemas.openxmlformats.org/officeDocument/2006/relationships" xmlns:p="http://schemas.openxmlformats.org/presentationml/2006/main">
+  <p:cSld>
+    <p:spTree>
+      <p:nvGrpSpPr>
+        <p:cNvPr id="1" name=""/>
+        <p:cNvGrpSpPr/>
+        <p:nvPr/>
+      </p:nvGrpSpPr>
+      <p:grpSpPr>
+        <a:xfrm>
+          <a:off x="0" y="0"/>
+          <a:ext cx="0" cy="0"/>
+          <a:chOff x="0" y="0"/>
+          <a:chExt cx="0" cy="0"/>
+        </a:xfrm>
+      </p:grpSpPr>
+      <p:sp>
+        <p:nvSpPr>
+          <p:cNvPr id="2" name="Slide Image Placeholder 1"/>
+          <p:cNvSpPr>
+            <a:spLocks noGrp="1" noRot="1" noChangeAspect="1"/>
+          </p:cNvSpPr>
+          <p:nvPr>
+            <p:ph type="sldImg"/>
+          </p:nvPr>
+        </p:nvSpPr>
+        <p:spPr/>
+      </p:sp>
+      <p:sp>
+        <p:nvSpPr>
+          <p:cNvPr id="3" name="Notes Placeholder 2"/>
+          <p:cNvSpPr>
+            <a:spLocks noGrp="1"/>
+          </p:cNvSpPr>
+          <p:nvPr>
+            <p:ph type="body" idx="1"/>
+          </p:nvPr>
+        </p:nvSpPr>
+        <p:spPr/>
+        <p:txBody>
+          <a:bodyPr/>
+          <a:lstStyle/>
+          <a:p>
+            <a:endParaRPr lang="ru-RU" dirty="0"/>
+          </a:p>
+        </p:txBody>
+      </p:sp>
+      <p:sp>
+        <p:nvSpPr>
+          <p:cNvPr id="4" name="Slide Number Placeholder 3"/>
+          <p:cNvSpPr>
+            <a:spLocks noGrp="1"/>
+          </p:cNvSpPr>
+          <p:nvPr>
+            <p:ph type="sldNum" idx="10"/>
+          </p:nvPr>
+        </p:nvSpPr>
+        <p:spPr/>
+        <p:txBody>
+          <a:bodyPr/>
+          <a:lstStyle/>
+          <a:p>
+            <a:pPr marL="0" marR="0" lvl="0" indent="0" algn="r" rtl="0">
+              <a:lnSpc>
+                <a:spcPct val="100000"/>
+              </a:lnSpc>
+              <a:spcBef>
+                <a:spcPts val="0"/>
+              </a:spcBef>
+              <a:spcAft>
+                <a:spcPts val="0"/>
+              </a:spcAft>
+              <a:buClr>
+                <a:srgbClr val="000000"/>
+              </a:buClr>
+              <a:buSzPts val="1200"/>
+              <a:buFont typeface="Arial"/>
+              <a:buNone/>
+            </a:pPr>
+            <a:fld id="{00000000-1234-1234-1234-123412341234}" type="slidenum">
+              <a:rPr lang="ru-RU" sz="1200" b="0" i="0" u="none" strike="noStrike" cap="none" smtClean="0">
+                <a:solidFill>
+                  <a:schemeClr val="dk1"/>
+                </a:solidFill>
+                <a:latin typeface="Calibri"/>
+                <a:ea typeface="Calibri"/>
+                <a:cs typeface="Calibri"/>
+                <a:sym typeface="Calibri"/>
+              </a:rPr>
+              <a:t>10</a:t>
+            </a:fld>
+            <a:endParaRPr lang="ru-RU" sz="1200" b="0" i="0" u="none" strike="noStrike" cap="none">
+              <a:solidFill>
+                <a:schemeClr val="dk1"/>
+              </a:solidFill>
+              <a:latin typeface="Calibri"/>
+              <a:ea typeface="Calibri"/>
+              <a:cs typeface="Calibri"/>
+              <a:sym typeface="Calibri"/>
+            </a:endParaRPr>
+          </a:p>
+        </p:txBody>
+      </p:sp>
+    </p:spTree>
+    <p:extLst>
+      <p:ext uri="{BB962C8B-B14F-4D97-AF65-F5344CB8AC3E}">
+        <p14:creationId xmlns:p14="http://schemas.microsoft.com/office/powerpoint/2010/main" val="1789719896"/>
+      </p:ext>
+    </p:extLst>
+  </p:cSld>
+  <p:clrMapOvr>
+    <a:masterClrMapping/>
+  </p:clrMapOvr>
+</p:notes>
+</file>
+
+<file path=ppt/notesSlides/notesSlide9.xml><?xml version="1.0" encoding="utf-8"?>
+<p:notes xmlns:a="http://schemas.openxmlformats.org/drawingml/2006/main" xmlns:r="http://schemas.openxmlformats.org/officeDocument/2006/relationships" xmlns:p="http://schemas.openxmlformats.org/presentationml/2006/main">
+  <p:cSld>
+    <p:spTree>
+      <p:nvGrpSpPr>
+        <p:cNvPr id="1" name=""/>
+        <p:cNvGrpSpPr/>
+        <p:nvPr/>
+      </p:nvGrpSpPr>
+      <p:grpSpPr>
+        <a:xfrm>
+          <a:off x="0" y="0"/>
+          <a:ext cx="0" cy="0"/>
+          <a:chOff x="0" y="0"/>
+          <a:chExt cx="0" cy="0"/>
+        </a:xfrm>
+      </p:grpSpPr>
+      <p:sp>
+        <p:nvSpPr>
+          <p:cNvPr id="2" name="Slide Image Placeholder 1"/>
+          <p:cNvSpPr>
+            <a:spLocks noGrp="1" noRot="1" noChangeAspect="1"/>
+          </p:cNvSpPr>
+          <p:nvPr>
+            <p:ph type="sldImg"/>
+          </p:nvPr>
+        </p:nvSpPr>
+        <p:spPr/>
+      </p:sp>
+      <p:sp>
+        <p:nvSpPr>
+          <p:cNvPr id="3" name="Notes Placeholder 2"/>
+          <p:cNvSpPr>
+            <a:spLocks noGrp="1"/>
+          </p:cNvSpPr>
+          <p:nvPr>
+            <p:ph type="body" idx="1"/>
+          </p:nvPr>
+        </p:nvSpPr>
+        <p:spPr/>
+        <p:txBody>
+          <a:bodyPr/>
+          <a:lstStyle/>
+          <a:p>
+            <a:endParaRPr lang="ru-RU" dirty="0"/>
+          </a:p>
+        </p:txBody>
+      </p:sp>
+      <p:sp>
+        <p:nvSpPr>
+          <p:cNvPr id="4" name="Slide Number Placeholder 3"/>
+          <p:cNvSpPr>
+            <a:spLocks noGrp="1"/>
+          </p:cNvSpPr>
+          <p:nvPr>
+            <p:ph type="sldNum" idx="10"/>
+          </p:nvPr>
+        </p:nvSpPr>
+        <p:spPr/>
+        <p:txBody>
+          <a:bodyPr/>
+          <a:lstStyle/>
+          <a:p>
+            <a:pPr marL="0" marR="0" lvl="0" indent="0" algn="r" rtl="0">
+              <a:lnSpc>
+                <a:spcPct val="100000"/>
+              </a:lnSpc>
+              <a:spcBef>
+                <a:spcPts val="0"/>
+              </a:spcBef>
+              <a:spcAft>
+                <a:spcPts val="0"/>
+              </a:spcAft>
+              <a:buClr>
+                <a:srgbClr val="000000"/>
+              </a:buClr>
+              <a:buSzPts val="1200"/>
+              <a:buFont typeface="Arial"/>
+              <a:buNone/>
+            </a:pPr>
+            <a:fld id="{00000000-1234-1234-1234-123412341234}" type="slidenum">
+              <a:rPr lang="ru-RU" sz="1200" b="0" i="0" u="none" strike="noStrike" cap="none" smtClean="0">
+                <a:solidFill>
+                  <a:schemeClr val="dk1"/>
+                </a:solidFill>
+                <a:latin typeface="Calibri"/>
+                <a:ea typeface="Calibri"/>
+                <a:cs typeface="Calibri"/>
+                <a:sym typeface="Calibri"/>
+              </a:rPr>
+              <a:t>11</a:t>
+            </a:fld>
+            <a:endParaRPr lang="ru-RU" sz="1200" b="0" i="0" u="none" strike="noStrike" cap="none">
+              <a:solidFill>
+                <a:schemeClr val="dk1"/>
+              </a:solidFill>
+              <a:latin typeface="Calibri"/>
+              <a:ea typeface="Calibri"/>
+              <a:cs typeface="Calibri"/>
+              <a:sym typeface="Calibri"/>
+            </a:endParaRPr>
+          </a:p>
+        </p:txBody>
+      </p:sp>
+    </p:spTree>
+    <p:extLst>
+      <p:ext uri="{BB962C8B-B14F-4D97-AF65-F5344CB8AC3E}">
+        <p14:creationId xmlns:p14="http://schemas.microsoft.com/office/powerpoint/2010/main" val="3572324284"/>
+      </p:ext>
+    </p:extLst>
   </p:cSld>
   <p:clrMapOvr>
     <a:masterClrMapping/>
@@ -20064,6 +21182,3821 @@
   <p:clrMapOvr>
     <a:masterClrMapping/>
   </p:clrMapOvr>
+  <p:timing>
+    <p:tnLst>
+      <p:par>
+        <p:cTn id="1" dur="indefinite" restart="never" nodeType="tmRoot"/>
+      </p:par>
+    </p:tnLst>
+  </p:timing>
+</p:sld>
+</file>
+
+<file path=ppt/slides/slide10.xml><?xml version="1.0" encoding="utf-8"?>
+<p:sld xmlns:a="http://schemas.openxmlformats.org/drawingml/2006/main" xmlns:r="http://schemas.openxmlformats.org/officeDocument/2006/relationships" xmlns:p="http://schemas.openxmlformats.org/presentationml/2006/main">
+  <p:cSld>
+    <p:spTree>
+      <p:nvGrpSpPr>
+        <p:cNvPr id="1" name=""/>
+        <p:cNvGrpSpPr/>
+        <p:nvPr/>
+      </p:nvGrpSpPr>
+      <p:grpSpPr>
+        <a:xfrm>
+          <a:off x="0" y="0"/>
+          <a:ext cx="0" cy="0"/>
+          <a:chOff x="0" y="0"/>
+          <a:chExt cx="0" cy="0"/>
+        </a:xfrm>
+      </p:grpSpPr>
+      <p:sp>
+        <p:nvSpPr>
+          <p:cNvPr id="2" name="Title 1"/>
+          <p:cNvSpPr>
+            <a:spLocks noGrp="1"/>
+          </p:cNvSpPr>
+          <p:nvPr>
+            <p:ph type="title"/>
+          </p:nvPr>
+        </p:nvSpPr>
+        <p:spPr>
+          <a:xfrm>
+            <a:off x="48491" y="-49363"/>
+            <a:ext cx="8229600" cy="620483"/>
+          </a:xfrm>
+        </p:spPr>
+        <p:txBody>
+          <a:bodyPr/>
+          <a:lstStyle/>
+          <a:p>
+            <a:r>
+              <a:rPr lang="ru-RU" dirty="0" smtClean="0"/>
+              <a:t>Стратегии диспетчера</a:t>
+            </a:r>
+            <a:endParaRPr lang="ru-RU" dirty="0"/>
+          </a:p>
+        </p:txBody>
+      </p:sp>
+      <p:sp>
+        <p:nvSpPr>
+          <p:cNvPr id="15" name="Slide Number Placeholder 14"/>
+          <p:cNvSpPr>
+            <a:spLocks noGrp="1"/>
+          </p:cNvSpPr>
+          <p:nvPr>
+            <p:ph type="sldNum" idx="12"/>
+          </p:nvPr>
+        </p:nvSpPr>
+        <p:spPr/>
+        <p:txBody>
+          <a:bodyPr/>
+          <a:lstStyle/>
+          <a:p>
+            <a:pPr marL="0" lvl="0" indent="0" algn="r" rtl="0">
+              <a:spcBef>
+                <a:spcPts val="0"/>
+              </a:spcBef>
+              <a:spcAft>
+                <a:spcPts val="0"/>
+              </a:spcAft>
+              <a:buNone/>
+            </a:pPr>
+            <a:fld id="{00000000-1234-1234-1234-123412341234}" type="slidenum">
+              <a:rPr lang="ru-RU" smtClean="0"/>
+              <a:t>9</a:t>
+            </a:fld>
+            <a:endParaRPr lang="ru-RU"/>
+          </a:p>
+        </p:txBody>
+      </p:sp>
+      <p:sp>
+        <p:nvSpPr>
+          <p:cNvPr id="6" name="Rectangle 5"/>
+          <p:cNvSpPr/>
+          <p:nvPr/>
+        </p:nvSpPr>
+        <p:spPr>
+          <a:xfrm>
+            <a:off x="8589960" y="12557"/>
+            <a:ext cx="588623" cy="292388"/>
+          </a:xfrm>
+          <a:prstGeom prst="rect">
+            <a:avLst/>
+          </a:prstGeom>
+        </p:spPr>
+        <p:txBody>
+          <a:bodyPr wrap="none">
+            <a:spAutoFit/>
+          </a:bodyPr>
+          <a:lstStyle/>
+          <a:p>
+            <a:pPr lvl="0" algn="r"/>
+            <a:r>
+              <a:rPr lang="ru-RU" sz="1300" dirty="0" smtClean="0">
+                <a:latin typeface="Calibri" panose="020F0502020204030204" pitchFamily="34" charset="0"/>
+                <a:cs typeface="Calibri" panose="020F0502020204030204" pitchFamily="34" charset="0"/>
+              </a:rPr>
+              <a:t>10</a:t>
+            </a:r>
+            <a:r>
+              <a:rPr lang="en-US" sz="1300" dirty="0" smtClean="0">
+                <a:latin typeface="Calibri" panose="020F0502020204030204" pitchFamily="34" charset="0"/>
+                <a:cs typeface="Calibri" panose="020F0502020204030204" pitchFamily="34" charset="0"/>
+              </a:rPr>
+              <a:t>/1</a:t>
+            </a:r>
+            <a:r>
+              <a:rPr lang="ru-RU" sz="1300" dirty="0" smtClean="0">
+                <a:latin typeface="Calibri" panose="020F0502020204030204" pitchFamily="34" charset="0"/>
+                <a:cs typeface="Calibri" panose="020F0502020204030204" pitchFamily="34" charset="0"/>
+              </a:rPr>
+              <a:t>6</a:t>
+            </a:r>
+            <a:endParaRPr lang="ru-RU" sz="1300" dirty="0">
+              <a:latin typeface="Calibri" panose="020F0502020204030204" pitchFamily="34" charset="0"/>
+              <a:cs typeface="Calibri" panose="020F0502020204030204" pitchFamily="34" charset="0"/>
+            </a:endParaRPr>
+          </a:p>
+        </p:txBody>
+      </p:sp>
+      <p:sp>
+        <p:nvSpPr>
+          <p:cNvPr id="3" name="TextBox 2"/>
+          <p:cNvSpPr txBox="1"/>
+          <p:nvPr/>
+        </p:nvSpPr>
+        <p:spPr>
+          <a:xfrm>
+            <a:off x="235527" y="872836"/>
+            <a:ext cx="2909455" cy="3108543"/>
+          </a:xfrm>
+          <a:prstGeom prst="rect">
+            <a:avLst/>
+          </a:prstGeom>
+          <a:noFill/>
+        </p:spPr>
+        <p:txBody>
+          <a:bodyPr wrap="square" rtlCol="0">
+            <a:spAutoFit/>
+          </a:bodyPr>
+          <a:lstStyle/>
+          <a:p>
+            <a:pPr marL="285750" indent="-285750">
+              <a:buFont typeface="Arial" panose="020B0604020202020204" pitchFamily="34" charset="0"/>
+              <a:buChar char="•"/>
+            </a:pPr>
+            <a:r>
+              <a:rPr lang="ru-RU" dirty="0" smtClean="0"/>
+              <a:t>Изначально – пассивный диспетчер</a:t>
+            </a:r>
+          </a:p>
+          <a:p>
+            <a:pPr marL="285750" indent="-285750">
+              <a:buFont typeface="Arial" panose="020B0604020202020204" pitchFamily="34" charset="0"/>
+              <a:buChar char="•"/>
+            </a:pPr>
+            <a:r>
+              <a:rPr lang="ru-RU" dirty="0" smtClean="0"/>
+              <a:t>После нескольких отказов (из-за переполнения) – активный диспетчер</a:t>
+            </a:r>
+          </a:p>
+          <a:p>
+            <a:pPr marL="285750" indent="-285750">
+              <a:buFont typeface="Arial" panose="020B0604020202020204" pitchFamily="34" charset="0"/>
+              <a:buChar char="•"/>
+            </a:pPr>
+            <a:endParaRPr lang="ru-RU" dirty="0"/>
+          </a:p>
+          <a:p>
+            <a:r>
+              <a:rPr lang="ru-RU" dirty="0" smtClean="0"/>
+              <a:t>Такой алгоритм определяет следующие стратегии:</a:t>
+            </a:r>
+          </a:p>
+          <a:p>
+            <a:pPr marL="285750" indent="-285750">
+              <a:buFont typeface="Arial" panose="020B0604020202020204" pitchFamily="34" charset="0"/>
+              <a:buChar char="•"/>
+            </a:pPr>
+            <a:r>
+              <a:rPr lang="en-US" dirty="0" smtClean="0"/>
+              <a:t>Nearest 2 – </a:t>
+            </a:r>
+            <a:r>
+              <a:rPr lang="ru-RU" dirty="0" smtClean="0"/>
+              <a:t>активный диспетчер действует после 2 отказов </a:t>
+            </a:r>
+          </a:p>
+          <a:p>
+            <a:pPr marL="285750" indent="-285750">
+              <a:buFont typeface="Arial" panose="020B0604020202020204" pitchFamily="34" charset="0"/>
+              <a:buChar char="•"/>
+            </a:pPr>
+            <a:r>
+              <a:rPr lang="en-US" dirty="0" smtClean="0"/>
+              <a:t>Nearest 1 – </a:t>
+            </a:r>
+            <a:r>
+              <a:rPr lang="ru-RU" dirty="0" smtClean="0"/>
+              <a:t>после 1 отказа</a:t>
+            </a:r>
+          </a:p>
+          <a:p>
+            <a:pPr marL="285750" indent="-285750">
+              <a:buFont typeface="Arial" panose="020B0604020202020204" pitchFamily="34" charset="0"/>
+              <a:buChar char="•"/>
+            </a:pPr>
+            <a:r>
+              <a:rPr lang="en-US" dirty="0" smtClean="0"/>
+              <a:t>Best Expectation - </a:t>
+            </a:r>
+            <a:r>
+              <a:rPr lang="ru-RU" dirty="0"/>
+              <a:t>а</a:t>
+            </a:r>
+            <a:r>
+              <a:rPr lang="ru-RU" dirty="0" smtClean="0"/>
+              <a:t>ктивный диспетчер сразу</a:t>
+            </a:r>
+            <a:endParaRPr lang="ru-RU" dirty="0"/>
+          </a:p>
+        </p:txBody>
+      </p:sp>
+      <mc:AlternateContent xmlns:mc="http://schemas.openxmlformats.org/markup-compatibility/2006">
+        <mc:Choice xmlns:a14="http://schemas.microsoft.com/office/drawing/2010/main" Requires="a14">
+          <p:sp>
+            <p:nvSpPr>
+              <p:cNvPr id="7" name="TextBox 6"/>
+              <p:cNvSpPr txBox="1"/>
+              <p:nvPr/>
+            </p:nvSpPr>
+            <p:spPr>
+              <a:xfrm>
+                <a:off x="3931010" y="1924232"/>
+                <a:ext cx="4837544" cy="1738681"/>
+              </a:xfrm>
+              <a:prstGeom prst="rect">
+                <a:avLst/>
+              </a:prstGeom>
+              <a:noFill/>
+            </p:spPr>
+            <p:txBody>
+              <a:bodyPr wrap="square" lIns="0" tIns="0" rIns="0" bIns="0" rtlCol="0">
+                <a:spAutoFit/>
+              </a:bodyPr>
+              <a:lstStyle/>
+              <a:p>
+                <a14:m>
+                  <m:oMathPara xmlns:m="http://schemas.openxmlformats.org/officeDocument/2006/math">
+                    <m:oMathParaPr>
+                      <m:jc m:val="centerGroup"/>
+                    </m:oMathParaPr>
+                    <m:oMath xmlns:m="http://schemas.openxmlformats.org/officeDocument/2006/math">
+                      <m:sSubSup>
+                        <m:sSubSupPr>
+                          <m:ctrlPr>
+                            <a:rPr lang="en-US" b="0" i="1" smtClean="0">
+                              <a:latin typeface="Cambria Math" panose="02040503050406030204" pitchFamily="18" charset="0"/>
+                            </a:rPr>
+                          </m:ctrlPr>
+                        </m:sSubSupPr>
+                        <m:e>
+                          <m:r>
+                            <a:rPr lang="en-US" b="0" i="1" smtClean="0">
+                              <a:latin typeface="Cambria Math" panose="02040503050406030204" pitchFamily="18" charset="0"/>
+                            </a:rPr>
+                            <m:t>𝜆</m:t>
+                          </m:r>
+                        </m:e>
+                        <m:sub>
+                          <m:r>
+                            <a:rPr lang="en-US" b="0" i="1" smtClean="0">
+                              <a:latin typeface="Cambria Math" panose="02040503050406030204" pitchFamily="18" charset="0"/>
+                            </a:rPr>
+                            <m:t>𝑖</m:t>
+                          </m:r>
+                        </m:sub>
+                        <m:sup>
+                          <m:r>
+                            <a:rPr lang="en-US" b="0" i="1" smtClean="0">
+                              <a:latin typeface="Cambria Math" panose="02040503050406030204" pitchFamily="18" charset="0"/>
+                            </a:rPr>
+                            <m:t>𝑖</m:t>
+                          </m:r>
+                        </m:sup>
+                      </m:sSubSup>
+                      <m:d>
+                        <m:dPr>
+                          <m:begChr m:val="["/>
+                          <m:endChr m:val="]"/>
+                          <m:ctrlPr>
+                            <a:rPr lang="en-US" b="0" i="1" smtClean="0">
+                              <a:latin typeface="Cambria Math" panose="02040503050406030204" pitchFamily="18" charset="0"/>
+                            </a:rPr>
+                          </m:ctrlPr>
+                        </m:dPr>
+                        <m:e>
+                          <m:r>
+                            <a:rPr lang="en-US" b="0" i="1" smtClean="0">
+                              <a:latin typeface="Cambria Math" panose="02040503050406030204" pitchFamily="18" charset="0"/>
+                            </a:rPr>
+                            <m:t>0</m:t>
+                          </m:r>
+                        </m:e>
+                      </m:d>
+                      <m:d>
+                        <m:dPr>
+                          <m:ctrlPr>
+                            <a:rPr lang="en-US" b="0" i="1" smtClean="0">
+                              <a:latin typeface="Cambria Math" panose="02040503050406030204" pitchFamily="18" charset="0"/>
+                            </a:rPr>
+                          </m:ctrlPr>
+                        </m:dPr>
+                        <m:e>
+                          <m:r>
+                            <a:rPr lang="en-US" b="0" i="1" smtClean="0">
+                              <a:latin typeface="Cambria Math" panose="02040503050406030204" pitchFamily="18" charset="0"/>
+                            </a:rPr>
+                            <m:t>𝑛</m:t>
+                          </m:r>
+                        </m:e>
+                      </m:d>
+                      <m:r>
+                        <a:rPr lang="en-US" b="0" i="1" smtClean="0">
+                          <a:latin typeface="Cambria Math" panose="02040503050406030204" pitchFamily="18" charset="0"/>
+                        </a:rPr>
+                        <m:t>=0,   </m:t>
+                      </m:r>
+                      <m:sSubSup>
+                        <m:sSubSupPr>
+                          <m:ctrlPr>
+                            <a:rPr lang="en-US" b="0" i="1" smtClean="0">
+                              <a:latin typeface="Cambria Math" panose="02040503050406030204" pitchFamily="18" charset="0"/>
+                            </a:rPr>
+                          </m:ctrlPr>
+                        </m:sSubSupPr>
+                        <m:e>
+                          <m:r>
+                            <a:rPr lang="en-US" b="0" i="1" smtClean="0">
+                              <a:latin typeface="Cambria Math" panose="02040503050406030204" pitchFamily="18" charset="0"/>
+                            </a:rPr>
+                            <m:t>𝜆</m:t>
+                          </m:r>
+                        </m:e>
+                        <m:sub>
+                          <m:r>
+                            <a:rPr lang="en-US" b="0" i="1" smtClean="0">
+                              <a:latin typeface="Cambria Math" panose="02040503050406030204" pitchFamily="18" charset="0"/>
+                            </a:rPr>
+                            <m:t>𝑖</m:t>
+                          </m:r>
+                        </m:sub>
+                        <m:sup>
+                          <m:r>
+                            <a:rPr lang="en-US" b="0" i="1" smtClean="0">
+                              <a:latin typeface="Cambria Math" panose="02040503050406030204" pitchFamily="18" charset="0"/>
+                            </a:rPr>
+                            <m:t>𝑗</m:t>
+                          </m:r>
+                        </m:sup>
+                      </m:sSubSup>
+                      <m:d>
+                        <m:dPr>
+                          <m:begChr m:val="["/>
+                          <m:endChr m:val="]"/>
+                          <m:ctrlPr>
+                            <a:rPr lang="en-US" b="0" i="1" smtClean="0">
+                              <a:latin typeface="Cambria Math" panose="02040503050406030204" pitchFamily="18" charset="0"/>
+                            </a:rPr>
+                          </m:ctrlPr>
+                        </m:dPr>
+                        <m:e>
+                          <m:r>
+                            <a:rPr lang="en-US" b="0" i="1" smtClean="0">
+                              <a:latin typeface="Cambria Math" panose="02040503050406030204" pitchFamily="18" charset="0"/>
+                            </a:rPr>
+                            <m:t>0</m:t>
+                          </m:r>
+                        </m:e>
+                      </m:d>
+                      <m:d>
+                        <m:dPr>
+                          <m:ctrlPr>
+                            <a:rPr lang="en-US" b="0" i="1" smtClean="0">
+                              <a:latin typeface="Cambria Math" panose="02040503050406030204" pitchFamily="18" charset="0"/>
+                            </a:rPr>
+                          </m:ctrlPr>
+                        </m:dPr>
+                        <m:e>
+                          <m:r>
+                            <a:rPr lang="en-US" b="0" i="1" smtClean="0">
+                              <a:latin typeface="Cambria Math" panose="02040503050406030204" pitchFamily="18" charset="0"/>
+                            </a:rPr>
+                            <m:t>𝑛</m:t>
+                          </m:r>
+                        </m:e>
+                      </m:d>
+                      <m:r>
+                        <a:rPr lang="en-US" b="0" i="1" smtClean="0">
+                          <a:latin typeface="Cambria Math" panose="02040503050406030204" pitchFamily="18" charset="0"/>
+                        </a:rPr>
+                        <m:t>=0</m:t>
+                      </m:r>
+                    </m:oMath>
+                  </m:oMathPara>
+                </a14:m>
+                <a:endParaRPr lang="en-US" b="0" i="1" dirty="0" smtClean="0">
+                  <a:latin typeface="Cambria Math" panose="02040503050406030204" pitchFamily="18" charset="0"/>
+                </a:endParaRPr>
+              </a:p>
+              <a:p>
+                <a14:m>
+                  <m:oMathPara xmlns:m="http://schemas.openxmlformats.org/officeDocument/2006/math">
+                    <m:oMathParaPr>
+                      <m:jc m:val="centerGroup"/>
+                    </m:oMathParaPr>
+                    <m:oMath xmlns:m="http://schemas.openxmlformats.org/officeDocument/2006/math">
+                      <m:sSubSup>
+                        <m:sSubSupPr>
+                          <m:ctrlPr>
+                            <a:rPr lang="en-US" b="0" i="1" smtClean="0">
+                              <a:latin typeface="Cambria Math" panose="02040503050406030204" pitchFamily="18" charset="0"/>
+                            </a:rPr>
+                          </m:ctrlPr>
+                        </m:sSubSupPr>
+                        <m:e>
+                          <m:r>
+                            <a:rPr lang="en-US" b="0" i="1" smtClean="0">
+                              <a:latin typeface="Cambria Math" panose="02040503050406030204" pitchFamily="18" charset="0"/>
+                            </a:rPr>
+                            <m:t>𝜆</m:t>
+                          </m:r>
+                        </m:e>
+                        <m:sub>
+                          <m:r>
+                            <a:rPr lang="en-US" b="0" i="1" smtClean="0">
+                              <a:latin typeface="Cambria Math" panose="02040503050406030204" pitchFamily="18" charset="0"/>
+                            </a:rPr>
+                            <m:t>𝑖</m:t>
+                          </m:r>
+                        </m:sub>
+                        <m:sup>
+                          <m:r>
+                            <a:rPr lang="en-US" b="0" i="1" smtClean="0">
+                              <a:latin typeface="Cambria Math" panose="02040503050406030204" pitchFamily="18" charset="0"/>
+                            </a:rPr>
+                            <m:t>𝑖</m:t>
+                          </m:r>
+                        </m:sup>
+                      </m:sSubSup>
+                      <m:d>
+                        <m:dPr>
+                          <m:begChr m:val="["/>
+                          <m:endChr m:val="]"/>
+                          <m:ctrlPr>
+                            <a:rPr lang="en-US" b="0" i="1" smtClean="0">
+                              <a:latin typeface="Cambria Math" panose="02040503050406030204" pitchFamily="18" charset="0"/>
+                            </a:rPr>
+                          </m:ctrlPr>
+                        </m:dPr>
+                        <m:e>
+                          <m:r>
+                            <a:rPr lang="en-US" b="0" i="1" smtClean="0">
+                              <a:latin typeface="Cambria Math" panose="02040503050406030204" pitchFamily="18" charset="0"/>
+                            </a:rPr>
+                            <m:t>𝑘</m:t>
+                          </m:r>
+                        </m:e>
+                      </m:d>
+                      <m:d>
+                        <m:dPr>
+                          <m:ctrlPr>
+                            <a:rPr lang="en-US" b="0" i="1" smtClean="0">
+                              <a:latin typeface="Cambria Math" panose="02040503050406030204" pitchFamily="18" charset="0"/>
+                            </a:rPr>
+                          </m:ctrlPr>
+                        </m:dPr>
+                        <m:e>
+                          <m:r>
+                            <a:rPr lang="en-US" b="0" i="1" smtClean="0">
+                              <a:latin typeface="Cambria Math" panose="02040503050406030204" pitchFamily="18" charset="0"/>
+                            </a:rPr>
+                            <m:t>𝑛</m:t>
+                          </m:r>
+                        </m:e>
+                      </m:d>
+                      <m:r>
+                        <a:rPr lang="en-US" b="0" i="1" smtClean="0">
+                          <a:latin typeface="Cambria Math" panose="02040503050406030204" pitchFamily="18" charset="0"/>
+                        </a:rPr>
+                        <m:t>=</m:t>
+                      </m:r>
+                      <m:sSubSup>
+                        <m:sSubSupPr>
+                          <m:ctrlPr>
+                            <a:rPr lang="en-US" b="0" i="1" smtClean="0">
+                              <a:latin typeface="Cambria Math" panose="02040503050406030204" pitchFamily="18" charset="0"/>
+                            </a:rPr>
+                          </m:ctrlPr>
+                        </m:sSubSupPr>
+                        <m:e>
+                          <m:r>
+                            <a:rPr lang="en-US" b="0" i="1" smtClean="0">
+                              <a:latin typeface="Cambria Math" panose="02040503050406030204" pitchFamily="18" charset="0"/>
+                            </a:rPr>
+                            <m:t>𝜆</m:t>
+                          </m:r>
+                        </m:e>
+                        <m:sub>
+                          <m:r>
+                            <a:rPr lang="en-US" b="0" i="1" smtClean="0">
+                              <a:latin typeface="Cambria Math" panose="02040503050406030204" pitchFamily="18" charset="0"/>
+                            </a:rPr>
+                            <m:t>𝑖</m:t>
+                          </m:r>
+                        </m:sub>
+                        <m:sup>
+                          <m:r>
+                            <a:rPr lang="en-US" b="0" i="1" smtClean="0">
+                              <a:latin typeface="Cambria Math" panose="02040503050406030204" pitchFamily="18" charset="0"/>
+                            </a:rPr>
+                            <m:t>𝑖</m:t>
+                          </m:r>
+                        </m:sup>
+                      </m:sSubSup>
+                      <m:d>
+                        <m:dPr>
+                          <m:begChr m:val="["/>
+                          <m:endChr m:val="]"/>
+                          <m:ctrlPr>
+                            <a:rPr lang="en-US" b="0" i="1" smtClean="0">
+                              <a:latin typeface="Cambria Math" panose="02040503050406030204" pitchFamily="18" charset="0"/>
+                            </a:rPr>
+                          </m:ctrlPr>
+                        </m:dPr>
+                        <m:e>
+                          <m:r>
+                            <a:rPr lang="en-US" b="0" i="1" smtClean="0">
+                              <a:latin typeface="Cambria Math" panose="02040503050406030204" pitchFamily="18" charset="0"/>
+                            </a:rPr>
+                            <m:t>𝑘</m:t>
+                          </m:r>
+                          <m:r>
+                            <a:rPr lang="en-US" b="0" i="1" smtClean="0">
+                              <a:latin typeface="Cambria Math" panose="02040503050406030204" pitchFamily="18" charset="0"/>
+                            </a:rPr>
+                            <m:t>−1</m:t>
+                          </m:r>
+                        </m:e>
+                      </m:d>
+                      <m:d>
+                        <m:dPr>
+                          <m:ctrlPr>
+                            <a:rPr lang="en-US" b="0" i="1" smtClean="0">
+                              <a:latin typeface="Cambria Math" panose="02040503050406030204" pitchFamily="18" charset="0"/>
+                            </a:rPr>
+                          </m:ctrlPr>
+                        </m:dPr>
+                        <m:e>
+                          <m:r>
+                            <a:rPr lang="en-US" b="0" i="1" smtClean="0">
+                              <a:latin typeface="Cambria Math" panose="02040503050406030204" pitchFamily="18" charset="0"/>
+                            </a:rPr>
+                            <m:t>𝑛</m:t>
+                          </m:r>
+                        </m:e>
+                      </m:d>
+                      <m:r>
+                        <a:rPr lang="en-US" b="0" i="1" smtClean="0">
+                          <a:latin typeface="Cambria Math" panose="02040503050406030204" pitchFamily="18" charset="0"/>
+                        </a:rPr>
+                        <m:t>+</m:t>
+                      </m:r>
+                      <m:f>
+                        <m:fPr>
+                          <m:ctrlPr>
+                            <a:rPr lang="en-US" b="0" i="1" smtClean="0">
+                              <a:latin typeface="Cambria Math" panose="02040503050406030204" pitchFamily="18" charset="0"/>
+                            </a:rPr>
+                          </m:ctrlPr>
+                        </m:fPr>
+                        <m:num>
+                          <m:sSubSup>
+                            <m:sSubSupPr>
+                              <m:ctrlPr>
+                                <a:rPr lang="en-US" b="0" i="1" smtClean="0">
+                                  <a:latin typeface="Cambria Math" panose="02040503050406030204" pitchFamily="18" charset="0"/>
+                                </a:rPr>
+                              </m:ctrlPr>
+                            </m:sSubSupPr>
+                            <m:e>
+                              <m:r>
+                                <a:rPr lang="en-US" b="0" i="1" smtClean="0">
+                                  <a:latin typeface="Cambria Math" panose="02040503050406030204" pitchFamily="18" charset="0"/>
+                                </a:rPr>
+                                <m:t>𝜆</m:t>
+                              </m:r>
+                            </m:e>
+                            <m:sub>
+                              <m:r>
+                                <a:rPr lang="en-US" b="0" i="1" smtClean="0">
+                                  <a:latin typeface="Cambria Math" panose="02040503050406030204" pitchFamily="18" charset="0"/>
+                                </a:rPr>
+                                <m:t>𝑖</m:t>
+                              </m:r>
+                            </m:sub>
+                            <m:sup>
+                              <m:r>
+                                <a:rPr lang="en-US" b="0" i="1" smtClean="0">
+                                  <a:latin typeface="Cambria Math" panose="02040503050406030204" pitchFamily="18" charset="0"/>
+                                </a:rPr>
+                                <m:t>∗</m:t>
+                              </m:r>
+                            </m:sup>
+                          </m:sSubSup>
+                        </m:num>
+                        <m:den>
+                          <m:r>
+                            <a:rPr lang="en-US" b="0" i="1" smtClean="0">
+                              <a:latin typeface="Cambria Math" panose="02040503050406030204" pitchFamily="18" charset="0"/>
+                            </a:rPr>
+                            <m:t>𝑛</m:t>
+                          </m:r>
+                        </m:den>
+                      </m:f>
+                      <m:r>
+                        <a:rPr lang="en-US" b="0" i="1" smtClean="0">
+                          <a:latin typeface="Cambria Math" panose="02040503050406030204" pitchFamily="18" charset="0"/>
+                        </a:rPr>
+                        <m:t>[0.25</m:t>
+                      </m:r>
+                      <m:sSub>
+                        <m:sSubPr>
+                          <m:ctrlPr>
+                            <a:rPr lang="en-US" b="0" i="1" smtClean="0">
+                              <a:latin typeface="Cambria Math" panose="02040503050406030204" pitchFamily="18" charset="0"/>
+                            </a:rPr>
+                          </m:ctrlPr>
+                        </m:sSubPr>
+                        <m:e>
+                          <m:r>
+                            <a:rPr lang="en-US" b="0" i="1" smtClean="0">
+                              <a:latin typeface="Cambria Math" panose="02040503050406030204" pitchFamily="18" charset="0"/>
+                            </a:rPr>
+                            <m:t>𝑡</m:t>
+                          </m:r>
+                        </m:e>
+                        <m:sub>
+                          <m:r>
+                            <a:rPr lang="en-US" b="0" i="1" smtClean="0">
+                              <a:latin typeface="Cambria Math" panose="02040503050406030204" pitchFamily="18" charset="0"/>
+                            </a:rPr>
+                            <m:t>𝑐</m:t>
+                          </m:r>
+                        </m:sub>
+                      </m:sSub>
+                      <m:r>
+                        <a:rPr lang="en-US" b="0" i="1" smtClean="0">
+                          <a:latin typeface="Cambria Math" panose="02040503050406030204" pitchFamily="18" charset="0"/>
+                        </a:rPr>
+                        <m:t>+</m:t>
+                      </m:r>
+                      <m:sSub>
+                        <m:sSubPr>
+                          <m:ctrlPr>
+                            <a:rPr lang="en-US" b="0" i="1" smtClean="0">
+                              <a:latin typeface="Cambria Math" panose="02040503050406030204" pitchFamily="18" charset="0"/>
+                            </a:rPr>
+                          </m:ctrlPr>
+                        </m:sSubPr>
+                        <m:e>
+                          <m:r>
+                            <a:rPr lang="en-US" b="0" i="1" smtClean="0">
+                              <a:latin typeface="Cambria Math" panose="02040503050406030204" pitchFamily="18" charset="0"/>
+                            </a:rPr>
+                            <m:t>𝑊</m:t>
+                          </m:r>
+                        </m:e>
+                        <m:sub>
+                          <m:r>
+                            <a:rPr lang="en-US" b="0" i="1" smtClean="0">
+                              <a:latin typeface="Cambria Math" panose="02040503050406030204" pitchFamily="18" charset="0"/>
+                            </a:rPr>
+                            <m:t>𝑄</m:t>
+                          </m:r>
+                        </m:sub>
+                      </m:sSub>
+                      <m:d>
+                        <m:dPr>
+                          <m:ctrlPr>
+                            <a:rPr lang="en-US" b="0" i="1" smtClean="0">
+                              <a:latin typeface="Cambria Math" panose="02040503050406030204" pitchFamily="18" charset="0"/>
+                            </a:rPr>
+                          </m:ctrlPr>
+                        </m:dPr>
+                        <m:e>
+                          <m:sSubSup>
+                            <m:sSubSupPr>
+                              <m:ctrlPr>
+                                <a:rPr lang="en-US" b="0" i="1" smtClean="0">
+                                  <a:latin typeface="Cambria Math" panose="02040503050406030204" pitchFamily="18" charset="0"/>
+                                </a:rPr>
+                              </m:ctrlPr>
+                            </m:sSubSupPr>
+                            <m:e>
+                              <m:r>
+                                <a:rPr lang="en-US" b="0" i="1" smtClean="0">
+                                  <a:latin typeface="Cambria Math" panose="02040503050406030204" pitchFamily="18" charset="0"/>
+                                </a:rPr>
+                                <m:t>𝜆</m:t>
+                              </m:r>
+                            </m:e>
+                            <m:sub>
+                              <m:r>
+                                <a:rPr lang="en-US" b="0" i="1" smtClean="0">
+                                  <a:latin typeface="Cambria Math" panose="02040503050406030204" pitchFamily="18" charset="0"/>
+                                </a:rPr>
+                                <m:t>𝑖</m:t>
+                              </m:r>
+                            </m:sub>
+                            <m:sup>
+                              <m:r>
+                                <a:rPr lang="en-US" b="0" i="1" smtClean="0">
+                                  <a:latin typeface="Cambria Math" panose="02040503050406030204" pitchFamily="18" charset="0"/>
+                                </a:rPr>
+                                <m:t>𝑖</m:t>
+                              </m:r>
+                            </m:sup>
+                          </m:sSubSup>
+                          <m:d>
+                            <m:dPr>
+                              <m:begChr m:val="["/>
+                              <m:endChr m:val="]"/>
+                              <m:ctrlPr>
+                                <a:rPr lang="en-US" b="0" i="1" smtClean="0">
+                                  <a:latin typeface="Cambria Math" panose="02040503050406030204" pitchFamily="18" charset="0"/>
+                                </a:rPr>
+                              </m:ctrlPr>
+                            </m:dPr>
+                            <m:e>
+                              <m:r>
+                                <a:rPr lang="en-US" b="0" i="1" smtClean="0">
+                                  <a:latin typeface="Cambria Math" panose="02040503050406030204" pitchFamily="18" charset="0"/>
+                                </a:rPr>
+                                <m:t>𝑘</m:t>
+                              </m:r>
+                              <m:r>
+                                <a:rPr lang="en-US" b="0" i="1" smtClean="0">
+                                  <a:latin typeface="Cambria Math" panose="02040503050406030204" pitchFamily="18" charset="0"/>
+                                </a:rPr>
+                                <m:t>−1</m:t>
+                              </m:r>
+                            </m:e>
+                          </m:d>
+                          <m:d>
+                            <m:dPr>
+                              <m:ctrlPr>
+                                <a:rPr lang="en-US" b="0" i="1" smtClean="0">
+                                  <a:latin typeface="Cambria Math" panose="02040503050406030204" pitchFamily="18" charset="0"/>
+                                </a:rPr>
+                              </m:ctrlPr>
+                            </m:dPr>
+                            <m:e>
+                              <m:r>
+                                <a:rPr lang="en-US" b="0" i="1" smtClean="0">
+                                  <a:latin typeface="Cambria Math" panose="02040503050406030204" pitchFamily="18" charset="0"/>
+                                </a:rPr>
+                                <m:t>𝑛</m:t>
+                              </m:r>
+                            </m:e>
+                          </m:d>
+                        </m:e>
+                      </m:d>
+                      <m:r>
+                        <a:rPr lang="en-US" b="0" i="1" smtClean="0">
+                          <a:latin typeface="Cambria Math" panose="02040503050406030204" pitchFamily="18" charset="0"/>
+                        </a:rPr>
+                        <m:t>&lt;0.75</m:t>
+                      </m:r>
+                      <m:sSub>
+                        <m:sSubPr>
+                          <m:ctrlPr>
+                            <a:rPr lang="en-US" b="0" i="1" smtClean="0">
+                              <a:latin typeface="Cambria Math" panose="02040503050406030204" pitchFamily="18" charset="0"/>
+                            </a:rPr>
+                          </m:ctrlPr>
+                        </m:sSubPr>
+                        <m:e>
+                          <m:r>
+                            <a:rPr lang="en-US" b="0" i="1" smtClean="0">
+                              <a:latin typeface="Cambria Math" panose="02040503050406030204" pitchFamily="18" charset="0"/>
+                            </a:rPr>
+                            <m:t>𝑡</m:t>
+                          </m:r>
+                        </m:e>
+                        <m:sub>
+                          <m:r>
+                            <a:rPr lang="en-US" b="0" i="1" smtClean="0">
+                              <a:latin typeface="Cambria Math" panose="02040503050406030204" pitchFamily="18" charset="0"/>
+                            </a:rPr>
+                            <m:t>𝑐</m:t>
+                          </m:r>
+                        </m:sub>
+                      </m:sSub>
+                      <m:r>
+                        <a:rPr lang="en-US" b="0" i="1" smtClean="0">
+                          <a:latin typeface="Cambria Math" panose="02040503050406030204" pitchFamily="18" charset="0"/>
+                        </a:rPr>
+                        <m:t>+</m:t>
+                      </m:r>
+                      <m:sSub>
+                        <m:sSubPr>
+                          <m:ctrlPr>
+                            <a:rPr lang="en-US" b="0" i="1" smtClean="0">
+                              <a:latin typeface="Cambria Math" panose="02040503050406030204" pitchFamily="18" charset="0"/>
+                            </a:rPr>
+                          </m:ctrlPr>
+                        </m:sSubPr>
+                        <m:e>
+                          <m:r>
+                            <a:rPr lang="en-US" b="0" i="1" smtClean="0">
+                              <a:latin typeface="Cambria Math" panose="02040503050406030204" pitchFamily="18" charset="0"/>
+                            </a:rPr>
+                            <m:t>𝑊</m:t>
+                          </m:r>
+                        </m:e>
+                        <m:sub>
+                          <m:r>
+                            <a:rPr lang="en-US" b="0" i="1" smtClean="0">
+                              <a:latin typeface="Cambria Math" panose="02040503050406030204" pitchFamily="18" charset="0"/>
+                            </a:rPr>
+                            <m:t>𝑄</m:t>
+                          </m:r>
+                        </m:sub>
+                      </m:sSub>
+                      <m:d>
+                        <m:dPr>
+                          <m:ctrlPr>
+                            <a:rPr lang="en-US" b="0" i="1" smtClean="0">
+                              <a:latin typeface="Cambria Math" panose="02040503050406030204" pitchFamily="18" charset="0"/>
+                            </a:rPr>
+                          </m:ctrlPr>
+                        </m:dPr>
+                        <m:e>
+                          <m:sSubSup>
+                            <m:sSubSupPr>
+                              <m:ctrlPr>
+                                <a:rPr lang="en-US" b="0" i="1" smtClean="0">
+                                  <a:latin typeface="Cambria Math" panose="02040503050406030204" pitchFamily="18" charset="0"/>
+                                </a:rPr>
+                              </m:ctrlPr>
+                            </m:sSubSupPr>
+                            <m:e>
+                              <m:r>
+                                <a:rPr lang="en-US" b="0" i="1" smtClean="0">
+                                  <a:latin typeface="Cambria Math" panose="02040503050406030204" pitchFamily="18" charset="0"/>
+                                </a:rPr>
+                                <m:t>𝜆</m:t>
+                              </m:r>
+                            </m:e>
+                            <m:sub>
+                              <m:r>
+                                <a:rPr lang="en-US" b="0" i="1" smtClean="0">
+                                  <a:latin typeface="Cambria Math" panose="02040503050406030204" pitchFamily="18" charset="0"/>
+                                </a:rPr>
+                                <m:t>𝑗</m:t>
+                              </m:r>
+                            </m:sub>
+                            <m:sup>
+                              <m:r>
+                                <a:rPr lang="en-US" b="0" i="1" smtClean="0">
+                                  <a:latin typeface="Cambria Math" panose="02040503050406030204" pitchFamily="18" charset="0"/>
+                                </a:rPr>
+                                <m:t>𝑖</m:t>
+                              </m:r>
+                            </m:sup>
+                          </m:sSubSup>
+                          <m:d>
+                            <m:dPr>
+                              <m:begChr m:val="["/>
+                              <m:endChr m:val="]"/>
+                              <m:ctrlPr>
+                                <a:rPr lang="en-US" b="0" i="1" smtClean="0">
+                                  <a:latin typeface="Cambria Math" panose="02040503050406030204" pitchFamily="18" charset="0"/>
+                                </a:rPr>
+                              </m:ctrlPr>
+                            </m:dPr>
+                            <m:e>
+                              <m:r>
+                                <a:rPr lang="en-US" b="0" i="1" smtClean="0">
+                                  <a:latin typeface="Cambria Math" panose="02040503050406030204" pitchFamily="18" charset="0"/>
+                                </a:rPr>
+                                <m:t>𝑘</m:t>
+                              </m:r>
+                              <m:r>
+                                <a:rPr lang="en-US" b="0" i="1" smtClean="0">
+                                  <a:latin typeface="Cambria Math" panose="02040503050406030204" pitchFamily="18" charset="0"/>
+                                </a:rPr>
+                                <m:t>−1</m:t>
+                              </m:r>
+                            </m:e>
+                          </m:d>
+                          <m:d>
+                            <m:dPr>
+                              <m:ctrlPr>
+                                <a:rPr lang="en-US" b="0" i="1" smtClean="0">
+                                  <a:latin typeface="Cambria Math" panose="02040503050406030204" pitchFamily="18" charset="0"/>
+                                </a:rPr>
+                              </m:ctrlPr>
+                            </m:dPr>
+                            <m:e>
+                              <m:r>
+                                <a:rPr lang="en-US" b="0" i="1" smtClean="0">
+                                  <a:latin typeface="Cambria Math" panose="02040503050406030204" pitchFamily="18" charset="0"/>
+                                </a:rPr>
+                                <m:t>𝑛</m:t>
+                              </m:r>
+                            </m:e>
+                          </m:d>
+                        </m:e>
+                      </m:d>
+                      <m:r>
+                        <a:rPr lang="en-US" b="0" i="1" smtClean="0">
+                          <a:latin typeface="Cambria Math" panose="02040503050406030204" pitchFamily="18" charset="0"/>
+                        </a:rPr>
+                        <m:t>] </m:t>
+                      </m:r>
+                    </m:oMath>
+                  </m:oMathPara>
+                </a14:m>
+                <a:endParaRPr lang="en-US" b="0" dirty="0" smtClean="0"/>
+              </a:p>
+              <a:p>
+                <a:endParaRPr lang="en-US" dirty="0"/>
+              </a:p>
+              <a:p>
+                <a14:m>
+                  <m:oMathPara xmlns:m="http://schemas.openxmlformats.org/officeDocument/2006/math">
+                    <m:oMathParaPr>
+                      <m:jc m:val="centerGroup"/>
+                    </m:oMathParaPr>
+                    <m:oMath xmlns:m="http://schemas.openxmlformats.org/officeDocument/2006/math">
+                      <m:sSubSup>
+                        <m:sSubSupPr>
+                          <m:ctrlPr>
+                            <a:rPr lang="en-US" b="0" i="1" smtClean="0">
+                              <a:latin typeface="Cambria Math" panose="02040503050406030204" pitchFamily="18" charset="0"/>
+                            </a:rPr>
+                          </m:ctrlPr>
+                        </m:sSubSupPr>
+                        <m:e>
+                          <m:r>
+                            <a:rPr lang="en-US" b="0" i="1" smtClean="0">
+                              <a:latin typeface="Cambria Math" panose="02040503050406030204" pitchFamily="18" charset="0"/>
+                            </a:rPr>
+                            <m:t>𝜆</m:t>
+                          </m:r>
+                        </m:e>
+                        <m:sub>
+                          <m:r>
+                            <a:rPr lang="en-US" b="0" i="1" smtClean="0">
+                              <a:latin typeface="Cambria Math" panose="02040503050406030204" pitchFamily="18" charset="0"/>
+                            </a:rPr>
+                            <m:t>𝑖</m:t>
+                          </m:r>
+                        </m:sub>
+                        <m:sup>
+                          <m:r>
+                            <a:rPr lang="en-US" b="0" i="1" smtClean="0">
+                              <a:latin typeface="Cambria Math" panose="02040503050406030204" pitchFamily="18" charset="0"/>
+                            </a:rPr>
+                            <m:t>𝑖</m:t>
+                          </m:r>
+                        </m:sup>
+                      </m:sSubSup>
+                      <m:r>
+                        <a:rPr lang="en-US" b="0" i="1" smtClean="0">
+                          <a:latin typeface="Cambria Math" panose="02040503050406030204" pitchFamily="18" charset="0"/>
+                        </a:rPr>
+                        <m:t>=</m:t>
+                      </m:r>
+                      <m:func>
+                        <m:funcPr>
+                          <m:ctrlPr>
+                            <a:rPr lang="en-US" b="0" i="1" smtClean="0">
+                              <a:latin typeface="Cambria Math" panose="02040503050406030204" pitchFamily="18" charset="0"/>
+                            </a:rPr>
+                          </m:ctrlPr>
+                        </m:funcPr>
+                        <m:fName>
+                          <m:limLow>
+                            <m:limLowPr>
+                              <m:ctrlPr>
+                                <a:rPr lang="en-US" b="0" i="1" smtClean="0">
+                                  <a:latin typeface="Cambria Math" panose="02040503050406030204" pitchFamily="18" charset="0"/>
+                                </a:rPr>
+                              </m:ctrlPr>
+                            </m:limLowPr>
+                            <m:e>
+                              <m:r>
+                                <m:rPr>
+                                  <m:sty m:val="p"/>
+                                </m:rPr>
+                                <a:rPr lang="en-US" b="0" i="0" smtClean="0">
+                                  <a:latin typeface="Cambria Math" panose="02040503050406030204" pitchFamily="18" charset="0"/>
+                                </a:rPr>
+                                <m:t>lim</m:t>
+                              </m:r>
+                            </m:e>
+                            <m:lim>
+                              <m:r>
+                                <a:rPr lang="en-US" b="0" i="1" smtClean="0">
+                                  <a:latin typeface="Cambria Math" panose="02040503050406030204" pitchFamily="18" charset="0"/>
+                                </a:rPr>
+                                <m:t>𝑘</m:t>
+                              </m:r>
+                              <m:r>
+                                <a:rPr lang="en-US" b="0" i="1" smtClean="0">
+                                  <a:latin typeface="Cambria Math" panose="02040503050406030204" pitchFamily="18" charset="0"/>
+                                </a:rPr>
+                                <m:t>→∞</m:t>
+                              </m:r>
+                            </m:lim>
+                          </m:limLow>
+                        </m:fName>
+                        <m:e>
+                          <m:sSubSup>
+                            <m:sSubSupPr>
+                              <m:ctrlPr>
+                                <a:rPr lang="en-US" b="0" i="1" smtClean="0">
+                                  <a:latin typeface="Cambria Math" panose="02040503050406030204" pitchFamily="18" charset="0"/>
+                                </a:rPr>
+                              </m:ctrlPr>
+                            </m:sSubSupPr>
+                            <m:e>
+                              <m:r>
+                                <a:rPr lang="en-US" b="0" i="1" smtClean="0">
+                                  <a:latin typeface="Cambria Math" panose="02040503050406030204" pitchFamily="18" charset="0"/>
+                                </a:rPr>
+                                <m:t>𝜆</m:t>
+                              </m:r>
+                            </m:e>
+                            <m:sub>
+                              <m:r>
+                                <a:rPr lang="en-US" b="0" i="1" smtClean="0">
+                                  <a:latin typeface="Cambria Math" panose="02040503050406030204" pitchFamily="18" charset="0"/>
+                                </a:rPr>
+                                <m:t>𝑖</m:t>
+                              </m:r>
+                            </m:sub>
+                            <m:sup>
+                              <m:r>
+                                <a:rPr lang="en-US" b="0" i="1" smtClean="0">
+                                  <a:latin typeface="Cambria Math" panose="02040503050406030204" pitchFamily="18" charset="0"/>
+                                </a:rPr>
+                                <m:t>𝑖</m:t>
+                              </m:r>
+                            </m:sup>
+                          </m:sSubSup>
+                          <m:r>
+                            <a:rPr lang="en-US" b="0" i="1" smtClean="0">
+                              <a:latin typeface="Cambria Math" panose="02040503050406030204" pitchFamily="18" charset="0"/>
+                            </a:rPr>
+                            <m:t>[</m:t>
+                          </m:r>
+                          <m:r>
+                            <a:rPr lang="en-US" b="0" i="1" smtClean="0">
+                              <a:latin typeface="Cambria Math" panose="02040503050406030204" pitchFamily="18" charset="0"/>
+                            </a:rPr>
+                            <m:t>𝑘</m:t>
+                          </m:r>
+                          <m:r>
+                            <a:rPr lang="en-US" b="0" i="1" smtClean="0">
+                              <a:latin typeface="Cambria Math" panose="02040503050406030204" pitchFamily="18" charset="0"/>
+                            </a:rPr>
+                            <m:t>](</m:t>
+                          </m:r>
+                          <m:r>
+                            <a:rPr lang="en-US" b="0" i="1" smtClean="0">
+                              <a:latin typeface="Cambria Math" panose="02040503050406030204" pitchFamily="18" charset="0"/>
+                            </a:rPr>
+                            <m:t>𝑘</m:t>
+                          </m:r>
+                          <m:r>
+                            <a:rPr lang="en-US" b="0" i="1" smtClean="0">
+                              <a:latin typeface="Cambria Math" panose="02040503050406030204" pitchFamily="18" charset="0"/>
+                            </a:rPr>
+                            <m:t>)</m:t>
+                          </m:r>
+                        </m:e>
+                      </m:func>
+                    </m:oMath>
+                  </m:oMathPara>
+                </a14:m>
+                <a:endParaRPr lang="en-US" b="0" dirty="0" smtClean="0"/>
+              </a:p>
+              <a:p>
+                <a:endParaRPr lang="ru-RU" dirty="0"/>
+              </a:p>
+            </p:txBody>
+          </p:sp>
+        </mc:Choice>
+        <mc:Fallback>
+          <p:sp>
+            <p:nvSpPr>
+              <p:cNvPr id="7" name="TextBox 6"/>
+              <p:cNvSpPr txBox="1">
+                <a:spLocks noRot="1" noChangeAspect="1" noMove="1" noResize="1" noEditPoints="1" noAdjustHandles="1" noChangeArrowheads="1" noChangeShapeType="1" noTextEdit="1"/>
+              </p:cNvSpPr>
+              <p:nvPr/>
+            </p:nvSpPr>
+            <p:spPr>
+              <a:xfrm>
+                <a:off x="3931010" y="1924232"/>
+                <a:ext cx="4837544" cy="1738681"/>
+              </a:xfrm>
+              <a:prstGeom prst="rect">
+                <a:avLst/>
+              </a:prstGeom>
+              <a:blipFill>
+                <a:blip r:embed="rId3"/>
+                <a:stretch>
+                  <a:fillRect/>
+                </a:stretch>
+              </a:blipFill>
+            </p:spPr>
+            <p:txBody>
+              <a:bodyPr/>
+              <a:lstStyle/>
+              <a:p>
+                <a:r>
+                  <a:rPr lang="ru-RU">
+                    <a:noFill/>
+                  </a:rPr>
+                  <a:t> </a:t>
+                </a:r>
+              </a:p>
+            </p:txBody>
+          </p:sp>
+        </mc:Fallback>
+      </mc:AlternateContent>
+      <p:sp>
+        <p:nvSpPr>
+          <p:cNvPr id="8" name="TextBox 7"/>
+          <p:cNvSpPr txBox="1"/>
+          <p:nvPr/>
+        </p:nvSpPr>
+        <p:spPr>
+          <a:xfrm>
+            <a:off x="4572000" y="1028700"/>
+            <a:ext cx="3378994" cy="523220"/>
+          </a:xfrm>
+          <a:prstGeom prst="rect">
+            <a:avLst/>
+          </a:prstGeom>
+          <a:noFill/>
+        </p:spPr>
+        <p:txBody>
+          <a:bodyPr wrap="square" rtlCol="0">
+            <a:spAutoFit/>
+          </a:bodyPr>
+          <a:lstStyle/>
+          <a:p>
+            <a:r>
+              <a:rPr lang="ru-RU" dirty="0" smtClean="0"/>
+              <a:t>Вычисление интенсивности потока для активного диспетчера</a:t>
+            </a:r>
+            <a:endParaRPr lang="ru-RU" dirty="0"/>
+          </a:p>
+        </p:txBody>
+      </p:sp>
+    </p:spTree>
+    <p:extLst>
+      <p:ext uri="{BB962C8B-B14F-4D97-AF65-F5344CB8AC3E}">
+        <p14:creationId xmlns:p14="http://schemas.microsoft.com/office/powerpoint/2010/main" val="1267753611"/>
+      </p:ext>
+    </p:extLst>
+  </p:cSld>
+  <p:clrMapOvr>
+    <a:masterClrMapping/>
+  </p:clrMapOvr>
+  <p:timing>
+    <p:tnLst>
+      <p:par>
+        <p:cTn id="1" dur="indefinite" restart="never" nodeType="tmRoot"/>
+      </p:par>
+    </p:tnLst>
+  </p:timing>
+</p:sld>
+</file>
+
+<file path=ppt/slides/slide11.xml><?xml version="1.0" encoding="utf-8"?>
+<p:sld xmlns:a="http://schemas.openxmlformats.org/drawingml/2006/main" xmlns:r="http://schemas.openxmlformats.org/officeDocument/2006/relationships" xmlns:p="http://schemas.openxmlformats.org/presentationml/2006/main">
+  <p:cSld>
+    <p:spTree>
+      <p:nvGrpSpPr>
+        <p:cNvPr id="1" name=""/>
+        <p:cNvGrpSpPr/>
+        <p:nvPr/>
+      </p:nvGrpSpPr>
+      <p:grpSpPr>
+        <a:xfrm>
+          <a:off x="0" y="0"/>
+          <a:ext cx="0" cy="0"/>
+          <a:chOff x="0" y="0"/>
+          <a:chExt cx="0" cy="0"/>
+        </a:xfrm>
+      </p:grpSpPr>
+      <p:sp>
+        <p:nvSpPr>
+          <p:cNvPr id="2" name="Title 1"/>
+          <p:cNvSpPr>
+            <a:spLocks noGrp="1"/>
+          </p:cNvSpPr>
+          <p:nvPr>
+            <p:ph type="title"/>
+          </p:nvPr>
+        </p:nvSpPr>
+        <p:spPr>
+          <a:xfrm>
+            <a:off x="48491" y="-49363"/>
+            <a:ext cx="8229600" cy="620483"/>
+          </a:xfrm>
+        </p:spPr>
+        <p:txBody>
+          <a:bodyPr/>
+          <a:lstStyle/>
+          <a:p>
+            <a:r>
+              <a:rPr lang="ru-RU" dirty="0" smtClean="0"/>
+              <a:t>Диспетчер - Равновесие Нэша</a:t>
+            </a:r>
+            <a:endParaRPr lang="ru-RU" dirty="0"/>
+          </a:p>
+        </p:txBody>
+      </p:sp>
+      <p:sp>
+        <p:nvSpPr>
+          <p:cNvPr id="15" name="Slide Number Placeholder 14"/>
+          <p:cNvSpPr>
+            <a:spLocks noGrp="1"/>
+          </p:cNvSpPr>
+          <p:nvPr>
+            <p:ph type="sldNum" idx="12"/>
+          </p:nvPr>
+        </p:nvSpPr>
+        <p:spPr/>
+        <p:txBody>
+          <a:bodyPr/>
+          <a:lstStyle/>
+          <a:p>
+            <a:pPr marL="0" lvl="0" indent="0" algn="r" rtl="0">
+              <a:spcBef>
+                <a:spcPts val="0"/>
+              </a:spcBef>
+              <a:spcAft>
+                <a:spcPts val="0"/>
+              </a:spcAft>
+              <a:buNone/>
+            </a:pPr>
+            <a:fld id="{00000000-1234-1234-1234-123412341234}" type="slidenum">
+              <a:rPr lang="ru-RU" smtClean="0"/>
+              <a:t>10</a:t>
+            </a:fld>
+            <a:endParaRPr lang="ru-RU"/>
+          </a:p>
+        </p:txBody>
+      </p:sp>
+      <p:sp>
+        <p:nvSpPr>
+          <p:cNvPr id="6" name="Rectangle 5"/>
+          <p:cNvSpPr/>
+          <p:nvPr/>
+        </p:nvSpPr>
+        <p:spPr>
+          <a:xfrm>
+            <a:off x="8589960" y="12557"/>
+            <a:ext cx="588623" cy="292388"/>
+          </a:xfrm>
+          <a:prstGeom prst="rect">
+            <a:avLst/>
+          </a:prstGeom>
+        </p:spPr>
+        <p:txBody>
+          <a:bodyPr wrap="none">
+            <a:spAutoFit/>
+          </a:bodyPr>
+          <a:lstStyle/>
+          <a:p>
+            <a:pPr lvl="0" algn="r"/>
+            <a:r>
+              <a:rPr lang="ru-RU" sz="1300" dirty="0" smtClean="0">
+                <a:latin typeface="Calibri" panose="020F0502020204030204" pitchFamily="34" charset="0"/>
+                <a:cs typeface="Calibri" panose="020F0502020204030204" pitchFamily="34" charset="0"/>
+              </a:rPr>
+              <a:t>10</a:t>
+            </a:r>
+            <a:r>
+              <a:rPr lang="en-US" sz="1300" dirty="0" smtClean="0">
+                <a:latin typeface="Calibri" panose="020F0502020204030204" pitchFamily="34" charset="0"/>
+                <a:cs typeface="Calibri" panose="020F0502020204030204" pitchFamily="34" charset="0"/>
+              </a:rPr>
+              <a:t>/10</a:t>
+            </a:r>
+            <a:endParaRPr lang="ru-RU" sz="1300" dirty="0">
+              <a:latin typeface="Calibri" panose="020F0502020204030204" pitchFamily="34" charset="0"/>
+              <a:cs typeface="Calibri" panose="020F0502020204030204" pitchFamily="34" charset="0"/>
+            </a:endParaRPr>
+          </a:p>
+        </p:txBody>
+      </p:sp>
+      <p:pic>
+        <p:nvPicPr>
+          <p:cNvPr id="11" name="Picture 10"/>
+          <p:cNvPicPr>
+            <a:picLocks noChangeAspect="1"/>
+          </p:cNvPicPr>
+          <p:nvPr/>
+        </p:nvPicPr>
+        <p:blipFill>
+          <a:blip r:embed="rId3">
+            <a:extLst>
+              <a:ext uri="{28A0092B-C50C-407E-A947-70E740481C1C}">
+                <a14:useLocalDpi xmlns:a14="http://schemas.microsoft.com/office/drawing/2010/main" val="0"/>
+              </a:ext>
+            </a:extLst>
+          </a:blip>
+          <a:stretch>
+            <a:fillRect/>
+          </a:stretch>
+        </p:blipFill>
+        <p:spPr>
+          <a:xfrm>
+            <a:off x="0" y="12556"/>
+            <a:ext cx="4524441" cy="5130943"/>
+          </a:xfrm>
+          <a:prstGeom prst="rect">
+            <a:avLst/>
+          </a:prstGeom>
+        </p:spPr>
+      </p:pic>
+      <p:pic>
+        <p:nvPicPr>
+          <p:cNvPr id="12" name="Picture 11"/>
+          <p:cNvPicPr>
+            <a:picLocks noChangeAspect="1"/>
+          </p:cNvPicPr>
+          <p:nvPr/>
+        </p:nvPicPr>
+        <p:blipFill>
+          <a:blip r:embed="rId4"/>
+          <a:stretch>
+            <a:fillRect/>
+          </a:stretch>
+        </p:blipFill>
+        <p:spPr>
+          <a:xfrm>
+            <a:off x="4319172" y="12557"/>
+            <a:ext cx="4824828" cy="5130894"/>
+          </a:xfrm>
+          <a:prstGeom prst="rect">
+            <a:avLst/>
+          </a:prstGeom>
+        </p:spPr>
+      </p:pic>
+      <p:sp>
+        <p:nvSpPr>
+          <p:cNvPr id="13" name="TextBox 12"/>
+          <p:cNvSpPr txBox="1"/>
+          <p:nvPr/>
+        </p:nvSpPr>
+        <p:spPr>
+          <a:xfrm>
+            <a:off x="1241444" y="107287"/>
+            <a:ext cx="2921794" cy="307181"/>
+          </a:xfrm>
+          <a:prstGeom prst="rect">
+            <a:avLst/>
+          </a:prstGeom>
+          <a:noFill/>
+        </p:spPr>
+        <p:txBody>
+          <a:bodyPr wrap="square" rtlCol="0">
+            <a:spAutoFit/>
+          </a:bodyPr>
+          <a:lstStyle/>
+          <a:p>
+            <a:r>
+              <a:rPr lang="ru-RU" dirty="0" smtClean="0"/>
+              <a:t>Равновесие Нэша</a:t>
+            </a:r>
+            <a:endParaRPr lang="ru-RU" dirty="0"/>
+          </a:p>
+        </p:txBody>
+      </p:sp>
+      <p:sp>
+        <p:nvSpPr>
+          <p:cNvPr id="14" name="TextBox 13"/>
+          <p:cNvSpPr txBox="1"/>
+          <p:nvPr/>
+        </p:nvSpPr>
+        <p:spPr>
+          <a:xfrm>
+            <a:off x="4836310" y="107287"/>
+            <a:ext cx="3666388" cy="307777"/>
+          </a:xfrm>
+          <a:prstGeom prst="rect">
+            <a:avLst/>
+          </a:prstGeom>
+          <a:noFill/>
+        </p:spPr>
+        <p:txBody>
+          <a:bodyPr wrap="none" rtlCol="0">
+            <a:spAutoFit/>
+          </a:bodyPr>
+          <a:lstStyle/>
+          <a:p>
+            <a:r>
+              <a:rPr lang="ru-RU" dirty="0" smtClean="0"/>
+              <a:t>Глобальный минимум времени ожидания</a:t>
+            </a:r>
+            <a:endParaRPr lang="ru-RU" dirty="0"/>
+          </a:p>
+        </p:txBody>
+      </p:sp>
+      <p:sp>
+        <p:nvSpPr>
+          <p:cNvPr id="17" name="Rectangle 16"/>
+          <p:cNvSpPr/>
+          <p:nvPr/>
+        </p:nvSpPr>
+        <p:spPr>
+          <a:xfrm>
+            <a:off x="8555377" y="26412"/>
+            <a:ext cx="588623" cy="292388"/>
+          </a:xfrm>
+          <a:prstGeom prst="rect">
+            <a:avLst/>
+          </a:prstGeom>
+        </p:spPr>
+        <p:txBody>
+          <a:bodyPr wrap="none">
+            <a:spAutoFit/>
+          </a:bodyPr>
+          <a:lstStyle/>
+          <a:p>
+            <a:pPr lvl="0" algn="r"/>
+            <a:r>
+              <a:rPr lang="ru-RU" sz="1300" dirty="0" smtClean="0">
+                <a:latin typeface="Calibri" panose="020F0502020204030204" pitchFamily="34" charset="0"/>
+                <a:cs typeface="Calibri" panose="020F0502020204030204" pitchFamily="34" charset="0"/>
+              </a:rPr>
+              <a:t>11</a:t>
+            </a:r>
+            <a:r>
+              <a:rPr lang="en-US" sz="1300" dirty="0" smtClean="0">
+                <a:latin typeface="Calibri" panose="020F0502020204030204" pitchFamily="34" charset="0"/>
+                <a:cs typeface="Calibri" panose="020F0502020204030204" pitchFamily="34" charset="0"/>
+              </a:rPr>
+              <a:t>/1</a:t>
+            </a:r>
+            <a:r>
+              <a:rPr lang="ru-RU" sz="1300" dirty="0" smtClean="0">
+                <a:latin typeface="Calibri" panose="020F0502020204030204" pitchFamily="34" charset="0"/>
+                <a:cs typeface="Calibri" panose="020F0502020204030204" pitchFamily="34" charset="0"/>
+              </a:rPr>
+              <a:t>6</a:t>
+            </a:r>
+            <a:endParaRPr lang="ru-RU" sz="1300" dirty="0">
+              <a:latin typeface="Calibri" panose="020F0502020204030204" pitchFamily="34" charset="0"/>
+              <a:cs typeface="Calibri" panose="020F0502020204030204" pitchFamily="34" charset="0"/>
+            </a:endParaRPr>
+          </a:p>
+        </p:txBody>
+      </p:sp>
+    </p:spTree>
+    <p:extLst>
+      <p:ext uri="{BB962C8B-B14F-4D97-AF65-F5344CB8AC3E}">
+        <p14:creationId xmlns:p14="http://schemas.microsoft.com/office/powerpoint/2010/main" val="1270318615"/>
+      </p:ext>
+    </p:extLst>
+  </p:cSld>
+  <p:clrMapOvr>
+    <a:masterClrMapping/>
+  </p:clrMapOvr>
+  <p:timing>
+    <p:tnLst>
+      <p:par>
+        <p:cTn id="1" dur="indefinite" restart="never" nodeType="tmRoot"/>
+      </p:par>
+    </p:tnLst>
+  </p:timing>
+</p:sld>
+</file>
+
+<file path=ppt/slides/slide12.xml><?xml version="1.0" encoding="utf-8"?>
+<p:sld xmlns:a="http://schemas.openxmlformats.org/drawingml/2006/main" xmlns:r="http://schemas.openxmlformats.org/officeDocument/2006/relationships" xmlns:p="http://schemas.openxmlformats.org/presentationml/2006/main">
+  <p:cSld>
+    <p:spTree>
+      <p:nvGrpSpPr>
+        <p:cNvPr id="1" name=""/>
+        <p:cNvGrpSpPr/>
+        <p:nvPr/>
+      </p:nvGrpSpPr>
+      <p:grpSpPr>
+        <a:xfrm>
+          <a:off x="0" y="0"/>
+          <a:ext cx="0" cy="0"/>
+          <a:chOff x="0" y="0"/>
+          <a:chExt cx="0" cy="0"/>
+        </a:xfrm>
+      </p:grpSpPr>
+      <p:sp>
+        <p:nvSpPr>
+          <p:cNvPr id="2" name="Title 1"/>
+          <p:cNvSpPr>
+            <a:spLocks noGrp="1"/>
+          </p:cNvSpPr>
+          <p:nvPr>
+            <p:ph type="title"/>
+          </p:nvPr>
+        </p:nvSpPr>
+        <p:spPr>
+          <a:xfrm>
+            <a:off x="48491" y="-49363"/>
+            <a:ext cx="8229600" cy="620483"/>
+          </a:xfrm>
+        </p:spPr>
+        <p:txBody>
+          <a:bodyPr/>
+          <a:lstStyle/>
+          <a:p>
+            <a:r>
+              <a:rPr lang="ru-RU" dirty="0" smtClean="0"/>
+              <a:t>Стратегии диспетчера</a:t>
+            </a:r>
+            <a:endParaRPr lang="ru-RU" dirty="0"/>
+          </a:p>
+        </p:txBody>
+      </p:sp>
+      <p:sp>
+        <p:nvSpPr>
+          <p:cNvPr id="15" name="Slide Number Placeholder 14"/>
+          <p:cNvSpPr>
+            <a:spLocks noGrp="1"/>
+          </p:cNvSpPr>
+          <p:nvPr>
+            <p:ph type="sldNum" idx="12"/>
+          </p:nvPr>
+        </p:nvSpPr>
+        <p:spPr/>
+        <p:txBody>
+          <a:bodyPr/>
+          <a:lstStyle/>
+          <a:p>
+            <a:pPr marL="0" lvl="0" indent="0" algn="r" rtl="0">
+              <a:spcBef>
+                <a:spcPts val="0"/>
+              </a:spcBef>
+              <a:spcAft>
+                <a:spcPts val="0"/>
+              </a:spcAft>
+              <a:buNone/>
+            </a:pPr>
+            <a:fld id="{00000000-1234-1234-1234-123412341234}" type="slidenum">
+              <a:rPr lang="ru-RU" smtClean="0"/>
+              <a:t>11</a:t>
+            </a:fld>
+            <a:endParaRPr lang="ru-RU"/>
+          </a:p>
+        </p:txBody>
+      </p:sp>
+      <p:sp>
+        <p:nvSpPr>
+          <p:cNvPr id="6" name="Rectangle 5"/>
+          <p:cNvSpPr/>
+          <p:nvPr/>
+        </p:nvSpPr>
+        <p:spPr>
+          <a:xfrm>
+            <a:off x="8589960" y="12557"/>
+            <a:ext cx="588623" cy="292388"/>
+          </a:xfrm>
+          <a:prstGeom prst="rect">
+            <a:avLst/>
+          </a:prstGeom>
+        </p:spPr>
+        <p:txBody>
+          <a:bodyPr wrap="none">
+            <a:spAutoFit/>
+          </a:bodyPr>
+          <a:lstStyle/>
+          <a:p>
+            <a:pPr lvl="0" algn="r"/>
+            <a:r>
+              <a:rPr lang="ru-RU" sz="1300" dirty="0" smtClean="0">
+                <a:latin typeface="Calibri" panose="020F0502020204030204" pitchFamily="34" charset="0"/>
+                <a:cs typeface="Calibri" panose="020F0502020204030204" pitchFamily="34" charset="0"/>
+              </a:rPr>
+              <a:t>10</a:t>
+            </a:r>
+            <a:r>
+              <a:rPr lang="en-US" sz="1300" dirty="0" smtClean="0">
+                <a:latin typeface="Calibri" panose="020F0502020204030204" pitchFamily="34" charset="0"/>
+                <a:cs typeface="Calibri" panose="020F0502020204030204" pitchFamily="34" charset="0"/>
+              </a:rPr>
+              <a:t>/10</a:t>
+            </a:r>
+            <a:endParaRPr lang="ru-RU" sz="1300" dirty="0">
+              <a:latin typeface="Calibri" panose="020F0502020204030204" pitchFamily="34" charset="0"/>
+              <a:cs typeface="Calibri" panose="020F0502020204030204" pitchFamily="34" charset="0"/>
+            </a:endParaRPr>
+          </a:p>
+        </p:txBody>
+      </p:sp>
+      <p:pic>
+        <p:nvPicPr>
+          <p:cNvPr id="4" name="Picture 3"/>
+          <p:cNvPicPr>
+            <a:picLocks noChangeAspect="1"/>
+          </p:cNvPicPr>
+          <p:nvPr/>
+        </p:nvPicPr>
+        <p:blipFill>
+          <a:blip r:embed="rId3"/>
+          <a:stretch>
+            <a:fillRect/>
+          </a:stretch>
+        </p:blipFill>
+        <p:spPr>
+          <a:xfrm>
+            <a:off x="4031672" y="0"/>
+            <a:ext cx="5112328" cy="5112328"/>
+          </a:xfrm>
+          <a:prstGeom prst="rect">
+            <a:avLst/>
+          </a:prstGeom>
+        </p:spPr>
+      </p:pic>
+      <p:pic>
+        <p:nvPicPr>
+          <p:cNvPr id="5" name="Picture 4"/>
+          <p:cNvPicPr>
+            <a:picLocks noChangeAspect="1"/>
+          </p:cNvPicPr>
+          <p:nvPr/>
+        </p:nvPicPr>
+        <p:blipFill>
+          <a:blip r:embed="rId4"/>
+          <a:stretch>
+            <a:fillRect/>
+          </a:stretch>
+        </p:blipFill>
+        <p:spPr>
+          <a:xfrm>
+            <a:off x="1" y="12557"/>
+            <a:ext cx="4232564" cy="5130893"/>
+          </a:xfrm>
+          <a:prstGeom prst="rect">
+            <a:avLst/>
+          </a:prstGeom>
+        </p:spPr>
+      </p:pic>
+      <p:sp>
+        <p:nvSpPr>
+          <p:cNvPr id="9" name="TextBox 8"/>
+          <p:cNvSpPr txBox="1"/>
+          <p:nvPr/>
+        </p:nvSpPr>
+        <p:spPr>
+          <a:xfrm>
+            <a:off x="610866" y="158751"/>
+            <a:ext cx="2712602" cy="307777"/>
+          </a:xfrm>
+          <a:prstGeom prst="rect">
+            <a:avLst/>
+          </a:prstGeom>
+          <a:noFill/>
+        </p:spPr>
+        <p:txBody>
+          <a:bodyPr wrap="none" rtlCol="0">
+            <a:spAutoFit/>
+          </a:bodyPr>
+          <a:lstStyle/>
+          <a:p>
+            <a:r>
+              <a:rPr lang="ru-RU" dirty="0" smtClean="0"/>
+              <a:t>Смешанные стратегии для </a:t>
+            </a:r>
+            <a:r>
+              <a:rPr lang="en-US" dirty="0" smtClean="0"/>
+              <a:t>N2</a:t>
+            </a:r>
+            <a:endParaRPr lang="ru-RU" dirty="0"/>
+          </a:p>
+        </p:txBody>
+      </p:sp>
+      <p:sp>
+        <p:nvSpPr>
+          <p:cNvPr id="11" name="TextBox 10"/>
+          <p:cNvSpPr txBox="1"/>
+          <p:nvPr/>
+        </p:nvSpPr>
+        <p:spPr>
+          <a:xfrm>
+            <a:off x="5217824" y="125016"/>
+            <a:ext cx="2712602" cy="307777"/>
+          </a:xfrm>
+          <a:prstGeom prst="rect">
+            <a:avLst/>
+          </a:prstGeom>
+          <a:noFill/>
+        </p:spPr>
+        <p:txBody>
+          <a:bodyPr wrap="none" rtlCol="0">
+            <a:spAutoFit/>
+          </a:bodyPr>
+          <a:lstStyle/>
+          <a:p>
+            <a:r>
+              <a:rPr lang="ru-RU" dirty="0" smtClean="0"/>
+              <a:t>Смешанные стратегии для </a:t>
+            </a:r>
+            <a:r>
+              <a:rPr lang="en-US" dirty="0" smtClean="0"/>
+              <a:t>N1</a:t>
+            </a:r>
+            <a:endParaRPr lang="ru-RU" dirty="0"/>
+          </a:p>
+        </p:txBody>
+      </p:sp>
+      <p:sp>
+        <p:nvSpPr>
+          <p:cNvPr id="12" name="Rectangle 11"/>
+          <p:cNvSpPr/>
+          <p:nvPr/>
+        </p:nvSpPr>
+        <p:spPr>
+          <a:xfrm>
+            <a:off x="8555377" y="26412"/>
+            <a:ext cx="588623" cy="292388"/>
+          </a:xfrm>
+          <a:prstGeom prst="rect">
+            <a:avLst/>
+          </a:prstGeom>
+        </p:spPr>
+        <p:txBody>
+          <a:bodyPr wrap="none">
+            <a:spAutoFit/>
+          </a:bodyPr>
+          <a:lstStyle/>
+          <a:p>
+            <a:pPr lvl="0" algn="r"/>
+            <a:r>
+              <a:rPr lang="ru-RU" sz="1300" dirty="0" smtClean="0">
+                <a:latin typeface="Calibri" panose="020F0502020204030204" pitchFamily="34" charset="0"/>
+                <a:cs typeface="Calibri" panose="020F0502020204030204" pitchFamily="34" charset="0"/>
+              </a:rPr>
+              <a:t>1</a:t>
+            </a:r>
+            <a:r>
+              <a:rPr lang="en-US" sz="1300" dirty="0" smtClean="0">
+                <a:latin typeface="Calibri" panose="020F0502020204030204" pitchFamily="34" charset="0"/>
+                <a:cs typeface="Calibri" panose="020F0502020204030204" pitchFamily="34" charset="0"/>
+              </a:rPr>
+              <a:t>2/1</a:t>
+            </a:r>
+            <a:r>
+              <a:rPr lang="ru-RU" sz="1300" dirty="0" smtClean="0">
+                <a:latin typeface="Calibri" panose="020F0502020204030204" pitchFamily="34" charset="0"/>
+                <a:cs typeface="Calibri" panose="020F0502020204030204" pitchFamily="34" charset="0"/>
+              </a:rPr>
+              <a:t>6</a:t>
+            </a:r>
+            <a:endParaRPr lang="ru-RU" sz="1300" dirty="0">
+              <a:latin typeface="Calibri" panose="020F0502020204030204" pitchFamily="34" charset="0"/>
+              <a:cs typeface="Calibri" panose="020F0502020204030204" pitchFamily="34" charset="0"/>
+            </a:endParaRPr>
+          </a:p>
+        </p:txBody>
+      </p:sp>
+    </p:spTree>
+    <p:extLst>
+      <p:ext uri="{BB962C8B-B14F-4D97-AF65-F5344CB8AC3E}">
+        <p14:creationId xmlns:p14="http://schemas.microsoft.com/office/powerpoint/2010/main" val="761328029"/>
+      </p:ext>
+    </p:extLst>
+  </p:cSld>
+  <p:clrMapOvr>
+    <a:masterClrMapping/>
+  </p:clrMapOvr>
+  <p:timing>
+    <p:tnLst>
+      <p:par>
+        <p:cTn id="1" dur="indefinite" restart="never" nodeType="tmRoot"/>
+      </p:par>
+    </p:tnLst>
+  </p:timing>
+</p:sld>
+</file>
+
+<file path=ppt/slides/slide13.xml><?xml version="1.0" encoding="utf-8"?>
+<p:sld xmlns:a="http://schemas.openxmlformats.org/drawingml/2006/main" xmlns:r="http://schemas.openxmlformats.org/officeDocument/2006/relationships" xmlns:p="http://schemas.openxmlformats.org/presentationml/2006/main">
+  <p:cSld>
+    <p:spTree>
+      <p:nvGrpSpPr>
+        <p:cNvPr id="1" name=""/>
+        <p:cNvGrpSpPr/>
+        <p:nvPr/>
+      </p:nvGrpSpPr>
+      <p:grpSpPr>
+        <a:xfrm>
+          <a:off x="0" y="0"/>
+          <a:ext cx="0" cy="0"/>
+          <a:chOff x="0" y="0"/>
+          <a:chExt cx="0" cy="0"/>
+        </a:xfrm>
+      </p:grpSpPr>
+      <p:sp>
+        <p:nvSpPr>
+          <p:cNvPr id="2" name="Title 1"/>
+          <p:cNvSpPr>
+            <a:spLocks noGrp="1"/>
+          </p:cNvSpPr>
+          <p:nvPr>
+            <p:ph type="title"/>
+          </p:nvPr>
+        </p:nvSpPr>
+        <p:spPr>
+          <a:xfrm>
+            <a:off x="117764" y="0"/>
+            <a:ext cx="8229600" cy="620483"/>
+          </a:xfrm>
+        </p:spPr>
+        <p:txBody>
+          <a:bodyPr/>
+          <a:lstStyle/>
+          <a:p>
+            <a:r>
+              <a:rPr lang="ru-RU" dirty="0" smtClean="0"/>
+              <a:t>Финансовое регулирование</a:t>
+            </a:r>
+            <a:endParaRPr lang="ru-RU" dirty="0"/>
+          </a:p>
+        </p:txBody>
+      </p:sp>
+      <p:sp>
+        <p:nvSpPr>
+          <p:cNvPr id="16" name="TextBox 15"/>
+          <p:cNvSpPr txBox="1"/>
+          <p:nvPr/>
+        </p:nvSpPr>
+        <p:spPr>
+          <a:xfrm>
+            <a:off x="671945" y="1087582"/>
+            <a:ext cx="3318164" cy="2677656"/>
+          </a:xfrm>
+          <a:prstGeom prst="rect">
+            <a:avLst/>
+          </a:prstGeom>
+          <a:noFill/>
+        </p:spPr>
+        <p:txBody>
+          <a:bodyPr wrap="square" rtlCol="0">
+            <a:spAutoFit/>
+          </a:bodyPr>
+          <a:lstStyle/>
+          <a:p>
+            <a:pPr marL="285750" indent="-285750">
+              <a:buFont typeface="Arial" panose="020B0604020202020204" pitchFamily="34" charset="0"/>
+              <a:buChar char="•"/>
+            </a:pPr>
+            <a:r>
+              <a:rPr lang="ru-RU" dirty="0" smtClean="0"/>
+              <a:t>Госпитали ведут себя «жадно» – за каждого пациента они получают прибыль</a:t>
+            </a:r>
+          </a:p>
+          <a:p>
+            <a:pPr marL="285750" indent="-285750">
+              <a:buFont typeface="Arial" panose="020B0604020202020204" pitchFamily="34" charset="0"/>
+              <a:buChar char="•"/>
+            </a:pPr>
+            <a:endParaRPr lang="ru-RU" dirty="0"/>
+          </a:p>
+          <a:p>
+            <a:pPr marL="285750" indent="-285750">
+              <a:buFont typeface="Arial" panose="020B0604020202020204" pitchFamily="34" charset="0"/>
+              <a:buChar char="•"/>
+            </a:pPr>
+            <a:r>
+              <a:rPr lang="ru-RU" dirty="0" smtClean="0"/>
+              <a:t>Такое поведение вызывает переполнения госпиталей и увеличивает смертность</a:t>
+            </a:r>
+          </a:p>
+          <a:p>
+            <a:pPr marL="285750" indent="-285750">
+              <a:buFont typeface="Arial" panose="020B0604020202020204" pitchFamily="34" charset="0"/>
+              <a:buChar char="•"/>
+            </a:pPr>
+            <a:endParaRPr lang="ru-RU" dirty="0"/>
+          </a:p>
+          <a:p>
+            <a:pPr marL="285750" indent="-285750">
+              <a:buFont typeface="Arial" panose="020B0604020202020204" pitchFamily="34" charset="0"/>
+              <a:buChar char="•"/>
+            </a:pPr>
+            <a:r>
+              <a:rPr lang="ru-RU" dirty="0" smtClean="0"/>
+              <a:t>Идея: награждать госпитали за успешно вылеченных больных, тем самым мотивируя стороны кооперироваться</a:t>
+            </a:r>
+          </a:p>
+        </p:txBody>
+      </p:sp>
+      <mc:AlternateContent xmlns:mc="http://schemas.openxmlformats.org/markup-compatibility/2006">
+        <mc:Choice xmlns:a14="http://schemas.microsoft.com/office/drawing/2010/main" Requires="a14">
+          <p:sp>
+            <p:nvSpPr>
+              <p:cNvPr id="17" name="TextBox 16"/>
+              <p:cNvSpPr txBox="1"/>
+              <p:nvPr/>
+            </p:nvSpPr>
+            <p:spPr>
+              <a:xfrm>
+                <a:off x="4966853" y="1647582"/>
+                <a:ext cx="3539837" cy="2602251"/>
+              </a:xfrm>
+              <a:prstGeom prst="rect">
+                <a:avLst/>
+              </a:prstGeom>
+              <a:noFill/>
+            </p:spPr>
+            <p:txBody>
+              <a:bodyPr wrap="square" rtlCol="0">
+                <a:spAutoFit/>
+              </a:bodyPr>
+              <a:lstStyle/>
+              <a:p>
+                <a:r>
+                  <a:rPr lang="ru-RU" dirty="0" smtClean="0"/>
+                  <a:t>Определим новую функцию наград для игроков </a:t>
+                </a:r>
+                <a:endParaRPr lang="en-US" dirty="0" smtClean="0"/>
+              </a:p>
+              <a:p>
+                <a14:m>
+                  <m:oMath xmlns:m="http://schemas.openxmlformats.org/officeDocument/2006/math">
+                    <m:r>
+                      <a:rPr lang="en-US" b="0" i="1" smtClean="0">
+                        <a:latin typeface="Cambria Math" panose="02040503050406030204" pitchFamily="18" charset="0"/>
+                      </a:rPr>
+                      <m:t>𝐸</m:t>
+                    </m:r>
+                    <m:r>
+                      <a:rPr lang="en-US" b="0" i="1" smtClean="0">
+                        <a:latin typeface="Cambria Math" panose="02040503050406030204" pitchFamily="18" charset="0"/>
+                      </a:rPr>
+                      <m:t>_</m:t>
+                    </m:r>
+                    <m:r>
+                      <a:rPr lang="en-US" b="0" i="1" smtClean="0">
+                        <a:latin typeface="Cambria Math" panose="02040503050406030204" pitchFamily="18" charset="0"/>
+                      </a:rPr>
+                      <m:t>𝑜𝑝</m:t>
+                    </m:r>
+                  </m:oMath>
+                </a14:m>
+                <a:r>
+                  <a:rPr lang="en-US" dirty="0" smtClean="0"/>
+                  <a:t> – </a:t>
+                </a:r>
+                <a:r>
+                  <a:rPr lang="ru-RU" dirty="0" smtClean="0"/>
+                  <a:t>операционные расходы</a:t>
+                </a:r>
+              </a:p>
+              <a:p>
+                <a14:m>
+                  <m:oMath xmlns:m="http://schemas.openxmlformats.org/officeDocument/2006/math">
+                    <m:r>
+                      <a:rPr lang="en-US" b="0" i="1" smtClean="0">
+                        <a:latin typeface="Cambria Math" panose="02040503050406030204" pitchFamily="18" charset="0"/>
+                      </a:rPr>
+                      <m:t>𝐸</m:t>
+                    </m:r>
+                    <m:r>
+                      <a:rPr lang="en-US" b="0" i="1" smtClean="0">
+                        <a:latin typeface="Cambria Math" panose="02040503050406030204" pitchFamily="18" charset="0"/>
+                      </a:rPr>
+                      <m:t>_</m:t>
+                    </m:r>
+                    <m:r>
+                      <a:rPr lang="en-US" b="0" i="1" smtClean="0">
+                        <a:latin typeface="Cambria Math" panose="02040503050406030204" pitchFamily="18" charset="0"/>
+                      </a:rPr>
+                      <m:t>𝑡𝑟𝑎𝑛𝑠𝑝</m:t>
+                    </m:r>
+                  </m:oMath>
+                </a14:m>
+                <a:r>
+                  <a:rPr lang="en-US" dirty="0" smtClean="0"/>
+                  <a:t> – </a:t>
+                </a:r>
+                <a:r>
+                  <a:rPr lang="ru-RU" dirty="0" smtClean="0"/>
+                  <a:t>затраты на транспортировку</a:t>
+                </a:r>
+              </a:p>
+              <a:p>
+                <a14:m>
+                  <m:oMath xmlns:m="http://schemas.openxmlformats.org/officeDocument/2006/math">
+                    <m:sSub>
+                      <m:sSubPr>
+                        <m:ctrlPr>
+                          <a:rPr lang="en-US" b="0" i="1" smtClean="0">
+                            <a:latin typeface="Cambria Math" panose="02040503050406030204" pitchFamily="18" charset="0"/>
+                          </a:rPr>
+                        </m:ctrlPr>
+                      </m:sSubPr>
+                      <m:e>
+                        <m:r>
+                          <a:rPr lang="en-US" b="0" i="1" smtClean="0">
+                            <a:latin typeface="Cambria Math" panose="02040503050406030204" pitchFamily="18" charset="0"/>
+                          </a:rPr>
+                          <m:t>𝑅</m:t>
+                        </m:r>
+                      </m:e>
+                      <m:sub>
+                        <m:r>
+                          <a:rPr lang="en-US" b="0" i="1" smtClean="0">
+                            <a:latin typeface="Cambria Math" panose="02040503050406030204" pitchFamily="18" charset="0"/>
+                          </a:rPr>
+                          <m:t>𝑐𝑢𝑟𝑒𝑑</m:t>
+                        </m:r>
+                      </m:sub>
+                    </m:sSub>
+                    <m:r>
+                      <a:rPr lang="en-US" b="0" i="1" smtClean="0">
+                        <a:latin typeface="Cambria Math" panose="02040503050406030204" pitchFamily="18" charset="0"/>
+                      </a:rPr>
+                      <m:t>−</m:t>
+                    </m:r>
+                  </m:oMath>
+                </a14:m>
+                <a:r>
+                  <a:rPr lang="ru-RU" dirty="0" smtClean="0"/>
+                  <a:t> выплаты за вылеченного пациента</a:t>
+                </a:r>
+              </a:p>
+              <a:p>
+                <a14:m>
+                  <m:oMathPara xmlns:m="http://schemas.openxmlformats.org/officeDocument/2006/math">
+                    <m:oMathParaPr>
+                      <m:jc m:val="centerGroup"/>
+                    </m:oMathParaPr>
+                    <m:oMath xmlns:m="http://schemas.openxmlformats.org/officeDocument/2006/math">
+                      <m:sSub>
+                        <m:sSubPr>
+                          <m:ctrlPr>
+                            <a:rPr lang="en-US" b="0" i="1" smtClean="0">
+                              <a:latin typeface="Cambria Math" panose="02040503050406030204" pitchFamily="18" charset="0"/>
+                            </a:rPr>
+                          </m:ctrlPr>
+                        </m:sSubPr>
+                        <m:e>
+                          <m:r>
+                            <a:rPr lang="en-US" b="0" i="1" smtClean="0">
+                              <a:latin typeface="Cambria Math" panose="02040503050406030204" pitchFamily="18" charset="0"/>
+                            </a:rPr>
+                            <m:t>𝜆</m:t>
+                          </m:r>
+                        </m:e>
+                        <m:sub>
+                          <m:r>
+                            <a:rPr lang="en-US" b="0" i="1" smtClean="0">
+                              <a:latin typeface="Cambria Math" panose="02040503050406030204" pitchFamily="18" charset="0"/>
+                            </a:rPr>
+                            <m:t>𝑐𝑢𝑟𝑒𝑑</m:t>
+                          </m:r>
+                        </m:sub>
+                      </m:sSub>
+                      <m:r>
+                        <a:rPr lang="en-US" b="0" i="1" smtClean="0">
+                          <a:latin typeface="Cambria Math" panose="02040503050406030204" pitchFamily="18" charset="0"/>
+                        </a:rPr>
+                        <m:t>=</m:t>
+                      </m:r>
+                      <m:r>
+                        <a:rPr lang="en-US" b="0" i="1" smtClean="0">
+                          <a:latin typeface="Cambria Math" panose="02040503050406030204" pitchFamily="18" charset="0"/>
+                        </a:rPr>
+                        <m:t>𝜆</m:t>
+                      </m:r>
+                      <m:r>
+                        <a:rPr lang="en-US" b="0" i="1" smtClean="0">
+                          <a:latin typeface="Cambria Math" panose="02040503050406030204" pitchFamily="18" charset="0"/>
+                        </a:rPr>
+                        <m:t>∗</m:t>
+                      </m:r>
+                      <m:d>
+                        <m:dPr>
+                          <m:ctrlPr>
+                            <a:rPr lang="en-US" b="0" i="1" smtClean="0">
+                              <a:latin typeface="Cambria Math" panose="02040503050406030204" pitchFamily="18" charset="0"/>
+                            </a:rPr>
+                          </m:ctrlPr>
+                        </m:dPr>
+                        <m:e>
+                          <m:r>
+                            <a:rPr lang="en-US" b="0" i="1" smtClean="0">
+                              <a:latin typeface="Cambria Math" panose="02040503050406030204" pitchFamily="18" charset="0"/>
+                            </a:rPr>
+                            <m:t>1−</m:t>
+                          </m:r>
+                          <m:sSub>
+                            <m:sSubPr>
+                              <m:ctrlPr>
+                                <a:rPr lang="en-US" b="0" i="1" smtClean="0">
+                                  <a:latin typeface="Cambria Math" panose="02040503050406030204" pitchFamily="18" charset="0"/>
+                                </a:rPr>
+                              </m:ctrlPr>
+                            </m:sSubPr>
+                            <m:e>
+                              <m:r>
+                                <a:rPr lang="en-US" b="0" i="1" smtClean="0">
+                                  <a:latin typeface="Cambria Math" panose="02040503050406030204" pitchFamily="18" charset="0"/>
+                                </a:rPr>
+                                <m:t>𝑃</m:t>
+                              </m:r>
+                            </m:e>
+                            <m:sub>
+                              <m:r>
+                                <a:rPr lang="en-US" b="0" i="1" smtClean="0">
+                                  <a:latin typeface="Cambria Math" panose="02040503050406030204" pitchFamily="18" charset="0"/>
+                                </a:rPr>
+                                <m:t>𝑚𝑜𝑟𝑡𝑎𝑙𝑖𝑡𝑦</m:t>
+                              </m:r>
+                            </m:sub>
+                          </m:sSub>
+                          <m:d>
+                            <m:dPr>
+                              <m:ctrlPr>
+                                <a:rPr lang="en-US" b="0" i="1" smtClean="0">
+                                  <a:latin typeface="Cambria Math" panose="02040503050406030204" pitchFamily="18" charset="0"/>
+                                </a:rPr>
+                              </m:ctrlPr>
+                            </m:dPr>
+                            <m:e>
+                              <m:r>
+                                <a:rPr lang="en-US" b="0" i="1" smtClean="0">
+                                  <a:latin typeface="Cambria Math" panose="02040503050406030204" pitchFamily="18" charset="0"/>
+                                </a:rPr>
+                                <m:t>𝜆</m:t>
+                              </m:r>
+                            </m:e>
+                          </m:d>
+                        </m:e>
+                      </m:d>
+                    </m:oMath>
+                  </m:oMathPara>
+                </a14:m>
+                <a:endParaRPr lang="ru-RU" b="0" dirty="0" smtClean="0"/>
+              </a:p>
+              <a:p>
+                <a:endParaRPr lang="ru-RU" dirty="0"/>
+              </a:p>
+              <a:p>
+                <a14:m>
+                  <m:oMathPara xmlns:m="http://schemas.openxmlformats.org/officeDocument/2006/math">
+                    <m:oMathParaPr>
+                      <m:jc m:val="centerGroup"/>
+                    </m:oMathParaPr>
+                    <m:oMath xmlns:m="http://schemas.openxmlformats.org/officeDocument/2006/math">
+                      <m:sSub>
+                        <m:sSubPr>
+                          <m:ctrlPr>
+                            <a:rPr lang="en-US" b="0" i="1" smtClean="0">
+                              <a:latin typeface="Cambria Math" panose="02040503050406030204" pitchFamily="18" charset="0"/>
+                            </a:rPr>
+                          </m:ctrlPr>
+                        </m:sSubPr>
+                        <m:e>
+                          <m:r>
+                            <m:rPr>
+                              <m:sty m:val="p"/>
+                            </m:rPr>
+                            <a:rPr lang="en-US" b="0" i="1" smtClean="0">
+                              <a:latin typeface="Cambria Math" panose="02040503050406030204" pitchFamily="18" charset="0"/>
+                            </a:rPr>
+                            <m:t>u</m:t>
+                          </m:r>
+                        </m:e>
+                        <m:sub>
+                          <m:r>
+                            <a:rPr lang="en-US" b="0" i="1" smtClean="0">
+                              <a:latin typeface="Cambria Math" panose="02040503050406030204" pitchFamily="18" charset="0"/>
+                            </a:rPr>
+                            <m:t>𝑖</m:t>
+                          </m:r>
+                        </m:sub>
+                      </m:sSub>
+                      <m:r>
+                        <a:rPr lang="en-US" b="0" i="1" smtClean="0">
+                          <a:latin typeface="Cambria Math" panose="02040503050406030204" pitchFamily="18" charset="0"/>
+                        </a:rPr>
+                        <m:t>=</m:t>
+                      </m:r>
+                      <m:sSubSup>
+                        <m:sSubSupPr>
+                          <m:ctrlPr>
+                            <a:rPr lang="en-US" b="0" i="1" smtClean="0">
+                              <a:latin typeface="Cambria Math" panose="02040503050406030204" pitchFamily="18" charset="0"/>
+                            </a:rPr>
+                          </m:ctrlPr>
+                        </m:sSubSupPr>
+                        <m:e>
+                          <m:r>
+                            <a:rPr lang="en-US" b="0" i="1" smtClean="0">
+                              <a:latin typeface="Cambria Math" panose="02040503050406030204" pitchFamily="18" charset="0"/>
+                            </a:rPr>
+                            <m:t>𝜆</m:t>
+                          </m:r>
+                        </m:e>
+                        <m:sub>
+                          <m:r>
+                            <a:rPr lang="en-US" b="0" i="1" smtClean="0">
+                              <a:latin typeface="Cambria Math" panose="02040503050406030204" pitchFamily="18" charset="0"/>
+                            </a:rPr>
+                            <m:t>𝑖</m:t>
+                          </m:r>
+                        </m:sub>
+                        <m:sup>
+                          <m:r>
+                            <a:rPr lang="en-US" b="0" i="1" smtClean="0">
+                              <a:latin typeface="Cambria Math" panose="02040503050406030204" pitchFamily="18" charset="0"/>
+                            </a:rPr>
+                            <m:t>𝑐𝑢𝑟𝑒𝑑</m:t>
+                          </m:r>
+                        </m:sup>
+                      </m:sSubSup>
+                      <m:r>
+                        <a:rPr lang="en-US" b="0" i="1" smtClean="0">
+                          <a:latin typeface="Cambria Math" panose="02040503050406030204" pitchFamily="18" charset="0"/>
+                        </a:rPr>
+                        <m:t>⋅</m:t>
+                      </m:r>
+                      <m:d>
+                        <m:dPr>
+                          <m:ctrlPr>
+                            <a:rPr lang="en-US" b="0" i="1" smtClean="0">
+                              <a:latin typeface="Cambria Math" panose="02040503050406030204" pitchFamily="18" charset="0"/>
+                            </a:rPr>
+                          </m:ctrlPr>
+                        </m:dPr>
+                        <m:e>
+                          <m:sSub>
+                            <m:sSubPr>
+                              <m:ctrlPr>
+                                <a:rPr lang="en-US" b="0" i="1" smtClean="0">
+                                  <a:latin typeface="Cambria Math" panose="02040503050406030204" pitchFamily="18" charset="0"/>
+                                </a:rPr>
+                              </m:ctrlPr>
+                            </m:sSubPr>
+                            <m:e>
+                              <m:r>
+                                <a:rPr lang="en-US" b="0" i="1" smtClean="0">
+                                  <a:latin typeface="Cambria Math" panose="02040503050406030204" pitchFamily="18" charset="0"/>
+                                </a:rPr>
+                                <m:t>𝑅</m:t>
+                              </m:r>
+                            </m:e>
+                            <m:sub>
+                              <m:r>
+                                <a:rPr lang="en-US" b="0" i="1" smtClean="0">
+                                  <a:latin typeface="Cambria Math" panose="02040503050406030204" pitchFamily="18" charset="0"/>
+                                </a:rPr>
+                                <m:t>𝑐𝑢𝑟𝑒𝑑</m:t>
+                              </m:r>
+                            </m:sub>
+                          </m:sSub>
+                          <m:r>
+                            <a:rPr lang="en-US" b="0" i="1" smtClean="0">
+                              <a:latin typeface="Cambria Math" panose="02040503050406030204" pitchFamily="18" charset="0"/>
+                            </a:rPr>
+                            <m:t>−</m:t>
+                          </m:r>
+                          <m:sSub>
+                            <m:sSubPr>
+                              <m:ctrlPr>
+                                <a:rPr lang="en-US" b="0" i="1" smtClean="0">
+                                  <a:latin typeface="Cambria Math" panose="02040503050406030204" pitchFamily="18" charset="0"/>
+                                </a:rPr>
+                              </m:ctrlPr>
+                            </m:sSubPr>
+                            <m:e>
+                              <m:r>
+                                <a:rPr lang="en-US" b="0" i="1" smtClean="0">
+                                  <a:latin typeface="Cambria Math" panose="02040503050406030204" pitchFamily="18" charset="0"/>
+                                </a:rPr>
+                                <m:t>𝐸</m:t>
+                              </m:r>
+                            </m:e>
+                            <m:sub>
+                              <m:r>
+                                <a:rPr lang="en-US" b="0" i="1" smtClean="0">
+                                  <a:latin typeface="Cambria Math" panose="02040503050406030204" pitchFamily="18" charset="0"/>
+                                </a:rPr>
+                                <m:t>𝑜𝑝</m:t>
+                              </m:r>
+                            </m:sub>
+                          </m:sSub>
+                        </m:e>
+                      </m:d>
+                      <m:r>
+                        <a:rPr lang="en-US" b="0" i="1" smtClean="0">
+                          <a:latin typeface="Cambria Math" panose="02040503050406030204" pitchFamily="18" charset="0"/>
+                        </a:rPr>
+                        <m:t>−</m:t>
+                      </m:r>
+                      <m:sSub>
+                        <m:sSubPr>
+                          <m:ctrlPr>
+                            <a:rPr lang="en-US" b="0" i="1" smtClean="0">
+                              <a:latin typeface="Cambria Math" panose="02040503050406030204" pitchFamily="18" charset="0"/>
+                            </a:rPr>
+                          </m:ctrlPr>
+                        </m:sSubPr>
+                        <m:e>
+                          <m:r>
+                            <a:rPr lang="en-US" b="0" i="1" smtClean="0">
+                              <a:latin typeface="Cambria Math" panose="02040503050406030204" pitchFamily="18" charset="0"/>
+                            </a:rPr>
+                            <m:t>𝜆</m:t>
+                          </m:r>
+                        </m:e>
+                        <m:sub>
+                          <m:r>
+                            <a:rPr lang="en-US" b="0" i="1" smtClean="0">
+                              <a:latin typeface="Cambria Math" panose="02040503050406030204" pitchFamily="18" charset="0"/>
+                            </a:rPr>
+                            <m:t>𝑖</m:t>
+                          </m:r>
+                        </m:sub>
+                      </m:sSub>
+                      <m:r>
+                        <a:rPr lang="en-US" b="0" i="1" smtClean="0">
+                          <a:latin typeface="Cambria Math" panose="02040503050406030204" pitchFamily="18" charset="0"/>
+                        </a:rPr>
+                        <m:t>⋅</m:t>
+                      </m:r>
+                      <m:sSub>
+                        <m:sSubPr>
+                          <m:ctrlPr>
+                            <a:rPr lang="en-US" b="0" i="1" smtClean="0">
+                              <a:latin typeface="Cambria Math" panose="02040503050406030204" pitchFamily="18" charset="0"/>
+                            </a:rPr>
+                          </m:ctrlPr>
+                        </m:sSubPr>
+                        <m:e>
+                          <m:r>
+                            <a:rPr lang="en-US" b="0" i="1" smtClean="0">
+                              <a:latin typeface="Cambria Math" panose="02040503050406030204" pitchFamily="18" charset="0"/>
+                            </a:rPr>
+                            <m:t>𝐸</m:t>
+                          </m:r>
+                        </m:e>
+                        <m:sub>
+                          <m:r>
+                            <a:rPr lang="en-US" b="0" i="1" smtClean="0">
+                              <a:latin typeface="Cambria Math" panose="02040503050406030204" pitchFamily="18" charset="0"/>
+                            </a:rPr>
+                            <m:t>𝑜𝑝</m:t>
+                          </m:r>
+                        </m:sub>
+                      </m:sSub>
+                    </m:oMath>
+                  </m:oMathPara>
+                </a14:m>
+                <a:endParaRPr lang="en-US" b="0" dirty="0" smtClean="0"/>
+              </a:p>
+              <a:p>
+                <a:endParaRPr lang="ru-RU" dirty="0"/>
+              </a:p>
+              <a:p>
+                <a:endParaRPr lang="ru-RU" dirty="0"/>
+              </a:p>
+            </p:txBody>
+          </p:sp>
+        </mc:Choice>
+        <mc:Fallback>
+          <p:sp>
+            <p:nvSpPr>
+              <p:cNvPr id="17" name="TextBox 16"/>
+              <p:cNvSpPr txBox="1">
+                <a:spLocks noRot="1" noChangeAspect="1" noMove="1" noResize="1" noEditPoints="1" noAdjustHandles="1" noChangeArrowheads="1" noChangeShapeType="1" noTextEdit="1"/>
+              </p:cNvSpPr>
+              <p:nvPr/>
+            </p:nvSpPr>
+            <p:spPr>
+              <a:xfrm>
+                <a:off x="4966853" y="1647582"/>
+                <a:ext cx="3539837" cy="2602251"/>
+              </a:xfrm>
+              <a:prstGeom prst="rect">
+                <a:avLst/>
+              </a:prstGeom>
+              <a:blipFill>
+                <a:blip r:embed="rId3"/>
+                <a:stretch>
+                  <a:fillRect l="-517" t="-234"/>
+                </a:stretch>
+              </a:blipFill>
+            </p:spPr>
+            <p:txBody>
+              <a:bodyPr/>
+              <a:lstStyle/>
+              <a:p>
+                <a:r>
+                  <a:rPr lang="ru-RU">
+                    <a:noFill/>
+                  </a:rPr>
+                  <a:t> </a:t>
+                </a:r>
+              </a:p>
+            </p:txBody>
+          </p:sp>
+        </mc:Fallback>
+      </mc:AlternateContent>
+      <p:sp>
+        <p:nvSpPr>
+          <p:cNvPr id="21" name="Rectangle 20"/>
+          <p:cNvSpPr/>
+          <p:nvPr/>
+        </p:nvSpPr>
+        <p:spPr>
+          <a:xfrm>
+            <a:off x="8555377" y="26412"/>
+            <a:ext cx="588623" cy="292388"/>
+          </a:xfrm>
+          <a:prstGeom prst="rect">
+            <a:avLst/>
+          </a:prstGeom>
+        </p:spPr>
+        <p:txBody>
+          <a:bodyPr wrap="none">
+            <a:spAutoFit/>
+          </a:bodyPr>
+          <a:lstStyle/>
+          <a:p>
+            <a:pPr lvl="0" algn="r"/>
+            <a:r>
+              <a:rPr lang="ru-RU" sz="1300" dirty="0" smtClean="0">
+                <a:latin typeface="Calibri" panose="020F0502020204030204" pitchFamily="34" charset="0"/>
+                <a:cs typeface="Calibri" panose="020F0502020204030204" pitchFamily="34" charset="0"/>
+              </a:rPr>
+              <a:t>1</a:t>
+            </a:r>
+            <a:r>
+              <a:rPr lang="ru-RU" sz="1300" dirty="0">
+                <a:latin typeface="Calibri" panose="020F0502020204030204" pitchFamily="34" charset="0"/>
+                <a:cs typeface="Calibri" panose="020F0502020204030204" pitchFamily="34" charset="0"/>
+              </a:rPr>
+              <a:t>3</a:t>
+            </a:r>
+            <a:r>
+              <a:rPr lang="en-US" sz="1300" dirty="0" smtClean="0">
+                <a:latin typeface="Calibri" panose="020F0502020204030204" pitchFamily="34" charset="0"/>
+                <a:cs typeface="Calibri" panose="020F0502020204030204" pitchFamily="34" charset="0"/>
+              </a:rPr>
+              <a:t>/1</a:t>
+            </a:r>
+            <a:r>
+              <a:rPr lang="ru-RU" sz="1300" dirty="0" smtClean="0">
+                <a:latin typeface="Calibri" panose="020F0502020204030204" pitchFamily="34" charset="0"/>
+                <a:cs typeface="Calibri" panose="020F0502020204030204" pitchFamily="34" charset="0"/>
+              </a:rPr>
+              <a:t>6</a:t>
+            </a:r>
+            <a:endParaRPr lang="ru-RU" sz="1300" dirty="0">
+              <a:latin typeface="Calibri" panose="020F0502020204030204" pitchFamily="34" charset="0"/>
+              <a:cs typeface="Calibri" panose="020F0502020204030204" pitchFamily="34" charset="0"/>
+            </a:endParaRPr>
+          </a:p>
+        </p:txBody>
+      </p:sp>
+    </p:spTree>
+    <p:extLst>
+      <p:ext uri="{BB962C8B-B14F-4D97-AF65-F5344CB8AC3E}">
+        <p14:creationId xmlns:p14="http://schemas.microsoft.com/office/powerpoint/2010/main" val="1268496909"/>
+      </p:ext>
+    </p:extLst>
+  </p:cSld>
+  <p:clrMapOvr>
+    <a:masterClrMapping/>
+  </p:clrMapOvr>
+  <p:timing>
+    <p:tnLst>
+      <p:par>
+        <p:cTn id="1" dur="indefinite" restart="never" nodeType="tmRoot"/>
+      </p:par>
+    </p:tnLst>
+  </p:timing>
+</p:sld>
+</file>
+
+<file path=ppt/slides/slide14.xml><?xml version="1.0" encoding="utf-8"?>
+<p:sld xmlns:a="http://schemas.openxmlformats.org/drawingml/2006/main" xmlns:r="http://schemas.openxmlformats.org/officeDocument/2006/relationships" xmlns:p="http://schemas.openxmlformats.org/presentationml/2006/main">
+  <p:cSld>
+    <p:spTree>
+      <p:nvGrpSpPr>
+        <p:cNvPr id="1" name=""/>
+        <p:cNvGrpSpPr/>
+        <p:nvPr/>
+      </p:nvGrpSpPr>
+      <p:grpSpPr>
+        <a:xfrm>
+          <a:off x="0" y="0"/>
+          <a:ext cx="0" cy="0"/>
+          <a:chOff x="0" y="0"/>
+          <a:chExt cx="0" cy="0"/>
+        </a:xfrm>
+      </p:grpSpPr>
+      <p:sp>
+        <p:nvSpPr>
+          <p:cNvPr id="2" name="Title 1"/>
+          <p:cNvSpPr>
+            <a:spLocks noGrp="1"/>
+          </p:cNvSpPr>
+          <p:nvPr>
+            <p:ph type="title"/>
+          </p:nvPr>
+        </p:nvSpPr>
+        <p:spPr>
+          <a:xfrm>
+            <a:off x="117764" y="0"/>
+            <a:ext cx="8229600" cy="620483"/>
+          </a:xfrm>
+        </p:spPr>
+        <p:txBody>
+          <a:bodyPr/>
+          <a:lstStyle/>
+          <a:p>
+            <a:r>
+              <a:rPr lang="ru-RU" dirty="0" smtClean="0"/>
+              <a:t>Финансовое регулирование</a:t>
+            </a:r>
+            <a:endParaRPr lang="ru-RU" dirty="0"/>
+          </a:p>
+        </p:txBody>
+      </p:sp>
+      <p:sp>
+        <p:nvSpPr>
+          <p:cNvPr id="16" name="TextBox 15"/>
+          <p:cNvSpPr txBox="1"/>
+          <p:nvPr/>
+        </p:nvSpPr>
+        <p:spPr>
+          <a:xfrm>
+            <a:off x="671945" y="1087582"/>
+            <a:ext cx="3318164" cy="2677656"/>
+          </a:xfrm>
+          <a:prstGeom prst="rect">
+            <a:avLst/>
+          </a:prstGeom>
+          <a:noFill/>
+        </p:spPr>
+        <p:txBody>
+          <a:bodyPr wrap="square" rtlCol="0">
+            <a:spAutoFit/>
+          </a:bodyPr>
+          <a:lstStyle/>
+          <a:p>
+            <a:pPr marL="285750" indent="-285750">
+              <a:buFont typeface="Arial" panose="020B0604020202020204" pitchFamily="34" charset="0"/>
+              <a:buChar char="•"/>
+            </a:pPr>
+            <a:r>
+              <a:rPr lang="ru-RU" dirty="0" smtClean="0"/>
+              <a:t>Госпитали ведут себя «жадно» – за каждого пациента они получают прибыль</a:t>
+            </a:r>
+          </a:p>
+          <a:p>
+            <a:pPr marL="285750" indent="-285750">
+              <a:buFont typeface="Arial" panose="020B0604020202020204" pitchFamily="34" charset="0"/>
+              <a:buChar char="•"/>
+            </a:pPr>
+            <a:endParaRPr lang="ru-RU" dirty="0"/>
+          </a:p>
+          <a:p>
+            <a:pPr marL="285750" indent="-285750">
+              <a:buFont typeface="Arial" panose="020B0604020202020204" pitchFamily="34" charset="0"/>
+              <a:buChar char="•"/>
+            </a:pPr>
+            <a:r>
+              <a:rPr lang="ru-RU" dirty="0" smtClean="0"/>
+              <a:t>Такое поведение вызывает переполнения госпиталей и увеличивает смертность</a:t>
+            </a:r>
+          </a:p>
+          <a:p>
+            <a:pPr marL="285750" indent="-285750">
+              <a:buFont typeface="Arial" panose="020B0604020202020204" pitchFamily="34" charset="0"/>
+              <a:buChar char="•"/>
+            </a:pPr>
+            <a:endParaRPr lang="ru-RU" dirty="0"/>
+          </a:p>
+          <a:p>
+            <a:pPr marL="285750" indent="-285750">
+              <a:buFont typeface="Arial" panose="020B0604020202020204" pitchFamily="34" charset="0"/>
+              <a:buChar char="•"/>
+            </a:pPr>
+            <a:r>
+              <a:rPr lang="ru-RU" dirty="0" smtClean="0"/>
+              <a:t>Идея: награждать госпитали за успешно вылеченных больных, тем самым мотивируя стороны кооперироваться</a:t>
+            </a:r>
+          </a:p>
+        </p:txBody>
+      </p:sp>
+      <mc:AlternateContent xmlns:mc="http://schemas.openxmlformats.org/markup-compatibility/2006">
+        <mc:Choice xmlns:a14="http://schemas.microsoft.com/office/drawing/2010/main" Requires="a14">
+          <p:sp>
+            <p:nvSpPr>
+              <p:cNvPr id="17" name="TextBox 16"/>
+              <p:cNvSpPr txBox="1"/>
+              <p:nvPr/>
+            </p:nvSpPr>
+            <p:spPr>
+              <a:xfrm>
+                <a:off x="4966853" y="1647582"/>
+                <a:ext cx="3539837" cy="2602251"/>
+              </a:xfrm>
+              <a:prstGeom prst="rect">
+                <a:avLst/>
+              </a:prstGeom>
+              <a:noFill/>
+            </p:spPr>
+            <p:txBody>
+              <a:bodyPr wrap="square" rtlCol="0">
+                <a:spAutoFit/>
+              </a:bodyPr>
+              <a:lstStyle/>
+              <a:p>
+                <a:r>
+                  <a:rPr lang="ru-RU" dirty="0" smtClean="0"/>
+                  <a:t>Определим новую функцию наград для игроков </a:t>
+                </a:r>
+                <a:endParaRPr lang="en-US" dirty="0" smtClean="0"/>
+              </a:p>
+              <a:p>
+                <a14:m>
+                  <m:oMath xmlns:m="http://schemas.openxmlformats.org/officeDocument/2006/math">
+                    <m:r>
+                      <a:rPr lang="en-US" b="0" i="1" smtClean="0">
+                        <a:latin typeface="Cambria Math" panose="02040503050406030204" pitchFamily="18" charset="0"/>
+                      </a:rPr>
+                      <m:t>𝐸</m:t>
+                    </m:r>
+                    <m:r>
+                      <a:rPr lang="en-US" b="0" i="1" smtClean="0">
+                        <a:latin typeface="Cambria Math" panose="02040503050406030204" pitchFamily="18" charset="0"/>
+                      </a:rPr>
+                      <m:t>_</m:t>
+                    </m:r>
+                    <m:r>
+                      <a:rPr lang="en-US" b="0" i="1" smtClean="0">
+                        <a:latin typeface="Cambria Math" panose="02040503050406030204" pitchFamily="18" charset="0"/>
+                      </a:rPr>
+                      <m:t>𝑜𝑝</m:t>
+                    </m:r>
+                  </m:oMath>
+                </a14:m>
+                <a:r>
+                  <a:rPr lang="en-US" dirty="0" smtClean="0"/>
+                  <a:t> – </a:t>
+                </a:r>
+                <a:r>
+                  <a:rPr lang="ru-RU" dirty="0" smtClean="0"/>
+                  <a:t>операционные расходы</a:t>
+                </a:r>
+              </a:p>
+              <a:p>
+                <a14:m>
+                  <m:oMath xmlns:m="http://schemas.openxmlformats.org/officeDocument/2006/math">
+                    <m:r>
+                      <a:rPr lang="en-US" b="0" i="1" smtClean="0">
+                        <a:latin typeface="Cambria Math" panose="02040503050406030204" pitchFamily="18" charset="0"/>
+                      </a:rPr>
+                      <m:t>𝐸</m:t>
+                    </m:r>
+                    <m:r>
+                      <a:rPr lang="en-US" b="0" i="1" smtClean="0">
+                        <a:latin typeface="Cambria Math" panose="02040503050406030204" pitchFamily="18" charset="0"/>
+                      </a:rPr>
+                      <m:t>_</m:t>
+                    </m:r>
+                    <m:r>
+                      <a:rPr lang="en-US" b="0" i="1" smtClean="0">
+                        <a:latin typeface="Cambria Math" panose="02040503050406030204" pitchFamily="18" charset="0"/>
+                      </a:rPr>
+                      <m:t>𝑡𝑟𝑎𝑛𝑠𝑝</m:t>
+                    </m:r>
+                  </m:oMath>
+                </a14:m>
+                <a:r>
+                  <a:rPr lang="en-US" dirty="0" smtClean="0"/>
+                  <a:t> – </a:t>
+                </a:r>
+                <a:r>
+                  <a:rPr lang="ru-RU" dirty="0" smtClean="0"/>
+                  <a:t>затраты на транспортировку</a:t>
+                </a:r>
+              </a:p>
+              <a:p>
+                <a14:m>
+                  <m:oMath xmlns:m="http://schemas.openxmlformats.org/officeDocument/2006/math">
+                    <m:sSub>
+                      <m:sSubPr>
+                        <m:ctrlPr>
+                          <a:rPr lang="en-US" b="0" i="1" smtClean="0">
+                            <a:latin typeface="Cambria Math" panose="02040503050406030204" pitchFamily="18" charset="0"/>
+                          </a:rPr>
+                        </m:ctrlPr>
+                      </m:sSubPr>
+                      <m:e>
+                        <m:r>
+                          <a:rPr lang="en-US" b="0" i="1" smtClean="0">
+                            <a:latin typeface="Cambria Math" panose="02040503050406030204" pitchFamily="18" charset="0"/>
+                          </a:rPr>
+                          <m:t>𝑅</m:t>
+                        </m:r>
+                      </m:e>
+                      <m:sub>
+                        <m:r>
+                          <a:rPr lang="en-US" b="0" i="1" smtClean="0">
+                            <a:latin typeface="Cambria Math" panose="02040503050406030204" pitchFamily="18" charset="0"/>
+                          </a:rPr>
+                          <m:t>𝑐𝑢𝑟𝑒𝑑</m:t>
+                        </m:r>
+                      </m:sub>
+                    </m:sSub>
+                    <m:r>
+                      <a:rPr lang="en-US" b="0" i="1" smtClean="0">
+                        <a:latin typeface="Cambria Math" panose="02040503050406030204" pitchFamily="18" charset="0"/>
+                      </a:rPr>
+                      <m:t>−</m:t>
+                    </m:r>
+                  </m:oMath>
+                </a14:m>
+                <a:r>
+                  <a:rPr lang="ru-RU" dirty="0" smtClean="0"/>
+                  <a:t> выплаты за вылеченного пациента</a:t>
+                </a:r>
+              </a:p>
+              <a:p>
+                <a14:m>
+                  <m:oMathPara xmlns:m="http://schemas.openxmlformats.org/officeDocument/2006/math">
+                    <m:oMathParaPr>
+                      <m:jc m:val="centerGroup"/>
+                    </m:oMathParaPr>
+                    <m:oMath xmlns:m="http://schemas.openxmlformats.org/officeDocument/2006/math">
+                      <m:sSub>
+                        <m:sSubPr>
+                          <m:ctrlPr>
+                            <a:rPr lang="en-US" b="0" i="1" smtClean="0">
+                              <a:latin typeface="Cambria Math" panose="02040503050406030204" pitchFamily="18" charset="0"/>
+                            </a:rPr>
+                          </m:ctrlPr>
+                        </m:sSubPr>
+                        <m:e>
+                          <m:r>
+                            <a:rPr lang="en-US" b="0" i="1" smtClean="0">
+                              <a:latin typeface="Cambria Math" panose="02040503050406030204" pitchFamily="18" charset="0"/>
+                            </a:rPr>
+                            <m:t>𝜆</m:t>
+                          </m:r>
+                        </m:e>
+                        <m:sub>
+                          <m:r>
+                            <a:rPr lang="en-US" b="0" i="1" smtClean="0">
+                              <a:latin typeface="Cambria Math" panose="02040503050406030204" pitchFamily="18" charset="0"/>
+                            </a:rPr>
+                            <m:t>𝑐𝑢𝑟𝑒𝑑</m:t>
+                          </m:r>
+                        </m:sub>
+                      </m:sSub>
+                      <m:r>
+                        <a:rPr lang="en-US" b="0" i="1" smtClean="0">
+                          <a:latin typeface="Cambria Math" panose="02040503050406030204" pitchFamily="18" charset="0"/>
+                        </a:rPr>
+                        <m:t>=</m:t>
+                      </m:r>
+                      <m:r>
+                        <a:rPr lang="en-US" b="0" i="1" smtClean="0">
+                          <a:latin typeface="Cambria Math" panose="02040503050406030204" pitchFamily="18" charset="0"/>
+                        </a:rPr>
+                        <m:t>𝜆</m:t>
+                      </m:r>
+                      <m:r>
+                        <a:rPr lang="en-US" b="0" i="1" smtClean="0">
+                          <a:latin typeface="Cambria Math" panose="02040503050406030204" pitchFamily="18" charset="0"/>
+                        </a:rPr>
+                        <m:t>∗</m:t>
+                      </m:r>
+                      <m:d>
+                        <m:dPr>
+                          <m:ctrlPr>
+                            <a:rPr lang="en-US" b="0" i="1" smtClean="0">
+                              <a:latin typeface="Cambria Math" panose="02040503050406030204" pitchFamily="18" charset="0"/>
+                            </a:rPr>
+                          </m:ctrlPr>
+                        </m:dPr>
+                        <m:e>
+                          <m:r>
+                            <a:rPr lang="en-US" b="0" i="1" smtClean="0">
+                              <a:latin typeface="Cambria Math" panose="02040503050406030204" pitchFamily="18" charset="0"/>
+                            </a:rPr>
+                            <m:t>1−</m:t>
+                          </m:r>
+                          <m:sSub>
+                            <m:sSubPr>
+                              <m:ctrlPr>
+                                <a:rPr lang="en-US" b="0" i="1" smtClean="0">
+                                  <a:latin typeface="Cambria Math" panose="02040503050406030204" pitchFamily="18" charset="0"/>
+                                </a:rPr>
+                              </m:ctrlPr>
+                            </m:sSubPr>
+                            <m:e>
+                              <m:r>
+                                <a:rPr lang="en-US" b="0" i="1" smtClean="0">
+                                  <a:latin typeface="Cambria Math" panose="02040503050406030204" pitchFamily="18" charset="0"/>
+                                </a:rPr>
+                                <m:t>𝑃</m:t>
+                              </m:r>
+                            </m:e>
+                            <m:sub>
+                              <m:r>
+                                <a:rPr lang="en-US" b="0" i="1" smtClean="0">
+                                  <a:latin typeface="Cambria Math" panose="02040503050406030204" pitchFamily="18" charset="0"/>
+                                </a:rPr>
+                                <m:t>𝑚𝑜𝑟𝑡𝑎𝑙𝑖𝑡𝑦</m:t>
+                              </m:r>
+                            </m:sub>
+                          </m:sSub>
+                          <m:d>
+                            <m:dPr>
+                              <m:ctrlPr>
+                                <a:rPr lang="en-US" b="0" i="1" smtClean="0">
+                                  <a:latin typeface="Cambria Math" panose="02040503050406030204" pitchFamily="18" charset="0"/>
+                                </a:rPr>
+                              </m:ctrlPr>
+                            </m:dPr>
+                            <m:e>
+                              <m:r>
+                                <a:rPr lang="en-US" b="0" i="1" smtClean="0">
+                                  <a:latin typeface="Cambria Math" panose="02040503050406030204" pitchFamily="18" charset="0"/>
+                                </a:rPr>
+                                <m:t>𝜆</m:t>
+                              </m:r>
+                            </m:e>
+                          </m:d>
+                        </m:e>
+                      </m:d>
+                    </m:oMath>
+                  </m:oMathPara>
+                </a14:m>
+                <a:endParaRPr lang="ru-RU" b="0" dirty="0" smtClean="0"/>
+              </a:p>
+              <a:p>
+                <a:endParaRPr lang="ru-RU" dirty="0"/>
+              </a:p>
+              <a:p>
+                <a14:m>
+                  <m:oMathPara xmlns:m="http://schemas.openxmlformats.org/officeDocument/2006/math">
+                    <m:oMathParaPr>
+                      <m:jc m:val="centerGroup"/>
+                    </m:oMathParaPr>
+                    <m:oMath xmlns:m="http://schemas.openxmlformats.org/officeDocument/2006/math">
+                      <m:sSub>
+                        <m:sSubPr>
+                          <m:ctrlPr>
+                            <a:rPr lang="en-US" b="0" i="1" smtClean="0">
+                              <a:latin typeface="Cambria Math" panose="02040503050406030204" pitchFamily="18" charset="0"/>
+                            </a:rPr>
+                          </m:ctrlPr>
+                        </m:sSubPr>
+                        <m:e>
+                          <m:r>
+                            <m:rPr>
+                              <m:sty m:val="p"/>
+                            </m:rPr>
+                            <a:rPr lang="en-US" b="0" i="1" smtClean="0">
+                              <a:latin typeface="Cambria Math" panose="02040503050406030204" pitchFamily="18" charset="0"/>
+                            </a:rPr>
+                            <m:t>u</m:t>
+                          </m:r>
+                        </m:e>
+                        <m:sub>
+                          <m:r>
+                            <a:rPr lang="en-US" b="0" i="1" smtClean="0">
+                              <a:latin typeface="Cambria Math" panose="02040503050406030204" pitchFamily="18" charset="0"/>
+                            </a:rPr>
+                            <m:t>𝑖</m:t>
+                          </m:r>
+                        </m:sub>
+                      </m:sSub>
+                      <m:r>
+                        <a:rPr lang="en-US" b="0" i="1" smtClean="0">
+                          <a:latin typeface="Cambria Math" panose="02040503050406030204" pitchFamily="18" charset="0"/>
+                        </a:rPr>
+                        <m:t>=</m:t>
+                      </m:r>
+                      <m:sSubSup>
+                        <m:sSubSupPr>
+                          <m:ctrlPr>
+                            <a:rPr lang="en-US" b="0" i="1" smtClean="0">
+                              <a:latin typeface="Cambria Math" panose="02040503050406030204" pitchFamily="18" charset="0"/>
+                            </a:rPr>
+                          </m:ctrlPr>
+                        </m:sSubSupPr>
+                        <m:e>
+                          <m:r>
+                            <a:rPr lang="en-US" b="0" i="1" smtClean="0">
+                              <a:latin typeface="Cambria Math" panose="02040503050406030204" pitchFamily="18" charset="0"/>
+                            </a:rPr>
+                            <m:t>𝜆</m:t>
+                          </m:r>
+                        </m:e>
+                        <m:sub>
+                          <m:r>
+                            <a:rPr lang="en-US" b="0" i="1" smtClean="0">
+                              <a:latin typeface="Cambria Math" panose="02040503050406030204" pitchFamily="18" charset="0"/>
+                            </a:rPr>
+                            <m:t>𝑖</m:t>
+                          </m:r>
+                        </m:sub>
+                        <m:sup>
+                          <m:r>
+                            <a:rPr lang="en-US" b="0" i="1" smtClean="0">
+                              <a:latin typeface="Cambria Math" panose="02040503050406030204" pitchFamily="18" charset="0"/>
+                            </a:rPr>
+                            <m:t>𝑐𝑢𝑟𝑒𝑑</m:t>
+                          </m:r>
+                        </m:sup>
+                      </m:sSubSup>
+                      <m:r>
+                        <a:rPr lang="en-US" b="0" i="1" smtClean="0">
+                          <a:latin typeface="Cambria Math" panose="02040503050406030204" pitchFamily="18" charset="0"/>
+                        </a:rPr>
+                        <m:t>⋅</m:t>
+                      </m:r>
+                      <m:d>
+                        <m:dPr>
+                          <m:ctrlPr>
+                            <a:rPr lang="en-US" b="0" i="1" smtClean="0">
+                              <a:latin typeface="Cambria Math" panose="02040503050406030204" pitchFamily="18" charset="0"/>
+                            </a:rPr>
+                          </m:ctrlPr>
+                        </m:dPr>
+                        <m:e>
+                          <m:sSub>
+                            <m:sSubPr>
+                              <m:ctrlPr>
+                                <a:rPr lang="en-US" b="0" i="1" smtClean="0">
+                                  <a:latin typeface="Cambria Math" panose="02040503050406030204" pitchFamily="18" charset="0"/>
+                                </a:rPr>
+                              </m:ctrlPr>
+                            </m:sSubPr>
+                            <m:e>
+                              <m:r>
+                                <a:rPr lang="en-US" b="0" i="1" smtClean="0">
+                                  <a:latin typeface="Cambria Math" panose="02040503050406030204" pitchFamily="18" charset="0"/>
+                                </a:rPr>
+                                <m:t>𝑅</m:t>
+                              </m:r>
+                            </m:e>
+                            <m:sub>
+                              <m:r>
+                                <a:rPr lang="en-US" b="0" i="1" smtClean="0">
+                                  <a:latin typeface="Cambria Math" panose="02040503050406030204" pitchFamily="18" charset="0"/>
+                                </a:rPr>
+                                <m:t>𝑐𝑢𝑟𝑒𝑑</m:t>
+                              </m:r>
+                            </m:sub>
+                          </m:sSub>
+                          <m:r>
+                            <a:rPr lang="en-US" b="0" i="1" smtClean="0">
+                              <a:latin typeface="Cambria Math" panose="02040503050406030204" pitchFamily="18" charset="0"/>
+                            </a:rPr>
+                            <m:t>−</m:t>
+                          </m:r>
+                          <m:sSub>
+                            <m:sSubPr>
+                              <m:ctrlPr>
+                                <a:rPr lang="en-US" b="0" i="1" smtClean="0">
+                                  <a:latin typeface="Cambria Math" panose="02040503050406030204" pitchFamily="18" charset="0"/>
+                                </a:rPr>
+                              </m:ctrlPr>
+                            </m:sSubPr>
+                            <m:e>
+                              <m:r>
+                                <a:rPr lang="en-US" b="0" i="1" smtClean="0">
+                                  <a:latin typeface="Cambria Math" panose="02040503050406030204" pitchFamily="18" charset="0"/>
+                                </a:rPr>
+                                <m:t>𝐸</m:t>
+                              </m:r>
+                            </m:e>
+                            <m:sub>
+                              <m:r>
+                                <a:rPr lang="en-US" b="0" i="1" smtClean="0">
+                                  <a:latin typeface="Cambria Math" panose="02040503050406030204" pitchFamily="18" charset="0"/>
+                                </a:rPr>
+                                <m:t>𝑜𝑝</m:t>
+                              </m:r>
+                            </m:sub>
+                          </m:sSub>
+                        </m:e>
+                      </m:d>
+                      <m:r>
+                        <a:rPr lang="en-US" b="0" i="1" smtClean="0">
+                          <a:latin typeface="Cambria Math" panose="02040503050406030204" pitchFamily="18" charset="0"/>
+                        </a:rPr>
+                        <m:t>−</m:t>
+                      </m:r>
+                      <m:sSub>
+                        <m:sSubPr>
+                          <m:ctrlPr>
+                            <a:rPr lang="en-US" b="0" i="1" smtClean="0">
+                              <a:latin typeface="Cambria Math" panose="02040503050406030204" pitchFamily="18" charset="0"/>
+                            </a:rPr>
+                          </m:ctrlPr>
+                        </m:sSubPr>
+                        <m:e>
+                          <m:r>
+                            <a:rPr lang="en-US" b="0" i="1" smtClean="0">
+                              <a:latin typeface="Cambria Math" panose="02040503050406030204" pitchFamily="18" charset="0"/>
+                            </a:rPr>
+                            <m:t>𝜆</m:t>
+                          </m:r>
+                        </m:e>
+                        <m:sub>
+                          <m:r>
+                            <a:rPr lang="en-US" b="0" i="1" smtClean="0">
+                              <a:latin typeface="Cambria Math" panose="02040503050406030204" pitchFamily="18" charset="0"/>
+                            </a:rPr>
+                            <m:t>𝑖</m:t>
+                          </m:r>
+                        </m:sub>
+                      </m:sSub>
+                      <m:r>
+                        <a:rPr lang="en-US" b="0" i="1" smtClean="0">
+                          <a:latin typeface="Cambria Math" panose="02040503050406030204" pitchFamily="18" charset="0"/>
+                        </a:rPr>
+                        <m:t>⋅</m:t>
+                      </m:r>
+                      <m:sSub>
+                        <m:sSubPr>
+                          <m:ctrlPr>
+                            <a:rPr lang="en-US" b="0" i="1" smtClean="0">
+                              <a:latin typeface="Cambria Math" panose="02040503050406030204" pitchFamily="18" charset="0"/>
+                            </a:rPr>
+                          </m:ctrlPr>
+                        </m:sSubPr>
+                        <m:e>
+                          <m:r>
+                            <a:rPr lang="en-US" b="0" i="1" smtClean="0">
+                              <a:latin typeface="Cambria Math" panose="02040503050406030204" pitchFamily="18" charset="0"/>
+                            </a:rPr>
+                            <m:t>𝐸</m:t>
+                          </m:r>
+                        </m:e>
+                        <m:sub>
+                          <m:r>
+                            <a:rPr lang="en-US" b="0" i="1" smtClean="0">
+                              <a:latin typeface="Cambria Math" panose="02040503050406030204" pitchFamily="18" charset="0"/>
+                            </a:rPr>
+                            <m:t>𝑜𝑝</m:t>
+                          </m:r>
+                        </m:sub>
+                      </m:sSub>
+                    </m:oMath>
+                  </m:oMathPara>
+                </a14:m>
+                <a:endParaRPr lang="en-US" b="0" dirty="0" smtClean="0"/>
+              </a:p>
+              <a:p>
+                <a:endParaRPr lang="ru-RU" dirty="0"/>
+              </a:p>
+              <a:p>
+                <a:endParaRPr lang="ru-RU" dirty="0"/>
+              </a:p>
+            </p:txBody>
+          </p:sp>
+        </mc:Choice>
+        <mc:Fallback>
+          <p:sp>
+            <p:nvSpPr>
+              <p:cNvPr id="17" name="TextBox 16"/>
+              <p:cNvSpPr txBox="1">
+                <a:spLocks noRot="1" noChangeAspect="1" noMove="1" noResize="1" noEditPoints="1" noAdjustHandles="1" noChangeArrowheads="1" noChangeShapeType="1" noTextEdit="1"/>
+              </p:cNvSpPr>
+              <p:nvPr/>
+            </p:nvSpPr>
+            <p:spPr>
+              <a:xfrm>
+                <a:off x="4966853" y="1647582"/>
+                <a:ext cx="3539837" cy="2602251"/>
+              </a:xfrm>
+              <a:prstGeom prst="rect">
+                <a:avLst/>
+              </a:prstGeom>
+              <a:blipFill>
+                <a:blip r:embed="rId3"/>
+                <a:stretch>
+                  <a:fillRect l="-517" t="-234"/>
+                </a:stretch>
+              </a:blipFill>
+            </p:spPr>
+            <p:txBody>
+              <a:bodyPr/>
+              <a:lstStyle/>
+              <a:p>
+                <a:r>
+                  <a:rPr lang="ru-RU">
+                    <a:noFill/>
+                  </a:rPr>
+                  <a:t> </a:t>
+                </a:r>
+              </a:p>
+            </p:txBody>
+          </p:sp>
+        </mc:Fallback>
+      </mc:AlternateContent>
+      <p:pic>
+        <p:nvPicPr>
+          <p:cNvPr id="3" name="Picture 2"/>
+          <p:cNvPicPr>
+            <a:picLocks noChangeAspect="1"/>
+          </p:cNvPicPr>
+          <p:nvPr/>
+        </p:nvPicPr>
+        <p:blipFill>
+          <a:blip r:embed="rId4">
+            <a:extLst>
+              <a:ext uri="{28A0092B-C50C-407E-A947-70E740481C1C}">
+                <a14:useLocalDpi xmlns:a14="http://schemas.microsoft.com/office/drawing/2010/main" val="0"/>
+              </a:ext>
+            </a:extLst>
+          </a:blip>
+          <a:stretch>
+            <a:fillRect/>
+          </a:stretch>
+        </p:blipFill>
+        <p:spPr>
+          <a:xfrm>
+            <a:off x="0" y="-55418"/>
+            <a:ext cx="4757738" cy="5143500"/>
+          </a:xfrm>
+          <a:prstGeom prst="rect">
+            <a:avLst/>
+          </a:prstGeom>
+        </p:spPr>
+      </p:pic>
+      <p:pic>
+        <p:nvPicPr>
+          <p:cNvPr id="4" name="Picture 3"/>
+          <p:cNvPicPr>
+            <a:picLocks noChangeAspect="1"/>
+          </p:cNvPicPr>
+          <p:nvPr/>
+        </p:nvPicPr>
+        <p:blipFill>
+          <a:blip r:embed="rId5"/>
+          <a:stretch>
+            <a:fillRect/>
+          </a:stretch>
+        </p:blipFill>
+        <p:spPr>
+          <a:xfrm>
+            <a:off x="4757738" y="0"/>
+            <a:ext cx="4386262" cy="5143500"/>
+          </a:xfrm>
+          <a:prstGeom prst="rect">
+            <a:avLst/>
+          </a:prstGeom>
+        </p:spPr>
+      </p:pic>
+      <p:sp>
+        <p:nvSpPr>
+          <p:cNvPr id="7" name="Rectangle 6"/>
+          <p:cNvSpPr/>
+          <p:nvPr/>
+        </p:nvSpPr>
+        <p:spPr>
+          <a:xfrm>
+            <a:off x="8555377" y="26412"/>
+            <a:ext cx="588623" cy="292388"/>
+          </a:xfrm>
+          <a:prstGeom prst="rect">
+            <a:avLst/>
+          </a:prstGeom>
+        </p:spPr>
+        <p:txBody>
+          <a:bodyPr wrap="none">
+            <a:spAutoFit/>
+          </a:bodyPr>
+          <a:lstStyle/>
+          <a:p>
+            <a:pPr lvl="0" algn="r"/>
+            <a:r>
+              <a:rPr lang="ru-RU" sz="1300" dirty="0" smtClean="0">
+                <a:latin typeface="Calibri" panose="020F0502020204030204" pitchFamily="34" charset="0"/>
+                <a:cs typeface="Calibri" panose="020F0502020204030204" pitchFamily="34" charset="0"/>
+              </a:rPr>
+              <a:t>1</a:t>
+            </a:r>
+            <a:r>
+              <a:rPr lang="ru-RU" sz="1300" dirty="0">
+                <a:latin typeface="Calibri" panose="020F0502020204030204" pitchFamily="34" charset="0"/>
+                <a:cs typeface="Calibri" panose="020F0502020204030204" pitchFamily="34" charset="0"/>
+              </a:rPr>
+              <a:t>4</a:t>
+            </a:r>
+            <a:r>
+              <a:rPr lang="en-US" sz="1300" dirty="0" smtClean="0">
+                <a:latin typeface="Calibri" panose="020F0502020204030204" pitchFamily="34" charset="0"/>
+                <a:cs typeface="Calibri" panose="020F0502020204030204" pitchFamily="34" charset="0"/>
+              </a:rPr>
+              <a:t>/1</a:t>
+            </a:r>
+            <a:r>
+              <a:rPr lang="ru-RU" sz="1300" dirty="0" smtClean="0">
+                <a:latin typeface="Calibri" panose="020F0502020204030204" pitchFamily="34" charset="0"/>
+                <a:cs typeface="Calibri" panose="020F0502020204030204" pitchFamily="34" charset="0"/>
+              </a:rPr>
+              <a:t>6</a:t>
+            </a:r>
+            <a:endParaRPr lang="ru-RU" sz="1300" dirty="0">
+              <a:latin typeface="Calibri" panose="020F0502020204030204" pitchFamily="34" charset="0"/>
+              <a:cs typeface="Calibri" panose="020F0502020204030204" pitchFamily="34" charset="0"/>
+            </a:endParaRPr>
+          </a:p>
+        </p:txBody>
+      </p:sp>
+    </p:spTree>
+    <p:extLst>
+      <p:ext uri="{BB962C8B-B14F-4D97-AF65-F5344CB8AC3E}">
+        <p14:creationId xmlns:p14="http://schemas.microsoft.com/office/powerpoint/2010/main" val="579072458"/>
+      </p:ext>
+    </p:extLst>
+  </p:cSld>
+  <p:clrMapOvr>
+    <a:masterClrMapping/>
+  </p:clrMapOvr>
+  <p:timing>
+    <p:tnLst>
+      <p:par>
+        <p:cTn id="1" dur="indefinite" restart="never" nodeType="tmRoot"/>
+      </p:par>
+    </p:tnLst>
+  </p:timing>
+</p:sld>
+</file>
+
+<file path=ppt/slides/slide15.xml><?xml version="1.0" encoding="utf-8"?>
+<p:sld xmlns:a="http://schemas.openxmlformats.org/drawingml/2006/main" xmlns:r="http://schemas.openxmlformats.org/officeDocument/2006/relationships" xmlns:p="http://schemas.openxmlformats.org/presentationml/2006/main">
+  <p:cSld>
+    <p:spTree>
+      <p:nvGrpSpPr>
+        <p:cNvPr id="1" name=""/>
+        <p:cNvGrpSpPr/>
+        <p:nvPr/>
+      </p:nvGrpSpPr>
+      <p:grpSpPr>
+        <a:xfrm>
+          <a:off x="0" y="0"/>
+          <a:ext cx="0" cy="0"/>
+          <a:chOff x="0" y="0"/>
+          <a:chExt cx="0" cy="0"/>
+        </a:xfrm>
+      </p:grpSpPr>
+      <p:pic>
+        <p:nvPicPr>
+          <p:cNvPr id="5" name="Picture 4"/>
+          <p:cNvPicPr>
+            <a:picLocks noChangeAspect="1"/>
+          </p:cNvPicPr>
+          <p:nvPr/>
+        </p:nvPicPr>
+        <p:blipFill>
+          <a:blip r:embed="rId3"/>
+          <a:stretch>
+            <a:fillRect/>
+          </a:stretch>
+        </p:blipFill>
+        <p:spPr>
+          <a:xfrm>
+            <a:off x="0" y="0"/>
+            <a:ext cx="5126182" cy="5126182"/>
+          </a:xfrm>
+          <a:prstGeom prst="rect">
+            <a:avLst/>
+          </a:prstGeom>
+        </p:spPr>
+      </p:pic>
+      <p:sp>
+        <p:nvSpPr>
+          <p:cNvPr id="7" name="TextBox 6"/>
+          <p:cNvSpPr txBox="1"/>
+          <p:nvPr/>
+        </p:nvSpPr>
+        <p:spPr>
+          <a:xfrm>
+            <a:off x="5770418" y="1911927"/>
+            <a:ext cx="2736273" cy="2031325"/>
+          </a:xfrm>
+          <a:prstGeom prst="rect">
+            <a:avLst/>
+          </a:prstGeom>
+          <a:noFill/>
+        </p:spPr>
+        <p:txBody>
+          <a:bodyPr wrap="square" rtlCol="0">
+            <a:spAutoFit/>
+          </a:bodyPr>
+          <a:lstStyle/>
+          <a:p>
+            <a:r>
+              <a:rPr lang="ru-RU" dirty="0" smtClean="0"/>
+              <a:t>При равном количестве серверов большая оплата оптимальна для системы. </a:t>
+            </a:r>
+          </a:p>
+          <a:p>
+            <a:endParaRPr lang="ru-RU" dirty="0"/>
+          </a:p>
+          <a:p>
+            <a:r>
+              <a:rPr lang="ru-RU" dirty="0" smtClean="0"/>
+              <a:t>В обратном случае, низкая оплата мотивирует госпитали снижать риски смертности и кооперироваться с другими госпиталями</a:t>
+            </a:r>
+            <a:endParaRPr lang="ru-RU" dirty="0"/>
+          </a:p>
+        </p:txBody>
+      </p:sp>
+      <p:sp>
+        <p:nvSpPr>
+          <p:cNvPr id="10" name="Rectangle 9"/>
+          <p:cNvSpPr/>
+          <p:nvPr/>
+        </p:nvSpPr>
+        <p:spPr>
+          <a:xfrm>
+            <a:off x="8555377" y="26412"/>
+            <a:ext cx="588623" cy="292388"/>
+          </a:xfrm>
+          <a:prstGeom prst="rect">
+            <a:avLst/>
+          </a:prstGeom>
+        </p:spPr>
+        <p:txBody>
+          <a:bodyPr wrap="none">
+            <a:spAutoFit/>
+          </a:bodyPr>
+          <a:lstStyle/>
+          <a:p>
+            <a:pPr lvl="0" algn="r"/>
+            <a:r>
+              <a:rPr lang="ru-RU" sz="1300" dirty="0" smtClean="0">
+                <a:latin typeface="Calibri" panose="020F0502020204030204" pitchFamily="34" charset="0"/>
+                <a:cs typeface="Calibri" panose="020F0502020204030204" pitchFamily="34" charset="0"/>
+              </a:rPr>
+              <a:t>1</a:t>
+            </a:r>
+            <a:r>
+              <a:rPr lang="ru-RU" sz="1300" dirty="0">
+                <a:latin typeface="Calibri" panose="020F0502020204030204" pitchFamily="34" charset="0"/>
+                <a:cs typeface="Calibri" panose="020F0502020204030204" pitchFamily="34" charset="0"/>
+              </a:rPr>
+              <a:t>5</a:t>
+            </a:r>
+            <a:r>
+              <a:rPr lang="en-US" sz="1300" dirty="0" smtClean="0">
+                <a:latin typeface="Calibri" panose="020F0502020204030204" pitchFamily="34" charset="0"/>
+                <a:cs typeface="Calibri" panose="020F0502020204030204" pitchFamily="34" charset="0"/>
+              </a:rPr>
+              <a:t>/1</a:t>
+            </a:r>
+            <a:r>
+              <a:rPr lang="ru-RU" sz="1300" dirty="0" smtClean="0">
+                <a:latin typeface="Calibri" panose="020F0502020204030204" pitchFamily="34" charset="0"/>
+                <a:cs typeface="Calibri" panose="020F0502020204030204" pitchFamily="34" charset="0"/>
+              </a:rPr>
+              <a:t>6</a:t>
+            </a:r>
+            <a:endParaRPr lang="ru-RU" sz="1300" dirty="0">
+              <a:latin typeface="Calibri" panose="020F0502020204030204" pitchFamily="34" charset="0"/>
+              <a:cs typeface="Calibri" panose="020F0502020204030204" pitchFamily="34" charset="0"/>
+            </a:endParaRPr>
+          </a:p>
+        </p:txBody>
+      </p:sp>
+      <p:sp>
+        <p:nvSpPr>
+          <p:cNvPr id="8" name="TextBox 7"/>
+          <p:cNvSpPr txBox="1"/>
+          <p:nvPr/>
+        </p:nvSpPr>
+        <p:spPr>
+          <a:xfrm>
+            <a:off x="502227" y="26412"/>
+            <a:ext cx="3986646" cy="523220"/>
+          </a:xfrm>
+          <a:prstGeom prst="rect">
+            <a:avLst/>
+          </a:prstGeom>
+          <a:noFill/>
+        </p:spPr>
+        <p:txBody>
+          <a:bodyPr wrap="square" rtlCol="0">
+            <a:spAutoFit/>
+          </a:bodyPr>
+          <a:lstStyle/>
+          <a:p>
+            <a:r>
+              <a:rPr lang="ru-RU" b="1" dirty="0" smtClean="0"/>
+              <a:t>Оптимальность равновесия Нэша с точки зрения глобального решения</a:t>
+            </a:r>
+            <a:endParaRPr lang="ru-RU" b="1" dirty="0"/>
+          </a:p>
+        </p:txBody>
+      </p:sp>
+    </p:spTree>
+    <p:extLst>
+      <p:ext uri="{BB962C8B-B14F-4D97-AF65-F5344CB8AC3E}">
+        <p14:creationId xmlns:p14="http://schemas.microsoft.com/office/powerpoint/2010/main" val="2017199693"/>
+      </p:ext>
+    </p:extLst>
+  </p:cSld>
+  <p:clrMapOvr>
+    <a:masterClrMapping/>
+  </p:clrMapOvr>
+  <p:timing>
+    <p:tnLst>
+      <p:par>
+        <p:cTn id="1" dur="indefinite" restart="never" nodeType="tmRoot"/>
+      </p:par>
+    </p:tnLst>
+  </p:timing>
+</p:sld>
+</file>
+
+<file path=ppt/slides/slide16.xml><?xml version="1.0" encoding="utf-8"?>
+<p:sld xmlns:a="http://schemas.openxmlformats.org/drawingml/2006/main" xmlns:r="http://schemas.openxmlformats.org/officeDocument/2006/relationships" xmlns:p="http://schemas.openxmlformats.org/presentationml/2006/main">
+  <p:cSld>
+    <p:spTree>
+      <p:nvGrpSpPr>
+        <p:cNvPr id="1" name=""/>
+        <p:cNvGrpSpPr/>
+        <p:nvPr/>
+      </p:nvGrpSpPr>
+      <p:grpSpPr>
+        <a:xfrm>
+          <a:off x="0" y="0"/>
+          <a:ext cx="0" cy="0"/>
+          <a:chOff x="0" y="0"/>
+          <a:chExt cx="0" cy="0"/>
+        </a:xfrm>
+      </p:grpSpPr>
+      <p:sp>
+        <p:nvSpPr>
+          <p:cNvPr id="2" name="Title 1"/>
+          <p:cNvSpPr>
+            <a:spLocks noGrp="1"/>
+          </p:cNvSpPr>
+          <p:nvPr>
+            <p:ph type="title"/>
+          </p:nvPr>
+        </p:nvSpPr>
+        <p:spPr>
+          <a:xfrm>
+            <a:off x="117764" y="0"/>
+            <a:ext cx="8229600" cy="620483"/>
+          </a:xfrm>
+        </p:spPr>
+        <p:txBody>
+          <a:bodyPr/>
+          <a:lstStyle/>
+          <a:p>
+            <a:r>
+              <a:rPr lang="ru-RU" dirty="0" smtClean="0"/>
+              <a:t>Выводы</a:t>
+            </a:r>
+            <a:endParaRPr lang="ru-RU" dirty="0"/>
+          </a:p>
+        </p:txBody>
+      </p:sp>
+      <p:sp>
+        <p:nvSpPr>
+          <p:cNvPr id="16" name="TextBox 15"/>
+          <p:cNvSpPr txBox="1"/>
+          <p:nvPr/>
+        </p:nvSpPr>
+        <p:spPr>
+          <a:xfrm>
+            <a:off x="658091" y="1821873"/>
+            <a:ext cx="3318164" cy="2031325"/>
+          </a:xfrm>
+          <a:prstGeom prst="rect">
+            <a:avLst/>
+          </a:prstGeom>
+          <a:noFill/>
+        </p:spPr>
+        <p:txBody>
+          <a:bodyPr wrap="square" rtlCol="0">
+            <a:spAutoFit/>
+          </a:bodyPr>
+          <a:lstStyle/>
+          <a:p>
+            <a:pPr marL="285750" indent="-285750">
+              <a:buFont typeface="Arial" panose="020B0604020202020204" pitchFamily="34" charset="0"/>
+              <a:buChar char="•"/>
+            </a:pPr>
+            <a:r>
+              <a:rPr lang="ru-RU" dirty="0" smtClean="0"/>
+              <a:t>Финансовое регулирование мотивирует участников к кооперации</a:t>
+            </a:r>
+          </a:p>
+          <a:p>
+            <a:pPr marL="285750" indent="-285750">
+              <a:buFont typeface="Arial" panose="020B0604020202020204" pitchFamily="34" charset="0"/>
+              <a:buChar char="•"/>
+            </a:pPr>
+            <a:endParaRPr lang="ru-RU" dirty="0"/>
+          </a:p>
+          <a:p>
+            <a:pPr marL="285750" indent="-285750">
+              <a:buFont typeface="Arial" panose="020B0604020202020204" pitchFamily="34" charset="0"/>
+              <a:buChar char="•"/>
+            </a:pPr>
+            <a:r>
+              <a:rPr lang="ru-RU" dirty="0" smtClean="0"/>
+              <a:t>Регулирование с помощью диспетчера эффективно с точки зрения системы, но не выгодно для ее участников</a:t>
+            </a:r>
+          </a:p>
+          <a:p>
+            <a:endParaRPr lang="ru-RU" dirty="0"/>
+          </a:p>
+        </p:txBody>
+      </p:sp>
+      <p:sp>
+        <p:nvSpPr>
+          <p:cNvPr id="21" name="Rectangle 20"/>
+          <p:cNvSpPr/>
+          <p:nvPr/>
+        </p:nvSpPr>
+        <p:spPr>
+          <a:xfrm>
+            <a:off x="8555377" y="26412"/>
+            <a:ext cx="588623" cy="292388"/>
+          </a:xfrm>
+          <a:prstGeom prst="rect">
+            <a:avLst/>
+          </a:prstGeom>
+        </p:spPr>
+        <p:txBody>
+          <a:bodyPr wrap="none">
+            <a:spAutoFit/>
+          </a:bodyPr>
+          <a:lstStyle/>
+          <a:p>
+            <a:pPr lvl="0" algn="r"/>
+            <a:r>
+              <a:rPr lang="ru-RU" sz="1300" dirty="0" smtClean="0">
+                <a:latin typeface="Calibri" panose="020F0502020204030204" pitchFamily="34" charset="0"/>
+                <a:cs typeface="Calibri" panose="020F0502020204030204" pitchFamily="34" charset="0"/>
+              </a:rPr>
+              <a:t>16</a:t>
+            </a:r>
+            <a:r>
+              <a:rPr lang="en-US" sz="1300" dirty="0" smtClean="0">
+                <a:latin typeface="Calibri" panose="020F0502020204030204" pitchFamily="34" charset="0"/>
+                <a:cs typeface="Calibri" panose="020F0502020204030204" pitchFamily="34" charset="0"/>
+              </a:rPr>
+              <a:t>/1</a:t>
+            </a:r>
+            <a:r>
+              <a:rPr lang="ru-RU" sz="1300" dirty="0" smtClean="0">
+                <a:latin typeface="Calibri" panose="020F0502020204030204" pitchFamily="34" charset="0"/>
+                <a:cs typeface="Calibri" panose="020F0502020204030204" pitchFamily="34" charset="0"/>
+              </a:rPr>
+              <a:t>6</a:t>
+            </a:r>
+            <a:endParaRPr lang="ru-RU" sz="1300" dirty="0">
+              <a:latin typeface="Calibri" panose="020F0502020204030204" pitchFamily="34" charset="0"/>
+              <a:cs typeface="Calibri" panose="020F0502020204030204" pitchFamily="34" charset="0"/>
+            </a:endParaRPr>
+          </a:p>
+        </p:txBody>
+      </p:sp>
+    </p:spTree>
+    <p:extLst>
+      <p:ext uri="{BB962C8B-B14F-4D97-AF65-F5344CB8AC3E}">
+        <p14:creationId xmlns:p14="http://schemas.microsoft.com/office/powerpoint/2010/main" val="702119064"/>
+      </p:ext>
+    </p:extLst>
+  </p:cSld>
+  <p:clrMapOvr>
+    <a:masterClrMapping/>
+  </p:clrMapOvr>
+  <p:timing>
+    <p:tnLst>
+      <p:par>
+        <p:cTn id="1" dur="indefinite" restart="never" nodeType="tmRoot"/>
+      </p:par>
+    </p:tnLst>
+  </p:timing>
+</p:sld>
+</file>
+
+<file path=ppt/slides/slide17.xml><?xml version="1.0" encoding="utf-8"?>
+<p:sld xmlns:a="http://schemas.openxmlformats.org/drawingml/2006/main" xmlns:r="http://schemas.openxmlformats.org/officeDocument/2006/relationships" xmlns:p="http://schemas.openxmlformats.org/presentationml/2006/main">
+  <p:cSld>
+    <p:bg>
+      <p:bgPr>
+        <a:blipFill>
+          <a:blip r:embed="rId3">
+            <a:alphaModFix/>
+          </a:blip>
+          <a:stretch>
+            <a:fillRect/>
+          </a:stretch>
+        </a:blipFill>
+        <a:effectLst/>
+      </p:bgPr>
+    </p:bg>
+    <p:spTree>
+      <p:nvGrpSpPr>
+        <p:cNvPr id="1" name="Shape 115"/>
+        <p:cNvGrpSpPr/>
+        <p:nvPr/>
+      </p:nvGrpSpPr>
+      <p:grpSpPr>
+        <a:xfrm>
+          <a:off x="0" y="0"/>
+          <a:ext cx="0" cy="0"/>
+          <a:chOff x="0" y="0"/>
+          <a:chExt cx="0" cy="0"/>
+        </a:xfrm>
+      </p:grpSpPr>
+      <p:sp>
+        <p:nvSpPr>
+          <p:cNvPr id="116" name="Google Shape;116;p16"/>
+          <p:cNvSpPr txBox="1">
+            <a:spLocks noGrp="1"/>
+          </p:cNvSpPr>
+          <p:nvPr>
+            <p:ph type="title"/>
+          </p:nvPr>
+        </p:nvSpPr>
+        <p:spPr>
+          <a:xfrm>
+            <a:off x="457200" y="1801258"/>
+            <a:ext cx="8229600" cy="620483"/>
+          </a:xfrm>
+          <a:prstGeom prst="rect">
+            <a:avLst/>
+          </a:prstGeom>
+          <a:noFill/>
+          <a:ln>
+            <a:noFill/>
+          </a:ln>
+        </p:spPr>
+        <p:txBody>
+          <a:bodyPr spcFirstLastPara="1" wrap="square" lIns="91425" tIns="45700" rIns="91425" bIns="45700" anchor="ctr" anchorCtr="0">
+            <a:noAutofit/>
+          </a:bodyPr>
+          <a:lstStyle/>
+          <a:p>
+            <a:pPr marL="0" marR="0" lvl="0" indent="0" algn="ctr" rtl="0">
+              <a:lnSpc>
+                <a:spcPct val="100000"/>
+              </a:lnSpc>
+              <a:spcBef>
+                <a:spcPts val="0"/>
+              </a:spcBef>
+              <a:spcAft>
+                <a:spcPts val="0"/>
+              </a:spcAft>
+              <a:buClr>
+                <a:schemeClr val="lt1"/>
+              </a:buClr>
+              <a:buSzPts val="3200"/>
+              <a:buFont typeface="Calibri"/>
+              <a:buNone/>
+            </a:pPr>
+            <a:r>
+              <a:rPr lang="ru-RU" sz="3200" b="1" i="0" u="none" strike="noStrike" cap="none">
+                <a:solidFill>
+                  <a:schemeClr val="lt1"/>
+                </a:solidFill>
+                <a:latin typeface="Calibri"/>
+                <a:ea typeface="Calibri"/>
+                <a:cs typeface="Calibri"/>
+                <a:sym typeface="Calibri"/>
+              </a:rPr>
+              <a:t>Спасибо за внимание!</a:t>
+            </a:r>
+            <a:endParaRPr sz="3200" b="1" i="0" u="none" strike="noStrike" cap="none">
+              <a:solidFill>
+                <a:schemeClr val="lt1"/>
+              </a:solidFill>
+              <a:latin typeface="Calibri"/>
+              <a:ea typeface="Calibri"/>
+              <a:cs typeface="Calibri"/>
+              <a:sym typeface="Calibri"/>
+            </a:endParaRPr>
+          </a:p>
+        </p:txBody>
+      </p:sp>
+      <p:sp>
+        <p:nvSpPr>
+          <p:cNvPr id="117" name="Google Shape;117;p16"/>
+          <p:cNvSpPr txBox="1">
+            <a:spLocks noGrp="1"/>
+          </p:cNvSpPr>
+          <p:nvPr>
+            <p:ph type="body" idx="1"/>
+          </p:nvPr>
+        </p:nvSpPr>
+        <p:spPr>
+          <a:xfrm>
+            <a:off x="457200" y="2578684"/>
+            <a:ext cx="8229600" cy="594122"/>
+          </a:xfrm>
+          <a:prstGeom prst="rect">
+            <a:avLst/>
+          </a:prstGeom>
+          <a:noFill/>
+          <a:ln>
+            <a:noFill/>
+          </a:ln>
+        </p:spPr>
+        <p:txBody>
+          <a:bodyPr spcFirstLastPara="1" wrap="square" lIns="91425" tIns="45700" rIns="91425" bIns="45700" anchor="t" anchorCtr="0">
+            <a:noAutofit/>
+          </a:bodyPr>
+          <a:lstStyle/>
+          <a:p>
+            <a:pPr marL="0" marR="0" lvl="0" indent="0" algn="ctr" rtl="0">
+              <a:lnSpc>
+                <a:spcPct val="100000"/>
+              </a:lnSpc>
+              <a:spcBef>
+                <a:spcPts val="0"/>
+              </a:spcBef>
+              <a:spcAft>
+                <a:spcPts val="0"/>
+              </a:spcAft>
+              <a:buClr>
+                <a:srgbClr val="FFFFFF"/>
+              </a:buClr>
+              <a:buSzPts val="2000"/>
+              <a:buFont typeface="Calibri"/>
+              <a:buNone/>
+            </a:pPr>
+            <a:r>
+              <a:rPr lang="ru-RU" sz="2000" b="0" i="0" u="none" strike="noStrike" cap="none">
+                <a:solidFill>
+                  <a:srgbClr val="FFFFFF"/>
+                </a:solidFill>
+                <a:latin typeface="Calibri"/>
+                <a:ea typeface="Calibri"/>
+                <a:cs typeface="Calibri"/>
+                <a:sym typeface="Calibri"/>
+              </a:rPr>
+              <a:t>www.ifmo.ru</a:t>
+            </a:r>
+            <a:endParaRPr sz="2000" b="0" i="0" u="none" strike="noStrike" cap="none">
+              <a:solidFill>
+                <a:srgbClr val="FFFFFF"/>
+              </a:solidFill>
+              <a:latin typeface="Calibri"/>
+              <a:ea typeface="Calibri"/>
+              <a:cs typeface="Calibri"/>
+              <a:sym typeface="Calibri"/>
+            </a:endParaRPr>
+          </a:p>
+        </p:txBody>
+      </p:sp>
+    </p:spTree>
+  </p:cSld>
+  <p:clrMapOvr>
+    <a:masterClrMapping/>
+  </p:clrMapOvr>
+  <p:timing>
+    <p:tnLst>
+      <p:par>
+        <p:cTn id="1" dur="indefinite" restart="never" nodeType="tmRoot"/>
+      </p:par>
+    </p:tnLst>
+  </p:timing>
 </p:sld>
 </file>
 
@@ -20097,7 +25030,7 @@
         <p:spPr>
           <a:xfrm>
             <a:off x="189508" y="70741"/>
-            <a:ext cx="7772400" cy="378041"/>
+            <a:ext cx="7288724" cy="378041"/>
           </a:xfrm>
         </p:spPr>
         <p:txBody>
@@ -20107,7 +25040,7 @@
           <a:lstStyle/>
           <a:p>
             <a:r>
-              <a:rPr lang="ru-RU" sz="2000" dirty="0">
+              <a:rPr lang="ru-RU" sz="1800" dirty="0">
                 <a:latin typeface="Arial" panose="020B0604020202020204" pitchFamily="34" charset="0"/>
                 <a:cs typeface="Arial" panose="020B0604020202020204" pitchFamily="34" charset="0"/>
               </a:rPr>
@@ -20162,11 +25095,18 @@
               <a:t>2</a:t>
             </a:r>
             <a:r>
-              <a:rPr lang="en-US" sz="1300" dirty="0">
+              <a:rPr lang="en-US" sz="1300" dirty="0" smtClean="0">
                 <a:latin typeface="Calibri" panose="020F0502020204030204" pitchFamily="34" charset="0"/>
                 <a:cs typeface="Calibri" panose="020F0502020204030204" pitchFamily="34" charset="0"/>
               </a:rPr>
-              <a:t>/10</a:t>
+              <a:t>/1</a:t>
+            </a:r>
+            <a:r>
+              <a:rPr lang="ru-RU" sz="1300" dirty="0" smtClean="0">
+                <a:latin typeface="Calibri" panose="020F0502020204030204" pitchFamily="34" charset="0"/>
+                <a:cs typeface="Calibri" panose="020F0502020204030204" pitchFamily="34" charset="0"/>
+              </a:rPr>
+              <a:t>6</a:t>
             </a:r>
             <a:endParaRPr lang="ru-RU" sz="1300" dirty="0">
               <a:latin typeface="Calibri" panose="020F0502020204030204" pitchFamily="34" charset="0"/>
@@ -21331,6 +26271,13 @@
   <p:clrMapOvr>
     <a:masterClrMapping/>
   </p:clrMapOvr>
+  <p:timing>
+    <p:tnLst>
+      <p:par>
+        <p:cTn id="1" dur="indefinite" restart="never" nodeType="tmRoot"/>
+      </p:par>
+    </p:tnLst>
+  </p:timing>
 </p:sld>
 </file>
 
@@ -21407,21 +26354,9 @@
                 <a:cs typeface="Calibri"/>
                 <a:sym typeface="Calibri"/>
               </a:rPr>
-              <a:t>Пр</a:t>
+              <a:t>Проблема</a:t>
             </a:r>
-            <a:r>
-              <a:rPr lang="ru-RU" sz="3200" b="1" i="0" u="none" strike="noStrike" cap="none" dirty="0">
-                <a:solidFill>
-                  <a:schemeClr val="dk1"/>
-                </a:solidFill>
-                <a:latin typeface="Calibri"/>
-                <a:ea typeface="Calibri"/>
-                <a:cs typeface="Calibri"/>
-                <a:sym typeface="Calibri"/>
-              </a:rPr>
-              <a:t>облема</a:t>
-            </a:r>
-            <a:endParaRPr sz="3200" b="1" i="0" u="none" strike="noStrike" cap="none" dirty="0">
+            <a:endParaRPr sz="2800" b="1" i="0" u="none" strike="noStrike" cap="none" dirty="0">
               <a:solidFill>
                 <a:schemeClr val="dk1"/>
               </a:solidFill>
@@ -21652,8 +26587,12 @@
               <a:buNone/>
             </a:pPr>
             <a:r>
-              <a:rPr lang="en-US" dirty="0"/>
-              <a:t>3/10</a:t>
+              <a:rPr lang="en-US" dirty="0" smtClean="0"/>
+              <a:t>3/1</a:t>
+            </a:r>
+            <a:r>
+              <a:rPr lang="ru-RU" dirty="0" smtClean="0"/>
+              <a:t>6</a:t>
             </a:r>
             <a:endParaRPr dirty="0"/>
           </a:p>
@@ -21753,6 +26692,13 @@
   <p:clrMapOvr>
     <a:masterClrMapping/>
   </p:clrMapOvr>
+  <p:timing>
+    <p:tnLst>
+      <p:par>
+        <p:cTn id="1" dur="indefinite" restart="never" nodeType="tmRoot"/>
+      </p:par>
+    </p:tnLst>
+  </p:timing>
 </p:sld>
 </file>
 
@@ -21996,9 +26942,14 @@
               <a:buNone/>
             </a:pPr>
             <a:r>
-              <a:rPr lang="en-US" dirty="0"/>
-              <a:t>4/10</a:t>
+              <a:rPr lang="en-US" dirty="0" smtClean="0"/>
+              <a:t>4/1</a:t>
             </a:r>
+            <a:r>
+              <a:rPr lang="ru-RU" dirty="0" smtClean="0"/>
+              <a:t>6</a:t>
+            </a:r>
+            <a:endParaRPr lang="en-US" dirty="0"/>
           </a:p>
           <a:p>
             <a:pPr marL="0" lvl="0" indent="0" algn="r" rtl="0">
@@ -22024,10 +26975,781 @@
   <p:clrMapOvr>
     <a:masterClrMapping/>
   </p:clrMapOvr>
+  <p:timing>
+    <p:tnLst>
+      <p:par>
+        <p:cTn id="1" dur="indefinite" restart="never" nodeType="tmRoot"/>
+      </p:par>
+    </p:tnLst>
+  </p:timing>
 </p:sld>
 </file>
 
 <file path=ppt/slides/slide5.xml><?xml version="1.0" encoding="utf-8"?>
+<p:sld xmlns:a="http://schemas.openxmlformats.org/drawingml/2006/main" xmlns:r="http://schemas.openxmlformats.org/officeDocument/2006/relationships" xmlns:p="http://schemas.openxmlformats.org/presentationml/2006/main">
+  <p:cSld>
+    <p:spTree>
+      <p:nvGrpSpPr>
+        <p:cNvPr id="1" name=""/>
+        <p:cNvGrpSpPr/>
+        <p:nvPr/>
+      </p:nvGrpSpPr>
+      <p:grpSpPr>
+        <a:xfrm>
+          <a:off x="0" y="0"/>
+          <a:ext cx="0" cy="0"/>
+          <a:chOff x="0" y="0"/>
+          <a:chExt cx="0" cy="0"/>
+        </a:xfrm>
+      </p:grpSpPr>
+      <p:sp>
+        <p:nvSpPr>
+          <p:cNvPr id="2" name="Title 1"/>
+          <p:cNvSpPr>
+            <a:spLocks noGrp="1"/>
+          </p:cNvSpPr>
+          <p:nvPr>
+            <p:ph type="title"/>
+          </p:nvPr>
+        </p:nvSpPr>
+        <p:spPr>
+          <a:xfrm>
+            <a:off x="96982" y="0"/>
+            <a:ext cx="8229600" cy="620483"/>
+          </a:xfrm>
+        </p:spPr>
+        <p:txBody>
+          <a:bodyPr/>
+          <a:lstStyle/>
+          <a:p>
+            <a:r>
+              <a:rPr lang="ru-RU" dirty="0" smtClean="0"/>
+              <a:t>Методы и средства исследования</a:t>
+            </a:r>
+            <a:endParaRPr lang="ru-RU" dirty="0"/>
+          </a:p>
+        </p:txBody>
+      </p:sp>
+      <p:sp>
+        <p:nvSpPr>
+          <p:cNvPr id="15" name="Slide Number Placeholder 14"/>
+          <p:cNvSpPr>
+            <a:spLocks noGrp="1"/>
+          </p:cNvSpPr>
+          <p:nvPr>
+            <p:ph type="sldNum" idx="12"/>
+          </p:nvPr>
+        </p:nvSpPr>
+        <p:spPr>
+          <a:xfrm>
+            <a:off x="8595300" y="0"/>
+            <a:ext cx="548700" cy="393600"/>
+          </a:xfrm>
+        </p:spPr>
+        <p:txBody>
+          <a:bodyPr/>
+          <a:lstStyle/>
+          <a:p>
+            <a:pPr marL="0" lvl="0" indent="0" algn="r" rtl="0">
+              <a:spcBef>
+                <a:spcPts val="0"/>
+              </a:spcBef>
+              <a:spcAft>
+                <a:spcPts val="0"/>
+              </a:spcAft>
+              <a:buNone/>
+            </a:pPr>
+            <a:r>
+              <a:rPr lang="en-US" dirty="0" smtClean="0"/>
+              <a:t>5/1</a:t>
+            </a:r>
+            <a:r>
+              <a:rPr lang="ru-RU" dirty="0" smtClean="0"/>
+              <a:t>6</a:t>
+            </a:r>
+            <a:endParaRPr lang="ru-RU" dirty="0"/>
+          </a:p>
+        </p:txBody>
+      </p:sp>
+      <p:sp>
+        <p:nvSpPr>
+          <p:cNvPr id="16" name="Rectangle 15"/>
+          <p:cNvSpPr/>
+          <p:nvPr/>
+        </p:nvSpPr>
+        <p:spPr>
+          <a:xfrm>
+            <a:off x="270163" y="1538458"/>
+            <a:ext cx="5673437" cy="2318583"/>
+          </a:xfrm>
+          <a:prstGeom prst="rect">
+            <a:avLst/>
+          </a:prstGeom>
+        </p:spPr>
+        <p:txBody>
+          <a:bodyPr wrap="square">
+            <a:spAutoFit/>
+          </a:bodyPr>
+          <a:lstStyle/>
+          <a:p>
+            <a:pPr marL="342900" indent="-342900">
+              <a:lnSpc>
+                <a:spcPct val="80000"/>
+              </a:lnSpc>
+              <a:spcBef>
+                <a:spcPts val="408"/>
+              </a:spcBef>
+              <a:buSzPts val="2040"/>
+              <a:buFont typeface="+mj-lt"/>
+              <a:buAutoNum type="arabicPeriod"/>
+            </a:pPr>
+            <a:r>
+              <a:rPr lang="ru-RU" sz="2000" dirty="0" smtClean="0"/>
+              <a:t>Математический аппарат теории игр</a:t>
+            </a:r>
+            <a:endParaRPr lang="en-US" sz="2000" dirty="0" smtClean="0"/>
+          </a:p>
+          <a:p>
+            <a:pPr marL="342900" indent="-342900">
+              <a:lnSpc>
+                <a:spcPct val="80000"/>
+              </a:lnSpc>
+              <a:spcBef>
+                <a:spcPts val="408"/>
+              </a:spcBef>
+              <a:buSzPts val="2040"/>
+              <a:buFont typeface="+mj-lt"/>
+              <a:buAutoNum type="arabicPeriod"/>
+            </a:pPr>
+            <a:endParaRPr lang="ru-RU" sz="2000" dirty="0" smtClean="0"/>
+          </a:p>
+          <a:p>
+            <a:pPr marL="342900" indent="-342900">
+              <a:lnSpc>
+                <a:spcPct val="80000"/>
+              </a:lnSpc>
+              <a:spcBef>
+                <a:spcPts val="408"/>
+              </a:spcBef>
+              <a:buSzPts val="2040"/>
+              <a:buFont typeface="+mj-lt"/>
+              <a:buAutoNum type="arabicPeriod"/>
+            </a:pPr>
+            <a:r>
+              <a:rPr lang="ru-RU" sz="2000" dirty="0" smtClean="0"/>
+              <a:t> Математический аппарат теории массового обслуживания</a:t>
+            </a:r>
+            <a:endParaRPr lang="en-US" sz="2000" dirty="0" smtClean="0"/>
+          </a:p>
+          <a:p>
+            <a:pPr marL="342900" indent="-342900">
+              <a:lnSpc>
+                <a:spcPct val="80000"/>
+              </a:lnSpc>
+              <a:spcBef>
+                <a:spcPts val="408"/>
+              </a:spcBef>
+              <a:buSzPts val="2040"/>
+              <a:buFont typeface="+mj-lt"/>
+              <a:buAutoNum type="arabicPeriod"/>
+            </a:pPr>
+            <a:endParaRPr lang="ru-RU" sz="2000" dirty="0" smtClean="0"/>
+          </a:p>
+          <a:p>
+            <a:pPr marL="342900" indent="-342900">
+              <a:lnSpc>
+                <a:spcPct val="80000"/>
+              </a:lnSpc>
+              <a:spcBef>
+                <a:spcPts val="408"/>
+              </a:spcBef>
+              <a:buSzPts val="2040"/>
+              <a:buFont typeface="+mj-lt"/>
+              <a:buAutoNum type="arabicPeriod"/>
+            </a:pPr>
+            <a:r>
+              <a:rPr lang="ru-RU" sz="2000" dirty="0" smtClean="0"/>
+              <a:t>Язык программирования </a:t>
+            </a:r>
+            <a:r>
+              <a:rPr lang="en-US" sz="2000" dirty="0" smtClean="0"/>
+              <a:t>Python (</a:t>
+            </a:r>
+            <a:r>
+              <a:rPr lang="ru-RU" sz="2000" dirty="0" smtClean="0"/>
+              <a:t>библиотеки </a:t>
+            </a:r>
+            <a:r>
+              <a:rPr lang="en-US" sz="2000" dirty="0" err="1" smtClean="0"/>
+              <a:t>numpy</a:t>
+            </a:r>
+            <a:r>
+              <a:rPr lang="en-US" sz="2000" dirty="0" smtClean="0"/>
+              <a:t>, </a:t>
+            </a:r>
+            <a:r>
+              <a:rPr lang="en-US" sz="2000" dirty="0" err="1" smtClean="0"/>
+              <a:t>matplotlib</a:t>
+            </a:r>
+            <a:r>
+              <a:rPr lang="en-US" sz="2000" dirty="0" smtClean="0"/>
+              <a:t>, </a:t>
+            </a:r>
+            <a:r>
+              <a:rPr lang="en-US" sz="2000" dirty="0" err="1" smtClean="0"/>
+              <a:t>nashpy</a:t>
+            </a:r>
+            <a:r>
+              <a:rPr lang="en-US" sz="2000" dirty="0" smtClean="0"/>
+              <a:t>)</a:t>
+            </a:r>
+            <a:endParaRPr lang="ru-RU" sz="2000" dirty="0" smtClean="0"/>
+          </a:p>
+          <a:p>
+            <a:pPr>
+              <a:lnSpc>
+                <a:spcPct val="80000"/>
+              </a:lnSpc>
+              <a:spcBef>
+                <a:spcPts val="408"/>
+              </a:spcBef>
+              <a:buSzPts val="2040"/>
+            </a:pPr>
+            <a:endParaRPr lang="ru-RU" sz="2000" dirty="0"/>
+          </a:p>
+        </p:txBody>
+      </p:sp>
+      <p:pic>
+        <p:nvPicPr>
+          <p:cNvPr id="1026" name="Picture 2" descr="ÐÐ°ÑÑÐ¸Ð½ÐºÐ¸ Ð¿Ð¾ Ð·Ð°Ð¿ÑÐ¾ÑÑ python"/>
+          <p:cNvPicPr>
+            <a:picLocks noChangeAspect="1" noChangeArrowheads="1"/>
+          </p:cNvPicPr>
+          <p:nvPr/>
+        </p:nvPicPr>
+        <p:blipFill>
+          <a:blip r:embed="rId2">
+            <a:extLst>
+              <a:ext uri="{28A0092B-C50C-407E-A947-70E740481C1C}">
+                <a14:useLocalDpi xmlns:a14="http://schemas.microsoft.com/office/drawing/2010/main" val="0"/>
+              </a:ext>
+            </a:extLst>
+          </a:blip>
+          <a:srcRect/>
+          <a:stretch>
+            <a:fillRect/>
+          </a:stretch>
+        </p:blipFill>
+        <p:spPr bwMode="auto">
+          <a:xfrm>
+            <a:off x="3643746" y="3603826"/>
+            <a:ext cx="1711125" cy="1711125"/>
+          </a:xfrm>
+          <a:prstGeom prst="rect">
+            <a:avLst/>
+          </a:prstGeom>
+          <a:noFill/>
+          <a:extLst>
+            <a:ext uri="{909E8E84-426E-40DD-AFC4-6F175D3DCCD1}">
+              <a14:hiddenFill xmlns:a14="http://schemas.microsoft.com/office/drawing/2010/main">
+                <a:solidFill>
+                  <a:srgbClr val="FFFFFF"/>
+                </a:solidFill>
+              </a14:hiddenFill>
+            </a:ext>
+          </a:extLst>
+        </p:spPr>
+      </p:pic>
+      <p:pic>
+        <p:nvPicPr>
+          <p:cNvPr id="1032" name="Picture 8" descr="ÐÐ°ÑÑÐ¸Ð½ÐºÐ¸ Ð¿Ð¾ Ð·Ð°Ð¿ÑÐ¾ÑÑ queue theory"/>
+          <p:cNvPicPr>
+            <a:picLocks noChangeAspect="1" noChangeArrowheads="1"/>
+          </p:cNvPicPr>
+          <p:nvPr/>
+        </p:nvPicPr>
+        <p:blipFill>
+          <a:blip r:embed="rId3">
+            <a:extLst>
+              <a:ext uri="{28A0092B-C50C-407E-A947-70E740481C1C}">
+                <a14:useLocalDpi xmlns:a14="http://schemas.microsoft.com/office/drawing/2010/main" val="0"/>
+              </a:ext>
+            </a:extLst>
+          </a:blip>
+          <a:srcRect/>
+          <a:stretch>
+            <a:fillRect/>
+          </a:stretch>
+        </p:blipFill>
+        <p:spPr bwMode="auto">
+          <a:xfrm>
+            <a:off x="6067225" y="3179618"/>
+            <a:ext cx="2555874" cy="1804560"/>
+          </a:xfrm>
+          <a:prstGeom prst="rect">
+            <a:avLst/>
+          </a:prstGeom>
+          <a:noFill/>
+          <a:extLst>
+            <a:ext uri="{909E8E84-426E-40DD-AFC4-6F175D3DCCD1}">
+              <a14:hiddenFill xmlns:a14="http://schemas.microsoft.com/office/drawing/2010/main">
+                <a:solidFill>
+                  <a:srgbClr val="FFFFFF"/>
+                </a:solidFill>
+              </a14:hiddenFill>
+            </a:ext>
+          </a:extLst>
+        </p:spPr>
+      </p:pic>
+      <p:pic>
+        <p:nvPicPr>
+          <p:cNvPr id="1036" name="Picture 12" descr="ÐÐ°ÑÑÐ¸Ð½ÐºÐ¸ Ð¿Ð¾ Ð·Ð°Ð¿ÑÐ¾ÑÑ game theory"/>
+          <p:cNvPicPr>
+            <a:picLocks noChangeAspect="1" noChangeArrowheads="1"/>
+          </p:cNvPicPr>
+          <p:nvPr/>
+        </p:nvPicPr>
+        <p:blipFill>
+          <a:blip r:embed="rId4">
+            <a:extLst>
+              <a:ext uri="{28A0092B-C50C-407E-A947-70E740481C1C}">
+                <a14:useLocalDpi xmlns:a14="http://schemas.microsoft.com/office/drawing/2010/main" val="0"/>
+              </a:ext>
+            </a:extLst>
+          </a:blip>
+          <a:srcRect/>
+          <a:stretch>
+            <a:fillRect/>
+          </a:stretch>
+        </p:blipFill>
+        <p:spPr bwMode="auto">
+          <a:xfrm>
+            <a:off x="5716920" y="1120963"/>
+            <a:ext cx="3256483" cy="1831772"/>
+          </a:xfrm>
+          <a:prstGeom prst="rect">
+            <a:avLst/>
+          </a:prstGeom>
+          <a:noFill/>
+          <a:extLst>
+            <a:ext uri="{909E8E84-426E-40DD-AFC4-6F175D3DCCD1}">
+              <a14:hiddenFill xmlns:a14="http://schemas.microsoft.com/office/drawing/2010/main">
+                <a:solidFill>
+                  <a:srgbClr val="FFFFFF"/>
+                </a:solidFill>
+              </a14:hiddenFill>
+            </a:ext>
+          </a:extLst>
+        </p:spPr>
+      </p:pic>
+    </p:spTree>
+    <p:extLst>
+      <p:ext uri="{BB962C8B-B14F-4D97-AF65-F5344CB8AC3E}">
+        <p14:creationId xmlns:p14="http://schemas.microsoft.com/office/powerpoint/2010/main" val="2073496209"/>
+      </p:ext>
+    </p:extLst>
+  </p:cSld>
+  <p:clrMapOvr>
+    <a:masterClrMapping/>
+  </p:clrMapOvr>
+  <p:timing>
+    <p:tnLst>
+      <p:par>
+        <p:cTn id="1" dur="indefinite" restart="never" nodeType="tmRoot"/>
+      </p:par>
+    </p:tnLst>
+  </p:timing>
+</p:sld>
+</file>
+
+<file path=ppt/slides/slide6.xml><?xml version="1.0" encoding="utf-8"?>
+<p:sld xmlns:a="http://schemas.openxmlformats.org/drawingml/2006/main" xmlns:r="http://schemas.openxmlformats.org/officeDocument/2006/relationships" xmlns:p="http://schemas.openxmlformats.org/presentationml/2006/main">
+  <p:cSld>
+    <p:spTree>
+      <p:nvGrpSpPr>
+        <p:cNvPr id="1" name=""/>
+        <p:cNvGrpSpPr/>
+        <p:nvPr/>
+      </p:nvGrpSpPr>
+      <p:grpSpPr>
+        <a:xfrm>
+          <a:off x="0" y="0"/>
+          <a:ext cx="0" cy="0"/>
+          <a:chOff x="0" y="0"/>
+          <a:chExt cx="0" cy="0"/>
+        </a:xfrm>
+      </p:grpSpPr>
+      <p:sp>
+        <p:nvSpPr>
+          <p:cNvPr id="2" name="Title 1"/>
+          <p:cNvSpPr>
+            <a:spLocks noGrp="1"/>
+          </p:cNvSpPr>
+          <p:nvPr>
+            <p:ph type="title"/>
+          </p:nvPr>
+        </p:nvSpPr>
+        <p:spPr>
+          <a:xfrm>
+            <a:off x="0" y="-84000"/>
+            <a:ext cx="8229600" cy="620483"/>
+          </a:xfrm>
+        </p:spPr>
+        <p:txBody>
+          <a:bodyPr/>
+          <a:lstStyle/>
+          <a:p>
+            <a:r>
+              <a:rPr lang="ru-RU" dirty="0" smtClean="0"/>
+              <a:t>Обзор известных решений</a:t>
+            </a:r>
+            <a:endParaRPr lang="ru-RU" dirty="0"/>
+          </a:p>
+        </p:txBody>
+      </p:sp>
+      <p:sp>
+        <p:nvSpPr>
+          <p:cNvPr id="15" name="Slide Number Placeholder 14"/>
+          <p:cNvSpPr>
+            <a:spLocks noGrp="1"/>
+          </p:cNvSpPr>
+          <p:nvPr>
+            <p:ph type="sldNum" idx="12"/>
+          </p:nvPr>
+        </p:nvSpPr>
+        <p:spPr/>
+        <p:txBody>
+          <a:bodyPr/>
+          <a:lstStyle/>
+          <a:p>
+            <a:pPr marL="0" lvl="0" indent="0" algn="r" rtl="0">
+              <a:spcBef>
+                <a:spcPts val="0"/>
+              </a:spcBef>
+              <a:spcAft>
+                <a:spcPts val="0"/>
+              </a:spcAft>
+              <a:buNone/>
+            </a:pPr>
+            <a:fld id="{00000000-1234-1234-1234-123412341234}" type="slidenum">
+              <a:rPr lang="ru-RU" smtClean="0"/>
+              <a:t>5</a:t>
+            </a:fld>
+            <a:endParaRPr lang="ru-RU"/>
+          </a:p>
+        </p:txBody>
+      </p:sp>
+      <p:sp>
+        <p:nvSpPr>
+          <p:cNvPr id="17" name="Rectangle 16"/>
+          <p:cNvSpPr/>
+          <p:nvPr/>
+        </p:nvSpPr>
+        <p:spPr>
+          <a:xfrm>
+            <a:off x="8674919" y="12557"/>
+            <a:ext cx="503664" cy="292388"/>
+          </a:xfrm>
+          <a:prstGeom prst="rect">
+            <a:avLst/>
+          </a:prstGeom>
+        </p:spPr>
+        <p:txBody>
+          <a:bodyPr wrap="none">
+            <a:spAutoFit/>
+          </a:bodyPr>
+          <a:lstStyle/>
+          <a:p>
+            <a:pPr lvl="0" algn="r"/>
+            <a:r>
+              <a:rPr lang="en-US" sz="1300" dirty="0" smtClean="0">
+                <a:latin typeface="Calibri" panose="020F0502020204030204" pitchFamily="34" charset="0"/>
+                <a:cs typeface="Calibri" panose="020F0502020204030204" pitchFamily="34" charset="0"/>
+              </a:rPr>
+              <a:t>6/1</a:t>
+            </a:r>
+            <a:r>
+              <a:rPr lang="ru-RU" sz="1300" dirty="0" smtClean="0">
+                <a:latin typeface="Calibri" panose="020F0502020204030204" pitchFamily="34" charset="0"/>
+                <a:cs typeface="Calibri" panose="020F0502020204030204" pitchFamily="34" charset="0"/>
+              </a:rPr>
+              <a:t>6</a:t>
+            </a:r>
+            <a:endParaRPr lang="ru-RU" sz="1300" dirty="0">
+              <a:latin typeface="Calibri" panose="020F0502020204030204" pitchFamily="34" charset="0"/>
+              <a:cs typeface="Calibri" panose="020F0502020204030204" pitchFamily="34" charset="0"/>
+            </a:endParaRPr>
+          </a:p>
+        </p:txBody>
+      </p:sp>
+      <p:graphicFrame>
+        <p:nvGraphicFramePr>
+          <p:cNvPr id="18" name="Table 17"/>
+          <p:cNvGraphicFramePr>
+            <a:graphicFrameLocks noGrp="1"/>
+          </p:cNvGraphicFramePr>
+          <p:nvPr>
+            <p:extLst>
+              <p:ext uri="{D42A27DB-BD31-4B8C-83A1-F6EECF244321}">
+                <p14:modId xmlns:p14="http://schemas.microsoft.com/office/powerpoint/2010/main" val="1802437098"/>
+              </p:ext>
+            </p:extLst>
+          </p:nvPr>
+        </p:nvGraphicFramePr>
+        <p:xfrm>
+          <a:off x="955963" y="1260763"/>
+          <a:ext cx="7142019" cy="3363539"/>
+        </p:xfrm>
+        <a:graphic>
+          <a:graphicData uri="http://schemas.openxmlformats.org/drawingml/2006/table">
+            <a:tbl>
+              <a:tblPr firstRow="1" bandRow="1">
+                <a:tableStyleId>{C083E6E3-FA7D-4D7B-A595-EF9225AFEA82}</a:tableStyleId>
+              </a:tblPr>
+              <a:tblGrid>
+                <a:gridCol w="2380673">
+                  <a:extLst>
+                    <a:ext uri="{9D8B030D-6E8A-4147-A177-3AD203B41FA5}">
+                      <a16:colId xmlns:a16="http://schemas.microsoft.com/office/drawing/2014/main" val="1158799283"/>
+                    </a:ext>
+                  </a:extLst>
+                </a:gridCol>
+                <a:gridCol w="2380673">
+                  <a:extLst>
+                    <a:ext uri="{9D8B030D-6E8A-4147-A177-3AD203B41FA5}">
+                      <a16:colId xmlns:a16="http://schemas.microsoft.com/office/drawing/2014/main" val="3126161702"/>
+                    </a:ext>
+                  </a:extLst>
+                </a:gridCol>
+                <a:gridCol w="2380673">
+                  <a:extLst>
+                    <a:ext uri="{9D8B030D-6E8A-4147-A177-3AD203B41FA5}">
+                      <a16:colId xmlns:a16="http://schemas.microsoft.com/office/drawing/2014/main" val="3935578676"/>
+                    </a:ext>
+                  </a:extLst>
+                </a:gridCol>
+              </a:tblGrid>
+              <a:tr h="406979">
+                <a:tc>
+                  <a:txBody>
+                    <a:bodyPr/>
+                    <a:lstStyle/>
+                    <a:p>
+                      <a:r>
+                        <a:rPr lang="ru-RU" dirty="0" smtClean="0"/>
+                        <a:t>Название</a:t>
+                      </a:r>
+                      <a:r>
+                        <a:rPr lang="ru-RU" baseline="0" dirty="0" smtClean="0"/>
+                        <a:t> статьи</a:t>
+                      </a:r>
+                      <a:endParaRPr lang="ru-RU" dirty="0"/>
+                    </a:p>
+                  </a:txBody>
+                  <a:tcPr/>
+                </a:tc>
+                <a:tc>
+                  <a:txBody>
+                    <a:bodyPr/>
+                    <a:lstStyle/>
+                    <a:p>
+                      <a:r>
+                        <a:rPr lang="ru-RU" dirty="0" smtClean="0"/>
+                        <a:t>Автор(ы)</a:t>
+                      </a:r>
+                      <a:endParaRPr lang="ru-RU" dirty="0"/>
+                    </a:p>
+                  </a:txBody>
+                  <a:tcPr/>
+                </a:tc>
+                <a:tc>
+                  <a:txBody>
+                    <a:bodyPr/>
+                    <a:lstStyle/>
+                    <a:p>
+                      <a:r>
+                        <a:rPr lang="ru-RU" dirty="0" smtClean="0"/>
+                        <a:t>Резюме</a:t>
+                      </a:r>
+                      <a:endParaRPr lang="ru-RU" dirty="0"/>
+                    </a:p>
+                  </a:txBody>
+                  <a:tcPr/>
+                </a:tc>
+                <a:extLst>
+                  <a:ext uri="{0D108BD9-81ED-4DB2-BD59-A6C34878D82A}">
+                    <a16:rowId xmlns:a16="http://schemas.microsoft.com/office/drawing/2014/main" val="1243751267"/>
+                  </a:ext>
+                </a:extLst>
+              </a:tr>
+              <a:tr h="964908">
+                <a:tc>
+                  <a:txBody>
+                    <a:bodyPr/>
+                    <a:lstStyle/>
+                    <a:p>
+                      <a:r>
+                        <a:rPr lang="en-US" sz="1400" b="0" i="0" u="none" strike="noStrike" cap="none" dirty="0" smtClean="0">
+                          <a:solidFill>
+                            <a:schemeClr val="tx1"/>
+                          </a:solidFill>
+                          <a:effectLst/>
+                          <a:latin typeface="+mn-lt"/>
+                          <a:ea typeface="+mn-ea"/>
+                          <a:cs typeface="+mn-cs"/>
+                          <a:sym typeface="Arial"/>
+                        </a:rPr>
+                        <a:t>Lessons from game theory about healthcare system price inflation: Evidence from a community-level case study</a:t>
+                      </a:r>
+                      <a:endParaRPr lang="ru-RU" dirty="0"/>
+                    </a:p>
+                  </a:txBody>
+                  <a:tcPr/>
+                </a:tc>
+                <a:tc>
+                  <a:txBody>
+                    <a:bodyPr/>
+                    <a:lstStyle/>
+                    <a:p>
+                      <a:r>
+                        <a:rPr lang="en-US" sz="1400" b="0" i="0" u="none" strike="noStrike" cap="none" dirty="0" smtClean="0">
+                          <a:solidFill>
+                            <a:schemeClr val="tx1"/>
+                          </a:solidFill>
+                          <a:effectLst/>
+                          <a:latin typeface="+mn-lt"/>
+                          <a:ea typeface="+mn-ea"/>
+                          <a:cs typeface="+mn-cs"/>
+                          <a:sym typeface="Arial"/>
+                        </a:rPr>
+                        <a:t>M. D. Agee and Z. Gates</a:t>
+                      </a:r>
+                      <a:endParaRPr lang="ru-RU" dirty="0"/>
+                    </a:p>
+                  </a:txBody>
+                  <a:tcPr/>
+                </a:tc>
+                <a:tc>
+                  <a:txBody>
+                    <a:bodyPr/>
+                    <a:lstStyle/>
+                    <a:p>
+                      <a:r>
+                        <a:rPr lang="ru-RU" dirty="0" smtClean="0"/>
+                        <a:t>Сравнение систем ценообразования</a:t>
+                      </a:r>
+                      <a:r>
+                        <a:rPr lang="ru-RU" baseline="0" dirty="0" smtClean="0"/>
+                        <a:t> за услуги здравоохранения</a:t>
+                      </a:r>
+                      <a:r>
+                        <a:rPr lang="en-US" baseline="0" dirty="0" smtClean="0"/>
+                        <a:t>.</a:t>
+                      </a:r>
+                      <a:endParaRPr lang="ru-RU" dirty="0"/>
+                    </a:p>
+                  </a:txBody>
+                  <a:tcPr/>
+                </a:tc>
+                <a:extLst>
+                  <a:ext uri="{0D108BD9-81ED-4DB2-BD59-A6C34878D82A}">
+                    <a16:rowId xmlns:a16="http://schemas.microsoft.com/office/drawing/2014/main" val="125743455"/>
+                  </a:ext>
+                </a:extLst>
+              </a:tr>
+              <a:tr h="1115005">
+                <a:tc>
+                  <a:txBody>
+                    <a:bodyPr/>
+                    <a:lstStyle/>
+                    <a:p>
+                      <a:r>
+                        <a:rPr lang="en-US" dirty="0" smtClean="0"/>
+                        <a:t>Consequences of a decentralized healthcare governance model: Measuring regional authority support for patient choice in Sweden. </a:t>
+                      </a:r>
+                      <a:endParaRPr lang="ru-RU" dirty="0"/>
+                    </a:p>
+                  </a:txBody>
+                  <a:tcPr/>
+                </a:tc>
+                <a:tc>
+                  <a:txBody>
+                    <a:bodyPr/>
+                    <a:lstStyle/>
+                    <a:p>
+                      <a:r>
+                        <a:rPr lang="en-US" dirty="0" err="1" smtClean="0"/>
+                        <a:t>Fredriksson</a:t>
+                      </a:r>
+                      <a:r>
+                        <a:rPr lang="en-US" dirty="0" smtClean="0"/>
+                        <a:t>, M., &amp; </a:t>
+                      </a:r>
+                      <a:r>
+                        <a:rPr lang="en-US" dirty="0" err="1" smtClean="0"/>
+                        <a:t>Winblad</a:t>
+                      </a:r>
+                      <a:r>
+                        <a:rPr lang="en-US" dirty="0" smtClean="0"/>
+                        <a:t>, U. (2008). </a:t>
+                      </a:r>
+                      <a:endParaRPr lang="ru-RU" dirty="0"/>
+                    </a:p>
+                  </a:txBody>
+                  <a:tcPr/>
+                </a:tc>
+                <a:tc>
+                  <a:txBody>
+                    <a:bodyPr/>
+                    <a:lstStyle/>
+                    <a:p>
+                      <a:r>
+                        <a:rPr lang="ru-RU" dirty="0" smtClean="0"/>
+                        <a:t>Последствия децентрализованного</a:t>
+                      </a:r>
+                      <a:r>
+                        <a:rPr lang="ru-RU" baseline="0" dirty="0" smtClean="0"/>
+                        <a:t> управления привело к отсутствию к несбалансированности оказания медицинских услуг</a:t>
+                      </a:r>
+                      <a:endParaRPr lang="en-US" dirty="0" smtClean="0"/>
+                    </a:p>
+                    <a:p>
+                      <a:endParaRPr lang="ru-RU" dirty="0"/>
+                    </a:p>
+                  </a:txBody>
+                  <a:tcPr/>
+                </a:tc>
+                <a:extLst>
+                  <a:ext uri="{0D108BD9-81ED-4DB2-BD59-A6C34878D82A}">
+                    <a16:rowId xmlns:a16="http://schemas.microsoft.com/office/drawing/2014/main" val="744524042"/>
+                  </a:ext>
+                </a:extLst>
+              </a:tr>
+            </a:tbl>
+          </a:graphicData>
+        </a:graphic>
+      </p:graphicFrame>
+    </p:spTree>
+    <p:extLst>
+      <p:ext uri="{BB962C8B-B14F-4D97-AF65-F5344CB8AC3E}">
+        <p14:creationId xmlns:p14="http://schemas.microsoft.com/office/powerpoint/2010/main" val="1573342467"/>
+      </p:ext>
+    </p:extLst>
+  </p:cSld>
+  <p:clrMapOvr>
+    <a:masterClrMapping/>
+  </p:clrMapOvr>
+  <p:timing>
+    <p:tnLst>
+      <p:par>
+        <p:cTn id="1" dur="indefinite" restart="never" nodeType="tmRoot"/>
+      </p:par>
+    </p:tnLst>
+  </p:timing>
+</p:sld>
+</file>
+
+<file path=ppt/slides/slide7.xml><?xml version="1.0" encoding="utf-8"?>
 <p:sld xmlns:a="http://schemas.openxmlformats.org/drawingml/2006/main" xmlns:r="http://schemas.openxmlformats.org/officeDocument/2006/relationships" xmlns:p="http://schemas.openxmlformats.org/presentationml/2006/main">
   <p:cSld>
     <p:spTree>
@@ -22056,7 +27778,7 @@
         </p:nvSpPr>
         <p:spPr>
           <a:xfrm>
-            <a:off x="457200" y="927375"/>
+            <a:off x="156725" y="-91225"/>
             <a:ext cx="7927800" cy="620400"/>
           </a:xfrm>
           <a:prstGeom prst="rect">
@@ -22091,8 +27813,8 @@
               <a:buNone/>
             </a:pPr>
             <a:r>
-              <a:rPr lang="ru-RU" dirty="0"/>
-              <a:t>ф</a:t>
+              <a:rPr lang="ru-RU" dirty="0" smtClean="0"/>
+              <a:t>Модель</a:t>
             </a:r>
             <a:endParaRPr sz="3200" b="1" i="0" u="none" strike="noStrike" cap="none" dirty="0">
               <a:solidFill>
@@ -22118,8 +27840,8 @@
         </p:nvSpPr>
         <p:spPr>
           <a:xfrm>
-            <a:off x="156725" y="1431200"/>
-            <a:ext cx="8954700" cy="2379600"/>
+            <a:off x="156725" y="1018309"/>
+            <a:ext cx="5041200" cy="3171295"/>
           </a:xfrm>
           <a:prstGeom prst="rect">
             <a:avLst/>
@@ -22135,24 +27857,98 @@
           </a:bodyPr>
           <a:lstStyle/>
           <a:p>
-            <a:pPr marL="0" marR="0" lvl="0" indent="0" algn="l" rtl="0">
+            <a:pPr marL="0" indent="0">
               <a:lnSpc>
                 <a:spcPct val="80000"/>
               </a:lnSpc>
               <a:spcBef>
                 <a:spcPts val="408"/>
               </a:spcBef>
-              <a:spcAft>
-                <a:spcPts val="0"/>
-              </a:spcAft>
-              <a:buClr>
-                <a:schemeClr val="dk1"/>
-              </a:buClr>
               <a:buSzPts val="2040"/>
-              <a:buFont typeface="Calibri"/>
               <a:buNone/>
             </a:pPr>
-            <a:endParaRPr sz="3000" b="0" i="0" u="none" strike="noStrike" cap="none">
+            <a:r>
+              <a:rPr lang="ru-RU" sz="2000" b="0" i="0" u="none" strike="noStrike" cap="none" dirty="0" smtClean="0">
+                <a:solidFill>
+                  <a:schemeClr val="dk1"/>
+                </a:solidFill>
+                <a:latin typeface="Calibri"/>
+                <a:ea typeface="Calibri"/>
+                <a:cs typeface="Calibri"/>
+                <a:sym typeface="Calibri"/>
+              </a:rPr>
+              <a:t>За основу взята модель из статьи</a:t>
+            </a:r>
+            <a:r>
+              <a:rPr lang="ru-RU" sz="2000" dirty="0" smtClean="0"/>
+              <a:t> </a:t>
+            </a:r>
+            <a:r>
+              <a:rPr lang="en-US" sz="1400" b="0" i="0" u="none" strike="noStrike" cap="none" dirty="0" smtClean="0">
+                <a:solidFill>
+                  <a:schemeClr val="dk1"/>
+                </a:solidFill>
+                <a:latin typeface="Calibri"/>
+                <a:ea typeface="Calibri"/>
+                <a:cs typeface="Calibri"/>
+                <a:sym typeface="Calibri"/>
+                <a:hlinkClick r:id="rId3"/>
+              </a:rPr>
+              <a:t>Towards Model-Based Policy Elaboration on City Scale Using Game Sergey V. </a:t>
+            </a:r>
+            <a:r>
+              <a:rPr lang="en-US" sz="1400" b="0" i="0" u="none" strike="noStrike" cap="none" dirty="0" err="1" smtClean="0">
+                <a:solidFill>
+                  <a:schemeClr val="dk1"/>
+                </a:solidFill>
+                <a:latin typeface="Calibri"/>
+                <a:ea typeface="Calibri"/>
+                <a:cs typeface="Calibri"/>
+                <a:sym typeface="Calibri"/>
+                <a:hlinkClick r:id="rId3"/>
+              </a:rPr>
+              <a:t>Kovalchuk</a:t>
+            </a:r>
+            <a:r>
+              <a:rPr lang="en-US" sz="1400" b="0" i="0" u="none" strike="noStrike" cap="none" dirty="0" smtClean="0">
+                <a:solidFill>
+                  <a:schemeClr val="dk1"/>
+                </a:solidFill>
+                <a:latin typeface="Calibri"/>
+                <a:ea typeface="Calibri"/>
+                <a:cs typeface="Calibri"/>
+                <a:sym typeface="Calibri"/>
+                <a:hlinkClick r:id="rId3"/>
+              </a:rPr>
+              <a:t>, </a:t>
+            </a:r>
+            <a:r>
+              <a:rPr lang="en-US" sz="1400" b="0" i="0" u="none" strike="noStrike" cap="none" dirty="0" err="1" smtClean="0">
+                <a:solidFill>
+                  <a:schemeClr val="dk1"/>
+                </a:solidFill>
+                <a:latin typeface="Calibri"/>
+                <a:ea typeface="Calibri"/>
+                <a:cs typeface="Calibri"/>
+                <a:sym typeface="Calibri"/>
+                <a:hlinkClick r:id="rId3"/>
+              </a:rPr>
+              <a:t>Mariia</a:t>
+            </a:r>
+            <a:r>
+              <a:rPr lang="en-US" sz="1400" b="0" i="0" u="none" strike="noStrike" cap="none" dirty="0" smtClean="0">
+                <a:solidFill>
+                  <a:schemeClr val="dk1"/>
+                </a:solidFill>
+                <a:latin typeface="Calibri"/>
+                <a:ea typeface="Calibri"/>
+                <a:cs typeface="Calibri"/>
+                <a:sym typeface="Calibri"/>
+                <a:hlinkClick r:id="rId3"/>
+              </a:rPr>
+              <a:t> A. Moskalenko, Alexey N. Yakovlev</a:t>
+            </a:r>
+            <a:endParaRPr lang="en-US" sz="1400" b="0" i="0" u="none" strike="noStrike" cap="none" dirty="0" smtClean="0">
               <a:solidFill>
                 <a:schemeClr val="dk1"/>
               </a:solidFill>
@@ -22161,6 +27957,107 @@
               <a:cs typeface="Calibri"/>
               <a:sym typeface="Calibri"/>
             </a:endParaRPr>
+          </a:p>
+          <a:p>
+            <a:pPr marL="0" indent="0">
+              <a:lnSpc>
+                <a:spcPct val="80000"/>
+              </a:lnSpc>
+              <a:spcBef>
+                <a:spcPts val="408"/>
+              </a:spcBef>
+              <a:buSzPts val="2040"/>
+              <a:buNone/>
+            </a:pPr>
+            <a:endParaRPr lang="ru-RU" sz="1400" dirty="0"/>
+          </a:p>
+          <a:p>
+            <a:pPr marL="0" indent="0">
+              <a:lnSpc>
+                <a:spcPct val="80000"/>
+              </a:lnSpc>
+              <a:spcBef>
+                <a:spcPts val="408"/>
+              </a:spcBef>
+              <a:buSzPts val="2040"/>
+              <a:buNone/>
+            </a:pPr>
+            <a:endParaRPr lang="ru-RU" sz="1400" dirty="0" smtClean="0"/>
+          </a:p>
+          <a:p>
+            <a:pPr marL="0" indent="0">
+              <a:lnSpc>
+                <a:spcPct val="80000"/>
+              </a:lnSpc>
+              <a:spcBef>
+                <a:spcPts val="408"/>
+              </a:spcBef>
+              <a:buSzPts val="2040"/>
+              <a:buNone/>
+            </a:pPr>
+            <a:endParaRPr lang="en-US" sz="1400" dirty="0"/>
+          </a:p>
+          <a:p>
+            <a:pPr marL="0" indent="0">
+              <a:lnSpc>
+                <a:spcPct val="80000"/>
+              </a:lnSpc>
+              <a:spcBef>
+                <a:spcPts val="408"/>
+              </a:spcBef>
+              <a:buSzPts val="2040"/>
+              <a:buNone/>
+            </a:pPr>
+            <a:r>
+              <a:rPr lang="ru-RU" sz="2800" dirty="0" smtClean="0"/>
+              <a:t>Что нового:</a:t>
+            </a:r>
+          </a:p>
+          <a:p>
+            <a:pPr indent="-457200">
+              <a:lnSpc>
+                <a:spcPct val="80000"/>
+              </a:lnSpc>
+              <a:spcBef>
+                <a:spcPts val="408"/>
+              </a:spcBef>
+              <a:buSzPts val="2040"/>
+            </a:pPr>
+            <a:r>
+              <a:rPr lang="ru-RU" sz="2000" dirty="0" smtClean="0"/>
+              <a:t>Смешанные стратегии (равновесие Нэша)</a:t>
+            </a:r>
+          </a:p>
+          <a:p>
+            <a:pPr indent="-457200">
+              <a:lnSpc>
+                <a:spcPct val="80000"/>
+              </a:lnSpc>
+              <a:spcBef>
+                <a:spcPts val="408"/>
+              </a:spcBef>
+              <a:buSzPts val="2040"/>
+            </a:pPr>
+            <a:r>
+              <a:rPr lang="ru-RU" sz="2000" dirty="0" smtClean="0"/>
+              <a:t>Регулирование с помощью диспетчера</a:t>
+            </a:r>
+          </a:p>
+          <a:p>
+            <a:pPr indent="-457200">
+              <a:lnSpc>
+                <a:spcPct val="80000"/>
+              </a:lnSpc>
+              <a:spcBef>
+                <a:spcPts val="408"/>
+              </a:spcBef>
+              <a:buSzPts val="2040"/>
+            </a:pPr>
+            <a:r>
+              <a:rPr lang="ru-RU" sz="2000" dirty="0" smtClean="0"/>
+              <a:t>Регулирование с помощью выплат за вылеченных больных</a:t>
+            </a:r>
+            <a:endParaRPr lang="en-US" sz="2000" dirty="0"/>
           </a:p>
         </p:txBody>
       </p:sp>
@@ -22176,8 +28073,8 @@
         </p:nvSpPr>
         <p:spPr>
           <a:xfrm>
-            <a:off x="8562734" y="1"/>
-            <a:ext cx="548700" cy="393600"/>
+            <a:off x="8562734" y="0"/>
+            <a:ext cx="548700" cy="393601"/>
           </a:xfrm>
           <a:prstGeom prst="rect">
             <a:avLst/>
@@ -22198,41 +28095,67 @@
               </a:spcAft>
               <a:buNone/>
             </a:pPr>
-            <a:fld id="{00000000-1234-1234-1234-123412341234}" type="slidenum">
-              <a:rPr lang="ru-RU"/>
-              <a:t>4</a:t>
-            </a:fld>
-            <a:endParaRPr/>
+            <a:r>
+              <a:rPr lang="en-US" dirty="0" smtClean="0"/>
+              <a:t>7</a:t>
+            </a:r>
+            <a:r>
+              <a:rPr lang="en-US" dirty="0" smtClean="0"/>
+              <a:t>/1</a:t>
+            </a:r>
+            <a:r>
+              <a:rPr lang="ru-RU" dirty="0" smtClean="0"/>
+              <a:t>6</a:t>
+            </a:r>
+            <a:endParaRPr dirty="0"/>
           </a:p>
         </p:txBody>
       </p:sp>
+      <p:pic>
+        <p:nvPicPr>
+          <p:cNvPr id="2" name="Picture 1"/>
+          <p:cNvPicPr>
+            <a:picLocks noChangeAspect="1"/>
+          </p:cNvPicPr>
+          <p:nvPr/>
+        </p:nvPicPr>
+        <p:blipFill>
+          <a:blip r:embed="rId4"/>
+          <a:stretch>
+            <a:fillRect/>
+          </a:stretch>
+        </p:blipFill>
+        <p:spPr>
+          <a:xfrm>
+            <a:off x="5197925" y="1239982"/>
+            <a:ext cx="3705691" cy="3438756"/>
+          </a:xfrm>
+          <a:prstGeom prst="rect">
+            <a:avLst/>
+          </a:prstGeom>
+        </p:spPr>
+      </p:pic>
     </p:spTree>
   </p:cSld>
   <p:clrMapOvr>
     <a:masterClrMapping/>
   </p:clrMapOvr>
+  <p:timing>
+    <p:tnLst>
+      <p:par>
+        <p:cTn id="1" dur="indefinite" restart="never" nodeType="tmRoot"/>
+      </p:par>
+    </p:tnLst>
+  </p:timing>
 </p:sld>
 </file>
 
-<file path=ppt/slides/slide6.xml><?xml version="1.0" encoding="utf-8"?>
+<file path=ppt/slides/slide8.xml><?xml version="1.0" encoding="utf-8"?>
 <p:sld xmlns:a="http://schemas.openxmlformats.org/drawingml/2006/main" xmlns:r="http://schemas.openxmlformats.org/officeDocument/2006/relationships" xmlns:p="http://schemas.openxmlformats.org/presentationml/2006/main">
   <p:cSld>
-    <p:bg>
-      <p:bgPr>
-        <a:blipFill>
-          <a:blip r:embed="rId3">
-            <a:alphaModFix/>
-          </a:blip>
-          <a:stretch>
-            <a:fillRect/>
-          </a:stretch>
-        </a:blipFill>
-        <a:effectLst/>
-      </p:bgPr>
-    </p:bg>
     <p:spTree>
       <p:nvGrpSpPr>
-        <p:cNvPr id="1" name="Shape 115"/>
+        <p:cNvPr id="1" name=""/>
         <p:cNvGrpSpPr/>
         <p:nvPr/>
       </p:nvGrpSpPr>
@@ -22246,8 +28169,8 @@
       </p:grpSpPr>
       <p:sp>
         <p:nvSpPr>
-          <p:cNvPr id="116" name="Google Shape;116;p16"/>
-          <p:cNvSpPr txBox="1">
+          <p:cNvPr id="2" name="Title 1"/>
+          <p:cNvSpPr>
             <a:spLocks noGrp="1"/>
           </p:cNvSpPr>
           <p:nvPr>
@@ -22256,139 +28179,444 @@
         </p:nvSpPr>
         <p:spPr>
           <a:xfrm>
-            <a:off x="457200" y="1801258"/>
+            <a:off x="48491" y="-49363"/>
             <a:ext cx="8229600" cy="620483"/>
+          </a:xfrm>
+        </p:spPr>
+        <p:txBody>
+          <a:bodyPr/>
+          <a:lstStyle/>
+          <a:p>
+            <a:r>
+              <a:rPr lang="ru-RU" dirty="0" smtClean="0"/>
+              <a:t>Диспетчер</a:t>
+            </a:r>
+            <a:endParaRPr lang="ru-RU" dirty="0"/>
+          </a:p>
+        </p:txBody>
+      </p:sp>
+      <p:sp>
+        <p:nvSpPr>
+          <p:cNvPr id="15" name="Slide Number Placeholder 14"/>
+          <p:cNvSpPr>
+            <a:spLocks noGrp="1"/>
+          </p:cNvSpPr>
+          <p:nvPr>
+            <p:ph type="sldNum" idx="12"/>
+          </p:nvPr>
+        </p:nvSpPr>
+        <p:spPr/>
+        <p:txBody>
+          <a:bodyPr/>
+          <a:lstStyle/>
+          <a:p>
+            <a:pPr marL="0" lvl="0" indent="0" algn="r" rtl="0">
+              <a:spcBef>
+                <a:spcPts val="0"/>
+              </a:spcBef>
+              <a:spcAft>
+                <a:spcPts val="0"/>
+              </a:spcAft>
+              <a:buNone/>
+            </a:pPr>
+            <a:fld id="{00000000-1234-1234-1234-123412341234}" type="slidenum">
+              <a:rPr lang="ru-RU" smtClean="0"/>
+              <a:t>7</a:t>
+            </a:fld>
+            <a:endParaRPr lang="ru-RU" dirty="0"/>
+          </a:p>
+        </p:txBody>
+      </p:sp>
+      <p:sp>
+        <p:nvSpPr>
+          <p:cNvPr id="22" name="Rectangle 21"/>
+          <p:cNvSpPr/>
+          <p:nvPr/>
+        </p:nvSpPr>
+        <p:spPr>
+          <a:xfrm>
+            <a:off x="8674919" y="12557"/>
+            <a:ext cx="503664" cy="292388"/>
           </a:xfrm>
           <a:prstGeom prst="rect">
             <a:avLst/>
           </a:prstGeom>
-          <a:noFill/>
-          <a:ln>
-            <a:noFill/>
-          </a:ln>
         </p:spPr>
         <p:txBody>
-          <a:bodyPr spcFirstLastPara="1" wrap="square" lIns="91425" tIns="45700" rIns="91425" bIns="45700" anchor="ctr" anchorCtr="0">
-            <a:noAutofit/>
+          <a:bodyPr wrap="none">
+            <a:spAutoFit/>
           </a:bodyPr>
           <a:lstStyle/>
           <a:p>
-            <a:pPr marL="0" marR="0" lvl="0" indent="0" algn="ctr" rtl="0">
-              <a:lnSpc>
-                <a:spcPct val="100000"/>
-              </a:lnSpc>
-              <a:spcBef>
-                <a:spcPts val="0"/>
-              </a:spcBef>
-              <a:spcAft>
-                <a:spcPts val="0"/>
-              </a:spcAft>
-              <a:buClr>
-                <a:schemeClr val="lt1"/>
-              </a:buClr>
-              <a:buSzPts val="3200"/>
-              <a:buFont typeface="Calibri"/>
-              <a:buNone/>
-            </a:pPr>
+            <a:pPr lvl="0" algn="r"/>
             <a:r>
-              <a:rPr lang="ru-RU" sz="3200" b="1" i="0" u="none" strike="noStrike" cap="none">
-                <a:solidFill>
-                  <a:schemeClr val="lt1"/>
-                </a:solidFill>
-                <a:latin typeface="Calibri"/>
-                <a:ea typeface="Calibri"/>
-                <a:cs typeface="Calibri"/>
-                <a:sym typeface="Calibri"/>
+              <a:rPr lang="ru-RU" sz="1300" dirty="0">
+                <a:latin typeface="Calibri" panose="020F0502020204030204" pitchFamily="34" charset="0"/>
+                <a:cs typeface="Calibri" panose="020F0502020204030204" pitchFamily="34" charset="0"/>
               </a:rPr>
-              <a:t>Спасибо за внимание!</a:t>
+              <a:t>8</a:t>
             </a:r>
-            <a:endParaRPr sz="3200" b="1" i="0" u="none" strike="noStrike" cap="none">
-              <a:solidFill>
-                <a:schemeClr val="lt1"/>
-              </a:solidFill>
-              <a:latin typeface="Calibri"/>
-              <a:ea typeface="Calibri"/>
-              <a:cs typeface="Calibri"/>
-              <a:sym typeface="Calibri"/>
+            <a:r>
+              <a:rPr lang="en-US" sz="1300" dirty="0" smtClean="0">
+                <a:latin typeface="Calibri" panose="020F0502020204030204" pitchFamily="34" charset="0"/>
+                <a:cs typeface="Calibri" panose="020F0502020204030204" pitchFamily="34" charset="0"/>
+              </a:rPr>
+              <a:t>/1</a:t>
+            </a:r>
+            <a:r>
+              <a:rPr lang="ru-RU" sz="1300" dirty="0" smtClean="0">
+                <a:latin typeface="Calibri" panose="020F0502020204030204" pitchFamily="34" charset="0"/>
+                <a:cs typeface="Calibri" panose="020F0502020204030204" pitchFamily="34" charset="0"/>
+              </a:rPr>
+              <a:t>6</a:t>
+            </a:r>
+            <a:endParaRPr lang="ru-RU" sz="1300" dirty="0">
+              <a:latin typeface="Calibri" panose="020F0502020204030204" pitchFamily="34" charset="0"/>
+              <a:cs typeface="Calibri" panose="020F0502020204030204" pitchFamily="34" charset="0"/>
             </a:endParaRPr>
           </a:p>
         </p:txBody>
       </p:sp>
       <p:sp>
         <p:nvSpPr>
-          <p:cNvPr id="117" name="Google Shape;117;p16"/>
-          <p:cNvSpPr txBox="1">
-            <a:spLocks noGrp="1"/>
-          </p:cNvSpPr>
-          <p:nvPr>
-            <p:ph type="body" idx="1"/>
-          </p:nvPr>
+          <p:cNvPr id="23" name="TextBox 22"/>
+          <p:cNvSpPr txBox="1"/>
+          <p:nvPr/>
         </p:nvSpPr>
         <p:spPr>
           <a:xfrm>
-            <a:off x="457200" y="2578684"/>
-            <a:ext cx="8229600" cy="594122"/>
+            <a:off x="131618" y="1405176"/>
+            <a:ext cx="2195946" cy="2246769"/>
           </a:xfrm>
           <a:prstGeom prst="rect">
             <a:avLst/>
           </a:prstGeom>
           <a:noFill/>
-          <a:ln>
-            <a:noFill/>
-          </a:ln>
         </p:spPr>
         <p:txBody>
-          <a:bodyPr spcFirstLastPara="1" wrap="square" lIns="91425" tIns="45700" rIns="91425" bIns="45700" anchor="t" anchorCtr="0">
-            <a:noAutofit/>
+          <a:bodyPr wrap="square" rtlCol="0">
+            <a:spAutoFit/>
           </a:bodyPr>
           <a:lstStyle/>
           <a:p>
-            <a:pPr marL="0" marR="0" lvl="0" indent="0" algn="ctr" rtl="0">
-              <a:lnSpc>
-                <a:spcPct val="100000"/>
-              </a:lnSpc>
-              <a:spcBef>
-                <a:spcPts val="0"/>
-              </a:spcBef>
-              <a:spcAft>
-                <a:spcPts val="0"/>
-              </a:spcAft>
-              <a:buClr>
-                <a:srgbClr val="FFFFFF"/>
-              </a:buClr>
-              <a:buSzPts val="2000"/>
-              <a:buFont typeface="Calibri"/>
-              <a:buNone/>
+            <a:pPr marL="285750" indent="-285750">
+              <a:buFont typeface="Arial" panose="020B0604020202020204" pitchFamily="34" charset="0"/>
+              <a:buChar char="•"/>
             </a:pPr>
             <a:r>
-              <a:rPr lang="ru-RU" sz="2000" b="0" i="0" u="none" strike="noStrike" cap="none">
-                <a:solidFill>
-                  <a:srgbClr val="FFFFFF"/>
-                </a:solidFill>
-                <a:latin typeface="Calibri"/>
-                <a:ea typeface="Calibri"/>
-                <a:cs typeface="Calibri"/>
-                <a:sym typeface="Calibri"/>
+              <a:rPr lang="ru-RU" dirty="0" smtClean="0"/>
+              <a:t>Диспетчер может быть активным или пассивным</a:t>
+            </a:r>
+          </a:p>
+          <a:p>
+            <a:endParaRPr lang="ru-RU" dirty="0"/>
+          </a:p>
+          <a:p>
+            <a:endParaRPr lang="ru-RU" dirty="0" smtClean="0"/>
+          </a:p>
+          <a:p>
+            <a:endParaRPr lang="ru-RU" dirty="0" smtClean="0"/>
+          </a:p>
+          <a:p>
+            <a:pPr marL="285750" indent="-285750">
+              <a:buFont typeface="Arial" panose="020B0604020202020204" pitchFamily="34" charset="0"/>
+              <a:buChar char="•"/>
+            </a:pPr>
+            <a:r>
+              <a:rPr lang="ru-RU" dirty="0" smtClean="0"/>
+              <a:t>Активный диспетчер сможет оптимально распределить нагрузку</a:t>
+            </a:r>
+            <a:endParaRPr lang="ru-RU" dirty="0"/>
+          </a:p>
+        </p:txBody>
+      </p:sp>
+      <p:pic>
+        <p:nvPicPr>
+          <p:cNvPr id="24" name="Picture 23"/>
+          <p:cNvPicPr>
+            <a:picLocks noChangeAspect="1"/>
+          </p:cNvPicPr>
+          <p:nvPr/>
+        </p:nvPicPr>
+        <p:blipFill>
+          <a:blip r:embed="rId3">
+            <a:extLst>
+              <a:ext uri="{28A0092B-C50C-407E-A947-70E740481C1C}">
+                <a14:useLocalDpi xmlns:a14="http://schemas.microsoft.com/office/drawing/2010/main" val="0"/>
+              </a:ext>
+            </a:extLst>
+          </a:blip>
+          <a:stretch>
+            <a:fillRect/>
+          </a:stretch>
+        </p:blipFill>
+        <p:spPr>
+          <a:xfrm>
+            <a:off x="3027398" y="1065283"/>
+            <a:ext cx="5529386" cy="3684568"/>
+          </a:xfrm>
+          <a:prstGeom prst="rect">
+            <a:avLst/>
+          </a:prstGeom>
+        </p:spPr>
+      </p:pic>
+    </p:spTree>
+    <p:extLst>
+      <p:ext uri="{BB962C8B-B14F-4D97-AF65-F5344CB8AC3E}">
+        <p14:creationId xmlns:p14="http://schemas.microsoft.com/office/powerpoint/2010/main" val="3335493755"/>
+      </p:ext>
+    </p:extLst>
+  </p:cSld>
+  <p:clrMapOvr>
+    <a:masterClrMapping/>
+  </p:clrMapOvr>
+  <p:timing>
+    <p:tnLst>
+      <p:par>
+        <p:cTn id="1" dur="indefinite" restart="never" nodeType="tmRoot"/>
+      </p:par>
+    </p:tnLst>
+  </p:timing>
+</p:sld>
+</file>
+
+<file path=ppt/slides/slide9.xml><?xml version="1.0" encoding="utf-8"?>
+<p:sld xmlns:a="http://schemas.openxmlformats.org/drawingml/2006/main" xmlns:r="http://schemas.openxmlformats.org/officeDocument/2006/relationships" xmlns:p="http://schemas.openxmlformats.org/presentationml/2006/main">
+  <p:cSld>
+    <p:spTree>
+      <p:nvGrpSpPr>
+        <p:cNvPr id="1" name=""/>
+        <p:cNvGrpSpPr/>
+        <p:nvPr/>
+      </p:nvGrpSpPr>
+      <p:grpSpPr>
+        <a:xfrm>
+          <a:off x="0" y="0"/>
+          <a:ext cx="0" cy="0"/>
+          <a:chOff x="0" y="0"/>
+          <a:chExt cx="0" cy="0"/>
+        </a:xfrm>
+      </p:grpSpPr>
+      <p:sp>
+        <p:nvSpPr>
+          <p:cNvPr id="2" name="Title 1"/>
+          <p:cNvSpPr>
+            <a:spLocks noGrp="1"/>
+          </p:cNvSpPr>
+          <p:nvPr>
+            <p:ph type="title"/>
+          </p:nvPr>
+        </p:nvSpPr>
+        <p:spPr>
+          <a:xfrm>
+            <a:off x="48491" y="-49363"/>
+            <a:ext cx="8229600" cy="620483"/>
+          </a:xfrm>
+        </p:spPr>
+        <p:txBody>
+          <a:bodyPr/>
+          <a:lstStyle/>
+          <a:p>
+            <a:r>
+              <a:rPr lang="ru-RU" dirty="0" smtClean="0"/>
+              <a:t>Диспетчер</a:t>
+            </a:r>
+            <a:endParaRPr lang="ru-RU" dirty="0"/>
+          </a:p>
+        </p:txBody>
+      </p:sp>
+      <p:sp>
+        <p:nvSpPr>
+          <p:cNvPr id="15" name="Slide Number Placeholder 14"/>
+          <p:cNvSpPr>
+            <a:spLocks noGrp="1"/>
+          </p:cNvSpPr>
+          <p:nvPr>
+            <p:ph type="sldNum" idx="12"/>
+          </p:nvPr>
+        </p:nvSpPr>
+        <p:spPr/>
+        <p:txBody>
+          <a:bodyPr/>
+          <a:lstStyle/>
+          <a:p>
+            <a:pPr marL="0" lvl="0" indent="0" algn="r" rtl="0">
+              <a:spcBef>
+                <a:spcPts val="0"/>
+              </a:spcBef>
+              <a:spcAft>
+                <a:spcPts val="0"/>
+              </a:spcAft>
+              <a:buNone/>
+            </a:pPr>
+            <a:fld id="{00000000-1234-1234-1234-123412341234}" type="slidenum">
+              <a:rPr lang="ru-RU" smtClean="0"/>
+              <a:t>8</a:t>
+            </a:fld>
+            <a:endParaRPr lang="ru-RU"/>
+          </a:p>
+        </p:txBody>
+      </p:sp>
+      <p:pic>
+        <p:nvPicPr>
+          <p:cNvPr id="5" name="Picture 4"/>
+          <p:cNvPicPr>
+            <a:picLocks noChangeAspect="1"/>
+          </p:cNvPicPr>
+          <p:nvPr/>
+        </p:nvPicPr>
+        <p:blipFill>
+          <a:blip r:embed="rId3">
+            <a:extLst>
+              <a:ext uri="{28A0092B-C50C-407E-A947-70E740481C1C}">
+                <a14:useLocalDpi xmlns:a14="http://schemas.microsoft.com/office/drawing/2010/main" val="0"/>
+              </a:ext>
+            </a:extLst>
+          </a:blip>
+          <a:stretch>
+            <a:fillRect/>
+          </a:stretch>
+        </p:blipFill>
+        <p:spPr>
+          <a:xfrm>
+            <a:off x="2957945" y="1108552"/>
+            <a:ext cx="5598839" cy="3930990"/>
+          </a:xfrm>
+          <a:prstGeom prst="rect">
+            <a:avLst/>
+          </a:prstGeom>
+        </p:spPr>
+      </p:pic>
+      <p:sp>
+        <p:nvSpPr>
+          <p:cNvPr id="6" name="Rectangle 5"/>
+          <p:cNvSpPr/>
+          <p:nvPr/>
+        </p:nvSpPr>
+        <p:spPr>
+          <a:xfrm>
+            <a:off x="8674919" y="12557"/>
+            <a:ext cx="503664" cy="292388"/>
+          </a:xfrm>
+          <a:prstGeom prst="rect">
+            <a:avLst/>
+          </a:prstGeom>
+        </p:spPr>
+        <p:txBody>
+          <a:bodyPr wrap="none">
+            <a:spAutoFit/>
+          </a:bodyPr>
+          <a:lstStyle/>
+          <a:p>
+            <a:pPr lvl="0" algn="r"/>
+            <a:r>
+              <a:rPr lang="ru-RU" sz="1300" dirty="0">
+                <a:latin typeface="Calibri" panose="020F0502020204030204" pitchFamily="34" charset="0"/>
+                <a:cs typeface="Calibri" panose="020F0502020204030204" pitchFamily="34" charset="0"/>
               </a:rPr>
-              <a:t>www.ifmo.ru</a:t>
+              <a:t>9</a:t>
             </a:r>
-            <a:endParaRPr sz="2000" b="0" i="0" u="none" strike="noStrike" cap="none">
-              <a:solidFill>
-                <a:srgbClr val="FFFFFF"/>
-              </a:solidFill>
-              <a:latin typeface="Calibri"/>
-              <a:ea typeface="Calibri"/>
-              <a:cs typeface="Calibri"/>
-              <a:sym typeface="Calibri"/>
+            <a:r>
+              <a:rPr lang="en-US" sz="1300" dirty="0" smtClean="0">
+                <a:latin typeface="Calibri" panose="020F0502020204030204" pitchFamily="34" charset="0"/>
+                <a:cs typeface="Calibri" panose="020F0502020204030204" pitchFamily="34" charset="0"/>
+              </a:rPr>
+              <a:t>/1</a:t>
+            </a:r>
+            <a:r>
+              <a:rPr lang="ru-RU" sz="1300" dirty="0" smtClean="0">
+                <a:latin typeface="Calibri" panose="020F0502020204030204" pitchFamily="34" charset="0"/>
+                <a:cs typeface="Calibri" panose="020F0502020204030204" pitchFamily="34" charset="0"/>
+              </a:rPr>
+              <a:t>6</a:t>
+            </a:r>
+            <a:endParaRPr lang="ru-RU" sz="1300" dirty="0">
+              <a:latin typeface="Calibri" panose="020F0502020204030204" pitchFamily="34" charset="0"/>
+              <a:cs typeface="Calibri" panose="020F0502020204030204" pitchFamily="34" charset="0"/>
             </a:endParaRPr>
           </a:p>
         </p:txBody>
       </p:sp>
+      <p:sp>
+        <p:nvSpPr>
+          <p:cNvPr id="3" name="TextBox 2"/>
+          <p:cNvSpPr txBox="1"/>
+          <p:nvPr/>
+        </p:nvSpPr>
+        <p:spPr>
+          <a:xfrm>
+            <a:off x="221673" y="1593273"/>
+            <a:ext cx="2632363" cy="2462213"/>
+          </a:xfrm>
+          <a:prstGeom prst="rect">
+            <a:avLst/>
+          </a:prstGeom>
+          <a:noFill/>
+        </p:spPr>
+        <p:txBody>
+          <a:bodyPr wrap="square" rtlCol="0">
+            <a:spAutoFit/>
+          </a:bodyPr>
+          <a:lstStyle/>
+          <a:p>
+            <a:pPr marL="285750" indent="-285750">
+              <a:buFont typeface="Arial" panose="020B0604020202020204" pitchFamily="34" charset="0"/>
+              <a:buChar char="•"/>
+            </a:pPr>
+            <a:r>
+              <a:rPr lang="ru-RU" dirty="0" smtClean="0"/>
+              <a:t>Пассивный диспетчер действует как прежде – отправляет в ближайший госпиталь</a:t>
+            </a:r>
+          </a:p>
+          <a:p>
+            <a:pPr marL="285750" indent="-285750">
+              <a:buFont typeface="Arial" panose="020B0604020202020204" pitchFamily="34" charset="0"/>
+              <a:buChar char="•"/>
+            </a:pPr>
+            <a:endParaRPr lang="ru-RU" dirty="0"/>
+          </a:p>
+          <a:p>
+            <a:pPr marL="285750" indent="-285750">
+              <a:buFont typeface="Arial" panose="020B0604020202020204" pitchFamily="34" charset="0"/>
+              <a:buChar char="•"/>
+            </a:pPr>
+            <a:endParaRPr lang="ru-RU" dirty="0" smtClean="0"/>
+          </a:p>
+          <a:p>
+            <a:pPr marL="285750" indent="-285750">
+              <a:buFont typeface="Arial" panose="020B0604020202020204" pitchFamily="34" charset="0"/>
+              <a:buChar char="•"/>
+            </a:pPr>
+            <a:r>
+              <a:rPr lang="ru-RU" dirty="0" smtClean="0"/>
+              <a:t>Госпиталь может перенаправить пациента в случае переполнения</a:t>
+            </a:r>
+          </a:p>
+          <a:p>
+            <a:endParaRPr lang="ru-RU" dirty="0"/>
+          </a:p>
+          <a:p>
+            <a:endParaRPr lang="ru-RU" dirty="0"/>
+          </a:p>
+        </p:txBody>
+      </p:sp>
     </p:spTree>
+    <p:extLst>
+      <p:ext uri="{BB962C8B-B14F-4D97-AF65-F5344CB8AC3E}">
+        <p14:creationId xmlns:p14="http://schemas.microsoft.com/office/powerpoint/2010/main" val="2145392566"/>
+      </p:ext>
+    </p:extLst>
   </p:cSld>
   <p:clrMapOvr>
     <a:masterClrMapping/>
   </p:clrMapOvr>
+  <p:timing>
+    <p:tnLst>
+      <p:par>
+        <p:cTn id="1" dur="indefinite" restart="never" nodeType="tmRoot"/>
+      </p:par>
+    </p:tnLst>
+  </p:timing>
 </p:sld>
 </file>
 

--- a/Diplom_Presentation.pptx
+++ b/Diplom_Presentation.pptx
@@ -287,48 +287,6 @@
     </p:extLst>
   </p:cmAuthor>
 </p:cmAuthorLst>
-</file>
-
-<file path=ppt/comments/comment1.xml><?xml version="1.0" encoding="utf-8"?>
-<p:cmLst xmlns:a="http://schemas.openxmlformats.org/drawingml/2006/main" xmlns:r="http://schemas.openxmlformats.org/officeDocument/2006/relationships" xmlns:p="http://schemas.openxmlformats.org/presentationml/2006/main">
-  <p:cm authorId="1" dt="2019-05-23T16:39:12.177" idx="1">
-    <p:pos x="10" y="10"/>
-    <p:text/>
-    <p:extLst>
-      <p:ext uri="{C676402C-5697-4E1C-873F-D02D1690AC5C}">
-        <p15:threadingInfo xmlns:p15="http://schemas.microsoft.com/office/powerpoint/2012/main" timeZoneBias="-180"/>
-      </p:ext>
-    </p:extLst>
-  </p:cm>
-</p:cmLst>
-</file>
-
-<file path=ppt/comments/comment2.xml><?xml version="1.0" encoding="utf-8"?>
-<p:cmLst xmlns:a="http://schemas.openxmlformats.org/drawingml/2006/main" xmlns:r="http://schemas.openxmlformats.org/officeDocument/2006/relationships" xmlns:p="http://schemas.openxmlformats.org/presentationml/2006/main">
-  <p:cm authorId="1" dt="2019-05-23T16:39:12.177" idx="1">
-    <p:pos x="10" y="10"/>
-    <p:text/>
-    <p:extLst>
-      <p:ext uri="{C676402C-5697-4E1C-873F-D02D1690AC5C}">
-        <p15:threadingInfo xmlns:p15="http://schemas.microsoft.com/office/powerpoint/2012/main" timeZoneBias="-180"/>
-      </p:ext>
-    </p:extLst>
-  </p:cm>
-</p:cmLst>
-</file>
-
-<file path=ppt/comments/comment3.xml><?xml version="1.0" encoding="utf-8"?>
-<p:cmLst xmlns:a="http://schemas.openxmlformats.org/drawingml/2006/main" xmlns:r="http://schemas.openxmlformats.org/officeDocument/2006/relationships" xmlns:p="http://schemas.openxmlformats.org/presentationml/2006/main">
-  <p:cm authorId="1" dt="2019-05-23T16:39:12.177" idx="1">
-    <p:pos x="10" y="10"/>
-    <p:text/>
-    <p:extLst>
-      <p:ext uri="{C676402C-5697-4E1C-873F-D02D1690AC5C}">
-        <p15:threadingInfo xmlns:p15="http://schemas.microsoft.com/office/powerpoint/2012/main" timeZoneBias="-180"/>
-      </p:ext>
-    </p:extLst>
-  </p:cm>
-</p:cmLst>
 </file>
 
 <file path=ppt/notesMasters/notesMaster1.xml><?xml version="1.0" encoding="utf-8"?>
@@ -10461,7 +10419,7 @@
           <a:p>
             <a:fld id="{C54B9103-E2C0-4214-94EF-D457572A6792}" type="datetimeFigureOut">
               <a:rPr lang="ru-RU" smtClean="0"/>
-              <a:t>23.05.2019</a:t>
+              <a:t>29.05.2019</a:t>
             </a:fld>
             <a:endParaRPr lang="ru-RU"/>
           </a:p>
@@ -21182,13 +21140,6 @@
   <p:clrMapOvr>
     <a:masterClrMapping/>
   </p:clrMapOvr>
-  <p:timing>
-    <p:tnLst>
-      <p:par>
-        <p:cTn id="1" dur="indefinite" restart="never" nodeType="tmRoot"/>
-      </p:par>
-    </p:tnLst>
-  </p:timing>
 </p:sld>
 </file>
 
@@ -21230,10 +21181,9 @@
           <a:lstStyle/>
           <a:p>
             <a:r>
-              <a:rPr lang="ru-RU" dirty="0" smtClean="0"/>
+              <a:rPr lang="ru-RU" dirty="0"/>
               <a:t>Стратегии диспетчера</a:t>
             </a:r>
-            <a:endParaRPr lang="ru-RU" dirty="0"/>
           </a:p>
         </p:txBody>
       </p:sp>
@@ -21292,30 +21242,26 @@
           <a:p>
             <a:pPr lvl="0" algn="r"/>
             <a:r>
-              <a:rPr lang="ru-RU" sz="1300" dirty="0" smtClean="0">
+              <a:rPr lang="ru-RU" sz="1300" dirty="0">
                 <a:latin typeface="Calibri" panose="020F0502020204030204" pitchFamily="34" charset="0"/>
                 <a:cs typeface="Calibri" panose="020F0502020204030204" pitchFamily="34" charset="0"/>
               </a:rPr>
               <a:t>10</a:t>
             </a:r>
             <a:r>
-              <a:rPr lang="en-US" sz="1300" dirty="0" smtClean="0">
+              <a:rPr lang="en-US" sz="1300" dirty="0">
                 <a:latin typeface="Calibri" panose="020F0502020204030204" pitchFamily="34" charset="0"/>
                 <a:cs typeface="Calibri" panose="020F0502020204030204" pitchFamily="34" charset="0"/>
               </a:rPr>
               <a:t>/1</a:t>
             </a:r>
             <a:r>
-              <a:rPr lang="ru-RU" sz="1300" dirty="0" smtClean="0">
+              <a:rPr lang="ru-RU" sz="1300" dirty="0">
                 <a:latin typeface="Calibri" panose="020F0502020204030204" pitchFamily="34" charset="0"/>
                 <a:cs typeface="Calibri" panose="020F0502020204030204" pitchFamily="34" charset="0"/>
               </a:rPr>
               <a:t>6</a:t>
             </a:r>
-            <a:endParaRPr lang="ru-RU" sz="1300" dirty="0">
-              <a:latin typeface="Calibri" panose="020F0502020204030204" pitchFamily="34" charset="0"/>
-              <a:cs typeface="Calibri" panose="020F0502020204030204" pitchFamily="34" charset="0"/>
-            </a:endParaRPr>
           </a:p>
         </p:txBody>
       </p:sp>
@@ -21346,7 +21292,7 @@
               <a:buChar char="•"/>
             </a:pPr>
             <a:r>
-              <a:rPr lang="ru-RU" dirty="0" smtClean="0"/>
+              <a:rPr lang="ru-RU" dirty="0"/>
               <a:t>Изначально – пассивный диспетчер</a:t>
             </a:r>
           </a:p>
@@ -21356,7 +21302,7 @@
               <a:buChar char="•"/>
             </a:pPr>
             <a:r>
-              <a:rPr lang="ru-RU" dirty="0" smtClean="0"/>
+              <a:rPr lang="ru-RU" dirty="0"/>
               <a:t>После нескольких отказов (из-за переполнения) – активный диспетчер</a:t>
             </a:r>
           </a:p>
@@ -21369,7 +21315,7 @@
           </a:p>
           <a:p>
             <a:r>
-              <a:rPr lang="ru-RU" dirty="0" smtClean="0"/>
+              <a:rPr lang="ru-RU" dirty="0"/>
               <a:t>Такой алгоритм определяет следующие стратегии:</a:t>
             </a:r>
           </a:p>
@@ -21379,11 +21325,11 @@
               <a:buChar char="•"/>
             </a:pPr>
             <a:r>
-              <a:rPr lang="en-US" dirty="0" smtClean="0"/>
+              <a:rPr lang="en-US" dirty="0"/>
               <a:t>Nearest 2 – </a:t>
             </a:r>
             <a:r>
-              <a:rPr lang="ru-RU" dirty="0" smtClean="0"/>
+              <a:rPr lang="ru-RU" dirty="0"/>
               <a:t>активный диспетчер действует после 2 отказов </a:t>
             </a:r>
           </a:p>
@@ -21393,11 +21339,11 @@
               <a:buChar char="•"/>
             </a:pPr>
             <a:r>
-              <a:rPr lang="en-US" dirty="0" smtClean="0"/>
+              <a:rPr lang="en-US" dirty="0"/>
               <a:t>Nearest 1 – </a:t>
             </a:r>
             <a:r>
-              <a:rPr lang="ru-RU" dirty="0" smtClean="0"/>
+              <a:rPr lang="ru-RU" dirty="0"/>
               <a:t>после 1 отказа</a:t>
             </a:r>
           </a:p>
@@ -21407,18 +21353,13 @@
               <a:buChar char="•"/>
             </a:pPr>
             <a:r>
-              <a:rPr lang="en-US" dirty="0" smtClean="0"/>
+              <a:rPr lang="en-US" dirty="0"/>
               <a:t>Best Expectation - </a:t>
             </a:r>
             <a:r>
               <a:rPr lang="ru-RU" dirty="0"/>
-              <a:t>а</a:t>
+              <a:t>активный диспетчер сразу</a:t>
             </a:r>
-            <a:r>
-              <a:rPr lang="ru-RU" dirty="0" smtClean="0"/>
-              <a:t>ктивный диспетчер сразу</a:t>
-            </a:r>
-            <a:endParaRPr lang="ru-RU" dirty="0"/>
           </a:p>
         </p:txBody>
       </p:sp>
@@ -21433,7 +21374,7 @@
             <p:spPr>
               <a:xfrm>
                 <a:off x="3931010" y="1924232"/>
-                <a:ext cx="4837544" cy="1738681"/>
+                <a:ext cx="4837544" cy="2779543"/>
               </a:xfrm>
               <a:prstGeom prst="rect">
                 <a:avLst/>
@@ -21446,6 +21387,7 @@
               </a:bodyPr>
               <a:lstStyle/>
               <a:p>
+                <a:pPr/>
                 <a14:m>
                   <m:oMathPara xmlns:m="http://schemas.openxmlformats.org/officeDocument/2006/math">
                     <m:oMathParaPr>
@@ -21605,11 +21547,18 @@
                     </m:oMath>
                   </m:oMathPara>
                 </a14:m>
-                <a:endParaRPr lang="en-US" b="0" i="1" dirty="0" smtClean="0">
+                <a:endParaRPr lang="en-US" b="0" i="1" dirty="0">
                   <a:latin typeface="Cambria Math" panose="02040503050406030204" pitchFamily="18" charset="0"/>
                 </a:endParaRPr>
               </a:p>
               <a:p>
+                <a:pPr/>
+                <a:endParaRPr lang="en-US" b="0" i="1" dirty="0">
+                  <a:latin typeface="Cambria Math" panose="02040503050406030204" pitchFamily="18" charset="0"/>
+                </a:endParaRPr>
+              </a:p>
+              <a:p>
+                <a:pPr/>
                 <a14:m>
                   <m:oMathPara xmlns:m="http://schemas.openxmlformats.org/officeDocument/2006/math">
                     <m:oMathParaPr>
@@ -21629,7 +21578,7 @@
                             <a:rPr lang="en-US" b="0" i="1" smtClean="0">
                               <a:latin typeface="Cambria Math" panose="02040503050406030204" pitchFamily="18" charset="0"/>
                             </a:rPr>
-                            <m:t>𝜆</m:t>
+                            <m:t>𝑡</m:t>
                           </m:r>
                         </m:e>
                         <m:sub>
@@ -21645,51 +21594,77 @@
                             <a:rPr lang="en-US" b="0" i="1" smtClean="0">
                               <a:latin typeface="Cambria Math" panose="02040503050406030204" pitchFamily="18" charset="0"/>
                             </a:rPr>
-                            <m:t>𝑖</m:t>
+                            <m:t>𝑒𝑥𝑝𝑒𝑥𝑡𝑒𝑑</m:t>
                           </m:r>
                         </m:sup>
                       </m:sSubSup>
-                      <m:d>
-                        <m:dPr>
-                          <m:begChr m:val="["/>
-                          <m:endChr m:val="]"/>
+                      <m:r>
+                        <a:rPr lang="en-US" b="0" i="1" smtClean="0">
+                          <a:latin typeface="Cambria Math" panose="02040503050406030204" pitchFamily="18" charset="0"/>
+                        </a:rPr>
+                        <m:t>=0.25</m:t>
+                      </m:r>
+                      <m:sSub>
+                        <m:sSubPr>
                           <m:ctrlPr>
                             <a:rPr lang="en-US" b="0" i="1" smtClean="0">
                               <a:latin typeface="Cambria Math" panose="02040503050406030204" pitchFamily="18" charset="0"/>
                             </a:rPr>
                           </m:ctrlPr>
-                        </m:dPr>
+                        </m:sSubPr>
                         <m:e>
                           <m:r>
                             <a:rPr lang="en-US" b="0" i="1" smtClean="0">
                               <a:latin typeface="Cambria Math" panose="02040503050406030204" pitchFamily="18" charset="0"/>
                             </a:rPr>
-                            <m:t>𝑘</m:t>
+                            <m:t>𝑡</m:t>
                           </m:r>
                         </m:e>
-                      </m:d>
-                      <m:d>
-                        <m:dPr>
+                        <m:sub>
+                          <m:r>
+                            <a:rPr lang="en-US" b="0" i="1" smtClean="0">
+                              <a:latin typeface="Cambria Math" panose="02040503050406030204" pitchFamily="18" charset="0"/>
+                            </a:rPr>
+                            <m:t>𝑐</m:t>
+                          </m:r>
+                        </m:sub>
+                      </m:sSub>
+                      <m:r>
+                        <a:rPr lang="en-US" b="0" i="1" smtClean="0">
+                          <a:latin typeface="Cambria Math" panose="02040503050406030204" pitchFamily="18" charset="0"/>
+                        </a:rPr>
+                        <m:t>+</m:t>
+                      </m:r>
+                      <m:sSub>
+                        <m:sSubPr>
                           <m:ctrlPr>
                             <a:rPr lang="en-US" b="0" i="1" smtClean="0">
                               <a:latin typeface="Cambria Math" panose="02040503050406030204" pitchFamily="18" charset="0"/>
                             </a:rPr>
                           </m:ctrlPr>
-                        </m:dPr>
+                        </m:sSubPr>
                         <m:e>
                           <m:r>
                             <a:rPr lang="en-US" b="0" i="1" smtClean="0">
                               <a:latin typeface="Cambria Math" panose="02040503050406030204" pitchFamily="18" charset="0"/>
                             </a:rPr>
-                            <m:t>𝑛</m:t>
+                            <m:t>𝑊</m:t>
                           </m:r>
                         </m:e>
-                      </m:d>
+                        <m:sub>
+                          <m:r>
+                            <a:rPr lang="en-US" b="0" i="1" smtClean="0">
+                              <a:latin typeface="Cambria Math" panose="02040503050406030204" pitchFamily="18" charset="0"/>
+                            </a:rPr>
+                            <m:t>𝑄</m:t>
+                          </m:r>
+                        </m:sub>
+                      </m:sSub>
                       <m:r>
                         <a:rPr lang="en-US" b="0" i="1" smtClean="0">
                           <a:latin typeface="Cambria Math" panose="02040503050406030204" pitchFamily="18" charset="0"/>
                         </a:rPr>
-                        <m:t>=</m:t>
+                        <m:t>(</m:t>
                       </m:r>
                       <m:sSubSup>
                         <m:sSubSupPr>
@@ -21770,65 +21745,61 @@
                         <a:rPr lang="en-US" b="0" i="1" smtClean="0">
                           <a:latin typeface="Cambria Math" panose="02040503050406030204" pitchFamily="18" charset="0"/>
                         </a:rPr>
-                        <m:t>+</m:t>
+                        <m:t>)</m:t>
                       </m:r>
-                      <m:f>
-                        <m:fPr>
+                    </m:oMath>
+                  </m:oMathPara>
+                </a14:m>
+                <a:endParaRPr lang="en-US" b="0" i="1" dirty="0">
+                  <a:latin typeface="Cambria Math" panose="02040503050406030204" pitchFamily="18" charset="0"/>
+                </a:endParaRPr>
+              </a:p>
+              <a:p>
+                <a:pPr/>
+                <a14:m>
+                  <m:oMathPara xmlns:m="http://schemas.openxmlformats.org/officeDocument/2006/math">
+                    <m:oMathParaPr>
+                      <m:jc m:val="centerGroup"/>
+                    </m:oMathParaPr>
+                    <m:oMath xmlns:m="http://schemas.openxmlformats.org/officeDocument/2006/math">
+                      <m:sSubSup>
+                        <m:sSubSupPr>
                           <m:ctrlPr>
                             <a:rPr lang="en-US" b="0" i="1" smtClean="0">
                               <a:latin typeface="Cambria Math" panose="02040503050406030204" pitchFamily="18" charset="0"/>
                             </a:rPr>
                           </m:ctrlPr>
-                        </m:fPr>
-                        <m:num>
-                          <m:sSubSup>
-                            <m:sSubSupPr>
-                              <m:ctrlPr>
-                                <a:rPr lang="en-US" b="0" i="1" smtClean="0">
-                                  <a:latin typeface="Cambria Math" panose="02040503050406030204" pitchFamily="18" charset="0"/>
-                                </a:rPr>
-                              </m:ctrlPr>
-                            </m:sSubSupPr>
-                            <m:e>
-                              <m:r>
-                                <a:rPr lang="en-US" b="0" i="1" smtClean="0">
-                                  <a:latin typeface="Cambria Math" panose="02040503050406030204" pitchFamily="18" charset="0"/>
-                                </a:rPr>
-                                <m:t>𝜆</m:t>
-                              </m:r>
-                            </m:e>
-                            <m:sub>
-                              <m:r>
-                                <a:rPr lang="en-US" b="0" i="1" smtClean="0">
-                                  <a:latin typeface="Cambria Math" panose="02040503050406030204" pitchFamily="18" charset="0"/>
-                                </a:rPr>
-                                <m:t>𝑖</m:t>
-                              </m:r>
-                            </m:sub>
-                            <m:sup>
-                              <m:r>
-                                <a:rPr lang="en-US" b="0" i="1" smtClean="0">
-                                  <a:latin typeface="Cambria Math" panose="02040503050406030204" pitchFamily="18" charset="0"/>
-                                </a:rPr>
-                                <m:t>∗</m:t>
-                              </m:r>
-                            </m:sup>
-                          </m:sSubSup>
-                        </m:num>
-                        <m:den>
+                        </m:sSubSupPr>
+                        <m:e>
                           <m:r>
                             <a:rPr lang="en-US" b="0" i="1" smtClean="0">
                               <a:latin typeface="Cambria Math" panose="02040503050406030204" pitchFamily="18" charset="0"/>
                             </a:rPr>
-                            <m:t>𝑛</m:t>
+                            <m:t>𝑡</m:t>
                           </m:r>
-                        </m:den>
-                      </m:f>
+                        </m:e>
+                        <m:sub>
+                          <m:r>
+                            <a:rPr lang="en-US" b="0" i="1" smtClean="0">
+                              <a:latin typeface="Cambria Math" panose="02040503050406030204" pitchFamily="18" charset="0"/>
+                            </a:rPr>
+                            <m:t>𝑗</m:t>
+                          </m:r>
+                        </m:sub>
+                        <m:sup>
+                          <m:r>
+                            <a:rPr lang="en-US" b="0" i="1" smtClean="0">
+                              <a:latin typeface="Cambria Math" panose="02040503050406030204" pitchFamily="18" charset="0"/>
+                            </a:rPr>
+                            <m:t>𝑒𝑥𝑝𝑒𝑐𝑡𝑒𝑑</m:t>
+                          </m:r>
+                        </m:sup>
+                      </m:sSubSup>
                       <m:r>
                         <a:rPr lang="en-US" b="0" i="1" smtClean="0">
                           <a:latin typeface="Cambria Math" panose="02040503050406030204" pitchFamily="18" charset="0"/>
                         </a:rPr>
-                        <m:t>[0.25</m:t>
+                        <m:t>=0.75</m:t>
                       </m:r>
                       <m:sSub>
                         <m:sSubPr>
@@ -21886,6 +21857,70 @@
                           </m:r>
                         </m:sub>
                       </m:sSub>
+                      <m:r>
+                        <a:rPr lang="en-US" b="0" i="1" smtClean="0">
+                          <a:latin typeface="Cambria Math" panose="02040503050406030204" pitchFamily="18" charset="0"/>
+                        </a:rPr>
+                        <m:t>(</m:t>
+                      </m:r>
+                      <m:sSubSup>
+                        <m:sSubSupPr>
+                          <m:ctrlPr>
+                            <a:rPr lang="en-US" b="0" i="1" smtClean="0">
+                              <a:latin typeface="Cambria Math" panose="02040503050406030204" pitchFamily="18" charset="0"/>
+                            </a:rPr>
+                          </m:ctrlPr>
+                        </m:sSubSupPr>
+                        <m:e>
+                          <m:r>
+                            <a:rPr lang="en-US" b="0" i="1" smtClean="0">
+                              <a:latin typeface="Cambria Math" panose="02040503050406030204" pitchFamily="18" charset="0"/>
+                            </a:rPr>
+                            <m:t>𝜆</m:t>
+                          </m:r>
+                        </m:e>
+                        <m:sub>
+                          <m:r>
+                            <a:rPr lang="en-US" b="0" i="1" smtClean="0">
+                              <a:latin typeface="Cambria Math" panose="02040503050406030204" pitchFamily="18" charset="0"/>
+                            </a:rPr>
+                            <m:t>𝑗</m:t>
+                          </m:r>
+                        </m:sub>
+                        <m:sup>
+                          <m:r>
+                            <a:rPr lang="en-US" b="0" i="1" smtClean="0">
+                              <a:latin typeface="Cambria Math" panose="02040503050406030204" pitchFamily="18" charset="0"/>
+                            </a:rPr>
+                            <m:t>𝑖</m:t>
+                          </m:r>
+                        </m:sup>
+                      </m:sSubSup>
+                      <m:d>
+                        <m:dPr>
+                          <m:begChr m:val="["/>
+                          <m:endChr m:val="]"/>
+                          <m:ctrlPr>
+                            <a:rPr lang="en-US" b="0" i="1" smtClean="0">
+                              <a:latin typeface="Cambria Math" panose="02040503050406030204" pitchFamily="18" charset="0"/>
+                            </a:rPr>
+                          </m:ctrlPr>
+                        </m:dPr>
+                        <m:e>
+                          <m:r>
+                            <a:rPr lang="en-US" b="0" i="1" smtClean="0">
+                              <a:latin typeface="Cambria Math" panose="02040503050406030204" pitchFamily="18" charset="0"/>
+                            </a:rPr>
+                            <m:t>𝑘</m:t>
+                          </m:r>
+                          <m:r>
+                            <a:rPr lang="en-US" b="0" i="1" smtClean="0">
+                              <a:latin typeface="Cambria Math" panose="02040503050406030204" pitchFamily="18" charset="0"/>
+                            </a:rPr>
+                            <m:t>−1</m:t>
+                          </m:r>
+                        </m:e>
+                      </m:d>
                       <m:d>
                         <m:dPr>
                           <m:ctrlPr>
@@ -21895,50 +21930,370 @@
                           </m:ctrlPr>
                         </m:dPr>
                         <m:e>
-                          <m:sSubSup>
-                            <m:sSubSupPr>
+                          <m:r>
+                            <a:rPr lang="en-US" b="0" i="1" smtClean="0">
+                              <a:latin typeface="Cambria Math" panose="02040503050406030204" pitchFamily="18" charset="0"/>
+                            </a:rPr>
+                            <m:t>𝑛</m:t>
+                          </m:r>
+                        </m:e>
+                      </m:d>
+                      <m:r>
+                        <a:rPr lang="en-US" b="0" i="1" smtClean="0">
+                          <a:latin typeface="Cambria Math" panose="02040503050406030204" pitchFamily="18" charset="0"/>
+                        </a:rPr>
+                        <m:t>)</m:t>
+                      </m:r>
+                    </m:oMath>
+                  </m:oMathPara>
+                </a14:m>
+                <a:endParaRPr lang="en-US" b="0" i="1" dirty="0">
+                  <a:latin typeface="Cambria Math" panose="02040503050406030204" pitchFamily="18" charset="0"/>
+                </a:endParaRPr>
+              </a:p>
+              <a:p>
+                <a:pPr/>
+                <a:endParaRPr lang="en-US" b="0" i="1" dirty="0">
+                  <a:latin typeface="Cambria Math" panose="02040503050406030204" pitchFamily="18" charset="0"/>
+                </a:endParaRPr>
+              </a:p>
+              <a:p>
+                <a:pPr/>
+                <a14:m>
+                  <m:oMathPara xmlns:m="http://schemas.openxmlformats.org/officeDocument/2006/math">
+                    <m:oMathParaPr>
+                      <m:jc m:val="centerGroup"/>
+                    </m:oMathParaPr>
+                    <m:oMath xmlns:m="http://schemas.openxmlformats.org/officeDocument/2006/math">
+                      <m:sSubSup>
+                        <m:sSubSupPr>
+                          <m:ctrlPr>
+                            <a:rPr lang="en-US" b="0" i="1" smtClean="0">
+                              <a:latin typeface="Cambria Math" panose="02040503050406030204" pitchFamily="18" charset="0"/>
+                            </a:rPr>
+                          </m:ctrlPr>
+                        </m:sSubSupPr>
+                        <m:e>
+                          <m:r>
+                            <a:rPr lang="en-US" b="0" i="1" smtClean="0">
+                              <a:latin typeface="Cambria Math" panose="02040503050406030204" pitchFamily="18" charset="0"/>
+                            </a:rPr>
+                            <m:t>𝜆</m:t>
+                          </m:r>
+                        </m:e>
+                        <m:sub>
+                          <m:r>
+                            <a:rPr lang="en-US" b="0" i="1" smtClean="0">
+                              <a:latin typeface="Cambria Math" panose="02040503050406030204" pitchFamily="18" charset="0"/>
+                            </a:rPr>
+                            <m:t>𝑖</m:t>
+                          </m:r>
+                        </m:sub>
+                        <m:sup>
+                          <m:r>
+                            <a:rPr lang="en-US" b="0" i="1" smtClean="0">
+                              <a:latin typeface="Cambria Math" panose="02040503050406030204" pitchFamily="18" charset="0"/>
+                            </a:rPr>
+                            <m:t>𝑖</m:t>
+                          </m:r>
+                        </m:sup>
+                      </m:sSubSup>
+                      <m:r>
+                        <a:rPr lang="en-US" b="0" i="1" smtClean="0">
+                          <a:latin typeface="Cambria Math" panose="02040503050406030204" pitchFamily="18" charset="0"/>
+                        </a:rPr>
+                        <m:t>(</m:t>
+                      </m:r>
+                      <m:r>
+                        <a:rPr lang="en-US" b="0" i="1" smtClean="0">
+                          <a:latin typeface="Cambria Math" panose="02040503050406030204" pitchFamily="18" charset="0"/>
+                        </a:rPr>
+                        <m:t>𝑘</m:t>
+                      </m:r>
+                      <m:r>
+                        <a:rPr lang="en-US" b="0" i="1" smtClean="0">
+                          <a:latin typeface="Cambria Math" panose="02040503050406030204" pitchFamily="18" charset="0"/>
+                        </a:rPr>
+                        <m:t>)=</m:t>
+                      </m:r>
+                      <m:d>
+                        <m:dPr>
+                          <m:begChr m:val="{"/>
+                          <m:endChr m:val=""/>
+                          <m:ctrlPr>
+                            <a:rPr lang="en-US" b="0" i="1" smtClean="0">
+                              <a:latin typeface="Cambria Math" panose="02040503050406030204" pitchFamily="18" charset="0"/>
+                            </a:rPr>
+                          </m:ctrlPr>
+                        </m:dPr>
+                        <m:e>
+                          <m:eqArr>
+                            <m:eqArrPr>
                               <m:ctrlPr>
                                 <a:rPr lang="en-US" b="0" i="1" smtClean="0">
                                   <a:latin typeface="Cambria Math" panose="02040503050406030204" pitchFamily="18" charset="0"/>
                                 </a:rPr>
                               </m:ctrlPr>
-                            </m:sSubSupPr>
+                            </m:eqArrPr>
+                            <m:e>
+                              <m:sSubSup>
+                                <m:sSubSupPr>
+                                  <m:ctrlPr>
+                                    <a:rPr lang="en-US" b="0" i="1" smtClean="0">
+                                      <a:latin typeface="Cambria Math" panose="02040503050406030204" pitchFamily="18" charset="0"/>
+                                    </a:rPr>
+                                  </m:ctrlPr>
+                                </m:sSubSupPr>
+                                <m:e>
+                                  <m:r>
+                                    <a:rPr lang="en-US" b="0" i="1" smtClean="0">
+                                      <a:latin typeface="Cambria Math" panose="02040503050406030204" pitchFamily="18" charset="0"/>
+                                    </a:rPr>
+                                    <m:t>𝜆</m:t>
+                                  </m:r>
+                                </m:e>
+                                <m:sub>
+                                  <m:r>
+                                    <a:rPr lang="en-US" b="0" i="1" smtClean="0">
+                                      <a:latin typeface="Cambria Math" panose="02040503050406030204" pitchFamily="18" charset="0"/>
+                                    </a:rPr>
+                                    <m:t>𝑖</m:t>
+                                  </m:r>
+                                </m:sub>
+                                <m:sup>
+                                  <m:r>
+                                    <a:rPr lang="en-US" b="0" i="1" smtClean="0">
+                                      <a:latin typeface="Cambria Math" panose="02040503050406030204" pitchFamily="18" charset="0"/>
+                                    </a:rPr>
+                                    <m:t>𝑖</m:t>
+                                  </m:r>
+                                </m:sup>
+                              </m:sSubSup>
+                              <m:d>
+                                <m:dPr>
+                                  <m:begChr m:val="["/>
+                                  <m:endChr m:val="]"/>
+                                  <m:ctrlPr>
+                                    <a:rPr lang="en-US" b="0" i="1" smtClean="0">
+                                      <a:latin typeface="Cambria Math" panose="02040503050406030204" pitchFamily="18" charset="0"/>
+                                    </a:rPr>
+                                  </m:ctrlPr>
+                                </m:dPr>
+                                <m:e>
+                                  <m:r>
+                                    <a:rPr lang="en-US" b="0" i="1" smtClean="0">
+                                      <a:latin typeface="Cambria Math" panose="02040503050406030204" pitchFamily="18" charset="0"/>
+                                    </a:rPr>
+                                    <m:t>𝑘</m:t>
+                                  </m:r>
+                                  <m:r>
+                                    <a:rPr lang="en-US" b="0" i="1" smtClean="0">
+                                      <a:latin typeface="Cambria Math" panose="02040503050406030204" pitchFamily="18" charset="0"/>
+                                    </a:rPr>
+                                    <m:t>−1</m:t>
+                                  </m:r>
+                                </m:e>
+                              </m:d>
+                              <m:d>
+                                <m:dPr>
+                                  <m:ctrlPr>
+                                    <a:rPr lang="en-US" b="0" i="1" smtClean="0">
+                                      <a:latin typeface="Cambria Math" panose="02040503050406030204" pitchFamily="18" charset="0"/>
+                                    </a:rPr>
+                                  </m:ctrlPr>
+                                </m:dPr>
+                                <m:e>
+                                  <m:r>
+                                    <a:rPr lang="en-US" b="0" i="1" smtClean="0">
+                                      <a:latin typeface="Cambria Math" panose="02040503050406030204" pitchFamily="18" charset="0"/>
+                                    </a:rPr>
+                                    <m:t>𝑛</m:t>
+                                  </m:r>
+                                </m:e>
+                              </m:d>
+                              <m:r>
+                                <a:rPr lang="en-US" b="0" i="1" smtClean="0">
+                                  <a:latin typeface="Cambria Math" panose="02040503050406030204" pitchFamily="18" charset="0"/>
+                                </a:rPr>
+                                <m:t>+</m:t>
+                              </m:r>
+                              <m:f>
+                                <m:fPr>
+                                  <m:ctrlPr>
+                                    <a:rPr lang="en-US" b="0" i="1" smtClean="0">
+                                      <a:latin typeface="Cambria Math" panose="02040503050406030204" pitchFamily="18" charset="0"/>
+                                    </a:rPr>
+                                  </m:ctrlPr>
+                                </m:fPr>
+                                <m:num>
+                                  <m:sSubSup>
+                                    <m:sSubSupPr>
+                                      <m:ctrlPr>
+                                        <a:rPr lang="en-US" b="0" i="1" smtClean="0">
+                                          <a:latin typeface="Cambria Math" panose="02040503050406030204" pitchFamily="18" charset="0"/>
+                                        </a:rPr>
+                                      </m:ctrlPr>
+                                    </m:sSubSupPr>
+                                    <m:e>
+                                      <m:r>
+                                        <a:rPr lang="en-US" b="0" i="1" smtClean="0">
+                                          <a:latin typeface="Cambria Math" panose="02040503050406030204" pitchFamily="18" charset="0"/>
+                                        </a:rPr>
+                                        <m:t>𝜆</m:t>
+                                      </m:r>
+                                    </m:e>
+                                    <m:sub>
+                                      <m:r>
+                                        <a:rPr lang="en-US" b="0" i="1" smtClean="0">
+                                          <a:latin typeface="Cambria Math" panose="02040503050406030204" pitchFamily="18" charset="0"/>
+                                        </a:rPr>
+                                        <m:t>𝑖</m:t>
+                                      </m:r>
+                                    </m:sub>
+                                    <m:sup>
+                                      <m:r>
+                                        <a:rPr lang="en-US" b="0" i="1" smtClean="0">
+                                          <a:latin typeface="Cambria Math" panose="02040503050406030204" pitchFamily="18" charset="0"/>
+                                        </a:rPr>
+                                        <m:t>∗</m:t>
+                                      </m:r>
+                                    </m:sup>
+                                  </m:sSubSup>
+                                </m:num>
+                                <m:den>
+                                  <m:r>
+                                    <a:rPr lang="en-US" b="0" i="1" smtClean="0">
+                                      <a:latin typeface="Cambria Math" panose="02040503050406030204" pitchFamily="18" charset="0"/>
+                                    </a:rPr>
+                                    <m:t>𝑛</m:t>
+                                  </m:r>
+                                </m:den>
+                              </m:f>
+                              <m:r>
+                                <a:rPr lang="en-US" b="0" i="1" smtClean="0">
+                                  <a:latin typeface="Cambria Math" panose="02040503050406030204" pitchFamily="18" charset="0"/>
+                                </a:rPr>
+                                <m:t>,  </m:t>
+                              </m:r>
+                              <m:sSubSup>
+                                <m:sSubSupPr>
+                                  <m:ctrlPr>
+                                    <a:rPr lang="en-US" b="0" i="1" smtClean="0">
+                                      <a:latin typeface="Cambria Math" panose="02040503050406030204" pitchFamily="18" charset="0"/>
+                                    </a:rPr>
+                                  </m:ctrlPr>
+                                </m:sSubSupPr>
+                                <m:e>
+                                  <m:r>
+                                    <a:rPr lang="en-US" b="0" i="1" smtClean="0">
+                                      <a:latin typeface="Cambria Math" panose="02040503050406030204" pitchFamily="18" charset="0"/>
+                                    </a:rPr>
+                                    <m:t>𝑡</m:t>
+                                  </m:r>
+                                </m:e>
+                                <m:sub>
+                                  <m:r>
+                                    <a:rPr lang="en-US" b="0" i="1" smtClean="0">
+                                      <a:latin typeface="Cambria Math" panose="02040503050406030204" pitchFamily="18" charset="0"/>
+                                    </a:rPr>
+                                    <m:t>𝑖</m:t>
+                                  </m:r>
+                                </m:sub>
+                                <m:sup>
+                                  <m:r>
+                                    <a:rPr lang="en-US" b="0" i="1" smtClean="0">
+                                      <a:latin typeface="Cambria Math" panose="02040503050406030204" pitchFamily="18" charset="0"/>
+                                    </a:rPr>
+                                    <m:t>𝑒𝑥𝑝𝑒𝑐𝑡𝑒𝑑</m:t>
+                                  </m:r>
+                                </m:sup>
+                              </m:sSubSup>
+                              <m:r>
+                                <a:rPr lang="en-US" b="0" i="1" smtClean="0">
+                                  <a:latin typeface="Cambria Math" panose="02040503050406030204" pitchFamily="18" charset="0"/>
+                                </a:rPr>
+                                <m:t>&lt;</m:t>
+                              </m:r>
+                              <m:sSubSup>
+                                <m:sSubSupPr>
+                                  <m:ctrlPr>
+                                    <a:rPr lang="en-US" b="0" i="1" smtClean="0">
+                                      <a:latin typeface="Cambria Math" panose="02040503050406030204" pitchFamily="18" charset="0"/>
+                                    </a:rPr>
+                                  </m:ctrlPr>
+                                </m:sSubSupPr>
+                                <m:e>
+                                  <m:r>
+                                    <a:rPr lang="en-US" b="0" i="1" smtClean="0">
+                                      <a:latin typeface="Cambria Math" panose="02040503050406030204" pitchFamily="18" charset="0"/>
+                                    </a:rPr>
+                                    <m:t>𝑡</m:t>
+                                  </m:r>
+                                </m:e>
+                                <m:sub>
+                                  <m:r>
+                                    <a:rPr lang="en-US" b="0" i="1" smtClean="0">
+                                      <a:latin typeface="Cambria Math" panose="02040503050406030204" pitchFamily="18" charset="0"/>
+                                    </a:rPr>
+                                    <m:t>𝑗</m:t>
+                                  </m:r>
+                                </m:sub>
+                                <m:sup>
+                                  <m:r>
+                                    <a:rPr lang="en-US" b="0" i="1" smtClean="0">
+                                      <a:latin typeface="Cambria Math" panose="02040503050406030204" pitchFamily="18" charset="0"/>
+                                    </a:rPr>
+                                    <m:t>𝑒𝑥𝑝𝑒𝑐𝑡𝑒𝑑</m:t>
+                                  </m:r>
+                                </m:sup>
+                              </m:sSubSup>
+                            </m:e>
                             <m:e>
                               <m:r>
                                 <a:rPr lang="en-US" b="0" i="1" smtClean="0">
                                   <a:latin typeface="Cambria Math" panose="02040503050406030204" pitchFamily="18" charset="0"/>
                                 </a:rPr>
-                                <m:t>𝜆</m:t>
+                                <m:t>&amp;</m:t>
                               </m:r>
-                            </m:e>
-                            <m:sub>
+                              <m:sSubSup>
+                                <m:sSubSupPr>
+                                  <m:ctrlPr>
+                                    <a:rPr lang="en-US" b="0" i="1" smtClean="0">
+                                      <a:latin typeface="Cambria Math" panose="02040503050406030204" pitchFamily="18" charset="0"/>
+                                    </a:rPr>
+                                  </m:ctrlPr>
+                                </m:sSubSupPr>
+                                <m:e>
+                                  <m:r>
+                                    <a:rPr lang="en-US" b="0" i="1" smtClean="0">
+                                      <a:latin typeface="Cambria Math" panose="02040503050406030204" pitchFamily="18" charset="0"/>
+                                    </a:rPr>
+                                    <m:t>𝜆</m:t>
+                                  </m:r>
+                                </m:e>
+                                <m:sub>
+                                  <m:r>
+                                    <a:rPr lang="en-US" b="0" i="1" smtClean="0">
+                                      <a:latin typeface="Cambria Math" panose="02040503050406030204" pitchFamily="18" charset="0"/>
+                                    </a:rPr>
+                                    <m:t>𝑖</m:t>
+                                  </m:r>
+                                </m:sub>
+                                <m:sup>
+                                  <m:r>
+                                    <a:rPr lang="en-US" b="0" i="1" smtClean="0">
+                                      <a:latin typeface="Cambria Math" panose="02040503050406030204" pitchFamily="18" charset="0"/>
+                                    </a:rPr>
+                                    <m:t>𝑖</m:t>
+                                  </m:r>
+                                </m:sup>
+                              </m:sSubSup>
                               <m:r>
                                 <a:rPr lang="en-US" b="0" i="1" smtClean="0">
                                   <a:latin typeface="Cambria Math" panose="02040503050406030204" pitchFamily="18" charset="0"/>
                                 </a:rPr>
-                                <m:t>𝑖</m:t>
+                                <m:t>[</m:t>
                               </m:r>
-                            </m:sub>
-                            <m:sup>
-                              <m:r>
-                                <a:rPr lang="en-US" b="0" i="1" smtClean="0">
-                                  <a:latin typeface="Cambria Math" panose="02040503050406030204" pitchFamily="18" charset="0"/>
-                                </a:rPr>
-                                <m:t>𝑖</m:t>
-                              </m:r>
-                            </m:sup>
-                          </m:sSubSup>
-                          <m:d>
-                            <m:dPr>
-                              <m:begChr m:val="["/>
-                              <m:endChr m:val="]"/>
-                              <m:ctrlPr>
-                                <a:rPr lang="en-US" b="0" i="1" smtClean="0">
-                                  <a:latin typeface="Cambria Math" panose="02040503050406030204" pitchFamily="18" charset="0"/>
-                                </a:rPr>
-                              </m:ctrlPr>
-                            </m:dPr>
-                            <m:e>
                               <m:r>
                                 <a:rPr lang="en-US" b="0" i="1" smtClean="0">
                                   <a:latin typeface="Cambria Math" panose="02040503050406030204" pitchFamily="18" charset="0"/>
@@ -21949,192 +22304,109 @@
                                 <a:rPr lang="en-US" b="0" i="1" smtClean="0">
                                   <a:latin typeface="Cambria Math" panose="02040503050406030204" pitchFamily="18" charset="0"/>
                                 </a:rPr>
-                                <m:t>−1</m:t>
+                                <m:t>−1](</m:t>
                               </m:r>
-                            </m:e>
-                          </m:d>
-                          <m:d>
-                            <m:dPr>
-                              <m:ctrlPr>
-                                <a:rPr lang="en-US" b="0" i="1" smtClean="0">
-                                  <a:latin typeface="Cambria Math" panose="02040503050406030204" pitchFamily="18" charset="0"/>
-                                </a:rPr>
-                              </m:ctrlPr>
-                            </m:dPr>
-                            <m:e>
                               <m:r>
                                 <a:rPr lang="en-US" b="0" i="1" smtClean="0">
                                   <a:latin typeface="Cambria Math" panose="02040503050406030204" pitchFamily="18" charset="0"/>
                                 </a:rPr>
                                 <m:t>𝑛</m:t>
                               </m:r>
-                            </m:e>
-                          </m:d>
-                        </m:e>
-                      </m:d>
-                      <m:r>
-                        <a:rPr lang="en-US" b="0" i="1" smtClean="0">
-                          <a:latin typeface="Cambria Math" panose="02040503050406030204" pitchFamily="18" charset="0"/>
-                        </a:rPr>
-                        <m:t>&lt;0.75</m:t>
-                      </m:r>
-                      <m:sSub>
-                        <m:sSubPr>
-                          <m:ctrlPr>
-                            <a:rPr lang="en-US" b="0" i="1" smtClean="0">
-                              <a:latin typeface="Cambria Math" panose="02040503050406030204" pitchFamily="18" charset="0"/>
-                            </a:rPr>
-                          </m:ctrlPr>
-                        </m:sSubPr>
-                        <m:e>
-                          <m:r>
-                            <a:rPr lang="en-US" b="0" i="1" smtClean="0">
-                              <a:latin typeface="Cambria Math" panose="02040503050406030204" pitchFamily="18" charset="0"/>
-                            </a:rPr>
-                            <m:t>𝑡</m:t>
-                          </m:r>
-                        </m:e>
-                        <m:sub>
-                          <m:r>
-                            <a:rPr lang="en-US" b="0" i="1" smtClean="0">
-                              <a:latin typeface="Cambria Math" panose="02040503050406030204" pitchFamily="18" charset="0"/>
-                            </a:rPr>
-                            <m:t>𝑐</m:t>
-                          </m:r>
-                        </m:sub>
-                      </m:sSub>
-                      <m:r>
-                        <a:rPr lang="en-US" b="0" i="1" smtClean="0">
-                          <a:latin typeface="Cambria Math" panose="02040503050406030204" pitchFamily="18" charset="0"/>
-                        </a:rPr>
-                        <m:t>+</m:t>
-                      </m:r>
-                      <m:sSub>
-                        <m:sSubPr>
-                          <m:ctrlPr>
-                            <a:rPr lang="en-US" b="0" i="1" smtClean="0">
-                              <a:latin typeface="Cambria Math" panose="02040503050406030204" pitchFamily="18" charset="0"/>
-                            </a:rPr>
-                          </m:ctrlPr>
-                        </m:sSubPr>
-                        <m:e>
-                          <m:r>
-                            <a:rPr lang="en-US" b="0" i="1" smtClean="0">
-                              <a:latin typeface="Cambria Math" panose="02040503050406030204" pitchFamily="18" charset="0"/>
-                            </a:rPr>
-                            <m:t>𝑊</m:t>
-                          </m:r>
-                        </m:e>
-                        <m:sub>
-                          <m:r>
-                            <a:rPr lang="en-US" b="0" i="1" smtClean="0">
-                              <a:latin typeface="Cambria Math" panose="02040503050406030204" pitchFamily="18" charset="0"/>
-                            </a:rPr>
-                            <m:t>𝑄</m:t>
-                          </m:r>
-                        </m:sub>
-                      </m:sSub>
-                      <m:d>
-                        <m:dPr>
-                          <m:ctrlPr>
-                            <a:rPr lang="en-US" b="0" i="1" smtClean="0">
-                              <a:latin typeface="Cambria Math" panose="02040503050406030204" pitchFamily="18" charset="0"/>
-                            </a:rPr>
-                          </m:ctrlPr>
-                        </m:dPr>
-                        <m:e>
-                          <m:sSubSup>
-                            <m:sSubSupPr>
-                              <m:ctrlPr>
-                                <a:rPr lang="en-US" b="0" i="1" smtClean="0">
-                                  <a:latin typeface="Cambria Math" panose="02040503050406030204" pitchFamily="18" charset="0"/>
-                                </a:rPr>
-                              </m:ctrlPr>
-                            </m:sSubSupPr>
-                            <m:e>
                               <m:r>
                                 <a:rPr lang="en-US" b="0" i="1" smtClean="0">
                                   <a:latin typeface="Cambria Math" panose="02040503050406030204" pitchFamily="18" charset="0"/>
                                 </a:rPr>
-                                <m:t>𝜆</m:t>
+                                <m:t>),  </m:t>
                               </m:r>
-                            </m:e>
-                            <m:sub>
+                              <m:sSubSup>
+                                <m:sSubSupPr>
+                                  <m:ctrlPr>
+                                    <a:rPr lang="en-US" b="0" i="1" smtClean="0">
+                                      <a:latin typeface="Cambria Math" panose="02040503050406030204" pitchFamily="18" charset="0"/>
+                                    </a:rPr>
+                                  </m:ctrlPr>
+                                </m:sSubSupPr>
+                                <m:e>
+                                  <m:r>
+                                    <a:rPr lang="en-US" b="0" i="1" smtClean="0">
+                                      <a:latin typeface="Cambria Math" panose="02040503050406030204" pitchFamily="18" charset="0"/>
+                                    </a:rPr>
+                                    <m:t>𝑡</m:t>
+                                  </m:r>
+                                </m:e>
+                                <m:sub>
+                                  <m:r>
+                                    <a:rPr lang="en-US" b="0" i="1" smtClean="0">
+                                      <a:latin typeface="Cambria Math" panose="02040503050406030204" pitchFamily="18" charset="0"/>
+                                    </a:rPr>
+                                    <m:t>𝑖</m:t>
+                                  </m:r>
+                                </m:sub>
+                                <m:sup>
+                                  <m:r>
+                                    <a:rPr lang="en-US" b="0" i="1" smtClean="0">
+                                      <a:latin typeface="Cambria Math" panose="02040503050406030204" pitchFamily="18" charset="0"/>
+                                    </a:rPr>
+                                    <m:t>𝑒𝑥𝑝𝑒𝑐𝑡𝑒𝑑</m:t>
+                                  </m:r>
+                                </m:sup>
+                              </m:sSubSup>
                               <m:r>
                                 <a:rPr lang="en-US" b="0" i="1" smtClean="0">
                                   <a:latin typeface="Cambria Math" panose="02040503050406030204" pitchFamily="18" charset="0"/>
                                 </a:rPr>
-                                <m:t>𝑗</m:t>
+                                <m:t>≥</m:t>
                               </m:r>
-                            </m:sub>
-                            <m:sup>
-                              <m:r>
-                                <a:rPr lang="en-US" b="0" i="1" smtClean="0">
-                                  <a:latin typeface="Cambria Math" panose="02040503050406030204" pitchFamily="18" charset="0"/>
-                                </a:rPr>
-                                <m:t>𝑖</m:t>
-                              </m:r>
-                            </m:sup>
-                          </m:sSubSup>
-                          <m:d>
-                            <m:dPr>
-                              <m:begChr m:val="["/>
-                              <m:endChr m:val="]"/>
-                              <m:ctrlPr>
-                                <a:rPr lang="en-US" b="0" i="1" smtClean="0">
-                                  <a:latin typeface="Cambria Math" panose="02040503050406030204" pitchFamily="18" charset="0"/>
-                                </a:rPr>
-                              </m:ctrlPr>
-                            </m:dPr>
-                            <m:e>
-                              <m:r>
-                                <a:rPr lang="en-US" b="0" i="1" smtClean="0">
-                                  <a:latin typeface="Cambria Math" panose="02040503050406030204" pitchFamily="18" charset="0"/>
-                                </a:rPr>
-                                <m:t>𝑘</m:t>
-                              </m:r>
-                              <m:r>
-                                <a:rPr lang="en-US" b="0" i="1" smtClean="0">
-                                  <a:latin typeface="Cambria Math" panose="02040503050406030204" pitchFamily="18" charset="0"/>
-                                </a:rPr>
-                                <m:t>−1</m:t>
-                              </m:r>
+                              <m:sSubSup>
+                                <m:sSubSupPr>
+                                  <m:ctrlPr>
+                                    <a:rPr lang="en-US" b="0" i="1" smtClean="0">
+                                      <a:latin typeface="Cambria Math" panose="02040503050406030204" pitchFamily="18" charset="0"/>
+                                    </a:rPr>
+                                  </m:ctrlPr>
+                                </m:sSubSupPr>
+                                <m:e>
+                                  <m:r>
+                                    <a:rPr lang="en-US" b="0" i="1" smtClean="0">
+                                      <a:latin typeface="Cambria Math" panose="02040503050406030204" pitchFamily="18" charset="0"/>
+                                    </a:rPr>
+                                    <m:t>𝑡</m:t>
+                                  </m:r>
+                                </m:e>
+                                <m:sub>
+                                  <m:r>
+                                    <a:rPr lang="en-US" b="0" i="1" smtClean="0">
+                                      <a:latin typeface="Cambria Math" panose="02040503050406030204" pitchFamily="18" charset="0"/>
+                                    </a:rPr>
+                                    <m:t>𝑗</m:t>
+                                  </m:r>
+                                </m:sub>
+                                <m:sup>
+                                  <m:r>
+                                    <a:rPr lang="en-US" b="0" i="1" smtClean="0">
+                                      <a:latin typeface="Cambria Math" panose="02040503050406030204" pitchFamily="18" charset="0"/>
+                                    </a:rPr>
+                                    <m:t>𝑒𝑥𝑝𝑒𝑐𝑡𝑒𝑑</m:t>
+                                  </m:r>
+                                </m:sup>
+                              </m:sSubSup>
                             </m:e>
-                          </m:d>
-                          <m:d>
-                            <m:dPr>
-                              <m:ctrlPr>
-                                <a:rPr lang="en-US" b="0" i="1" smtClean="0">
-                                  <a:latin typeface="Cambria Math" panose="02040503050406030204" pitchFamily="18" charset="0"/>
-                                </a:rPr>
-                              </m:ctrlPr>
-                            </m:dPr>
-                            <m:e>
-                              <m:r>
-                                <a:rPr lang="en-US" b="0" i="1" smtClean="0">
-                                  <a:latin typeface="Cambria Math" panose="02040503050406030204" pitchFamily="18" charset="0"/>
-                                </a:rPr>
-                                <m:t>𝑛</m:t>
-                              </m:r>
-                            </m:e>
-                          </m:d>
+                          </m:eqArr>
                         </m:e>
                       </m:d>
-                      <m:r>
-                        <a:rPr lang="en-US" b="0" i="1" smtClean="0">
-                          <a:latin typeface="Cambria Math" panose="02040503050406030204" pitchFamily="18" charset="0"/>
-                        </a:rPr>
-                        <m:t>] </m:t>
-                      </m:r>
                     </m:oMath>
                   </m:oMathPara>
                 </a14:m>
-                <a:endParaRPr lang="en-US" b="0" dirty="0" smtClean="0"/>
+                <a:endParaRPr lang="en-US" i="1" dirty="0">
+                  <a:latin typeface="Cambria Math" panose="02040503050406030204" pitchFamily="18" charset="0"/>
+                </a:endParaRPr>
               </a:p>
               <a:p>
+                <a:pPr/>
                 <a:endParaRPr lang="en-US" dirty="0"/>
               </a:p>
               <a:p>
+                <a:pPr/>
                 <a14:m>
                   <m:oMathPara xmlns:m="http://schemas.openxmlformats.org/officeDocument/2006/math">
                     <m:oMathParaPr>
@@ -22293,7 +22565,7 @@
                     </m:oMath>
                   </m:oMathPara>
                 </a14:m>
-                <a:endParaRPr lang="en-US" b="0" dirty="0" smtClean="0"/>
+                <a:endParaRPr lang="en-US" b="0" dirty="0"/>
               </a:p>
               <a:p>
                 <a:endParaRPr lang="ru-RU" dirty="0"/>
@@ -22313,7 +22585,7 @@
             <p:spPr>
               <a:xfrm>
                 <a:off x="3931010" y="1924232"/>
-                <a:ext cx="4837544" cy="1738681"/>
+                <a:ext cx="4837544" cy="2779543"/>
               </a:xfrm>
               <a:prstGeom prst="rect">
                 <a:avLst/>
@@ -22348,7 +22620,7 @@
         </p:nvSpPr>
         <p:spPr>
           <a:xfrm>
-            <a:off x="4572000" y="1028700"/>
+            <a:off x="5177790" y="1228725"/>
             <a:ext cx="3378994" cy="523220"/>
           </a:xfrm>
           <a:prstGeom prst="rect">
@@ -22363,10 +22635,9 @@
           <a:lstStyle/>
           <a:p>
             <a:r>
-              <a:rPr lang="ru-RU" dirty="0" smtClean="0"/>
+              <a:rPr lang="ru-RU" dirty="0"/>
               <a:t>Вычисление интенсивности потока для активного диспетчера</a:t>
             </a:r>
-            <a:endParaRPr lang="ru-RU" dirty="0"/>
           </a:p>
         </p:txBody>
       </p:sp>
@@ -22380,13 +22651,6 @@
   <p:clrMapOvr>
     <a:masterClrMapping/>
   </p:clrMapOvr>
-  <p:timing>
-    <p:tnLst>
-      <p:par>
-        <p:cTn id="1" dur="indefinite" restart="never" nodeType="tmRoot"/>
-      </p:par>
-    </p:tnLst>
-  </p:timing>
 </p:sld>
 </file>
 
@@ -22428,10 +22692,9 @@
           <a:lstStyle/>
           <a:p>
             <a:r>
-              <a:rPr lang="ru-RU" dirty="0" smtClean="0"/>
+              <a:rPr lang="ru-RU" dirty="0"/>
               <a:t>Диспетчер - Равновесие Нэша</a:t>
             </a:r>
-            <a:endParaRPr lang="ru-RU" dirty="0"/>
           </a:p>
         </p:txBody>
       </p:sp>
@@ -22490,14 +22753,14 @@
           <a:p>
             <a:pPr lvl="0" algn="r"/>
             <a:r>
-              <a:rPr lang="ru-RU" sz="1300" dirty="0" smtClean="0">
+              <a:rPr lang="ru-RU" sz="1300" dirty="0">
                 <a:latin typeface="Calibri" panose="020F0502020204030204" pitchFamily="34" charset="0"/>
                 <a:cs typeface="Calibri" panose="020F0502020204030204" pitchFamily="34" charset="0"/>
               </a:rPr>
               <a:t>10</a:t>
             </a:r>
             <a:r>
-              <a:rPr lang="en-US" sz="1300" dirty="0" smtClean="0">
+              <a:rPr lang="en-US" sz="1300" dirty="0">
                 <a:latin typeface="Calibri" panose="020F0502020204030204" pitchFamily="34" charset="0"/>
                 <a:cs typeface="Calibri" panose="020F0502020204030204" pitchFamily="34" charset="0"/>
               </a:rPr>
@@ -22587,10 +22850,9 @@
           <a:lstStyle/>
           <a:p>
             <a:r>
-              <a:rPr lang="ru-RU" dirty="0" smtClean="0"/>
+              <a:rPr lang="ru-RU" dirty="0"/>
               <a:t>Равновесие Нэша</a:t>
             </a:r>
-            <a:endParaRPr lang="ru-RU" dirty="0"/>
           </a:p>
         </p:txBody>
       </p:sp>
@@ -22617,10 +22879,9 @@
           <a:lstStyle/>
           <a:p>
             <a:r>
-              <a:rPr lang="ru-RU" dirty="0" smtClean="0"/>
+              <a:rPr lang="ru-RU" dirty="0"/>
               <a:t>Глобальный минимум времени ожидания</a:t>
             </a:r>
-            <a:endParaRPr lang="ru-RU" dirty="0"/>
           </a:p>
         </p:txBody>
       </p:sp>
@@ -22647,30 +22908,26 @@
           <a:p>
             <a:pPr lvl="0" algn="r"/>
             <a:r>
-              <a:rPr lang="ru-RU" sz="1300" dirty="0" smtClean="0">
+              <a:rPr lang="ru-RU" sz="1300" dirty="0">
                 <a:latin typeface="Calibri" panose="020F0502020204030204" pitchFamily="34" charset="0"/>
                 <a:cs typeface="Calibri" panose="020F0502020204030204" pitchFamily="34" charset="0"/>
               </a:rPr>
               <a:t>11</a:t>
             </a:r>
             <a:r>
-              <a:rPr lang="en-US" sz="1300" dirty="0" smtClean="0">
+              <a:rPr lang="en-US" sz="1300" dirty="0">
                 <a:latin typeface="Calibri" panose="020F0502020204030204" pitchFamily="34" charset="0"/>
                 <a:cs typeface="Calibri" panose="020F0502020204030204" pitchFamily="34" charset="0"/>
               </a:rPr>
               <a:t>/1</a:t>
             </a:r>
             <a:r>
-              <a:rPr lang="ru-RU" sz="1300" dirty="0" smtClean="0">
+              <a:rPr lang="ru-RU" sz="1300" dirty="0">
                 <a:latin typeface="Calibri" panose="020F0502020204030204" pitchFamily="34" charset="0"/>
                 <a:cs typeface="Calibri" panose="020F0502020204030204" pitchFamily="34" charset="0"/>
               </a:rPr>
               <a:t>6</a:t>
             </a:r>
-            <a:endParaRPr lang="ru-RU" sz="1300" dirty="0">
-              <a:latin typeface="Calibri" panose="020F0502020204030204" pitchFamily="34" charset="0"/>
-              <a:cs typeface="Calibri" panose="020F0502020204030204" pitchFamily="34" charset="0"/>
-            </a:endParaRPr>
           </a:p>
         </p:txBody>
       </p:sp>
@@ -22684,13 +22941,6 @@
   <p:clrMapOvr>
     <a:masterClrMapping/>
   </p:clrMapOvr>
-  <p:timing>
-    <p:tnLst>
-      <p:par>
-        <p:cTn id="1" dur="indefinite" restart="never" nodeType="tmRoot"/>
-      </p:par>
-    </p:tnLst>
-  </p:timing>
 </p:sld>
 </file>
 
@@ -22732,10 +22982,9 @@
           <a:lstStyle/>
           <a:p>
             <a:r>
-              <a:rPr lang="ru-RU" dirty="0" smtClean="0"/>
+              <a:rPr lang="ru-RU" dirty="0"/>
               <a:t>Стратегии диспетчера</a:t>
             </a:r>
-            <a:endParaRPr lang="ru-RU" dirty="0"/>
           </a:p>
         </p:txBody>
       </p:sp>
@@ -22794,14 +23043,14 @@
           <a:p>
             <a:pPr lvl="0" algn="r"/>
             <a:r>
-              <a:rPr lang="ru-RU" sz="1300" dirty="0" smtClean="0">
+              <a:rPr lang="ru-RU" sz="1300" dirty="0">
                 <a:latin typeface="Calibri" panose="020F0502020204030204" pitchFamily="34" charset="0"/>
                 <a:cs typeface="Calibri" panose="020F0502020204030204" pitchFamily="34" charset="0"/>
               </a:rPr>
               <a:t>10</a:t>
             </a:r>
             <a:r>
-              <a:rPr lang="en-US" sz="1300" dirty="0" smtClean="0">
+              <a:rPr lang="en-US" sz="1300" dirty="0">
                 <a:latin typeface="Calibri" panose="020F0502020204030204" pitchFamily="34" charset="0"/>
                 <a:cs typeface="Calibri" panose="020F0502020204030204" pitchFamily="34" charset="0"/>
               </a:rPr>
@@ -22885,11 +23134,11 @@
           <a:lstStyle/>
           <a:p>
             <a:r>
-              <a:rPr lang="ru-RU" dirty="0" smtClean="0"/>
+              <a:rPr lang="ru-RU" dirty="0"/>
               <a:t>Смешанные стратегии для </a:t>
             </a:r>
             <a:r>
-              <a:rPr lang="en-US" dirty="0" smtClean="0"/>
+              <a:rPr lang="en-US" dirty="0"/>
               <a:t>N2</a:t>
             </a:r>
             <a:endParaRPr lang="ru-RU" dirty="0"/>
@@ -22919,11 +23168,11 @@
           <a:lstStyle/>
           <a:p>
             <a:r>
-              <a:rPr lang="ru-RU" dirty="0" smtClean="0"/>
+              <a:rPr lang="ru-RU" dirty="0"/>
               <a:t>Смешанные стратегии для </a:t>
             </a:r>
             <a:r>
-              <a:rPr lang="en-US" dirty="0" smtClean="0"/>
+              <a:rPr lang="en-US" dirty="0"/>
               <a:t>N1</a:t>
             </a:r>
             <a:endParaRPr lang="ru-RU" dirty="0"/>
@@ -22953,30 +23202,26 @@
           <a:p>
             <a:pPr lvl="0" algn="r"/>
             <a:r>
-              <a:rPr lang="ru-RU" sz="1300" dirty="0" smtClean="0">
+              <a:rPr lang="ru-RU" sz="1300" dirty="0">
                 <a:latin typeface="Calibri" panose="020F0502020204030204" pitchFamily="34" charset="0"/>
                 <a:cs typeface="Calibri" panose="020F0502020204030204" pitchFamily="34" charset="0"/>
               </a:rPr>
               <a:t>1</a:t>
             </a:r>
             <a:r>
-              <a:rPr lang="en-US" sz="1300" dirty="0" smtClean="0">
+              <a:rPr lang="en-US" sz="1300" dirty="0">
                 <a:latin typeface="Calibri" panose="020F0502020204030204" pitchFamily="34" charset="0"/>
                 <a:cs typeface="Calibri" panose="020F0502020204030204" pitchFamily="34" charset="0"/>
               </a:rPr>
               <a:t>2/1</a:t>
             </a:r>
             <a:r>
-              <a:rPr lang="ru-RU" sz="1300" dirty="0" smtClean="0">
+              <a:rPr lang="ru-RU" sz="1300" dirty="0">
                 <a:latin typeface="Calibri" panose="020F0502020204030204" pitchFamily="34" charset="0"/>
                 <a:cs typeface="Calibri" panose="020F0502020204030204" pitchFamily="34" charset="0"/>
               </a:rPr>
               <a:t>6</a:t>
             </a:r>
-            <a:endParaRPr lang="ru-RU" sz="1300" dirty="0">
-              <a:latin typeface="Calibri" panose="020F0502020204030204" pitchFamily="34" charset="0"/>
-              <a:cs typeface="Calibri" panose="020F0502020204030204" pitchFamily="34" charset="0"/>
-            </a:endParaRPr>
           </a:p>
         </p:txBody>
       </p:sp>
@@ -22990,13 +23235,6 @@
   <p:clrMapOvr>
     <a:masterClrMapping/>
   </p:clrMapOvr>
-  <p:timing>
-    <p:tnLst>
-      <p:par>
-        <p:cTn id="1" dur="indefinite" restart="never" nodeType="tmRoot"/>
-      </p:par>
-    </p:tnLst>
-  </p:timing>
 </p:sld>
 </file>
 
@@ -23038,10 +23276,9 @@
           <a:lstStyle/>
           <a:p>
             <a:r>
-              <a:rPr lang="ru-RU" dirty="0" smtClean="0"/>
+              <a:rPr lang="ru-RU" dirty="0"/>
               <a:t>Финансовое регулирование</a:t>
             </a:r>
-            <a:endParaRPr lang="ru-RU" dirty="0"/>
           </a:p>
         </p:txBody>
       </p:sp>
@@ -23072,7 +23309,7 @@
               <a:buChar char="•"/>
             </a:pPr>
             <a:r>
-              <a:rPr lang="ru-RU" dirty="0" smtClean="0"/>
+              <a:rPr lang="ru-RU" dirty="0"/>
               <a:t>Госпитали ведут себя «жадно» – за каждого пациента они получают прибыль</a:t>
             </a:r>
           </a:p>
@@ -23089,7 +23326,7 @@
               <a:buChar char="•"/>
             </a:pPr>
             <a:r>
-              <a:rPr lang="ru-RU" dirty="0" smtClean="0"/>
+              <a:rPr lang="ru-RU" dirty="0"/>
               <a:t>Такое поведение вызывает переполнения госпиталей и увеличивает смертность</a:t>
             </a:r>
           </a:p>
@@ -23106,7 +23343,7 @@
               <a:buChar char="•"/>
             </a:pPr>
             <a:r>
-              <a:rPr lang="ru-RU" dirty="0" smtClean="0"/>
+              <a:rPr lang="ru-RU" dirty="0"/>
               <a:t>Идея: награждать госпитали за успешно вылеченных больных, тем самым мотивируя стороны кооперироваться</a:t>
             </a:r>
           </a:p>
@@ -23137,10 +23374,10 @@
               <a:lstStyle/>
               <a:p>
                 <a:r>
-                  <a:rPr lang="ru-RU" dirty="0" smtClean="0"/>
+                  <a:rPr lang="ru-RU" dirty="0"/>
                   <a:t>Определим новую функцию наград для игроков </a:t>
                 </a:r>
-                <a:endParaRPr lang="en-US" dirty="0" smtClean="0"/>
+                <a:endParaRPr lang="en-US" dirty="0"/>
               </a:p>
               <a:p>
                 <a14:m>
@@ -23166,11 +23403,11 @@
                   </m:oMath>
                 </a14:m>
                 <a:r>
-                  <a:rPr lang="en-US" dirty="0" smtClean="0"/>
+                  <a:rPr lang="en-US" dirty="0"/>
                   <a:t> – </a:t>
                 </a:r>
                 <a:r>
-                  <a:rPr lang="ru-RU" dirty="0" smtClean="0"/>
+                  <a:rPr lang="ru-RU" dirty="0"/>
                   <a:t>операционные расходы</a:t>
                 </a:r>
               </a:p>
@@ -23198,11 +23435,11 @@
                   </m:oMath>
                 </a14:m>
                 <a:r>
-                  <a:rPr lang="en-US" dirty="0" smtClean="0"/>
+                  <a:rPr lang="en-US" dirty="0"/>
                   <a:t> – </a:t>
                 </a:r>
                 <a:r>
-                  <a:rPr lang="ru-RU" dirty="0" smtClean="0"/>
+                  <a:rPr lang="ru-RU" dirty="0"/>
                   <a:t>затраты на транспортировку</a:t>
                 </a:r>
               </a:p>
@@ -23243,11 +23480,680 @@
                   </m:oMath>
                 </a14:m>
                 <a:r>
-                  <a:rPr lang="ru-RU" dirty="0" smtClean="0"/>
+                  <a:rPr lang="ru-RU" dirty="0"/>
                   <a:t> выплаты за вылеченного пациента</a:t>
                 </a:r>
               </a:p>
               <a:p>
+                <a:pPr/>
+                <a14:m>
+                  <m:oMathPara xmlns:m="http://schemas.openxmlformats.org/officeDocument/2006/math">
+                    <m:oMathParaPr>
+                      <m:jc m:val="centerGroup"/>
+                    </m:oMathParaPr>
+                    <m:oMath xmlns:m="http://schemas.openxmlformats.org/officeDocument/2006/math">
+                      <m:sSub>
+                        <m:sSubPr>
+                          <m:ctrlPr>
+                            <a:rPr lang="en-US" b="0" i="1" smtClean="0">
+                              <a:latin typeface="Cambria Math" panose="02040503050406030204" pitchFamily="18" charset="0"/>
+                            </a:rPr>
+                          </m:ctrlPr>
+                        </m:sSubPr>
+                        <m:e>
+                          <m:r>
+                            <a:rPr lang="en-US" b="0" i="1" smtClean="0">
+                              <a:latin typeface="Cambria Math" panose="02040503050406030204" pitchFamily="18" charset="0"/>
+                            </a:rPr>
+                            <m:t>𝜆</m:t>
+                          </m:r>
+                        </m:e>
+                        <m:sub>
+                          <m:r>
+                            <a:rPr lang="en-US" b="0" i="1" smtClean="0">
+                              <a:latin typeface="Cambria Math" panose="02040503050406030204" pitchFamily="18" charset="0"/>
+                            </a:rPr>
+                            <m:t>𝑐𝑢𝑟𝑒𝑑</m:t>
+                          </m:r>
+                        </m:sub>
+                      </m:sSub>
+                      <m:r>
+                        <a:rPr lang="en-US" b="0" i="1" smtClean="0">
+                          <a:latin typeface="Cambria Math" panose="02040503050406030204" pitchFamily="18" charset="0"/>
+                        </a:rPr>
+                        <m:t>=</m:t>
+                      </m:r>
+                      <m:r>
+                        <a:rPr lang="en-US" b="0" i="1" smtClean="0">
+                          <a:latin typeface="Cambria Math" panose="02040503050406030204" pitchFamily="18" charset="0"/>
+                        </a:rPr>
+                        <m:t>𝜆</m:t>
+                      </m:r>
+                      <m:d>
+                        <m:dPr>
+                          <m:ctrlPr>
+                            <a:rPr lang="en-US" b="0" i="1" smtClean="0">
+                              <a:latin typeface="Cambria Math" panose="02040503050406030204" pitchFamily="18" charset="0"/>
+                            </a:rPr>
+                          </m:ctrlPr>
+                        </m:dPr>
+                        <m:e>
+                          <m:r>
+                            <a:rPr lang="en-US" b="0" i="1" smtClean="0">
+                              <a:latin typeface="Cambria Math" panose="02040503050406030204" pitchFamily="18" charset="0"/>
+                            </a:rPr>
+                            <m:t>1−</m:t>
+                          </m:r>
+                          <m:sSub>
+                            <m:sSubPr>
+                              <m:ctrlPr>
+                                <a:rPr lang="en-US" b="0" i="1" smtClean="0">
+                                  <a:latin typeface="Cambria Math" panose="02040503050406030204" pitchFamily="18" charset="0"/>
+                                </a:rPr>
+                              </m:ctrlPr>
+                            </m:sSubPr>
+                            <m:e>
+                              <m:r>
+                                <a:rPr lang="en-US" b="0" i="1" smtClean="0">
+                                  <a:latin typeface="Cambria Math" panose="02040503050406030204" pitchFamily="18" charset="0"/>
+                                </a:rPr>
+                                <m:t>𝑃</m:t>
+                              </m:r>
+                            </m:e>
+                            <m:sub>
+                              <m:r>
+                                <a:rPr lang="en-US" b="0" i="1" smtClean="0">
+                                  <a:latin typeface="Cambria Math" panose="02040503050406030204" pitchFamily="18" charset="0"/>
+                                </a:rPr>
+                                <m:t>𝑚𝑜𝑟𝑡𝑎𝑙𝑖𝑡𝑦</m:t>
+                              </m:r>
+                            </m:sub>
+                          </m:sSub>
+                          <m:d>
+                            <m:dPr>
+                              <m:ctrlPr>
+                                <a:rPr lang="en-US" b="0" i="1" smtClean="0">
+                                  <a:latin typeface="Cambria Math" panose="02040503050406030204" pitchFamily="18" charset="0"/>
+                                </a:rPr>
+                              </m:ctrlPr>
+                            </m:dPr>
+                            <m:e>
+                              <m:r>
+                                <a:rPr lang="en-US" b="0" i="1" smtClean="0">
+                                  <a:latin typeface="Cambria Math" panose="02040503050406030204" pitchFamily="18" charset="0"/>
+                                </a:rPr>
+                                <m:t>𝜆</m:t>
+                              </m:r>
+                            </m:e>
+                          </m:d>
+                        </m:e>
+                      </m:d>
+                    </m:oMath>
+                  </m:oMathPara>
+                </a14:m>
+                <a:endParaRPr lang="ru-RU" b="0" dirty="0"/>
+              </a:p>
+              <a:p>
+                <a:endParaRPr lang="ru-RU" dirty="0"/>
+              </a:p>
+              <a:p>
+                <a:pPr/>
+                <a14:m>
+                  <m:oMathPara xmlns:m="http://schemas.openxmlformats.org/officeDocument/2006/math">
+                    <m:oMathParaPr>
+                      <m:jc m:val="centerGroup"/>
+                    </m:oMathParaPr>
+                    <m:oMath xmlns:m="http://schemas.openxmlformats.org/officeDocument/2006/math">
+                      <m:sSub>
+                        <m:sSubPr>
+                          <m:ctrlPr>
+                            <a:rPr lang="en-US" b="0" i="1" smtClean="0">
+                              <a:latin typeface="Cambria Math" panose="02040503050406030204" pitchFamily="18" charset="0"/>
+                            </a:rPr>
+                          </m:ctrlPr>
+                        </m:sSubPr>
+                        <m:e>
+                          <m:r>
+                            <m:rPr>
+                              <m:sty m:val="p"/>
+                            </m:rPr>
+                            <a:rPr lang="en-US" b="0" i="1" smtClean="0">
+                              <a:latin typeface="Cambria Math" panose="02040503050406030204" pitchFamily="18" charset="0"/>
+                            </a:rPr>
+                            <m:t>u</m:t>
+                          </m:r>
+                        </m:e>
+                        <m:sub>
+                          <m:r>
+                            <a:rPr lang="en-US" b="0" i="1" smtClean="0">
+                              <a:latin typeface="Cambria Math" panose="02040503050406030204" pitchFamily="18" charset="0"/>
+                            </a:rPr>
+                            <m:t>𝑖</m:t>
+                          </m:r>
+                        </m:sub>
+                      </m:sSub>
+                      <m:r>
+                        <a:rPr lang="en-US" b="0" i="1" smtClean="0">
+                          <a:latin typeface="Cambria Math" panose="02040503050406030204" pitchFamily="18" charset="0"/>
+                        </a:rPr>
+                        <m:t>=</m:t>
+                      </m:r>
+                      <m:sSubSup>
+                        <m:sSubSupPr>
+                          <m:ctrlPr>
+                            <a:rPr lang="en-US" b="0" i="1" smtClean="0">
+                              <a:latin typeface="Cambria Math" panose="02040503050406030204" pitchFamily="18" charset="0"/>
+                            </a:rPr>
+                          </m:ctrlPr>
+                        </m:sSubSupPr>
+                        <m:e>
+                          <m:r>
+                            <a:rPr lang="en-US" b="0" i="1" smtClean="0">
+                              <a:latin typeface="Cambria Math" panose="02040503050406030204" pitchFamily="18" charset="0"/>
+                            </a:rPr>
+                            <m:t>𝜆</m:t>
+                          </m:r>
+                        </m:e>
+                        <m:sub>
+                          <m:r>
+                            <a:rPr lang="en-US" b="0" i="1" smtClean="0">
+                              <a:latin typeface="Cambria Math" panose="02040503050406030204" pitchFamily="18" charset="0"/>
+                            </a:rPr>
+                            <m:t>𝑖</m:t>
+                          </m:r>
+                        </m:sub>
+                        <m:sup>
+                          <m:r>
+                            <a:rPr lang="en-US" b="0" i="1" smtClean="0">
+                              <a:latin typeface="Cambria Math" panose="02040503050406030204" pitchFamily="18" charset="0"/>
+                            </a:rPr>
+                            <m:t>𝑐𝑢𝑟𝑒𝑑</m:t>
+                          </m:r>
+                        </m:sup>
+                      </m:sSubSup>
+                      <m:d>
+                        <m:dPr>
+                          <m:ctrlPr>
+                            <a:rPr lang="en-US" b="0" i="1" smtClean="0">
+                              <a:latin typeface="Cambria Math" panose="02040503050406030204" pitchFamily="18" charset="0"/>
+                            </a:rPr>
+                          </m:ctrlPr>
+                        </m:dPr>
+                        <m:e>
+                          <m:sSub>
+                            <m:sSubPr>
+                              <m:ctrlPr>
+                                <a:rPr lang="en-US" b="0" i="1" smtClean="0">
+                                  <a:latin typeface="Cambria Math" panose="02040503050406030204" pitchFamily="18" charset="0"/>
+                                </a:rPr>
+                              </m:ctrlPr>
+                            </m:sSubPr>
+                            <m:e>
+                              <m:r>
+                                <a:rPr lang="en-US" b="0" i="1" smtClean="0">
+                                  <a:latin typeface="Cambria Math" panose="02040503050406030204" pitchFamily="18" charset="0"/>
+                                </a:rPr>
+                                <m:t>𝑅</m:t>
+                              </m:r>
+                            </m:e>
+                            <m:sub>
+                              <m:r>
+                                <a:rPr lang="en-US" b="0" i="1" smtClean="0">
+                                  <a:latin typeface="Cambria Math" panose="02040503050406030204" pitchFamily="18" charset="0"/>
+                                </a:rPr>
+                                <m:t>𝑐𝑢𝑟𝑒𝑑</m:t>
+                              </m:r>
+                            </m:sub>
+                          </m:sSub>
+                          <m:r>
+                            <a:rPr lang="en-US" b="0" i="1" smtClean="0">
+                              <a:latin typeface="Cambria Math" panose="02040503050406030204" pitchFamily="18" charset="0"/>
+                            </a:rPr>
+                            <m:t>−</m:t>
+                          </m:r>
+                          <m:sSub>
+                            <m:sSubPr>
+                              <m:ctrlPr>
+                                <a:rPr lang="en-US" b="0" i="1" smtClean="0">
+                                  <a:latin typeface="Cambria Math" panose="02040503050406030204" pitchFamily="18" charset="0"/>
+                                </a:rPr>
+                              </m:ctrlPr>
+                            </m:sSubPr>
+                            <m:e>
+                              <m:r>
+                                <a:rPr lang="en-US" b="0" i="1" smtClean="0">
+                                  <a:latin typeface="Cambria Math" panose="02040503050406030204" pitchFamily="18" charset="0"/>
+                                </a:rPr>
+                                <m:t>𝐸</m:t>
+                              </m:r>
+                            </m:e>
+                            <m:sub>
+                              <m:r>
+                                <a:rPr lang="en-US" b="0" i="1" smtClean="0">
+                                  <a:latin typeface="Cambria Math" panose="02040503050406030204" pitchFamily="18" charset="0"/>
+                                </a:rPr>
+                                <m:t>𝑜𝑝</m:t>
+                              </m:r>
+                            </m:sub>
+                          </m:sSub>
+                        </m:e>
+                      </m:d>
+                      <m:r>
+                        <a:rPr lang="en-US" b="0" i="1" smtClean="0">
+                          <a:latin typeface="Cambria Math" panose="02040503050406030204" pitchFamily="18" charset="0"/>
+                        </a:rPr>
+                        <m:t>−</m:t>
+                      </m:r>
+                      <m:sSub>
+                        <m:sSubPr>
+                          <m:ctrlPr>
+                            <a:rPr lang="en-US" b="0" i="1" smtClean="0">
+                              <a:latin typeface="Cambria Math" panose="02040503050406030204" pitchFamily="18" charset="0"/>
+                            </a:rPr>
+                          </m:ctrlPr>
+                        </m:sSubPr>
+                        <m:e>
+                          <m:r>
+                            <a:rPr lang="en-US" b="0" i="1" smtClean="0">
+                              <a:latin typeface="Cambria Math" panose="02040503050406030204" pitchFamily="18" charset="0"/>
+                            </a:rPr>
+                            <m:t>𝜆</m:t>
+                          </m:r>
+                        </m:e>
+                        <m:sub>
+                          <m:r>
+                            <a:rPr lang="en-US" b="0" i="1" smtClean="0">
+                              <a:latin typeface="Cambria Math" panose="02040503050406030204" pitchFamily="18" charset="0"/>
+                            </a:rPr>
+                            <m:t>𝑖</m:t>
+                          </m:r>
+                        </m:sub>
+                      </m:sSub>
+                      <m:sSub>
+                        <m:sSubPr>
+                          <m:ctrlPr>
+                            <a:rPr lang="en-US" b="0" i="1" smtClean="0">
+                              <a:latin typeface="Cambria Math" panose="02040503050406030204" pitchFamily="18" charset="0"/>
+                            </a:rPr>
+                          </m:ctrlPr>
+                        </m:sSubPr>
+                        <m:e>
+                          <m:r>
+                            <a:rPr lang="en-US" b="0" i="1" smtClean="0">
+                              <a:latin typeface="Cambria Math" panose="02040503050406030204" pitchFamily="18" charset="0"/>
+                            </a:rPr>
+                            <m:t>𝐸</m:t>
+                          </m:r>
+                        </m:e>
+                        <m:sub>
+                          <m:r>
+                            <a:rPr lang="en-US" b="0" i="1" smtClean="0">
+                              <a:latin typeface="Cambria Math" panose="02040503050406030204" pitchFamily="18" charset="0"/>
+                            </a:rPr>
+                            <m:t>𝑜𝑝</m:t>
+                          </m:r>
+                        </m:sub>
+                      </m:sSub>
+                    </m:oMath>
+                  </m:oMathPara>
+                </a14:m>
+                <a:endParaRPr lang="en-US" b="0" dirty="0"/>
+              </a:p>
+              <a:p>
+                <a:endParaRPr lang="ru-RU" dirty="0"/>
+              </a:p>
+              <a:p>
+                <a:endParaRPr lang="ru-RU" dirty="0"/>
+              </a:p>
+            </p:txBody>
+          </p:sp>
+        </mc:Choice>
+        <mc:Fallback>
+          <p:sp>
+            <p:nvSpPr>
+              <p:cNvPr id="17" name="TextBox 16"/>
+              <p:cNvSpPr txBox="1">
+                <a:spLocks noRot="1" noChangeAspect="1" noMove="1" noResize="1" noEditPoints="1" noAdjustHandles="1" noChangeArrowheads="1" noChangeShapeType="1" noTextEdit="1"/>
+              </p:cNvSpPr>
+              <p:nvPr/>
+            </p:nvSpPr>
+            <p:spPr>
+              <a:xfrm>
+                <a:off x="4966853" y="1647582"/>
+                <a:ext cx="3539837" cy="2602251"/>
+              </a:xfrm>
+              <a:prstGeom prst="rect">
+                <a:avLst/>
+              </a:prstGeom>
+              <a:blipFill>
+                <a:blip r:embed="rId3"/>
+                <a:stretch>
+                  <a:fillRect l="-517" t="-234"/>
+                </a:stretch>
+              </a:blipFill>
+            </p:spPr>
+            <p:txBody>
+              <a:bodyPr/>
+              <a:lstStyle/>
+              <a:p>
+                <a:r>
+                  <a:rPr lang="ru-RU">
+                    <a:noFill/>
+                  </a:rPr>
+                  <a:t> </a:t>
+                </a:r>
+              </a:p>
+            </p:txBody>
+          </p:sp>
+        </mc:Fallback>
+      </mc:AlternateContent>
+      <p:sp>
+        <p:nvSpPr>
+          <p:cNvPr id="21" name="Rectangle 20"/>
+          <p:cNvSpPr/>
+          <p:nvPr/>
+        </p:nvSpPr>
+        <p:spPr>
+          <a:xfrm>
+            <a:off x="8555377" y="26412"/>
+            <a:ext cx="588623" cy="292388"/>
+          </a:xfrm>
+          <a:prstGeom prst="rect">
+            <a:avLst/>
+          </a:prstGeom>
+        </p:spPr>
+        <p:txBody>
+          <a:bodyPr wrap="none">
+            <a:spAutoFit/>
+          </a:bodyPr>
+          <a:lstStyle/>
+          <a:p>
+            <a:pPr lvl="0" algn="r"/>
+            <a:r>
+              <a:rPr lang="ru-RU" sz="1300" dirty="0">
+                <a:latin typeface="Calibri" panose="020F0502020204030204" pitchFamily="34" charset="0"/>
+                <a:cs typeface="Calibri" panose="020F0502020204030204" pitchFamily="34" charset="0"/>
+              </a:rPr>
+              <a:t>13</a:t>
+            </a:r>
+            <a:r>
+              <a:rPr lang="en-US" sz="1300" dirty="0">
+                <a:latin typeface="Calibri" panose="020F0502020204030204" pitchFamily="34" charset="0"/>
+                <a:cs typeface="Calibri" panose="020F0502020204030204" pitchFamily="34" charset="0"/>
+              </a:rPr>
+              <a:t>/1</a:t>
+            </a:r>
+            <a:r>
+              <a:rPr lang="ru-RU" sz="1300" dirty="0">
+                <a:latin typeface="Calibri" panose="020F0502020204030204" pitchFamily="34" charset="0"/>
+                <a:cs typeface="Calibri" panose="020F0502020204030204" pitchFamily="34" charset="0"/>
+              </a:rPr>
+              <a:t>6</a:t>
+            </a:r>
+          </a:p>
+        </p:txBody>
+      </p:sp>
+    </p:spTree>
+    <p:extLst>
+      <p:ext uri="{BB962C8B-B14F-4D97-AF65-F5344CB8AC3E}">
+        <p14:creationId xmlns:p14="http://schemas.microsoft.com/office/powerpoint/2010/main" val="1268496909"/>
+      </p:ext>
+    </p:extLst>
+  </p:cSld>
+  <p:clrMapOvr>
+    <a:masterClrMapping/>
+  </p:clrMapOvr>
+</p:sld>
+</file>
+
+<file path=ppt/slides/slide14.xml><?xml version="1.0" encoding="utf-8"?>
+<p:sld xmlns:a="http://schemas.openxmlformats.org/drawingml/2006/main" xmlns:r="http://schemas.openxmlformats.org/officeDocument/2006/relationships" xmlns:p="http://schemas.openxmlformats.org/presentationml/2006/main">
+  <p:cSld>
+    <p:spTree>
+      <p:nvGrpSpPr>
+        <p:cNvPr id="1" name=""/>
+        <p:cNvGrpSpPr/>
+        <p:nvPr/>
+      </p:nvGrpSpPr>
+      <p:grpSpPr>
+        <a:xfrm>
+          <a:off x="0" y="0"/>
+          <a:ext cx="0" cy="0"/>
+          <a:chOff x="0" y="0"/>
+          <a:chExt cx="0" cy="0"/>
+        </a:xfrm>
+      </p:grpSpPr>
+      <p:sp>
+        <p:nvSpPr>
+          <p:cNvPr id="2" name="Title 1"/>
+          <p:cNvSpPr>
+            <a:spLocks noGrp="1"/>
+          </p:cNvSpPr>
+          <p:nvPr>
+            <p:ph type="title"/>
+          </p:nvPr>
+        </p:nvSpPr>
+        <p:spPr>
+          <a:xfrm>
+            <a:off x="117764" y="0"/>
+            <a:ext cx="8229600" cy="620483"/>
+          </a:xfrm>
+        </p:spPr>
+        <p:txBody>
+          <a:bodyPr/>
+          <a:lstStyle/>
+          <a:p>
+            <a:r>
+              <a:rPr lang="ru-RU" dirty="0"/>
+              <a:t>Финансовое регулирование</a:t>
+            </a:r>
+          </a:p>
+        </p:txBody>
+      </p:sp>
+      <p:sp>
+        <p:nvSpPr>
+          <p:cNvPr id="16" name="TextBox 15"/>
+          <p:cNvSpPr txBox="1"/>
+          <p:nvPr/>
+        </p:nvSpPr>
+        <p:spPr>
+          <a:xfrm>
+            <a:off x="671945" y="1087582"/>
+            <a:ext cx="3318164" cy="2677656"/>
+          </a:xfrm>
+          <a:prstGeom prst="rect">
+            <a:avLst/>
+          </a:prstGeom>
+          <a:noFill/>
+        </p:spPr>
+        <p:txBody>
+          <a:bodyPr wrap="square" rtlCol="0">
+            <a:spAutoFit/>
+          </a:bodyPr>
+          <a:lstStyle/>
+          <a:p>
+            <a:pPr marL="285750" indent="-285750">
+              <a:buFont typeface="Arial" panose="020B0604020202020204" pitchFamily="34" charset="0"/>
+              <a:buChar char="•"/>
+            </a:pPr>
+            <a:r>
+              <a:rPr lang="ru-RU" dirty="0"/>
+              <a:t>Госпитали ведут себя «жадно» – за каждого пациента они получают прибыль</a:t>
+            </a:r>
+          </a:p>
+          <a:p>
+            <a:pPr marL="285750" indent="-285750">
+              <a:buFont typeface="Arial" panose="020B0604020202020204" pitchFamily="34" charset="0"/>
+              <a:buChar char="•"/>
+            </a:pPr>
+            <a:endParaRPr lang="ru-RU" dirty="0"/>
+          </a:p>
+          <a:p>
+            <a:pPr marL="285750" indent="-285750">
+              <a:buFont typeface="Arial" panose="020B0604020202020204" pitchFamily="34" charset="0"/>
+              <a:buChar char="•"/>
+            </a:pPr>
+            <a:r>
+              <a:rPr lang="ru-RU" dirty="0"/>
+              <a:t>Такое поведение вызывает переполнения госпиталей и увеличивает смертность</a:t>
+            </a:r>
+          </a:p>
+          <a:p>
+            <a:pPr marL="285750" indent="-285750">
+              <a:buFont typeface="Arial" panose="020B0604020202020204" pitchFamily="34" charset="0"/>
+              <a:buChar char="•"/>
+            </a:pPr>
+            <a:endParaRPr lang="ru-RU" dirty="0"/>
+          </a:p>
+          <a:p>
+            <a:pPr marL="285750" indent="-285750">
+              <a:buFont typeface="Arial" panose="020B0604020202020204" pitchFamily="34" charset="0"/>
+              <a:buChar char="•"/>
+            </a:pPr>
+            <a:r>
+              <a:rPr lang="ru-RU" dirty="0"/>
+              <a:t>Идея: награждать госпитали за успешно вылеченных больных, тем самым мотивируя стороны кооперироваться</a:t>
+            </a:r>
+          </a:p>
+        </p:txBody>
+      </p:sp>
+      <mc:AlternateContent xmlns:mc="http://schemas.openxmlformats.org/markup-compatibility/2006" xmlns:a14="http://schemas.microsoft.com/office/drawing/2010/main">
+        <mc:Choice Requires="a14">
+          <p:sp>
+            <p:nvSpPr>
+              <p:cNvPr id="17" name="TextBox 16"/>
+              <p:cNvSpPr txBox="1"/>
+              <p:nvPr/>
+            </p:nvSpPr>
+            <p:spPr>
+              <a:xfrm>
+                <a:off x="4966853" y="1647582"/>
+                <a:ext cx="3539837" cy="2602251"/>
+              </a:xfrm>
+              <a:prstGeom prst="rect">
+                <a:avLst/>
+              </a:prstGeom>
+              <a:noFill/>
+            </p:spPr>
+            <p:txBody>
+              <a:bodyPr wrap="square" rtlCol="0">
+                <a:spAutoFit/>
+              </a:bodyPr>
+              <a:lstStyle/>
+              <a:p>
+                <a:r>
+                  <a:rPr lang="ru-RU" dirty="0"/>
+                  <a:t>Определим новую функцию наград для игроков </a:t>
+                </a:r>
+                <a:endParaRPr lang="en-US" dirty="0"/>
+              </a:p>
+              <a:p>
+                <a14:m>
+                  <m:oMath xmlns:m="http://schemas.openxmlformats.org/officeDocument/2006/math">
+                    <m:r>
+                      <a:rPr lang="en-US" b="0" i="1" smtClean="0">
+                        <a:latin typeface="Cambria Math" panose="02040503050406030204" pitchFamily="18" charset="0"/>
+                      </a:rPr>
+                      <m:t>𝐸</m:t>
+                    </m:r>
+                    <m:r>
+                      <a:rPr lang="en-US" b="0" i="1" smtClean="0">
+                        <a:latin typeface="Cambria Math" panose="02040503050406030204" pitchFamily="18" charset="0"/>
+                      </a:rPr>
+                      <m:t>_</m:t>
+                    </m:r>
+                    <m:r>
+                      <a:rPr lang="en-US" b="0" i="1" smtClean="0">
+                        <a:latin typeface="Cambria Math" panose="02040503050406030204" pitchFamily="18" charset="0"/>
+                      </a:rPr>
+                      <m:t>𝑜𝑝</m:t>
+                    </m:r>
+                  </m:oMath>
+                </a14:m>
+                <a:r>
+                  <a:rPr lang="en-US" dirty="0"/>
+                  <a:t> – </a:t>
+                </a:r>
+                <a:r>
+                  <a:rPr lang="ru-RU" dirty="0"/>
+                  <a:t>операционные расходы</a:t>
+                </a:r>
+              </a:p>
+              <a:p>
+                <a14:m>
+                  <m:oMath xmlns:m="http://schemas.openxmlformats.org/officeDocument/2006/math">
+                    <m:r>
+                      <a:rPr lang="en-US" b="0" i="1" smtClean="0">
+                        <a:latin typeface="Cambria Math" panose="02040503050406030204" pitchFamily="18" charset="0"/>
+                      </a:rPr>
+                      <m:t>𝐸</m:t>
+                    </m:r>
+                    <m:r>
+                      <a:rPr lang="en-US" b="0" i="1" smtClean="0">
+                        <a:latin typeface="Cambria Math" panose="02040503050406030204" pitchFamily="18" charset="0"/>
+                      </a:rPr>
+                      <m:t>_</m:t>
+                    </m:r>
+                    <m:r>
+                      <a:rPr lang="en-US" b="0" i="1" smtClean="0">
+                        <a:latin typeface="Cambria Math" panose="02040503050406030204" pitchFamily="18" charset="0"/>
+                      </a:rPr>
+                      <m:t>𝑡𝑟𝑎𝑛𝑠𝑝</m:t>
+                    </m:r>
+                  </m:oMath>
+                </a14:m>
+                <a:r>
+                  <a:rPr lang="en-US" dirty="0"/>
+                  <a:t> – </a:t>
+                </a:r>
+                <a:r>
+                  <a:rPr lang="ru-RU" dirty="0"/>
+                  <a:t>затраты на транспортировку</a:t>
+                </a:r>
+              </a:p>
+              <a:p>
+                <a14:m>
+                  <m:oMath xmlns:m="http://schemas.openxmlformats.org/officeDocument/2006/math">
+                    <m:sSub>
+                      <m:sSubPr>
+                        <m:ctrlPr>
+                          <a:rPr lang="en-US" b="0" i="1" smtClean="0">
+                            <a:latin typeface="Cambria Math" panose="02040503050406030204" pitchFamily="18" charset="0"/>
+                          </a:rPr>
+                        </m:ctrlPr>
+                      </m:sSubPr>
+                      <m:e>
+                        <m:r>
+                          <a:rPr lang="en-US" b="0" i="1" smtClean="0">
+                            <a:latin typeface="Cambria Math" panose="02040503050406030204" pitchFamily="18" charset="0"/>
+                          </a:rPr>
+                          <m:t>𝑅</m:t>
+                        </m:r>
+                      </m:e>
+                      <m:sub>
+                        <m:r>
+                          <a:rPr lang="en-US" b="0" i="1" smtClean="0">
+                            <a:latin typeface="Cambria Math" panose="02040503050406030204" pitchFamily="18" charset="0"/>
+                          </a:rPr>
+                          <m:t>𝑐𝑢𝑟𝑒𝑑</m:t>
+                        </m:r>
+                      </m:sub>
+                    </m:sSub>
+                    <m:r>
+                      <a:rPr lang="en-US" b="0" i="1" smtClean="0">
+                        <a:latin typeface="Cambria Math" panose="02040503050406030204" pitchFamily="18" charset="0"/>
+                      </a:rPr>
+                      <m:t>−</m:t>
+                    </m:r>
+                  </m:oMath>
+                </a14:m>
+                <a:r>
+                  <a:rPr lang="ru-RU" dirty="0"/>
+                  <a:t> выплаты за вылеченного пациента</a:t>
+                </a:r>
+              </a:p>
+              <a:p>
+                <a:pPr/>
                 <a14:m>
                   <m:oMathPara xmlns:m="http://schemas.openxmlformats.org/officeDocument/2006/math">
                     <m:oMathParaPr>
@@ -23359,12 +24265,13 @@
                     </m:oMath>
                   </m:oMathPara>
                 </a14:m>
-                <a:endParaRPr lang="ru-RU" b="0" dirty="0" smtClean="0"/>
+                <a:endParaRPr lang="ru-RU" b="0" dirty="0"/>
               </a:p>
               <a:p>
                 <a:endParaRPr lang="ru-RU" dirty="0"/>
               </a:p>
               <a:p>
+                <a:pPr/>
                 <a14:m>
                   <m:oMathPara xmlns:m="http://schemas.openxmlformats.org/officeDocument/2006/math">
                     <m:oMathParaPr>
@@ -23576,7 +24483,7 @@
                     </m:oMath>
                   </m:oMathPara>
                 </a14:m>
-                <a:endParaRPr lang="en-US" b="0" dirty="0" smtClean="0"/>
+                <a:endParaRPr lang="en-US" b="0" dirty="0"/>
               </a:p>
               <a:p>
                 <a:endParaRPr lang="ru-RU" dirty="0"/>
@@ -23587,710 +24494,7 @@
             </p:txBody>
           </p:sp>
         </mc:Choice>
-        <mc:Fallback>
-          <p:sp>
-            <p:nvSpPr>
-              <p:cNvPr id="17" name="TextBox 16"/>
-              <p:cNvSpPr txBox="1">
-                <a:spLocks noRot="1" noChangeAspect="1" noMove="1" noResize="1" noEditPoints="1" noAdjustHandles="1" noChangeArrowheads="1" noChangeShapeType="1" noTextEdit="1"/>
-              </p:cNvSpPr>
-              <p:nvPr/>
-            </p:nvSpPr>
-            <p:spPr>
-              <a:xfrm>
-                <a:off x="4966853" y="1647582"/>
-                <a:ext cx="3539837" cy="2602251"/>
-              </a:xfrm>
-              <a:prstGeom prst="rect">
-                <a:avLst/>
-              </a:prstGeom>
-              <a:blipFill>
-                <a:blip r:embed="rId3"/>
-                <a:stretch>
-                  <a:fillRect l="-517" t="-234"/>
-                </a:stretch>
-              </a:blipFill>
-            </p:spPr>
-            <p:txBody>
-              <a:bodyPr/>
-              <a:lstStyle/>
-              <a:p>
-                <a:r>
-                  <a:rPr lang="ru-RU">
-                    <a:noFill/>
-                  </a:rPr>
-                  <a:t> </a:t>
-                </a:r>
-              </a:p>
-            </p:txBody>
-          </p:sp>
-        </mc:Fallback>
-      </mc:AlternateContent>
-      <p:sp>
-        <p:nvSpPr>
-          <p:cNvPr id="21" name="Rectangle 20"/>
-          <p:cNvSpPr/>
-          <p:nvPr/>
-        </p:nvSpPr>
-        <p:spPr>
-          <a:xfrm>
-            <a:off x="8555377" y="26412"/>
-            <a:ext cx="588623" cy="292388"/>
-          </a:xfrm>
-          <a:prstGeom prst="rect">
-            <a:avLst/>
-          </a:prstGeom>
-        </p:spPr>
-        <p:txBody>
-          <a:bodyPr wrap="none">
-            <a:spAutoFit/>
-          </a:bodyPr>
-          <a:lstStyle/>
-          <a:p>
-            <a:pPr lvl="0" algn="r"/>
-            <a:r>
-              <a:rPr lang="ru-RU" sz="1300" dirty="0" smtClean="0">
-                <a:latin typeface="Calibri" panose="020F0502020204030204" pitchFamily="34" charset="0"/>
-                <a:cs typeface="Calibri" panose="020F0502020204030204" pitchFamily="34" charset="0"/>
-              </a:rPr>
-              <a:t>1</a:t>
-            </a:r>
-            <a:r>
-              <a:rPr lang="ru-RU" sz="1300" dirty="0">
-                <a:latin typeface="Calibri" panose="020F0502020204030204" pitchFamily="34" charset="0"/>
-                <a:cs typeface="Calibri" panose="020F0502020204030204" pitchFamily="34" charset="0"/>
-              </a:rPr>
-              <a:t>3</a:t>
-            </a:r>
-            <a:r>
-              <a:rPr lang="en-US" sz="1300" dirty="0" smtClean="0">
-                <a:latin typeface="Calibri" panose="020F0502020204030204" pitchFamily="34" charset="0"/>
-                <a:cs typeface="Calibri" panose="020F0502020204030204" pitchFamily="34" charset="0"/>
-              </a:rPr>
-              <a:t>/1</a:t>
-            </a:r>
-            <a:r>
-              <a:rPr lang="ru-RU" sz="1300" dirty="0" smtClean="0">
-                <a:latin typeface="Calibri" panose="020F0502020204030204" pitchFamily="34" charset="0"/>
-                <a:cs typeface="Calibri" panose="020F0502020204030204" pitchFamily="34" charset="0"/>
-              </a:rPr>
-              <a:t>6</a:t>
-            </a:r>
-            <a:endParaRPr lang="ru-RU" sz="1300" dirty="0">
-              <a:latin typeface="Calibri" panose="020F0502020204030204" pitchFamily="34" charset="0"/>
-              <a:cs typeface="Calibri" panose="020F0502020204030204" pitchFamily="34" charset="0"/>
-            </a:endParaRPr>
-          </a:p>
-        </p:txBody>
-      </p:sp>
-    </p:spTree>
-    <p:extLst>
-      <p:ext uri="{BB962C8B-B14F-4D97-AF65-F5344CB8AC3E}">
-        <p14:creationId xmlns:p14="http://schemas.microsoft.com/office/powerpoint/2010/main" val="1268496909"/>
-      </p:ext>
-    </p:extLst>
-  </p:cSld>
-  <p:clrMapOvr>
-    <a:masterClrMapping/>
-  </p:clrMapOvr>
-  <p:timing>
-    <p:tnLst>
-      <p:par>
-        <p:cTn id="1" dur="indefinite" restart="never" nodeType="tmRoot"/>
-      </p:par>
-    </p:tnLst>
-  </p:timing>
-</p:sld>
-</file>
-
-<file path=ppt/slides/slide14.xml><?xml version="1.0" encoding="utf-8"?>
-<p:sld xmlns:a="http://schemas.openxmlformats.org/drawingml/2006/main" xmlns:r="http://schemas.openxmlformats.org/officeDocument/2006/relationships" xmlns:p="http://schemas.openxmlformats.org/presentationml/2006/main">
-  <p:cSld>
-    <p:spTree>
-      <p:nvGrpSpPr>
-        <p:cNvPr id="1" name=""/>
-        <p:cNvGrpSpPr/>
-        <p:nvPr/>
-      </p:nvGrpSpPr>
-      <p:grpSpPr>
-        <a:xfrm>
-          <a:off x="0" y="0"/>
-          <a:ext cx="0" cy="0"/>
-          <a:chOff x="0" y="0"/>
-          <a:chExt cx="0" cy="0"/>
-        </a:xfrm>
-      </p:grpSpPr>
-      <p:sp>
-        <p:nvSpPr>
-          <p:cNvPr id="2" name="Title 1"/>
-          <p:cNvSpPr>
-            <a:spLocks noGrp="1"/>
-          </p:cNvSpPr>
-          <p:nvPr>
-            <p:ph type="title"/>
-          </p:nvPr>
-        </p:nvSpPr>
-        <p:spPr>
-          <a:xfrm>
-            <a:off x="117764" y="0"/>
-            <a:ext cx="8229600" cy="620483"/>
-          </a:xfrm>
-        </p:spPr>
-        <p:txBody>
-          <a:bodyPr/>
-          <a:lstStyle/>
-          <a:p>
-            <a:r>
-              <a:rPr lang="ru-RU" dirty="0" smtClean="0"/>
-              <a:t>Финансовое регулирование</a:t>
-            </a:r>
-            <a:endParaRPr lang="ru-RU" dirty="0"/>
-          </a:p>
-        </p:txBody>
-      </p:sp>
-      <p:sp>
-        <p:nvSpPr>
-          <p:cNvPr id="16" name="TextBox 15"/>
-          <p:cNvSpPr txBox="1"/>
-          <p:nvPr/>
-        </p:nvSpPr>
-        <p:spPr>
-          <a:xfrm>
-            <a:off x="671945" y="1087582"/>
-            <a:ext cx="3318164" cy="2677656"/>
-          </a:xfrm>
-          <a:prstGeom prst="rect">
-            <a:avLst/>
-          </a:prstGeom>
-          <a:noFill/>
-        </p:spPr>
-        <p:txBody>
-          <a:bodyPr wrap="square" rtlCol="0">
-            <a:spAutoFit/>
-          </a:bodyPr>
-          <a:lstStyle/>
-          <a:p>
-            <a:pPr marL="285750" indent="-285750">
-              <a:buFont typeface="Arial" panose="020B0604020202020204" pitchFamily="34" charset="0"/>
-              <a:buChar char="•"/>
-            </a:pPr>
-            <a:r>
-              <a:rPr lang="ru-RU" dirty="0" smtClean="0"/>
-              <a:t>Госпитали ведут себя «жадно» – за каждого пациента они получают прибыль</a:t>
-            </a:r>
-          </a:p>
-          <a:p>
-            <a:pPr marL="285750" indent="-285750">
-              <a:buFont typeface="Arial" panose="020B0604020202020204" pitchFamily="34" charset="0"/>
-              <a:buChar char="•"/>
-            </a:pPr>
-            <a:endParaRPr lang="ru-RU" dirty="0"/>
-          </a:p>
-          <a:p>
-            <a:pPr marL="285750" indent="-285750">
-              <a:buFont typeface="Arial" panose="020B0604020202020204" pitchFamily="34" charset="0"/>
-              <a:buChar char="•"/>
-            </a:pPr>
-            <a:r>
-              <a:rPr lang="ru-RU" dirty="0" smtClean="0"/>
-              <a:t>Такое поведение вызывает переполнения госпиталей и увеличивает смертность</a:t>
-            </a:r>
-          </a:p>
-          <a:p>
-            <a:pPr marL="285750" indent="-285750">
-              <a:buFont typeface="Arial" panose="020B0604020202020204" pitchFamily="34" charset="0"/>
-              <a:buChar char="•"/>
-            </a:pPr>
-            <a:endParaRPr lang="ru-RU" dirty="0"/>
-          </a:p>
-          <a:p>
-            <a:pPr marL="285750" indent="-285750">
-              <a:buFont typeface="Arial" panose="020B0604020202020204" pitchFamily="34" charset="0"/>
-              <a:buChar char="•"/>
-            </a:pPr>
-            <a:r>
-              <a:rPr lang="ru-RU" dirty="0" smtClean="0"/>
-              <a:t>Идея: награждать госпитали за успешно вылеченных больных, тем самым мотивируя стороны кооперироваться</a:t>
-            </a:r>
-          </a:p>
-        </p:txBody>
-      </p:sp>
-      <mc:AlternateContent xmlns:mc="http://schemas.openxmlformats.org/markup-compatibility/2006">
-        <mc:Choice xmlns:a14="http://schemas.microsoft.com/office/drawing/2010/main" Requires="a14">
-          <p:sp>
-            <p:nvSpPr>
-              <p:cNvPr id="17" name="TextBox 16"/>
-              <p:cNvSpPr txBox="1"/>
-              <p:nvPr/>
-            </p:nvSpPr>
-            <p:spPr>
-              <a:xfrm>
-                <a:off x="4966853" y="1647582"/>
-                <a:ext cx="3539837" cy="2602251"/>
-              </a:xfrm>
-              <a:prstGeom prst="rect">
-                <a:avLst/>
-              </a:prstGeom>
-              <a:noFill/>
-            </p:spPr>
-            <p:txBody>
-              <a:bodyPr wrap="square" rtlCol="0">
-                <a:spAutoFit/>
-              </a:bodyPr>
-              <a:lstStyle/>
-              <a:p>
-                <a:r>
-                  <a:rPr lang="ru-RU" dirty="0" smtClean="0"/>
-                  <a:t>Определим новую функцию наград для игроков </a:t>
-                </a:r>
-                <a:endParaRPr lang="en-US" dirty="0" smtClean="0"/>
-              </a:p>
-              <a:p>
-                <a14:m>
-                  <m:oMath xmlns:m="http://schemas.openxmlformats.org/officeDocument/2006/math">
-                    <m:r>
-                      <a:rPr lang="en-US" b="0" i="1" smtClean="0">
-                        <a:latin typeface="Cambria Math" panose="02040503050406030204" pitchFamily="18" charset="0"/>
-                      </a:rPr>
-                      <m:t>𝐸</m:t>
-                    </m:r>
-                    <m:r>
-                      <a:rPr lang="en-US" b="0" i="1" smtClean="0">
-                        <a:latin typeface="Cambria Math" panose="02040503050406030204" pitchFamily="18" charset="0"/>
-                      </a:rPr>
-                      <m:t>_</m:t>
-                    </m:r>
-                    <m:r>
-                      <a:rPr lang="en-US" b="0" i="1" smtClean="0">
-                        <a:latin typeface="Cambria Math" panose="02040503050406030204" pitchFamily="18" charset="0"/>
-                      </a:rPr>
-                      <m:t>𝑜𝑝</m:t>
-                    </m:r>
-                  </m:oMath>
-                </a14:m>
-                <a:r>
-                  <a:rPr lang="en-US" dirty="0" smtClean="0"/>
-                  <a:t> – </a:t>
-                </a:r>
-                <a:r>
-                  <a:rPr lang="ru-RU" dirty="0" smtClean="0"/>
-                  <a:t>операционные расходы</a:t>
-                </a:r>
-              </a:p>
-              <a:p>
-                <a14:m>
-                  <m:oMath xmlns:m="http://schemas.openxmlformats.org/officeDocument/2006/math">
-                    <m:r>
-                      <a:rPr lang="en-US" b="0" i="1" smtClean="0">
-                        <a:latin typeface="Cambria Math" panose="02040503050406030204" pitchFamily="18" charset="0"/>
-                      </a:rPr>
-                      <m:t>𝐸</m:t>
-                    </m:r>
-                    <m:r>
-                      <a:rPr lang="en-US" b="0" i="1" smtClean="0">
-                        <a:latin typeface="Cambria Math" panose="02040503050406030204" pitchFamily="18" charset="0"/>
-                      </a:rPr>
-                      <m:t>_</m:t>
-                    </m:r>
-                    <m:r>
-                      <a:rPr lang="en-US" b="0" i="1" smtClean="0">
-                        <a:latin typeface="Cambria Math" panose="02040503050406030204" pitchFamily="18" charset="0"/>
-                      </a:rPr>
-                      <m:t>𝑡𝑟𝑎𝑛𝑠𝑝</m:t>
-                    </m:r>
-                  </m:oMath>
-                </a14:m>
-                <a:r>
-                  <a:rPr lang="en-US" dirty="0" smtClean="0"/>
-                  <a:t> – </a:t>
-                </a:r>
-                <a:r>
-                  <a:rPr lang="ru-RU" dirty="0" smtClean="0"/>
-                  <a:t>затраты на транспортировку</a:t>
-                </a:r>
-              </a:p>
-              <a:p>
-                <a14:m>
-                  <m:oMath xmlns:m="http://schemas.openxmlformats.org/officeDocument/2006/math">
-                    <m:sSub>
-                      <m:sSubPr>
-                        <m:ctrlPr>
-                          <a:rPr lang="en-US" b="0" i="1" smtClean="0">
-                            <a:latin typeface="Cambria Math" panose="02040503050406030204" pitchFamily="18" charset="0"/>
-                          </a:rPr>
-                        </m:ctrlPr>
-                      </m:sSubPr>
-                      <m:e>
-                        <m:r>
-                          <a:rPr lang="en-US" b="0" i="1" smtClean="0">
-                            <a:latin typeface="Cambria Math" panose="02040503050406030204" pitchFamily="18" charset="0"/>
-                          </a:rPr>
-                          <m:t>𝑅</m:t>
-                        </m:r>
-                      </m:e>
-                      <m:sub>
-                        <m:r>
-                          <a:rPr lang="en-US" b="0" i="1" smtClean="0">
-                            <a:latin typeface="Cambria Math" panose="02040503050406030204" pitchFamily="18" charset="0"/>
-                          </a:rPr>
-                          <m:t>𝑐𝑢𝑟𝑒𝑑</m:t>
-                        </m:r>
-                      </m:sub>
-                    </m:sSub>
-                    <m:r>
-                      <a:rPr lang="en-US" b="0" i="1" smtClean="0">
-                        <a:latin typeface="Cambria Math" panose="02040503050406030204" pitchFamily="18" charset="0"/>
-                      </a:rPr>
-                      <m:t>−</m:t>
-                    </m:r>
-                  </m:oMath>
-                </a14:m>
-                <a:r>
-                  <a:rPr lang="ru-RU" dirty="0" smtClean="0"/>
-                  <a:t> выплаты за вылеченного пациента</a:t>
-                </a:r>
-              </a:p>
-              <a:p>
-                <a14:m>
-                  <m:oMathPara xmlns:m="http://schemas.openxmlformats.org/officeDocument/2006/math">
-                    <m:oMathParaPr>
-                      <m:jc m:val="centerGroup"/>
-                    </m:oMathParaPr>
-                    <m:oMath xmlns:m="http://schemas.openxmlformats.org/officeDocument/2006/math">
-                      <m:sSub>
-                        <m:sSubPr>
-                          <m:ctrlPr>
-                            <a:rPr lang="en-US" b="0" i="1" smtClean="0">
-                              <a:latin typeface="Cambria Math" panose="02040503050406030204" pitchFamily="18" charset="0"/>
-                            </a:rPr>
-                          </m:ctrlPr>
-                        </m:sSubPr>
-                        <m:e>
-                          <m:r>
-                            <a:rPr lang="en-US" b="0" i="1" smtClean="0">
-                              <a:latin typeface="Cambria Math" panose="02040503050406030204" pitchFamily="18" charset="0"/>
-                            </a:rPr>
-                            <m:t>𝜆</m:t>
-                          </m:r>
-                        </m:e>
-                        <m:sub>
-                          <m:r>
-                            <a:rPr lang="en-US" b="0" i="1" smtClean="0">
-                              <a:latin typeface="Cambria Math" panose="02040503050406030204" pitchFamily="18" charset="0"/>
-                            </a:rPr>
-                            <m:t>𝑐𝑢𝑟𝑒𝑑</m:t>
-                          </m:r>
-                        </m:sub>
-                      </m:sSub>
-                      <m:r>
-                        <a:rPr lang="en-US" b="0" i="1" smtClean="0">
-                          <a:latin typeface="Cambria Math" panose="02040503050406030204" pitchFamily="18" charset="0"/>
-                        </a:rPr>
-                        <m:t>=</m:t>
-                      </m:r>
-                      <m:r>
-                        <a:rPr lang="en-US" b="0" i="1" smtClean="0">
-                          <a:latin typeface="Cambria Math" panose="02040503050406030204" pitchFamily="18" charset="0"/>
-                        </a:rPr>
-                        <m:t>𝜆</m:t>
-                      </m:r>
-                      <m:r>
-                        <a:rPr lang="en-US" b="0" i="1" smtClean="0">
-                          <a:latin typeface="Cambria Math" panose="02040503050406030204" pitchFamily="18" charset="0"/>
-                        </a:rPr>
-                        <m:t>∗</m:t>
-                      </m:r>
-                      <m:d>
-                        <m:dPr>
-                          <m:ctrlPr>
-                            <a:rPr lang="en-US" b="0" i="1" smtClean="0">
-                              <a:latin typeface="Cambria Math" panose="02040503050406030204" pitchFamily="18" charset="0"/>
-                            </a:rPr>
-                          </m:ctrlPr>
-                        </m:dPr>
-                        <m:e>
-                          <m:r>
-                            <a:rPr lang="en-US" b="0" i="1" smtClean="0">
-                              <a:latin typeface="Cambria Math" panose="02040503050406030204" pitchFamily="18" charset="0"/>
-                            </a:rPr>
-                            <m:t>1−</m:t>
-                          </m:r>
-                          <m:sSub>
-                            <m:sSubPr>
-                              <m:ctrlPr>
-                                <a:rPr lang="en-US" b="0" i="1" smtClean="0">
-                                  <a:latin typeface="Cambria Math" panose="02040503050406030204" pitchFamily="18" charset="0"/>
-                                </a:rPr>
-                              </m:ctrlPr>
-                            </m:sSubPr>
-                            <m:e>
-                              <m:r>
-                                <a:rPr lang="en-US" b="0" i="1" smtClean="0">
-                                  <a:latin typeface="Cambria Math" panose="02040503050406030204" pitchFamily="18" charset="0"/>
-                                </a:rPr>
-                                <m:t>𝑃</m:t>
-                              </m:r>
-                            </m:e>
-                            <m:sub>
-                              <m:r>
-                                <a:rPr lang="en-US" b="0" i="1" smtClean="0">
-                                  <a:latin typeface="Cambria Math" panose="02040503050406030204" pitchFamily="18" charset="0"/>
-                                </a:rPr>
-                                <m:t>𝑚𝑜𝑟𝑡𝑎𝑙𝑖𝑡𝑦</m:t>
-                              </m:r>
-                            </m:sub>
-                          </m:sSub>
-                          <m:d>
-                            <m:dPr>
-                              <m:ctrlPr>
-                                <a:rPr lang="en-US" b="0" i="1" smtClean="0">
-                                  <a:latin typeface="Cambria Math" panose="02040503050406030204" pitchFamily="18" charset="0"/>
-                                </a:rPr>
-                              </m:ctrlPr>
-                            </m:dPr>
-                            <m:e>
-                              <m:r>
-                                <a:rPr lang="en-US" b="0" i="1" smtClean="0">
-                                  <a:latin typeface="Cambria Math" panose="02040503050406030204" pitchFamily="18" charset="0"/>
-                                </a:rPr>
-                                <m:t>𝜆</m:t>
-                              </m:r>
-                            </m:e>
-                          </m:d>
-                        </m:e>
-                      </m:d>
-                    </m:oMath>
-                  </m:oMathPara>
-                </a14:m>
-                <a:endParaRPr lang="ru-RU" b="0" dirty="0" smtClean="0"/>
-              </a:p>
-              <a:p>
-                <a:endParaRPr lang="ru-RU" dirty="0"/>
-              </a:p>
-              <a:p>
-                <a14:m>
-                  <m:oMathPara xmlns:m="http://schemas.openxmlformats.org/officeDocument/2006/math">
-                    <m:oMathParaPr>
-                      <m:jc m:val="centerGroup"/>
-                    </m:oMathParaPr>
-                    <m:oMath xmlns:m="http://schemas.openxmlformats.org/officeDocument/2006/math">
-                      <m:sSub>
-                        <m:sSubPr>
-                          <m:ctrlPr>
-                            <a:rPr lang="en-US" b="0" i="1" smtClean="0">
-                              <a:latin typeface="Cambria Math" panose="02040503050406030204" pitchFamily="18" charset="0"/>
-                            </a:rPr>
-                          </m:ctrlPr>
-                        </m:sSubPr>
-                        <m:e>
-                          <m:r>
-                            <m:rPr>
-                              <m:sty m:val="p"/>
-                            </m:rPr>
-                            <a:rPr lang="en-US" b="0" i="1" smtClean="0">
-                              <a:latin typeface="Cambria Math" panose="02040503050406030204" pitchFamily="18" charset="0"/>
-                            </a:rPr>
-                            <m:t>u</m:t>
-                          </m:r>
-                        </m:e>
-                        <m:sub>
-                          <m:r>
-                            <a:rPr lang="en-US" b="0" i="1" smtClean="0">
-                              <a:latin typeface="Cambria Math" panose="02040503050406030204" pitchFamily="18" charset="0"/>
-                            </a:rPr>
-                            <m:t>𝑖</m:t>
-                          </m:r>
-                        </m:sub>
-                      </m:sSub>
-                      <m:r>
-                        <a:rPr lang="en-US" b="0" i="1" smtClean="0">
-                          <a:latin typeface="Cambria Math" panose="02040503050406030204" pitchFamily="18" charset="0"/>
-                        </a:rPr>
-                        <m:t>=</m:t>
-                      </m:r>
-                      <m:sSubSup>
-                        <m:sSubSupPr>
-                          <m:ctrlPr>
-                            <a:rPr lang="en-US" b="0" i="1" smtClean="0">
-                              <a:latin typeface="Cambria Math" panose="02040503050406030204" pitchFamily="18" charset="0"/>
-                            </a:rPr>
-                          </m:ctrlPr>
-                        </m:sSubSupPr>
-                        <m:e>
-                          <m:r>
-                            <a:rPr lang="en-US" b="0" i="1" smtClean="0">
-                              <a:latin typeface="Cambria Math" panose="02040503050406030204" pitchFamily="18" charset="0"/>
-                            </a:rPr>
-                            <m:t>𝜆</m:t>
-                          </m:r>
-                        </m:e>
-                        <m:sub>
-                          <m:r>
-                            <a:rPr lang="en-US" b="0" i="1" smtClean="0">
-                              <a:latin typeface="Cambria Math" panose="02040503050406030204" pitchFamily="18" charset="0"/>
-                            </a:rPr>
-                            <m:t>𝑖</m:t>
-                          </m:r>
-                        </m:sub>
-                        <m:sup>
-                          <m:r>
-                            <a:rPr lang="en-US" b="0" i="1" smtClean="0">
-                              <a:latin typeface="Cambria Math" panose="02040503050406030204" pitchFamily="18" charset="0"/>
-                            </a:rPr>
-                            <m:t>𝑐𝑢𝑟𝑒𝑑</m:t>
-                          </m:r>
-                        </m:sup>
-                      </m:sSubSup>
-                      <m:r>
-                        <a:rPr lang="en-US" b="0" i="1" smtClean="0">
-                          <a:latin typeface="Cambria Math" panose="02040503050406030204" pitchFamily="18" charset="0"/>
-                        </a:rPr>
-                        <m:t>⋅</m:t>
-                      </m:r>
-                      <m:d>
-                        <m:dPr>
-                          <m:ctrlPr>
-                            <a:rPr lang="en-US" b="0" i="1" smtClean="0">
-                              <a:latin typeface="Cambria Math" panose="02040503050406030204" pitchFamily="18" charset="0"/>
-                            </a:rPr>
-                          </m:ctrlPr>
-                        </m:dPr>
-                        <m:e>
-                          <m:sSub>
-                            <m:sSubPr>
-                              <m:ctrlPr>
-                                <a:rPr lang="en-US" b="0" i="1" smtClean="0">
-                                  <a:latin typeface="Cambria Math" panose="02040503050406030204" pitchFamily="18" charset="0"/>
-                                </a:rPr>
-                              </m:ctrlPr>
-                            </m:sSubPr>
-                            <m:e>
-                              <m:r>
-                                <a:rPr lang="en-US" b="0" i="1" smtClean="0">
-                                  <a:latin typeface="Cambria Math" panose="02040503050406030204" pitchFamily="18" charset="0"/>
-                                </a:rPr>
-                                <m:t>𝑅</m:t>
-                              </m:r>
-                            </m:e>
-                            <m:sub>
-                              <m:r>
-                                <a:rPr lang="en-US" b="0" i="1" smtClean="0">
-                                  <a:latin typeface="Cambria Math" panose="02040503050406030204" pitchFamily="18" charset="0"/>
-                                </a:rPr>
-                                <m:t>𝑐𝑢𝑟𝑒𝑑</m:t>
-                              </m:r>
-                            </m:sub>
-                          </m:sSub>
-                          <m:r>
-                            <a:rPr lang="en-US" b="0" i="1" smtClean="0">
-                              <a:latin typeface="Cambria Math" panose="02040503050406030204" pitchFamily="18" charset="0"/>
-                            </a:rPr>
-                            <m:t>−</m:t>
-                          </m:r>
-                          <m:sSub>
-                            <m:sSubPr>
-                              <m:ctrlPr>
-                                <a:rPr lang="en-US" b="0" i="1" smtClean="0">
-                                  <a:latin typeface="Cambria Math" panose="02040503050406030204" pitchFamily="18" charset="0"/>
-                                </a:rPr>
-                              </m:ctrlPr>
-                            </m:sSubPr>
-                            <m:e>
-                              <m:r>
-                                <a:rPr lang="en-US" b="0" i="1" smtClean="0">
-                                  <a:latin typeface="Cambria Math" panose="02040503050406030204" pitchFamily="18" charset="0"/>
-                                </a:rPr>
-                                <m:t>𝐸</m:t>
-                              </m:r>
-                            </m:e>
-                            <m:sub>
-                              <m:r>
-                                <a:rPr lang="en-US" b="0" i="1" smtClean="0">
-                                  <a:latin typeface="Cambria Math" panose="02040503050406030204" pitchFamily="18" charset="0"/>
-                                </a:rPr>
-                                <m:t>𝑜𝑝</m:t>
-                              </m:r>
-                            </m:sub>
-                          </m:sSub>
-                        </m:e>
-                      </m:d>
-                      <m:r>
-                        <a:rPr lang="en-US" b="0" i="1" smtClean="0">
-                          <a:latin typeface="Cambria Math" panose="02040503050406030204" pitchFamily="18" charset="0"/>
-                        </a:rPr>
-                        <m:t>−</m:t>
-                      </m:r>
-                      <m:sSub>
-                        <m:sSubPr>
-                          <m:ctrlPr>
-                            <a:rPr lang="en-US" b="0" i="1" smtClean="0">
-                              <a:latin typeface="Cambria Math" panose="02040503050406030204" pitchFamily="18" charset="0"/>
-                            </a:rPr>
-                          </m:ctrlPr>
-                        </m:sSubPr>
-                        <m:e>
-                          <m:r>
-                            <a:rPr lang="en-US" b="0" i="1" smtClean="0">
-                              <a:latin typeface="Cambria Math" panose="02040503050406030204" pitchFamily="18" charset="0"/>
-                            </a:rPr>
-                            <m:t>𝜆</m:t>
-                          </m:r>
-                        </m:e>
-                        <m:sub>
-                          <m:r>
-                            <a:rPr lang="en-US" b="0" i="1" smtClean="0">
-                              <a:latin typeface="Cambria Math" panose="02040503050406030204" pitchFamily="18" charset="0"/>
-                            </a:rPr>
-                            <m:t>𝑖</m:t>
-                          </m:r>
-                        </m:sub>
-                      </m:sSub>
-                      <m:r>
-                        <a:rPr lang="en-US" b="0" i="1" smtClean="0">
-                          <a:latin typeface="Cambria Math" panose="02040503050406030204" pitchFamily="18" charset="0"/>
-                        </a:rPr>
-                        <m:t>⋅</m:t>
-                      </m:r>
-                      <m:sSub>
-                        <m:sSubPr>
-                          <m:ctrlPr>
-                            <a:rPr lang="en-US" b="0" i="1" smtClean="0">
-                              <a:latin typeface="Cambria Math" panose="02040503050406030204" pitchFamily="18" charset="0"/>
-                            </a:rPr>
-                          </m:ctrlPr>
-                        </m:sSubPr>
-                        <m:e>
-                          <m:r>
-                            <a:rPr lang="en-US" b="0" i="1" smtClean="0">
-                              <a:latin typeface="Cambria Math" panose="02040503050406030204" pitchFamily="18" charset="0"/>
-                            </a:rPr>
-                            <m:t>𝐸</m:t>
-                          </m:r>
-                        </m:e>
-                        <m:sub>
-                          <m:r>
-                            <a:rPr lang="en-US" b="0" i="1" smtClean="0">
-                              <a:latin typeface="Cambria Math" panose="02040503050406030204" pitchFamily="18" charset="0"/>
-                            </a:rPr>
-                            <m:t>𝑜𝑝</m:t>
-                          </m:r>
-                        </m:sub>
-                      </m:sSub>
-                    </m:oMath>
-                  </m:oMathPara>
-                </a14:m>
-                <a:endParaRPr lang="en-US" b="0" dirty="0" smtClean="0"/>
-              </a:p>
-              <a:p>
-                <a:endParaRPr lang="ru-RU" dirty="0"/>
-              </a:p>
-              <a:p>
-                <a:endParaRPr lang="ru-RU" dirty="0"/>
-              </a:p>
-            </p:txBody>
-          </p:sp>
-        </mc:Choice>
-        <mc:Fallback>
+        <mc:Fallback xmlns="">
           <p:sp>
             <p:nvSpPr>
               <p:cNvPr id="17" name="TextBox 16"/>
@@ -24351,8 +24555,8 @@
         </p:blipFill>
         <p:spPr>
           <a:xfrm>
-            <a:off x="0" y="-55418"/>
-            <a:ext cx="4757738" cy="5143500"/>
+            <a:off x="0" y="0"/>
+            <a:ext cx="4757738" cy="5088082"/>
           </a:xfrm>
           <a:prstGeom prst="rect">
             <a:avLst/>
@@ -24406,37 +24610,96 @@
           <a:p>
             <a:pPr lvl="0" algn="r"/>
             <a:r>
-              <a:rPr lang="ru-RU" sz="1300" dirty="0" smtClean="0">
+              <a:rPr lang="ru-RU" sz="1300" dirty="0">
                 <a:latin typeface="Calibri" panose="020F0502020204030204" pitchFamily="34" charset="0"/>
                 <a:cs typeface="Calibri" panose="020F0502020204030204" pitchFamily="34" charset="0"/>
               </a:rPr>
-              <a:t>1</a:t>
+              <a:t>14</a:t>
+            </a:r>
+            <a:r>
+              <a:rPr lang="en-US" sz="1300" dirty="0">
+                <a:latin typeface="Calibri" panose="020F0502020204030204" pitchFamily="34" charset="0"/>
+                <a:cs typeface="Calibri" panose="020F0502020204030204" pitchFamily="34" charset="0"/>
+              </a:rPr>
+              <a:t>/1</a:t>
             </a:r>
             <a:r>
               <a:rPr lang="ru-RU" sz="1300" dirty="0">
                 <a:latin typeface="Calibri" panose="020F0502020204030204" pitchFamily="34" charset="0"/>
                 <a:cs typeface="Calibri" panose="020F0502020204030204" pitchFamily="34" charset="0"/>
               </a:rPr>
-              <a:t>4</a:t>
-            </a:r>
-            <a:r>
-              <a:rPr lang="en-US" sz="1300" dirty="0" smtClean="0">
-                <a:latin typeface="Calibri" panose="020F0502020204030204" pitchFamily="34" charset="0"/>
-                <a:cs typeface="Calibri" panose="020F0502020204030204" pitchFamily="34" charset="0"/>
-              </a:rPr>
-              <a:t>/1</a:t>
-            </a:r>
-            <a:r>
-              <a:rPr lang="ru-RU" sz="1300" dirty="0" smtClean="0">
-                <a:latin typeface="Calibri" panose="020F0502020204030204" pitchFamily="34" charset="0"/>
-                <a:cs typeface="Calibri" panose="020F0502020204030204" pitchFamily="34" charset="0"/>
-              </a:rPr>
               <a:t>6</a:t>
             </a:r>
-            <a:endParaRPr lang="ru-RU" sz="1300" dirty="0">
-              <a:latin typeface="Calibri" panose="020F0502020204030204" pitchFamily="34" charset="0"/>
-              <a:cs typeface="Calibri" panose="020F0502020204030204" pitchFamily="34" charset="0"/>
-            </a:endParaRPr>
+          </a:p>
+        </p:txBody>
+      </p:sp>
+      <p:sp>
+        <p:nvSpPr>
+          <p:cNvPr id="8" name="TextBox 7">
+            <a:extLst>
+              <a:ext uri="{FF2B5EF4-FFF2-40B4-BE49-F238E27FC236}">
+                <a16:creationId xmlns:a16="http://schemas.microsoft.com/office/drawing/2014/main" id="{3EA9F024-B6D2-4CB9-A938-798DD8788A26}"/>
+              </a:ext>
+            </a:extLst>
+          </p:cNvPr>
+          <p:cNvSpPr txBox="1"/>
+          <p:nvPr/>
+        </p:nvSpPr>
+        <p:spPr>
+          <a:xfrm>
+            <a:off x="1241444" y="107287"/>
+            <a:ext cx="2921794" cy="307181"/>
+          </a:xfrm>
+          <a:prstGeom prst="rect">
+            <a:avLst/>
+          </a:prstGeom>
+          <a:noFill/>
+        </p:spPr>
+        <p:txBody>
+          <a:bodyPr wrap="square" rtlCol="0">
+            <a:spAutoFit/>
+          </a:bodyPr>
+          <a:lstStyle/>
+          <a:p>
+            <a:r>
+              <a:rPr lang="ru-RU" dirty="0"/>
+              <a:t>Равновесие Нэша</a:t>
+            </a:r>
+          </a:p>
+        </p:txBody>
+      </p:sp>
+      <p:sp>
+        <p:nvSpPr>
+          <p:cNvPr id="9" name="TextBox 8">
+            <a:extLst>
+              <a:ext uri="{FF2B5EF4-FFF2-40B4-BE49-F238E27FC236}">
+                <a16:creationId xmlns:a16="http://schemas.microsoft.com/office/drawing/2014/main" id="{CE07F0AD-5A52-4B62-9AF4-2B11E1D86D0A}"/>
+              </a:ext>
+            </a:extLst>
+          </p:cNvPr>
+          <p:cNvSpPr txBox="1"/>
+          <p:nvPr/>
+        </p:nvSpPr>
+        <p:spPr>
+          <a:xfrm>
+            <a:off x="4836310" y="107287"/>
+            <a:ext cx="3666388" cy="307777"/>
+          </a:xfrm>
+          <a:prstGeom prst="rect">
+            <a:avLst/>
+          </a:prstGeom>
+          <a:noFill/>
+        </p:spPr>
+        <p:txBody>
+          <a:bodyPr wrap="none" rtlCol="0">
+            <a:spAutoFit/>
+          </a:bodyPr>
+          <a:lstStyle/>
+          <a:p>
+            <a:r>
+              <a:rPr lang="ru-RU" dirty="0"/>
+              <a:t>Глобальный минимум времени ожидания</a:t>
+            </a:r>
           </a:p>
         </p:txBody>
       </p:sp>
@@ -24450,13 +24713,6 @@
   <p:clrMapOvr>
     <a:masterClrMapping/>
   </p:clrMapOvr>
-  <p:timing>
-    <p:tnLst>
-      <p:par>
-        <p:cTn id="1" dur="indefinite" restart="never" nodeType="tmRoot"/>
-      </p:par>
-    </p:tnLst>
-  </p:timing>
 </p:sld>
 </file>
 
@@ -24493,8 +24749,8 @@
         </p:blipFill>
         <p:spPr>
           <a:xfrm>
-            <a:off x="0" y="0"/>
-            <a:ext cx="5126182" cy="5126182"/>
+            <a:off x="-1" y="-9094"/>
+            <a:ext cx="6371304" cy="5126182"/>
           </a:xfrm>
           <a:prstGeom prst="rect">
             <a:avLst/>
@@ -24509,7 +24765,7 @@
         </p:nvSpPr>
         <p:spPr>
           <a:xfrm>
-            <a:off x="5770418" y="1911927"/>
+            <a:off x="6230746" y="1963546"/>
             <a:ext cx="2736273" cy="2031325"/>
           </a:xfrm>
           <a:prstGeom prst="rect">
@@ -24524,7 +24780,7 @@
           <a:lstStyle/>
           <a:p>
             <a:r>
-              <a:rPr lang="ru-RU" dirty="0" smtClean="0"/>
+              <a:rPr lang="ru-RU" dirty="0"/>
               <a:t>При равном количестве серверов большая оплата оптимальна для системы. </a:t>
             </a:r>
           </a:p>
@@ -24533,10 +24789,9 @@
           </a:p>
           <a:p>
             <a:r>
-              <a:rPr lang="ru-RU" dirty="0" smtClean="0"/>
+              <a:rPr lang="ru-RU" dirty="0"/>
               <a:t>В обратном случае, низкая оплата мотивирует госпитали снижать риски смертности и кооперироваться с другими госпиталями</a:t>
             </a:r>
-            <a:endParaRPr lang="ru-RU" dirty="0"/>
           </a:p>
         </p:txBody>
       </p:sp>
@@ -24563,37 +24818,26 @@
           <a:p>
             <a:pPr lvl="0" algn="r"/>
             <a:r>
-              <a:rPr lang="ru-RU" sz="1300" dirty="0" smtClean="0">
+              <a:rPr lang="ru-RU" sz="1300" dirty="0">
                 <a:latin typeface="Calibri" panose="020F0502020204030204" pitchFamily="34" charset="0"/>
                 <a:cs typeface="Calibri" panose="020F0502020204030204" pitchFamily="34" charset="0"/>
               </a:rPr>
-              <a:t>1</a:t>
+              <a:t>15</a:t>
+            </a:r>
+            <a:r>
+              <a:rPr lang="en-US" sz="1300" dirty="0">
+                <a:latin typeface="Calibri" panose="020F0502020204030204" pitchFamily="34" charset="0"/>
+                <a:cs typeface="Calibri" panose="020F0502020204030204" pitchFamily="34" charset="0"/>
+              </a:rPr>
+              <a:t>/1</a:t>
             </a:r>
             <a:r>
               <a:rPr lang="ru-RU" sz="1300" dirty="0">
                 <a:latin typeface="Calibri" panose="020F0502020204030204" pitchFamily="34" charset="0"/>
                 <a:cs typeface="Calibri" panose="020F0502020204030204" pitchFamily="34" charset="0"/>
               </a:rPr>
-              <a:t>5</a:t>
-            </a:r>
-            <a:r>
-              <a:rPr lang="en-US" sz="1300" dirty="0" smtClean="0">
-                <a:latin typeface="Calibri" panose="020F0502020204030204" pitchFamily="34" charset="0"/>
-                <a:cs typeface="Calibri" panose="020F0502020204030204" pitchFamily="34" charset="0"/>
-              </a:rPr>
-              <a:t>/1</a:t>
-            </a:r>
-            <a:r>
-              <a:rPr lang="ru-RU" sz="1300" dirty="0" smtClean="0">
-                <a:latin typeface="Calibri" panose="020F0502020204030204" pitchFamily="34" charset="0"/>
-                <a:cs typeface="Calibri" panose="020F0502020204030204" pitchFamily="34" charset="0"/>
-              </a:rPr>
               <a:t>6</a:t>
             </a:r>
-            <a:endParaRPr lang="ru-RU" sz="1300" dirty="0">
-              <a:latin typeface="Calibri" panose="020F0502020204030204" pitchFamily="34" charset="0"/>
-              <a:cs typeface="Calibri" panose="020F0502020204030204" pitchFamily="34" charset="0"/>
-            </a:endParaRPr>
           </a:p>
         </p:txBody>
       </p:sp>
@@ -24606,7 +24850,7 @@
         <p:spPr>
           <a:xfrm>
             <a:off x="502227" y="26412"/>
-            <a:ext cx="3986646" cy="523220"/>
+            <a:ext cx="5190650" cy="523220"/>
           </a:xfrm>
           <a:prstGeom prst="rect">
             <a:avLst/>
@@ -24619,11 +24863,11 @@
           </a:bodyPr>
           <a:lstStyle/>
           <a:p>
+            <a:pPr algn="ctr"/>
             <a:r>
-              <a:rPr lang="ru-RU" b="1" dirty="0" smtClean="0"/>
+              <a:rPr lang="ru-RU" b="1" dirty="0"/>
               <a:t>Оптимальность равновесия Нэша с точки зрения глобального решения</a:t>
             </a:r>
-            <a:endParaRPr lang="ru-RU" b="1" dirty="0"/>
           </a:p>
         </p:txBody>
       </p:sp>
@@ -24637,13 +24881,6 @@
   <p:clrMapOvr>
     <a:masterClrMapping/>
   </p:clrMapOvr>
-  <p:timing>
-    <p:tnLst>
-      <p:par>
-        <p:cTn id="1" dur="indefinite" restart="never" nodeType="tmRoot"/>
-      </p:par>
-    </p:tnLst>
-  </p:timing>
 </p:sld>
 </file>
 
@@ -24685,10 +24922,9 @@
           <a:lstStyle/>
           <a:p>
             <a:r>
-              <a:rPr lang="ru-RU" dirty="0" smtClean="0"/>
+              <a:rPr lang="ru-RU" dirty="0"/>
               <a:t>Выводы</a:t>
             </a:r>
-            <a:endParaRPr lang="ru-RU" dirty="0"/>
           </a:p>
         </p:txBody>
       </p:sp>
@@ -24719,7 +24955,7 @@
               <a:buChar char="•"/>
             </a:pPr>
             <a:r>
-              <a:rPr lang="ru-RU" dirty="0" smtClean="0"/>
+              <a:rPr lang="ru-RU" dirty="0"/>
               <a:t>Финансовое регулирование мотивирует участников к кооперации</a:t>
             </a:r>
           </a:p>
@@ -24736,7 +24972,7 @@
               <a:buChar char="•"/>
             </a:pPr>
             <a:r>
-              <a:rPr lang="ru-RU" dirty="0" smtClean="0"/>
+              <a:rPr lang="ru-RU" dirty="0"/>
               <a:t>Регулирование с помощью диспетчера эффективно с точки зрения системы, но не выгодно для ее участников</a:t>
             </a:r>
           </a:p>
@@ -24768,30 +25004,26 @@
           <a:p>
             <a:pPr lvl="0" algn="r"/>
             <a:r>
-              <a:rPr lang="ru-RU" sz="1300" dirty="0" smtClean="0">
+              <a:rPr lang="ru-RU" sz="1300" dirty="0">
                 <a:latin typeface="Calibri" panose="020F0502020204030204" pitchFamily="34" charset="0"/>
                 <a:cs typeface="Calibri" panose="020F0502020204030204" pitchFamily="34" charset="0"/>
               </a:rPr>
               <a:t>16</a:t>
             </a:r>
             <a:r>
-              <a:rPr lang="en-US" sz="1300" dirty="0" smtClean="0">
+              <a:rPr lang="en-US" sz="1300" dirty="0">
                 <a:latin typeface="Calibri" panose="020F0502020204030204" pitchFamily="34" charset="0"/>
                 <a:cs typeface="Calibri" panose="020F0502020204030204" pitchFamily="34" charset="0"/>
               </a:rPr>
               <a:t>/1</a:t>
             </a:r>
             <a:r>
-              <a:rPr lang="ru-RU" sz="1300" dirty="0" smtClean="0">
+              <a:rPr lang="ru-RU" sz="1300" dirty="0">
                 <a:latin typeface="Calibri" panose="020F0502020204030204" pitchFamily="34" charset="0"/>
                 <a:cs typeface="Calibri" panose="020F0502020204030204" pitchFamily="34" charset="0"/>
               </a:rPr>
               <a:t>6</a:t>
             </a:r>
-            <a:endParaRPr lang="ru-RU" sz="1300" dirty="0">
-              <a:latin typeface="Calibri" panose="020F0502020204030204" pitchFamily="34" charset="0"/>
-              <a:cs typeface="Calibri" panose="020F0502020204030204" pitchFamily="34" charset="0"/>
-            </a:endParaRPr>
           </a:p>
         </p:txBody>
       </p:sp>
@@ -24805,13 +25037,6 @@
   <p:clrMapOvr>
     <a:masterClrMapping/>
   </p:clrMapOvr>
-  <p:timing>
-    <p:tnLst>
-      <p:par>
-        <p:cTn id="1" dur="indefinite" restart="never" nodeType="tmRoot"/>
-      </p:par>
-    </p:tnLst>
-  </p:timing>
 </p:sld>
 </file>
 
@@ -24990,13 +25215,6 @@
   <p:clrMapOvr>
     <a:masterClrMapping/>
   </p:clrMapOvr>
-  <p:timing>
-    <p:tnLst>
-      <p:par>
-        <p:cTn id="1" dur="indefinite" restart="never" nodeType="tmRoot"/>
-      </p:par>
-    </p:tnLst>
-  </p:timing>
 </p:sld>
 </file>
 
@@ -25095,23 +25313,19 @@
               <a:t>2</a:t>
             </a:r>
             <a:r>
-              <a:rPr lang="en-US" sz="1300" dirty="0" smtClean="0">
+              <a:rPr lang="en-US" sz="1300" dirty="0">
                 <a:latin typeface="Calibri" panose="020F0502020204030204" pitchFamily="34" charset="0"/>
                 <a:cs typeface="Calibri" panose="020F0502020204030204" pitchFamily="34" charset="0"/>
               </a:rPr>
               <a:t>/1</a:t>
             </a:r>
             <a:r>
-              <a:rPr lang="ru-RU" sz="1300" dirty="0" smtClean="0">
+              <a:rPr lang="ru-RU" sz="1300" dirty="0">
                 <a:latin typeface="Calibri" panose="020F0502020204030204" pitchFamily="34" charset="0"/>
                 <a:cs typeface="Calibri" panose="020F0502020204030204" pitchFamily="34" charset="0"/>
               </a:rPr>
               <a:t>6</a:t>
             </a:r>
-            <a:endParaRPr lang="ru-RU" sz="1300" dirty="0">
-              <a:latin typeface="Calibri" panose="020F0502020204030204" pitchFamily="34" charset="0"/>
-              <a:cs typeface="Calibri" panose="020F0502020204030204" pitchFamily="34" charset="0"/>
-            </a:endParaRPr>
           </a:p>
         </p:txBody>
       </p:sp>
@@ -26271,13 +26485,6 @@
   <p:clrMapOvr>
     <a:masterClrMapping/>
   </p:clrMapOvr>
-  <p:timing>
-    <p:tnLst>
-      <p:par>
-        <p:cTn id="1" dur="indefinite" restart="never" nodeType="tmRoot"/>
-      </p:par>
-    </p:tnLst>
-  </p:timing>
 </p:sld>
 </file>
 
@@ -26587,11 +26794,11 @@
               <a:buNone/>
             </a:pPr>
             <a:r>
-              <a:rPr lang="en-US" dirty="0" smtClean="0"/>
+              <a:rPr lang="en-US" dirty="0"/>
               <a:t>3/1</a:t>
             </a:r>
             <a:r>
-              <a:rPr lang="ru-RU" dirty="0" smtClean="0"/>
+              <a:rPr lang="ru-RU" dirty="0"/>
               <a:t>6</a:t>
             </a:r>
             <a:endParaRPr dirty="0"/>
@@ -26692,13 +26899,6 @@
   <p:clrMapOvr>
     <a:masterClrMapping/>
   </p:clrMapOvr>
-  <p:timing>
-    <p:tnLst>
-      <p:par>
-        <p:cTn id="1" dur="indefinite" restart="never" nodeType="tmRoot"/>
-      </p:par>
-    </p:tnLst>
-  </p:timing>
 </p:sld>
 </file>
 
@@ -26942,11 +27142,11 @@
               <a:buNone/>
             </a:pPr>
             <a:r>
-              <a:rPr lang="en-US" dirty="0" smtClean="0"/>
+              <a:rPr lang="en-US" dirty="0"/>
               <a:t>4/1</a:t>
             </a:r>
             <a:r>
-              <a:rPr lang="ru-RU" dirty="0" smtClean="0"/>
+              <a:rPr lang="ru-RU" dirty="0"/>
               <a:t>6</a:t>
             </a:r>
             <a:endParaRPr lang="en-US" dirty="0"/>
@@ -26975,13 +27175,6 @@
   <p:clrMapOvr>
     <a:masterClrMapping/>
   </p:clrMapOvr>
-  <p:timing>
-    <p:tnLst>
-      <p:par>
-        <p:cTn id="1" dur="indefinite" restart="never" nodeType="tmRoot"/>
-      </p:par>
-    </p:tnLst>
-  </p:timing>
 </p:sld>
 </file>
 
@@ -27023,10 +27216,9 @@
           <a:lstStyle/>
           <a:p>
             <a:r>
-              <a:rPr lang="ru-RU" dirty="0" smtClean="0"/>
+              <a:rPr lang="ru-RU" dirty="0"/>
               <a:t>Методы и средства исследования</a:t>
             </a:r>
-            <a:endParaRPr lang="ru-RU" dirty="0"/>
           </a:p>
         </p:txBody>
       </p:sp>
@@ -27060,14 +27252,13 @@
               <a:buNone/>
             </a:pPr>
             <a:r>
-              <a:rPr lang="en-US" dirty="0" smtClean="0"/>
+              <a:rPr lang="en-US" dirty="0"/>
               <a:t>5/1</a:t>
             </a:r>
             <a:r>
-              <a:rPr lang="ru-RU" dirty="0" smtClean="0"/>
+              <a:rPr lang="ru-RU" dirty="0"/>
               <a:t>6</a:t>
             </a:r>
-            <a:endParaRPr lang="ru-RU" dirty="0"/>
           </a:p>
         </p:txBody>
       </p:sp>
@@ -27104,10 +27295,10 @@
               <a:buAutoNum type="arabicPeriod"/>
             </a:pPr>
             <a:r>
-              <a:rPr lang="ru-RU" sz="2000" dirty="0" smtClean="0"/>
+              <a:rPr lang="ru-RU" sz="2000" dirty="0"/>
               <a:t>Математический аппарат теории игр</a:t>
             </a:r>
-            <a:endParaRPr lang="en-US" sz="2000" dirty="0" smtClean="0"/>
+            <a:endParaRPr lang="en-US" sz="2000" dirty="0"/>
           </a:p>
           <a:p>
             <a:pPr marL="342900" indent="-342900">
@@ -27121,7 +27312,7 @@
               <a:buFont typeface="+mj-lt"/>
               <a:buAutoNum type="arabicPeriod"/>
             </a:pPr>
-            <a:endParaRPr lang="ru-RU" sz="2000" dirty="0" smtClean="0"/>
+            <a:endParaRPr lang="ru-RU" sz="2000" dirty="0"/>
           </a:p>
           <a:p>
             <a:pPr marL="342900" indent="-342900">
@@ -27136,10 +27327,10 @@
               <a:buAutoNum type="arabicPeriod"/>
             </a:pPr>
             <a:r>
-              <a:rPr lang="ru-RU" sz="2000" dirty="0" smtClean="0"/>
+              <a:rPr lang="ru-RU" sz="2000" dirty="0"/>
               <a:t> Математический аппарат теории массового обслуживания</a:t>
             </a:r>
-            <a:endParaRPr lang="en-US" sz="2000" dirty="0" smtClean="0"/>
+            <a:endParaRPr lang="en-US" sz="2000" dirty="0"/>
           </a:p>
           <a:p>
             <a:pPr marL="342900" indent="-342900">
@@ -27153,7 +27344,7 @@
               <a:buFont typeface="+mj-lt"/>
               <a:buAutoNum type="arabicPeriod"/>
             </a:pPr>
-            <a:endParaRPr lang="ru-RU" sz="2000" dirty="0" smtClean="0"/>
+            <a:endParaRPr lang="ru-RU" sz="2000" dirty="0"/>
           </a:p>
           <a:p>
             <a:pPr marL="342900" indent="-342900">
@@ -27168,42 +27359,42 @@
               <a:buAutoNum type="arabicPeriod"/>
             </a:pPr>
             <a:r>
-              <a:rPr lang="ru-RU" sz="2000" dirty="0" smtClean="0"/>
+              <a:rPr lang="ru-RU" sz="2000" dirty="0"/>
               <a:t>Язык программирования </a:t>
             </a:r>
             <a:r>
-              <a:rPr lang="en-US" sz="2000" dirty="0" smtClean="0"/>
+              <a:rPr lang="en-US" sz="2000" dirty="0"/>
               <a:t>Python (</a:t>
             </a:r>
             <a:r>
-              <a:rPr lang="ru-RU" sz="2000" dirty="0" smtClean="0"/>
+              <a:rPr lang="ru-RU" sz="2000" dirty="0"/>
               <a:t>библиотеки </a:t>
             </a:r>
             <a:r>
-              <a:rPr lang="en-US" sz="2000" dirty="0" err="1" smtClean="0"/>
+              <a:rPr lang="en-US" sz="2000" dirty="0" err="1"/>
               <a:t>numpy</a:t>
             </a:r>
             <a:r>
-              <a:rPr lang="en-US" sz="2000" dirty="0" smtClean="0"/>
+              <a:rPr lang="en-US" sz="2000" dirty="0"/>
               <a:t>, </a:t>
             </a:r>
             <a:r>
-              <a:rPr lang="en-US" sz="2000" dirty="0" err="1" smtClean="0"/>
+              <a:rPr lang="en-US" sz="2000" dirty="0" err="1"/>
               <a:t>matplotlib</a:t>
             </a:r>
             <a:r>
-              <a:rPr lang="en-US" sz="2000" dirty="0" smtClean="0"/>
+              <a:rPr lang="en-US" sz="2000" dirty="0"/>
               <a:t>, </a:t>
             </a:r>
             <a:r>
-              <a:rPr lang="en-US" sz="2000" dirty="0" err="1" smtClean="0"/>
+              <a:rPr lang="en-US" sz="2000" dirty="0" err="1"/>
               <a:t>nashpy</a:t>
             </a:r>
             <a:r>
-              <a:rPr lang="en-US" sz="2000" dirty="0" smtClean="0"/>
+              <a:rPr lang="en-US" sz="2000" dirty="0"/>
               <a:t>)</a:t>
             </a:r>
-            <a:endParaRPr lang="ru-RU" sz="2000" dirty="0" smtClean="0"/>
+            <a:endParaRPr lang="ru-RU" sz="2000" dirty="0"/>
           </a:p>
           <a:p>
             <a:pPr>
@@ -27352,13 +27543,6 @@
   <p:clrMapOvr>
     <a:masterClrMapping/>
   </p:clrMapOvr>
-  <p:timing>
-    <p:tnLst>
-      <p:par>
-        <p:cTn id="1" dur="indefinite" restart="never" nodeType="tmRoot"/>
-      </p:par>
-    </p:tnLst>
-  </p:timing>
 </p:sld>
 </file>
 
@@ -27400,10 +27584,9 @@
           <a:lstStyle/>
           <a:p>
             <a:r>
-              <a:rPr lang="ru-RU" dirty="0" smtClean="0"/>
+              <a:rPr lang="ru-RU" dirty="0"/>
               <a:t>Обзор известных решений</a:t>
             </a:r>
-            <a:endParaRPr lang="ru-RU" dirty="0"/>
           </a:p>
         </p:txBody>
       </p:sp>
@@ -27462,23 +27645,19 @@
           <a:p>
             <a:pPr lvl="0" algn="r"/>
             <a:r>
-              <a:rPr lang="en-US" sz="1300" dirty="0" smtClean="0">
+              <a:rPr lang="en-US" sz="1300" dirty="0">
                 <a:latin typeface="Calibri" panose="020F0502020204030204" pitchFamily="34" charset="0"/>
                 <a:cs typeface="Calibri" panose="020F0502020204030204" pitchFamily="34" charset="0"/>
               </a:rPr>
               <a:t>6/1</a:t>
             </a:r>
             <a:r>
-              <a:rPr lang="ru-RU" sz="1300" dirty="0" smtClean="0">
+              <a:rPr lang="ru-RU" sz="1300" dirty="0">
                 <a:latin typeface="Calibri" panose="020F0502020204030204" pitchFamily="34" charset="0"/>
                 <a:cs typeface="Calibri" panose="020F0502020204030204" pitchFamily="34" charset="0"/>
               </a:rPr>
               <a:t>6</a:t>
             </a:r>
-            <a:endParaRPr lang="ru-RU" sz="1300" dirty="0">
-              <a:latin typeface="Calibri" panose="020F0502020204030204" pitchFamily="34" charset="0"/>
-              <a:cs typeface="Calibri" panose="020F0502020204030204" pitchFamily="34" charset="0"/>
-            </a:endParaRPr>
           </a:p>
         </p:txBody>
       </p:sp>
@@ -27491,20 +27670,20 @@
           <p:nvPr>
             <p:extLst>
               <p:ext uri="{D42A27DB-BD31-4B8C-83A1-F6EECF244321}">
-                <p14:modId xmlns:p14="http://schemas.microsoft.com/office/powerpoint/2010/main" val="1802437098"/>
+                <p14:modId xmlns:p14="http://schemas.microsoft.com/office/powerpoint/2010/main" val="3795295977"/>
               </p:ext>
             </p:extLst>
           </p:nvPr>
         </p:nvGraphicFramePr>
         <p:xfrm>
-          <a:off x="955963" y="1260763"/>
+          <a:off x="1000990" y="951047"/>
           <a:ext cx="7142019" cy="3363539"/>
         </p:xfrm>
         <a:graphic>
           <a:graphicData uri="http://schemas.openxmlformats.org/drawingml/2006/table">
             <a:tbl>
               <a:tblPr firstRow="1" bandRow="1">
-                <a:tableStyleId>{C083E6E3-FA7D-4D7B-A595-EF9225AFEA82}</a:tableStyleId>
+                <a:tableStyleId>{72833802-FEF1-4C79-8D5D-14CF1EAF98D9}</a:tableStyleId>
               </a:tblPr>
               <a:tblGrid>
                 <a:gridCol w="2380673">
@@ -27536,11 +27715,11 @@
                     <a:lstStyle/>
                     <a:p>
                       <a:r>
-                        <a:rPr lang="ru-RU" dirty="0" smtClean="0"/>
+                        <a:rPr lang="ru-RU" dirty="0"/>
                         <a:t>Название</a:t>
                       </a:r>
                       <a:r>
-                        <a:rPr lang="ru-RU" baseline="0" dirty="0" smtClean="0"/>
+                        <a:rPr lang="ru-RU" baseline="0" dirty="0"/>
                         <a:t> статьи</a:t>
                       </a:r>
                       <a:endParaRPr lang="ru-RU" dirty="0"/>
@@ -27554,10 +27733,9 @@
                     <a:lstStyle/>
                     <a:p>
                       <a:r>
-                        <a:rPr lang="ru-RU" dirty="0" smtClean="0"/>
+                        <a:rPr lang="ru-RU" dirty="0"/>
                         <a:t>Автор(ы)</a:t>
                       </a:r>
-                      <a:endParaRPr lang="ru-RU" dirty="0"/>
                     </a:p>
                   </a:txBody>
                   <a:tcPr/>
@@ -27568,10 +27746,9 @@
                     <a:lstStyle/>
                     <a:p>
                       <a:r>
-                        <a:rPr lang="ru-RU" dirty="0" smtClean="0"/>
+                        <a:rPr lang="ru-RU" dirty="0"/>
                         <a:t>Резюме</a:t>
                       </a:r>
-                      <a:endParaRPr lang="ru-RU" dirty="0"/>
                     </a:p>
                   </a:txBody>
                   <a:tcPr/>
@@ -27589,14 +27766,8 @@
                     <a:lstStyle/>
                     <a:p>
                       <a:r>
-                        <a:rPr lang="en-US" sz="1400" b="0" i="0" u="none" strike="noStrike" cap="none" dirty="0" smtClean="0">
-                          <a:solidFill>
-                            <a:schemeClr val="tx1"/>
-                          </a:solidFill>
+                        <a:rPr lang="en-US" sz="1400" u="none" strike="noStrike" cap="none" dirty="0">
                           <a:effectLst/>
-                          <a:latin typeface="+mn-lt"/>
-                          <a:ea typeface="+mn-ea"/>
-                          <a:cs typeface="+mn-cs"/>
                           <a:sym typeface="Arial"/>
                         </a:rPr>
                         <a:t>Lessons from game theory about healthcare system price inflation: Evidence from a community-level case study</a:t>
@@ -27612,14 +27783,8 @@
                     <a:lstStyle/>
                     <a:p>
                       <a:r>
-                        <a:rPr lang="en-US" sz="1400" b="0" i="0" u="none" strike="noStrike" cap="none" dirty="0" smtClean="0">
-                          <a:solidFill>
-                            <a:schemeClr val="tx1"/>
-                          </a:solidFill>
+                        <a:rPr lang="en-US" sz="1400" u="none" strike="noStrike" cap="none" dirty="0">
                           <a:effectLst/>
-                          <a:latin typeface="+mn-lt"/>
-                          <a:ea typeface="+mn-ea"/>
-                          <a:cs typeface="+mn-cs"/>
                           <a:sym typeface="Arial"/>
                         </a:rPr>
                         <a:t>M. D. Agee and Z. Gates</a:t>
@@ -27635,15 +27800,15 @@
                     <a:lstStyle/>
                     <a:p>
                       <a:r>
-                        <a:rPr lang="ru-RU" dirty="0" smtClean="0"/>
+                        <a:rPr lang="ru-RU" dirty="0"/>
                         <a:t>Сравнение систем ценообразования</a:t>
                       </a:r>
                       <a:r>
-                        <a:rPr lang="ru-RU" baseline="0" dirty="0" smtClean="0"/>
+                        <a:rPr lang="ru-RU" baseline="0" dirty="0"/>
                         <a:t> за услуги здравоохранения</a:t>
                       </a:r>
                       <a:r>
-                        <a:rPr lang="en-US" baseline="0" dirty="0" smtClean="0"/>
+                        <a:rPr lang="en-US" baseline="0" dirty="0"/>
                         <a:t>.</a:t>
                       </a:r>
                       <a:endParaRPr lang="ru-RU" dirty="0"/>
@@ -27664,7 +27829,7 @@
                     <a:lstStyle/>
                     <a:p>
                       <a:r>
-                        <a:rPr lang="en-US" dirty="0" smtClean="0"/>
+                        <a:rPr lang="en-US" dirty="0"/>
                         <a:t>Consequences of a decentralized healthcare governance model: Measuring regional authority support for patient choice in Sweden. </a:t>
                       </a:r>
                       <a:endParaRPr lang="ru-RU" dirty="0"/>
@@ -27678,19 +27843,19 @@
                     <a:lstStyle/>
                     <a:p>
                       <a:r>
-                        <a:rPr lang="en-US" dirty="0" err="1" smtClean="0"/>
+                        <a:rPr lang="en-US" dirty="0" err="1"/>
                         <a:t>Fredriksson</a:t>
                       </a:r>
                       <a:r>
-                        <a:rPr lang="en-US" dirty="0" smtClean="0"/>
+                        <a:rPr lang="en-US" dirty="0"/>
                         <a:t>, M., &amp; </a:t>
                       </a:r>
                       <a:r>
-                        <a:rPr lang="en-US" dirty="0" err="1" smtClean="0"/>
+                        <a:rPr lang="en-US" dirty="0" err="1"/>
                         <a:t>Winblad</a:t>
                       </a:r>
                       <a:r>
-                        <a:rPr lang="en-US" dirty="0" smtClean="0"/>
+                        <a:rPr lang="en-US" dirty="0"/>
                         <a:t>, U. (2008). </a:t>
                       </a:r>
                       <a:endParaRPr lang="ru-RU" dirty="0"/>
@@ -27704,14 +27869,14 @@
                     <a:lstStyle/>
                     <a:p>
                       <a:r>
-                        <a:rPr lang="ru-RU" dirty="0" smtClean="0"/>
+                        <a:rPr lang="ru-RU" dirty="0"/>
                         <a:t>Последствия децентрализованного</a:t>
                       </a:r>
                       <a:r>
-                        <a:rPr lang="ru-RU" baseline="0" dirty="0" smtClean="0"/>
+                        <a:rPr lang="ru-RU" baseline="0" dirty="0"/>
                         <a:t> управления привело к отсутствию к несбалансированности оказания медицинских услуг</a:t>
                       </a:r>
-                      <a:endParaRPr lang="en-US" dirty="0" smtClean="0"/>
+                      <a:endParaRPr lang="en-US" dirty="0"/>
                     </a:p>
                     <a:p>
                       <a:endParaRPr lang="ru-RU" dirty="0"/>
@@ -27739,13 +27904,6 @@
   <p:clrMapOvr>
     <a:masterClrMapping/>
   </p:clrMapOvr>
-  <p:timing>
-    <p:tnLst>
-      <p:par>
-        <p:cTn id="1" dur="indefinite" restart="never" nodeType="tmRoot"/>
-      </p:par>
-    </p:tnLst>
-  </p:timing>
 </p:sld>
 </file>
 
@@ -27813,7 +27971,7 @@
               <a:buNone/>
             </a:pPr>
             <a:r>
-              <a:rPr lang="ru-RU" dirty="0" smtClean="0"/>
+              <a:rPr lang="ru-RU" dirty="0"/>
               <a:t>Модель</a:t>
             </a:r>
             <a:endParaRPr sz="3200" b="1" i="0" u="none" strike="noStrike" cap="none" dirty="0">
@@ -27868,7 +28026,7 @@
               <a:buNone/>
             </a:pPr>
             <a:r>
-              <a:rPr lang="ru-RU" sz="2000" b="0" i="0" u="none" strike="noStrike" cap="none" dirty="0" smtClean="0">
+              <a:rPr lang="ru-RU" sz="2000" b="0" i="0" u="none" strike="noStrike" cap="none" dirty="0">
                 <a:solidFill>
                   <a:schemeClr val="dk1"/>
                 </a:solidFill>
@@ -27880,11 +28038,11 @@
               <a:t>За основу взята модель из статьи</a:t>
             </a:r>
             <a:r>
-              <a:rPr lang="ru-RU" sz="2000" dirty="0" smtClean="0"/>
+              <a:rPr lang="ru-RU" sz="2000" dirty="0"/>
               <a:t> </a:t>
             </a:r>
             <a:r>
-              <a:rPr lang="en-US" sz="1400" b="0" i="0" u="none" strike="noStrike" cap="none" dirty="0" smtClean="0">
+              <a:rPr lang="en-US" sz="1400" b="0" i="0" u="none" strike="noStrike" cap="none" dirty="0">
                 <a:solidFill>
                   <a:schemeClr val="dk1"/>
                 </a:solidFill>
@@ -27897,7 +28055,7 @@
               <a:t>Towards Model-Based Policy Elaboration on City Scale Using Game Sergey V. </a:t>
             </a:r>
             <a:r>
-              <a:rPr lang="en-US" sz="1400" b="0" i="0" u="none" strike="noStrike" cap="none" dirty="0" err="1" smtClean="0">
+              <a:rPr lang="en-US" sz="1400" b="0" i="0" u="none" strike="noStrike" cap="none" dirty="0" err="1">
                 <a:solidFill>
                   <a:schemeClr val="dk1"/>
                 </a:solidFill>
@@ -27910,7 +28068,7 @@
               <a:t>Kovalchuk</a:t>
             </a:r>
             <a:r>
-              <a:rPr lang="en-US" sz="1400" b="0" i="0" u="none" strike="noStrike" cap="none" dirty="0" smtClean="0">
+              <a:rPr lang="en-US" sz="1400" b="0" i="0" u="none" strike="noStrike" cap="none" dirty="0">
                 <a:solidFill>
                   <a:schemeClr val="dk1"/>
                 </a:solidFill>
@@ -27923,7 +28081,7 @@
               <a:t>, </a:t>
             </a:r>
             <a:r>
-              <a:rPr lang="en-US" sz="1400" b="0" i="0" u="none" strike="noStrike" cap="none" dirty="0" err="1" smtClean="0">
+              <a:rPr lang="en-US" sz="1400" b="0" i="0" u="none" strike="noStrike" cap="none" dirty="0" err="1">
                 <a:solidFill>
                   <a:schemeClr val="dk1"/>
                 </a:solidFill>
@@ -27936,7 +28094,7 @@
               <a:t>Mariia</a:t>
             </a:r>
             <a:r>
-              <a:rPr lang="en-US" sz="1400" b="0" i="0" u="none" strike="noStrike" cap="none" dirty="0" smtClean="0">
+              <a:rPr lang="en-US" sz="1400" b="0" i="0" u="none" strike="noStrike" cap="none" dirty="0">
                 <a:solidFill>
                   <a:schemeClr val="dk1"/>
                 </a:solidFill>
@@ -27948,7 +28106,7 @@
               </a:rPr>
               <a:t> A. Moskalenko, Alexey N. Yakovlev</a:t>
             </a:r>
-            <a:endParaRPr lang="en-US" sz="1400" b="0" i="0" u="none" strike="noStrike" cap="none" dirty="0" smtClean="0">
+            <a:endParaRPr lang="en-US" sz="1400" b="0" i="0" u="none" strike="noStrike" cap="none" dirty="0">
               <a:solidFill>
                 <a:schemeClr val="dk1"/>
               </a:solidFill>
@@ -27982,7 +28140,7 @@
               <a:buSzPts val="2040"/>
               <a:buNone/>
             </a:pPr>
-            <a:endParaRPr lang="ru-RU" sz="1400" dirty="0" smtClean="0"/>
+            <a:endParaRPr lang="ru-RU" sz="1400" dirty="0"/>
           </a:p>
           <a:p>
             <a:pPr marL="0" indent="0">
@@ -28009,7 +28167,7 @@
               <a:buNone/>
             </a:pPr>
             <a:r>
-              <a:rPr lang="ru-RU" sz="2800" dirty="0" smtClean="0"/>
+              <a:rPr lang="ru-RU" sz="2800" dirty="0"/>
               <a:t>Что нового:</a:t>
             </a:r>
           </a:p>
@@ -28024,7 +28182,7 @@
               <a:buSzPts val="2040"/>
             </a:pPr>
             <a:r>
-              <a:rPr lang="ru-RU" sz="2000" dirty="0" smtClean="0"/>
+              <a:rPr lang="ru-RU" sz="2000" dirty="0"/>
               <a:t>Смешанные стратегии (равновесие Нэша)</a:t>
             </a:r>
           </a:p>
@@ -28039,7 +28197,7 @@
               <a:buSzPts val="2040"/>
             </a:pPr>
             <a:r>
-              <a:rPr lang="ru-RU" sz="2000" dirty="0" smtClean="0"/>
+              <a:rPr lang="ru-RU" sz="2000" dirty="0"/>
               <a:t>Регулирование с помощью диспетчера</a:t>
             </a:r>
           </a:p>
@@ -28054,7 +28212,7 @@
               <a:buSzPts val="2040"/>
             </a:pPr>
             <a:r>
-              <a:rPr lang="ru-RU" sz="2000" dirty="0" smtClean="0"/>
+              <a:rPr lang="ru-RU" sz="2000" dirty="0"/>
               <a:t>Регулирование с помощью выплат за вылеченных больных</a:t>
             </a:r>
             <a:endParaRPr lang="en-US" sz="2000" dirty="0"/>
@@ -28096,15 +28254,11 @@
               <a:buNone/>
             </a:pPr>
             <a:r>
-              <a:rPr lang="en-US" dirty="0" smtClean="0"/>
-              <a:t>7</a:t>
+              <a:rPr lang="en-US" dirty="0"/>
+              <a:t>7/1</a:t>
             </a:r>
             <a:r>
-              <a:rPr lang="en-US" dirty="0" smtClean="0"/>
-              <a:t>/1</a:t>
-            </a:r>
-            <a:r>
-              <a:rPr lang="ru-RU" dirty="0" smtClean="0"/>
+              <a:rPr lang="ru-RU" dirty="0"/>
               <a:t>6</a:t>
             </a:r>
             <a:endParaRPr dirty="0"/>
@@ -28140,13 +28294,6 @@
   <p:clrMapOvr>
     <a:masterClrMapping/>
   </p:clrMapOvr>
-  <p:timing>
-    <p:tnLst>
-      <p:par>
-        <p:cTn id="1" dur="indefinite" restart="never" nodeType="tmRoot"/>
-      </p:par>
-    </p:tnLst>
-  </p:timing>
 </p:sld>
 </file>
 
@@ -28188,10 +28335,9 @@
           <a:lstStyle/>
           <a:p>
             <a:r>
-              <a:rPr lang="ru-RU" dirty="0" smtClean="0"/>
+              <a:rPr lang="ru-RU" dirty="0"/>
               <a:t>Диспетчер</a:t>
             </a:r>
-            <a:endParaRPr lang="ru-RU" dirty="0"/>
           </a:p>
         </p:txBody>
       </p:sp>
@@ -28257,23 +28403,19 @@
               <a:t>8</a:t>
             </a:r>
             <a:r>
-              <a:rPr lang="en-US" sz="1300" dirty="0" smtClean="0">
+              <a:rPr lang="en-US" sz="1300" dirty="0">
                 <a:latin typeface="Calibri" panose="020F0502020204030204" pitchFamily="34" charset="0"/>
                 <a:cs typeface="Calibri" panose="020F0502020204030204" pitchFamily="34" charset="0"/>
               </a:rPr>
               <a:t>/1</a:t>
             </a:r>
             <a:r>
-              <a:rPr lang="ru-RU" sz="1300" dirty="0" smtClean="0">
+              <a:rPr lang="ru-RU" sz="1300" dirty="0">
                 <a:latin typeface="Calibri" panose="020F0502020204030204" pitchFamily="34" charset="0"/>
                 <a:cs typeface="Calibri" panose="020F0502020204030204" pitchFamily="34" charset="0"/>
               </a:rPr>
               <a:t>6</a:t>
             </a:r>
-            <a:endParaRPr lang="ru-RU" sz="1300" dirty="0">
-              <a:latin typeface="Calibri" panose="020F0502020204030204" pitchFamily="34" charset="0"/>
-              <a:cs typeface="Calibri" panose="020F0502020204030204" pitchFamily="34" charset="0"/>
-            </a:endParaRPr>
           </a:p>
         </p:txBody>
       </p:sp>
@@ -28304,7 +28446,7 @@
               <a:buChar char="•"/>
             </a:pPr>
             <a:r>
-              <a:rPr lang="ru-RU" dirty="0" smtClean="0"/>
+              <a:rPr lang="ru-RU" dirty="0"/>
               <a:t>Диспетчер может быть активным или пассивным</a:t>
             </a:r>
           </a:p>
@@ -28312,10 +28454,10 @@
             <a:endParaRPr lang="ru-RU" dirty="0"/>
           </a:p>
           <a:p>
-            <a:endParaRPr lang="ru-RU" dirty="0" smtClean="0"/>
+            <a:endParaRPr lang="ru-RU" dirty="0"/>
           </a:p>
           <a:p>
-            <a:endParaRPr lang="ru-RU" dirty="0" smtClean="0"/>
+            <a:endParaRPr lang="ru-RU" dirty="0"/>
           </a:p>
           <a:p>
             <a:pPr marL="285750" indent="-285750">
@@ -28323,10 +28465,9 @@
               <a:buChar char="•"/>
             </a:pPr>
             <a:r>
-              <a:rPr lang="ru-RU" dirty="0" smtClean="0"/>
+              <a:rPr lang="ru-RU" dirty="0"/>
               <a:t>Активный диспетчер сможет оптимально распределить нагрузку</a:t>
             </a:r>
-            <a:endParaRPr lang="ru-RU" dirty="0"/>
           </a:p>
         </p:txBody>
       </p:sp>
@@ -28370,13 +28511,6 @@
   <p:clrMapOvr>
     <a:masterClrMapping/>
   </p:clrMapOvr>
-  <p:timing>
-    <p:tnLst>
-      <p:par>
-        <p:cTn id="1" dur="indefinite" restart="never" nodeType="tmRoot"/>
-      </p:par>
-    </p:tnLst>
-  </p:timing>
 </p:sld>
 </file>
 
@@ -28418,10 +28552,9 @@
           <a:lstStyle/>
           <a:p>
             <a:r>
-              <a:rPr lang="ru-RU" dirty="0" smtClean="0"/>
+              <a:rPr lang="ru-RU" dirty="0"/>
               <a:t>Диспетчер</a:t>
             </a:r>
-            <a:endParaRPr lang="ru-RU" dirty="0"/>
           </a:p>
         </p:txBody>
       </p:sp>
@@ -28517,23 +28650,19 @@
               <a:t>9</a:t>
             </a:r>
             <a:r>
-              <a:rPr lang="en-US" sz="1300" dirty="0" smtClean="0">
+              <a:rPr lang="en-US" sz="1300" dirty="0">
                 <a:latin typeface="Calibri" panose="020F0502020204030204" pitchFamily="34" charset="0"/>
                 <a:cs typeface="Calibri" panose="020F0502020204030204" pitchFamily="34" charset="0"/>
               </a:rPr>
               <a:t>/1</a:t>
             </a:r>
             <a:r>
-              <a:rPr lang="ru-RU" sz="1300" dirty="0" smtClean="0">
+              <a:rPr lang="ru-RU" sz="1300" dirty="0">
                 <a:latin typeface="Calibri" panose="020F0502020204030204" pitchFamily="34" charset="0"/>
                 <a:cs typeface="Calibri" panose="020F0502020204030204" pitchFamily="34" charset="0"/>
               </a:rPr>
               <a:t>6</a:t>
             </a:r>
-            <a:endParaRPr lang="ru-RU" sz="1300" dirty="0">
-              <a:latin typeface="Calibri" panose="020F0502020204030204" pitchFamily="34" charset="0"/>
-              <a:cs typeface="Calibri" panose="020F0502020204030204" pitchFamily="34" charset="0"/>
-            </a:endParaRPr>
           </a:p>
         </p:txBody>
       </p:sp>
@@ -28564,7 +28693,7 @@
               <a:buChar char="•"/>
             </a:pPr>
             <a:r>
-              <a:rPr lang="ru-RU" dirty="0" smtClean="0"/>
+              <a:rPr lang="ru-RU" dirty="0"/>
               <a:t>Пассивный диспетчер действует как прежде – отправляет в ближайший госпиталь</a:t>
             </a:r>
           </a:p>
@@ -28580,7 +28709,7 @@
               <a:buFont typeface="Arial" panose="020B0604020202020204" pitchFamily="34" charset="0"/>
               <a:buChar char="•"/>
             </a:pPr>
-            <a:endParaRPr lang="ru-RU" dirty="0" smtClean="0"/>
+            <a:endParaRPr lang="ru-RU" dirty="0"/>
           </a:p>
           <a:p>
             <a:pPr marL="285750" indent="-285750">
@@ -28588,7 +28717,7 @@
               <a:buChar char="•"/>
             </a:pPr>
             <a:r>
-              <a:rPr lang="ru-RU" dirty="0" smtClean="0"/>
+              <a:rPr lang="ru-RU" dirty="0"/>
               <a:t>Госпиталь может перенаправить пациента в случае переполнения</a:t>
             </a:r>
           </a:p>
@@ -28610,13 +28739,6 @@
   <p:clrMapOvr>
     <a:masterClrMapping/>
   </p:clrMapOvr>
-  <p:timing>
-    <p:tnLst>
-      <p:par>
-        <p:cTn id="1" dur="indefinite" restart="never" nodeType="tmRoot"/>
-      </p:par>
-    </p:tnLst>
-  </p:timing>
 </p:sld>
 </file>
 

--- a/Diplom_Presentation.pptx
+++ b/Diplom_Presentation.pptx
@@ -10419,7 +10419,7 @@
           <a:p>
             <a:fld id="{C54B9103-E2C0-4214-94EF-D457572A6792}" type="datetimeFigureOut">
               <a:rPr lang="ru-RU" smtClean="0"/>
-              <a:t>29.05.2019</a:t>
+              <a:t>02.06.2019</a:t>
             </a:fld>
             <a:endParaRPr lang="ru-RU"/>
           </a:p>
@@ -21363,8 +21363,8 @@
           </a:p>
         </p:txBody>
       </p:sp>
-      <mc:AlternateContent xmlns:mc="http://schemas.openxmlformats.org/markup-compatibility/2006">
-        <mc:Choice xmlns:a14="http://schemas.microsoft.com/office/drawing/2010/main" Requires="a14">
+      <mc:AlternateContent xmlns:mc="http://schemas.openxmlformats.org/markup-compatibility/2006" xmlns:a14="http://schemas.microsoft.com/office/drawing/2010/main">
+        <mc:Choice Requires="a14">
           <p:sp>
             <p:nvSpPr>
               <p:cNvPr id="7" name="TextBox 6"/>
@@ -21552,7 +21552,6 @@
                 </a:endParaRPr>
               </a:p>
               <a:p>
-                <a:pPr/>
                 <a:endParaRPr lang="en-US" b="0" i="1" dirty="0">
                   <a:latin typeface="Cambria Math" panose="02040503050406030204" pitchFamily="18" charset="0"/>
                 </a:endParaRPr>
@@ -21952,7 +21951,6 @@
                 </a:endParaRPr>
               </a:p>
               <a:p>
-                <a:pPr/>
                 <a:endParaRPr lang="en-US" b="0" i="1" dirty="0">
                   <a:latin typeface="Cambria Math" panose="02040503050406030204" pitchFamily="18" charset="0"/>
                 </a:endParaRPr>
@@ -22402,7 +22400,6 @@
                 </a:endParaRPr>
               </a:p>
               <a:p>
-                <a:pPr/>
                 <a:endParaRPr lang="en-US" dirty="0"/>
               </a:p>
               <a:p>
@@ -22573,7 +22570,7 @@
             </p:txBody>
           </p:sp>
         </mc:Choice>
-        <mc:Fallback>
+        <mc:Fallback xmlns="">
           <p:sp>
             <p:nvSpPr>
               <p:cNvPr id="7" name="TextBox 6"/>
@@ -23349,8 +23346,8 @@
           </a:p>
         </p:txBody>
       </p:sp>
-      <mc:AlternateContent xmlns:mc="http://schemas.openxmlformats.org/markup-compatibility/2006">
-        <mc:Choice xmlns:a14="http://schemas.microsoft.com/office/drawing/2010/main" Requires="a14">
+      <mc:AlternateContent xmlns:mc="http://schemas.openxmlformats.org/markup-compatibility/2006" xmlns:a14="http://schemas.microsoft.com/office/drawing/2010/main">
+        <mc:Choice Requires="a14">
           <p:sp>
             <p:nvSpPr>
               <p:cNvPr id="17" name="TextBox 16"/>
@@ -23808,7 +23805,7 @@
             </p:txBody>
           </p:sp>
         </mc:Choice>
-        <mc:Fallback>
+        <mc:Fallback xmlns="">
           <p:sp>
             <p:nvSpPr>
               <p:cNvPr id="17" name="TextBox 16"/>
@@ -28590,36 +28587,6 @@
           </a:p>
         </p:txBody>
       </p:sp>
-      <p:pic>
-        <p:nvPicPr>
-          <p:cNvPr id="5" name="Picture 4"/>
-          <p:cNvPicPr>
-            <a:picLocks noChangeAspect="1"/>
-          </p:cNvPicPr>
-          <p:nvPr/>
-        </p:nvPicPr>
-        <p:blipFill>
-          <a:blip r:embed="rId3">
-            <a:extLst>
-              <a:ext uri="{28A0092B-C50C-407E-A947-70E740481C1C}">
-                <a14:useLocalDpi xmlns:a14="http://schemas.microsoft.com/office/drawing/2010/main" val="0"/>
-              </a:ext>
-            </a:extLst>
-          </a:blip>
-          <a:stretch>
-            <a:fillRect/>
-          </a:stretch>
-        </p:blipFill>
-        <p:spPr>
-          <a:xfrm>
-            <a:off x="2957945" y="1108552"/>
-            <a:ext cx="5598839" cy="3930990"/>
-          </a:xfrm>
-          <a:prstGeom prst="rect">
-            <a:avLst/>
-          </a:prstGeom>
-        </p:spPr>
-      </p:pic>
       <p:sp>
         <p:nvSpPr>
           <p:cNvPr id="6" name="Rectangle 5"/>
@@ -28729,6 +28696,45 @@
           </a:p>
         </p:txBody>
       </p:sp>
+      <p:pic>
+        <p:nvPicPr>
+          <p:cNvPr id="8" name="Рисунок 7">
+            <a:extLst>
+              <a:ext uri="{FF2B5EF4-FFF2-40B4-BE49-F238E27FC236}">
+                <a16:creationId xmlns:a16="http://schemas.microsoft.com/office/drawing/2014/main" id="{6B285F40-4171-43AF-B2FF-71A7C5171BEF}"/>
+              </a:ext>
+            </a:extLst>
+          </p:cNvPr>
+          <p:cNvPicPr/>
+          <p:nvPr/>
+        </p:nvPicPr>
+        <p:blipFill>
+          <a:blip r:embed="rId3">
+            <a:extLst>
+              <a:ext uri="{28A0092B-C50C-407E-A947-70E740481C1C}">
+                <a14:useLocalDpi xmlns:a14="http://schemas.microsoft.com/office/drawing/2010/main" val="0"/>
+              </a:ext>
+            </a:extLst>
+          </a:blip>
+          <a:srcRect/>
+          <a:stretch>
+            <a:fillRect/>
+          </a:stretch>
+        </p:blipFill>
+        <p:spPr bwMode="auto">
+          <a:xfrm>
+            <a:off x="2933858" y="1049163"/>
+            <a:ext cx="6119495" cy="4024630"/>
+          </a:xfrm>
+          <a:prstGeom prst="rect">
+            <a:avLst/>
+          </a:prstGeom>
+          <a:noFill/>
+          <a:ln>
+            <a:noFill/>
+          </a:ln>
+        </p:spPr>
+      </p:pic>
     </p:spTree>
     <p:extLst>
       <p:ext uri="{BB962C8B-B14F-4D97-AF65-F5344CB8AC3E}">

--- a/Diplom_Presentation.pptx
+++ b/Diplom_Presentation.pptx
@@ -16,8 +16,8 @@
     <p:sldId id="262" r:id="rId7"/>
     <p:sldId id="263" r:id="rId8"/>
     <p:sldId id="258" r:id="rId9"/>
-    <p:sldId id="264" r:id="rId10"/>
-    <p:sldId id="266" r:id="rId11"/>
+    <p:sldId id="266" r:id="rId10"/>
+    <p:sldId id="264" r:id="rId11"/>
     <p:sldId id="268" r:id="rId12"/>
     <p:sldId id="269" r:id="rId13"/>
     <p:sldId id="270" r:id="rId14"/>
@@ -2984,7 +2984,7 @@
     </p:spTree>
     <p:extLst>
       <p:ext uri="{BB962C8B-B14F-4D97-AF65-F5344CB8AC3E}">
-        <p14:creationId xmlns:p14="http://schemas.microsoft.com/office/powerpoint/2010/main" val="1116535754"/>
+        <p14:creationId xmlns:p14="http://schemas.microsoft.com/office/powerpoint/2010/main" val="631038363"/>
       </p:ext>
     </p:extLst>
   </p:cSld>
@@ -3101,7 +3101,7 @@
     </p:spTree>
     <p:extLst>
       <p:ext uri="{BB962C8B-B14F-4D97-AF65-F5344CB8AC3E}">
-        <p14:creationId xmlns:p14="http://schemas.microsoft.com/office/powerpoint/2010/main" val="631038363"/>
+        <p14:creationId xmlns:p14="http://schemas.microsoft.com/office/powerpoint/2010/main" val="1116535754"/>
       </p:ext>
     </p:extLst>
   </p:cSld>
@@ -10419,7 +10419,7 @@
           <a:p>
             <a:fld id="{C54B9103-E2C0-4214-94EF-D457572A6792}" type="datetimeFigureOut">
               <a:rPr lang="ru-RU" smtClean="0"/>
-              <a:t>02.06.2019</a:t>
+              <a:t>03.06.2019</a:t>
             </a:fld>
             <a:endParaRPr lang="ru-RU"/>
           </a:p>
@@ -28323,7 +28323,7 @@
         </p:nvSpPr>
         <p:spPr>
           <a:xfrm>
-            <a:off x="48491" y="-49363"/>
+            <a:off x="55635" y="-77938"/>
             <a:ext cx="8229600" cy="620483"/>
           </a:xfrm>
         </p:spPr>
@@ -28365,223 +28365,6 @@
             <a:fld id="{00000000-1234-1234-1234-123412341234}" type="slidenum">
               <a:rPr lang="ru-RU" smtClean="0"/>
               <a:t>7</a:t>
-            </a:fld>
-            <a:endParaRPr lang="ru-RU" dirty="0"/>
-          </a:p>
-        </p:txBody>
-      </p:sp>
-      <p:sp>
-        <p:nvSpPr>
-          <p:cNvPr id="22" name="Rectangle 21"/>
-          <p:cNvSpPr/>
-          <p:nvPr/>
-        </p:nvSpPr>
-        <p:spPr>
-          <a:xfrm>
-            <a:off x="8674919" y="12557"/>
-            <a:ext cx="503664" cy="292388"/>
-          </a:xfrm>
-          <a:prstGeom prst="rect">
-            <a:avLst/>
-          </a:prstGeom>
-        </p:spPr>
-        <p:txBody>
-          <a:bodyPr wrap="none">
-            <a:spAutoFit/>
-          </a:bodyPr>
-          <a:lstStyle/>
-          <a:p>
-            <a:pPr lvl="0" algn="r"/>
-            <a:r>
-              <a:rPr lang="ru-RU" sz="1300" dirty="0">
-                <a:latin typeface="Calibri" panose="020F0502020204030204" pitchFamily="34" charset="0"/>
-                <a:cs typeface="Calibri" panose="020F0502020204030204" pitchFamily="34" charset="0"/>
-              </a:rPr>
-              <a:t>8</a:t>
-            </a:r>
-            <a:r>
-              <a:rPr lang="en-US" sz="1300" dirty="0">
-                <a:latin typeface="Calibri" panose="020F0502020204030204" pitchFamily="34" charset="0"/>
-                <a:cs typeface="Calibri" panose="020F0502020204030204" pitchFamily="34" charset="0"/>
-              </a:rPr>
-              <a:t>/1</a:t>
-            </a:r>
-            <a:r>
-              <a:rPr lang="ru-RU" sz="1300" dirty="0">
-                <a:latin typeface="Calibri" panose="020F0502020204030204" pitchFamily="34" charset="0"/>
-                <a:cs typeface="Calibri" panose="020F0502020204030204" pitchFamily="34" charset="0"/>
-              </a:rPr>
-              <a:t>6</a:t>
-            </a:r>
-          </a:p>
-        </p:txBody>
-      </p:sp>
-      <p:sp>
-        <p:nvSpPr>
-          <p:cNvPr id="23" name="TextBox 22"/>
-          <p:cNvSpPr txBox="1"/>
-          <p:nvPr/>
-        </p:nvSpPr>
-        <p:spPr>
-          <a:xfrm>
-            <a:off x="131618" y="1405176"/>
-            <a:ext cx="2195946" cy="2246769"/>
-          </a:xfrm>
-          <a:prstGeom prst="rect">
-            <a:avLst/>
-          </a:prstGeom>
-          <a:noFill/>
-        </p:spPr>
-        <p:txBody>
-          <a:bodyPr wrap="square" rtlCol="0">
-            <a:spAutoFit/>
-          </a:bodyPr>
-          <a:lstStyle/>
-          <a:p>
-            <a:pPr marL="285750" indent="-285750">
-              <a:buFont typeface="Arial" panose="020B0604020202020204" pitchFamily="34" charset="0"/>
-              <a:buChar char="•"/>
-            </a:pPr>
-            <a:r>
-              <a:rPr lang="ru-RU" dirty="0"/>
-              <a:t>Диспетчер может быть активным или пассивным</a:t>
-            </a:r>
-          </a:p>
-          <a:p>
-            <a:endParaRPr lang="ru-RU" dirty="0"/>
-          </a:p>
-          <a:p>
-            <a:endParaRPr lang="ru-RU" dirty="0"/>
-          </a:p>
-          <a:p>
-            <a:endParaRPr lang="ru-RU" dirty="0"/>
-          </a:p>
-          <a:p>
-            <a:pPr marL="285750" indent="-285750">
-              <a:buFont typeface="Arial" panose="020B0604020202020204" pitchFamily="34" charset="0"/>
-              <a:buChar char="•"/>
-            </a:pPr>
-            <a:r>
-              <a:rPr lang="ru-RU" dirty="0"/>
-              <a:t>Активный диспетчер сможет оптимально распределить нагрузку</a:t>
-            </a:r>
-          </a:p>
-        </p:txBody>
-      </p:sp>
-      <p:pic>
-        <p:nvPicPr>
-          <p:cNvPr id="24" name="Picture 23"/>
-          <p:cNvPicPr>
-            <a:picLocks noChangeAspect="1"/>
-          </p:cNvPicPr>
-          <p:nvPr/>
-        </p:nvPicPr>
-        <p:blipFill>
-          <a:blip r:embed="rId3">
-            <a:extLst>
-              <a:ext uri="{28A0092B-C50C-407E-A947-70E740481C1C}">
-                <a14:useLocalDpi xmlns:a14="http://schemas.microsoft.com/office/drawing/2010/main" val="0"/>
-              </a:ext>
-            </a:extLst>
-          </a:blip>
-          <a:stretch>
-            <a:fillRect/>
-          </a:stretch>
-        </p:blipFill>
-        <p:spPr>
-          <a:xfrm>
-            <a:off x="3027398" y="1065283"/>
-            <a:ext cx="5529386" cy="3684568"/>
-          </a:xfrm>
-          <a:prstGeom prst="rect">
-            <a:avLst/>
-          </a:prstGeom>
-        </p:spPr>
-      </p:pic>
-    </p:spTree>
-    <p:extLst>
-      <p:ext uri="{BB962C8B-B14F-4D97-AF65-F5344CB8AC3E}">
-        <p14:creationId xmlns:p14="http://schemas.microsoft.com/office/powerpoint/2010/main" val="3335493755"/>
-      </p:ext>
-    </p:extLst>
-  </p:cSld>
-  <p:clrMapOvr>
-    <a:masterClrMapping/>
-  </p:clrMapOvr>
-</p:sld>
-</file>
-
-<file path=ppt/slides/slide9.xml><?xml version="1.0" encoding="utf-8"?>
-<p:sld xmlns:a="http://schemas.openxmlformats.org/drawingml/2006/main" xmlns:r="http://schemas.openxmlformats.org/officeDocument/2006/relationships" xmlns:p="http://schemas.openxmlformats.org/presentationml/2006/main">
-  <p:cSld>
-    <p:spTree>
-      <p:nvGrpSpPr>
-        <p:cNvPr id="1" name=""/>
-        <p:cNvGrpSpPr/>
-        <p:nvPr/>
-      </p:nvGrpSpPr>
-      <p:grpSpPr>
-        <a:xfrm>
-          <a:off x="0" y="0"/>
-          <a:ext cx="0" cy="0"/>
-          <a:chOff x="0" y="0"/>
-          <a:chExt cx="0" cy="0"/>
-        </a:xfrm>
-      </p:grpSpPr>
-      <p:sp>
-        <p:nvSpPr>
-          <p:cNvPr id="2" name="Title 1"/>
-          <p:cNvSpPr>
-            <a:spLocks noGrp="1"/>
-          </p:cNvSpPr>
-          <p:nvPr>
-            <p:ph type="title"/>
-          </p:nvPr>
-        </p:nvSpPr>
-        <p:spPr>
-          <a:xfrm>
-            <a:off x="48491" y="-49363"/>
-            <a:ext cx="8229600" cy="620483"/>
-          </a:xfrm>
-        </p:spPr>
-        <p:txBody>
-          <a:bodyPr/>
-          <a:lstStyle/>
-          <a:p>
-            <a:r>
-              <a:rPr lang="ru-RU" dirty="0"/>
-              <a:t>Диспетчер</a:t>
-            </a:r>
-          </a:p>
-        </p:txBody>
-      </p:sp>
-      <p:sp>
-        <p:nvSpPr>
-          <p:cNvPr id="15" name="Slide Number Placeholder 14"/>
-          <p:cNvSpPr>
-            <a:spLocks noGrp="1"/>
-          </p:cNvSpPr>
-          <p:nvPr>
-            <p:ph type="sldNum" idx="12"/>
-          </p:nvPr>
-        </p:nvSpPr>
-        <p:spPr/>
-        <p:txBody>
-          <a:bodyPr/>
-          <a:lstStyle/>
-          <a:p>
-            <a:pPr marL="0" lvl="0" indent="0" algn="r" rtl="0">
-              <a:spcBef>
-                <a:spcPts val="0"/>
-              </a:spcBef>
-              <a:spcAft>
-                <a:spcPts val="0"/>
-              </a:spcAft>
-              <a:buNone/>
-            </a:pPr>
-            <a:fld id="{00000000-1234-1234-1234-123412341234}" type="slidenum">
-              <a:rPr lang="ru-RU" smtClean="0"/>
-              <a:t>8</a:t>
             </a:fld>
             <a:endParaRPr lang="ru-RU"/>
           </a:p>
@@ -28739,6 +28522,232 @@
     <p:extLst>
       <p:ext uri="{BB962C8B-B14F-4D97-AF65-F5344CB8AC3E}">
         <p14:creationId xmlns:p14="http://schemas.microsoft.com/office/powerpoint/2010/main" val="2145392566"/>
+      </p:ext>
+    </p:extLst>
+  </p:cSld>
+  <p:clrMapOvr>
+    <a:masterClrMapping/>
+  </p:clrMapOvr>
+</p:sld>
+</file>
+
+<file path=ppt/slides/slide9.xml><?xml version="1.0" encoding="utf-8"?>
+<p:sld xmlns:a="http://schemas.openxmlformats.org/drawingml/2006/main" xmlns:r="http://schemas.openxmlformats.org/officeDocument/2006/relationships" xmlns:p="http://schemas.openxmlformats.org/presentationml/2006/main">
+  <p:cSld>
+    <p:spTree>
+      <p:nvGrpSpPr>
+        <p:cNvPr id="1" name=""/>
+        <p:cNvGrpSpPr/>
+        <p:nvPr/>
+      </p:nvGrpSpPr>
+      <p:grpSpPr>
+        <a:xfrm>
+          <a:off x="0" y="0"/>
+          <a:ext cx="0" cy="0"/>
+          <a:chOff x="0" y="0"/>
+          <a:chExt cx="0" cy="0"/>
+        </a:xfrm>
+      </p:grpSpPr>
+      <p:sp>
+        <p:nvSpPr>
+          <p:cNvPr id="2" name="Title 1"/>
+          <p:cNvSpPr>
+            <a:spLocks noGrp="1"/>
+          </p:cNvSpPr>
+          <p:nvPr>
+            <p:ph type="title"/>
+          </p:nvPr>
+        </p:nvSpPr>
+        <p:spPr>
+          <a:xfrm>
+            <a:off x="48491" y="-56507"/>
+            <a:ext cx="8229600" cy="620483"/>
+          </a:xfrm>
+        </p:spPr>
+        <p:txBody>
+          <a:bodyPr/>
+          <a:lstStyle/>
+          <a:p>
+            <a:r>
+              <a:rPr lang="ru-RU" dirty="0"/>
+              <a:t>Диспетчер</a:t>
+            </a:r>
+          </a:p>
+        </p:txBody>
+      </p:sp>
+      <p:sp>
+        <p:nvSpPr>
+          <p:cNvPr id="15" name="Slide Number Placeholder 14"/>
+          <p:cNvSpPr>
+            <a:spLocks noGrp="1"/>
+          </p:cNvSpPr>
+          <p:nvPr>
+            <p:ph type="sldNum" idx="12"/>
+          </p:nvPr>
+        </p:nvSpPr>
+        <p:spPr/>
+        <p:txBody>
+          <a:bodyPr/>
+          <a:lstStyle/>
+          <a:p>
+            <a:pPr marL="0" lvl="0" indent="0" algn="r" rtl="0">
+              <a:spcBef>
+                <a:spcPts val="0"/>
+              </a:spcBef>
+              <a:spcAft>
+                <a:spcPts val="0"/>
+              </a:spcAft>
+              <a:buNone/>
+            </a:pPr>
+            <a:fld id="{00000000-1234-1234-1234-123412341234}" type="slidenum">
+              <a:rPr lang="ru-RU" smtClean="0"/>
+              <a:t>8</a:t>
+            </a:fld>
+            <a:endParaRPr lang="ru-RU" dirty="0"/>
+          </a:p>
+        </p:txBody>
+      </p:sp>
+      <p:sp>
+        <p:nvSpPr>
+          <p:cNvPr id="22" name="Rectangle 21"/>
+          <p:cNvSpPr/>
+          <p:nvPr/>
+        </p:nvSpPr>
+        <p:spPr>
+          <a:xfrm>
+            <a:off x="8674919" y="12557"/>
+            <a:ext cx="503664" cy="292388"/>
+          </a:xfrm>
+          <a:prstGeom prst="rect">
+            <a:avLst/>
+          </a:prstGeom>
+        </p:spPr>
+        <p:txBody>
+          <a:bodyPr wrap="none">
+            <a:spAutoFit/>
+          </a:bodyPr>
+          <a:lstStyle/>
+          <a:p>
+            <a:pPr lvl="0" algn="r"/>
+            <a:r>
+              <a:rPr lang="ru-RU" sz="1300" dirty="0">
+                <a:latin typeface="Calibri" panose="020F0502020204030204" pitchFamily="34" charset="0"/>
+                <a:cs typeface="Calibri" panose="020F0502020204030204" pitchFamily="34" charset="0"/>
+              </a:rPr>
+              <a:t>8</a:t>
+            </a:r>
+            <a:r>
+              <a:rPr lang="en-US" sz="1300" dirty="0">
+                <a:latin typeface="Calibri" panose="020F0502020204030204" pitchFamily="34" charset="0"/>
+                <a:cs typeface="Calibri" panose="020F0502020204030204" pitchFamily="34" charset="0"/>
+              </a:rPr>
+              <a:t>/1</a:t>
+            </a:r>
+            <a:r>
+              <a:rPr lang="ru-RU" sz="1300" dirty="0">
+                <a:latin typeface="Calibri" panose="020F0502020204030204" pitchFamily="34" charset="0"/>
+                <a:cs typeface="Calibri" panose="020F0502020204030204" pitchFamily="34" charset="0"/>
+              </a:rPr>
+              <a:t>6</a:t>
+            </a:r>
+          </a:p>
+        </p:txBody>
+      </p:sp>
+      <p:sp>
+        <p:nvSpPr>
+          <p:cNvPr id="23" name="TextBox 22"/>
+          <p:cNvSpPr txBox="1"/>
+          <p:nvPr/>
+        </p:nvSpPr>
+        <p:spPr>
+          <a:xfrm>
+            <a:off x="131618" y="1405176"/>
+            <a:ext cx="2195946" cy="2462213"/>
+          </a:xfrm>
+          <a:prstGeom prst="rect">
+            <a:avLst/>
+          </a:prstGeom>
+          <a:noFill/>
+        </p:spPr>
+        <p:txBody>
+          <a:bodyPr wrap="square" rtlCol="0">
+            <a:spAutoFit/>
+          </a:bodyPr>
+          <a:lstStyle/>
+          <a:p>
+            <a:pPr marL="285750" indent="-285750">
+              <a:buFont typeface="Arial" panose="020B0604020202020204" pitchFamily="34" charset="0"/>
+              <a:buChar char="•"/>
+            </a:pPr>
+            <a:r>
+              <a:rPr lang="ru-RU" dirty="0"/>
+              <a:t>Активный диспетчер учитывает состояние очереди в госпитале</a:t>
+            </a:r>
+          </a:p>
+          <a:p>
+            <a:endParaRPr lang="ru-RU" dirty="0"/>
+          </a:p>
+          <a:p>
+            <a:endParaRPr lang="ru-RU" dirty="0"/>
+          </a:p>
+          <a:p>
+            <a:endParaRPr lang="ru-RU" dirty="0"/>
+          </a:p>
+          <a:p>
+            <a:pPr marL="285750" indent="-285750">
+              <a:buFont typeface="Arial" panose="020B0604020202020204" pitchFamily="34" charset="0"/>
+              <a:buChar char="•"/>
+            </a:pPr>
+            <a:r>
+              <a:rPr lang="ru-RU" dirty="0"/>
+              <a:t>Диспетчер сможет оптимально распределить нагрузку</a:t>
+            </a:r>
+          </a:p>
+        </p:txBody>
+      </p:sp>
+      <p:pic>
+        <p:nvPicPr>
+          <p:cNvPr id="7" name="Рисунок 6">
+            <a:extLst>
+              <a:ext uri="{FF2B5EF4-FFF2-40B4-BE49-F238E27FC236}">
+                <a16:creationId xmlns:a16="http://schemas.microsoft.com/office/drawing/2014/main" id="{AF88F330-F830-47CA-82C6-E1CEA4C41E66}"/>
+              </a:ext>
+            </a:extLst>
+          </p:cNvPr>
+          <p:cNvPicPr/>
+          <p:nvPr/>
+        </p:nvPicPr>
+        <p:blipFill>
+          <a:blip r:embed="rId3">
+            <a:extLst>
+              <a:ext uri="{28A0092B-C50C-407E-A947-70E740481C1C}">
+                <a14:useLocalDpi xmlns:a14="http://schemas.microsoft.com/office/drawing/2010/main" val="0"/>
+              </a:ext>
+            </a:extLst>
+          </a:blip>
+          <a:srcRect/>
+          <a:stretch>
+            <a:fillRect/>
+          </a:stretch>
+        </p:blipFill>
+        <p:spPr bwMode="auto">
+          <a:xfrm>
+            <a:off x="2878930" y="1164431"/>
+            <a:ext cx="5677853" cy="3585420"/>
+          </a:xfrm>
+          <a:prstGeom prst="rect">
+            <a:avLst/>
+          </a:prstGeom>
+          <a:noFill/>
+          <a:ln>
+            <a:noFill/>
+          </a:ln>
+        </p:spPr>
+      </p:pic>
+    </p:spTree>
+    <p:extLst>
+      <p:ext uri="{BB962C8B-B14F-4D97-AF65-F5344CB8AC3E}">
+        <p14:creationId xmlns:p14="http://schemas.microsoft.com/office/powerpoint/2010/main" val="3335493755"/>
       </p:ext>
     </p:extLst>
   </p:cSld>
